--- a/day2/Elixir - Day 2.pptx
+++ b/day2/Elixir - Day 2.pptx
@@ -5,34 +5,39 @@
     <p:sldMasterId id="2147483648" r:id="rId5"/>
   </p:sldMasterIdLst>
   <p:notesMasterIdLst>
-    <p:notesMasterId r:id="rId31"/>
+    <p:notesMasterId r:id="rId36"/>
   </p:notesMasterIdLst>
   <p:sldIdLst>
     <p:sldId id="276" r:id="rId6"/>
-    <p:sldId id="323" r:id="rId7"/>
-    <p:sldId id="332" r:id="rId8"/>
-    <p:sldId id="331" r:id="rId9"/>
-    <p:sldId id="335" r:id="rId10"/>
-    <p:sldId id="336" r:id="rId11"/>
-    <p:sldId id="337" r:id="rId12"/>
-    <p:sldId id="338" r:id="rId13"/>
-    <p:sldId id="339" r:id="rId14"/>
-    <p:sldId id="324" r:id="rId15"/>
-    <p:sldId id="283" r:id="rId16"/>
-    <p:sldId id="284" r:id="rId17"/>
-    <p:sldId id="321" r:id="rId18"/>
-    <p:sldId id="322" r:id="rId19"/>
-    <p:sldId id="325" r:id="rId20"/>
-    <p:sldId id="291" r:id="rId21"/>
-    <p:sldId id="326" r:id="rId22"/>
-    <p:sldId id="327" r:id="rId23"/>
-    <p:sldId id="329" r:id="rId24"/>
-    <p:sldId id="330" r:id="rId25"/>
-    <p:sldId id="333" r:id="rId26"/>
-    <p:sldId id="334" r:id="rId27"/>
-    <p:sldId id="328" r:id="rId28"/>
-    <p:sldId id="287" r:id="rId29"/>
-    <p:sldId id="299" r:id="rId30"/>
+    <p:sldId id="331" r:id="rId7"/>
+    <p:sldId id="335" r:id="rId8"/>
+    <p:sldId id="336" r:id="rId9"/>
+    <p:sldId id="337" r:id="rId10"/>
+    <p:sldId id="338" r:id="rId11"/>
+    <p:sldId id="339" r:id="rId12"/>
+    <p:sldId id="324" r:id="rId13"/>
+    <p:sldId id="340" r:id="rId14"/>
+    <p:sldId id="341" r:id="rId15"/>
+    <p:sldId id="342" r:id="rId16"/>
+    <p:sldId id="343" r:id="rId17"/>
+    <p:sldId id="344" r:id="rId18"/>
+    <p:sldId id="283" r:id="rId19"/>
+    <p:sldId id="284" r:id="rId20"/>
+    <p:sldId id="321" r:id="rId21"/>
+    <p:sldId id="322" r:id="rId22"/>
+    <p:sldId id="325" r:id="rId23"/>
+    <p:sldId id="346" r:id="rId24"/>
+    <p:sldId id="291" r:id="rId25"/>
+    <p:sldId id="326" r:id="rId26"/>
+    <p:sldId id="329" r:id="rId27"/>
+    <p:sldId id="333" r:id="rId28"/>
+    <p:sldId id="334" r:id="rId29"/>
+    <p:sldId id="345" r:id="rId30"/>
+    <p:sldId id="323" r:id="rId31"/>
+    <p:sldId id="330" r:id="rId32"/>
+    <p:sldId id="328" r:id="rId33"/>
+    <p:sldId id="287" r:id="rId34"/>
+    <p:sldId id="299" r:id="rId35"/>
   </p:sldIdLst>
   <p:sldSz cx="12192000" cy="6858000"/>
   <p:notesSz cx="6858000" cy="9144000"/>
@@ -573,7 +578,7 @@
     </p:spTree>
     <p:extLst>
       <p:ext uri="{BB962C8B-B14F-4D97-AF65-F5344CB8AC3E}">
-        <p14:creationId xmlns:p14="http://schemas.microsoft.com/office/powerpoint/2010/main" val="4170462858"/>
+        <p14:creationId xmlns:p14="http://schemas.microsoft.com/office/powerpoint/2010/main" val="2977280094"/>
       </p:ext>
     </p:extLst>
   </p:cSld>
@@ -639,7 +644,7 @@
     </p:spTree>
     <p:extLst>
       <p:ext uri="{BB962C8B-B14F-4D97-AF65-F5344CB8AC3E}">
-        <p14:creationId xmlns:p14="http://schemas.microsoft.com/office/powerpoint/2010/main" val="2977280094"/>
+        <p14:creationId xmlns:p14="http://schemas.microsoft.com/office/powerpoint/2010/main" val="1753280302"/>
       </p:ext>
     </p:extLst>
   </p:cSld>
@@ -654,7 +659,13 @@
   <p:cSld>
     <p:spTree>
       <p:nvGrpSpPr>
-        <p:cNvPr id="1" name=""/>
+        <p:cNvPr id="1" name="">
+          <a:extLst>
+            <a:ext uri="{FF2B5EF4-FFF2-40B4-BE49-F238E27FC236}">
+              <a16:creationId xmlns:a16="http://schemas.microsoft.com/office/drawing/2014/main" id="{C38CA529-B28D-C4FF-C530-2AA0D5173A64}"/>
+            </a:ext>
+          </a:extLst>
+        </p:cNvPr>
         <p:cNvGrpSpPr/>
         <p:nvPr/>
       </p:nvGrpSpPr>
@@ -668,7 +679,13 @@
       </p:grpSpPr>
       <p:sp>
         <p:nvSpPr>
-          <p:cNvPr id="2" name="Slide Image Placeholder 1"/>
+          <p:cNvPr id="2" name="Slide Image Placeholder 1">
+            <a:extLst>
+              <a:ext uri="{FF2B5EF4-FFF2-40B4-BE49-F238E27FC236}">
+                <a16:creationId xmlns:a16="http://schemas.microsoft.com/office/drawing/2014/main" id="{486F7F43-B964-FCD4-93B8-D016050106FD}"/>
+              </a:ext>
+            </a:extLst>
+          </p:cNvPr>
           <p:cNvSpPr>
             <a:spLocks noGrp="1" noRot="1" noChangeAspect="1"/>
           </p:cNvSpPr>
@@ -685,7 +702,13 @@
       </p:sp>
       <p:sp>
         <p:nvSpPr>
-          <p:cNvPr id="3" name="Notes Placeholder 2"/>
+          <p:cNvPr id="3" name="Notes Placeholder 2">
+            <a:extLst>
+              <a:ext uri="{FF2B5EF4-FFF2-40B4-BE49-F238E27FC236}">
+                <a16:creationId xmlns:a16="http://schemas.microsoft.com/office/drawing/2014/main" id="{43FC3F6D-EF7F-CFA3-6D1F-85B25829FF54}"/>
+              </a:ext>
+            </a:extLst>
+          </p:cNvPr>
           <p:cNvSpPr>
             <a:spLocks noGrp="1"/>
           </p:cNvSpPr>
@@ -705,7 +728,7 @@
     </p:spTree>
     <p:extLst>
       <p:ext uri="{BB962C8B-B14F-4D97-AF65-F5344CB8AC3E}">
-        <p14:creationId xmlns:p14="http://schemas.microsoft.com/office/powerpoint/2010/main" val="1753280302"/>
+        <p14:creationId xmlns:p14="http://schemas.microsoft.com/office/powerpoint/2010/main" val="2890017164"/>
       </p:ext>
     </p:extLst>
   </p:cSld>
@@ -716,72 +739,6 @@
 </file>
 
 <file path=ppt/notesSlides/notesSlide4.xml><?xml version="1.0" encoding="utf-8"?>
-<p:notes xmlns:a="http://schemas.openxmlformats.org/drawingml/2006/main" xmlns:r="http://schemas.openxmlformats.org/officeDocument/2006/relationships" xmlns:p="http://schemas.openxmlformats.org/presentationml/2006/main">
-  <p:cSld>
-    <p:spTree>
-      <p:nvGrpSpPr>
-        <p:cNvPr id="1" name=""/>
-        <p:cNvGrpSpPr/>
-        <p:nvPr/>
-      </p:nvGrpSpPr>
-      <p:grpSpPr>
-        <a:xfrm>
-          <a:off x="0" y="0"/>
-          <a:ext cx="0" cy="0"/>
-          <a:chOff x="0" y="0"/>
-          <a:chExt cx="0" cy="0"/>
-        </a:xfrm>
-      </p:grpSpPr>
-      <p:sp>
-        <p:nvSpPr>
-          <p:cNvPr id="2" name="Slide Image Placeholder 1"/>
-          <p:cNvSpPr>
-            <a:spLocks noGrp="1" noRot="1" noChangeAspect="1"/>
-          </p:cNvSpPr>
-          <p:nvPr>
-            <p:ph type="sldImg"/>
-          </p:nvPr>
-        </p:nvSpPr>
-        <p:spPr>
-          <a:xfrm>
-            <a:off x="381000" y="685800"/>
-            <a:ext cx="6096000" cy="3429000"/>
-          </a:xfrm>
-        </p:spPr>
-      </p:sp>
-      <p:sp>
-        <p:nvSpPr>
-          <p:cNvPr id="3" name="Notes Placeholder 2"/>
-          <p:cNvSpPr>
-            <a:spLocks noGrp="1"/>
-          </p:cNvSpPr>
-          <p:nvPr>
-            <p:ph type="body" idx="1"/>
-          </p:nvPr>
-        </p:nvSpPr>
-        <p:spPr/>
-        <p:txBody>
-          <a:bodyPr/>
-          <a:lstStyle/>
-          <a:p>
-            <a:endParaRPr lang="en-US" dirty="0"/>
-          </a:p>
-        </p:txBody>
-      </p:sp>
-    </p:spTree>
-    <p:extLst>
-      <p:ext uri="{BB962C8B-B14F-4D97-AF65-F5344CB8AC3E}">
-        <p14:creationId xmlns:p14="http://schemas.microsoft.com/office/powerpoint/2010/main" val="2675307644"/>
-      </p:ext>
-    </p:extLst>
-  </p:cSld>
-  <p:clrMapOvr>
-    <a:masterClrMapping/>
-  </p:clrMapOvr>
-</p:notes>
-</file>
-
-<file path=ppt/notesSlides/notesSlide5.xml><?xml version="1.0" encoding="utf-8"?>
 <p:notes xmlns:a="http://schemas.openxmlformats.org/drawingml/2006/main" xmlns:r="http://schemas.openxmlformats.org/officeDocument/2006/relationships" xmlns:p="http://schemas.openxmlformats.org/presentationml/2006/main">
   <p:cSld>
     <p:spTree>
@@ -3424,7 +3381,7 @@
           <a:p>
             <a:r>
               <a:rPr lang="en-US" sz="6000" dirty="0"/>
-              <a:t>Elixir</a:t>
+              <a:t>Elixir Workshop</a:t>
             </a:r>
           </a:p>
         </p:txBody>
@@ -3500,10 +3457,10 @@
       </p:grpSpPr>
       <p:sp>
         <p:nvSpPr>
-          <p:cNvPr id="4" name="Title 3">
+          <p:cNvPr id="2" name="Title 1">
             <a:extLst>
               <a:ext uri="{FF2B5EF4-FFF2-40B4-BE49-F238E27FC236}">
-                <a16:creationId xmlns:a16="http://schemas.microsoft.com/office/drawing/2014/main" id="{0B5E89EB-6726-48BB-A178-4BC22FD7EFD1}"/>
+                <a16:creationId xmlns:a16="http://schemas.microsoft.com/office/drawing/2014/main" id="{104423AA-BB8C-FECC-51C4-1A2412BB0DBE}"/>
               </a:ext>
             </a:extLst>
           </p:cNvPr>
@@ -3514,29 +3471,25 @@
             <p:ph type="title"/>
           </p:nvPr>
         </p:nvSpPr>
-        <p:spPr>
-          <a:xfrm>
-            <a:off x="885440" y="1597396"/>
-            <a:ext cx="4939048" cy="1076082"/>
-          </a:xfrm>
-        </p:spPr>
+        <p:spPr/>
         <p:txBody>
           <a:bodyPr/>
           <a:lstStyle/>
           <a:p>
             <a:r>
               <a:rPr lang="en-US" dirty="0"/>
-              <a:t>Demo</a:t>
-            </a:r>
+              <a:t>Types of multi-tasking</a:t>
+            </a:r>
+            <a:endParaRPr lang="bg-BG" dirty="0"/>
           </a:p>
         </p:txBody>
       </p:sp>
       <p:sp>
         <p:nvSpPr>
-          <p:cNvPr id="5" name="Text Placeholder 4">
+          <p:cNvPr id="3" name="Text Placeholder 2">
             <a:extLst>
               <a:ext uri="{FF2B5EF4-FFF2-40B4-BE49-F238E27FC236}">
-                <a16:creationId xmlns:a16="http://schemas.microsoft.com/office/drawing/2014/main" id="{D92FCB95-0201-4B34-8F73-1B60BBEDA319}"/>
+                <a16:creationId xmlns:a16="http://schemas.microsoft.com/office/drawing/2014/main" id="{E715DF08-323A-7CE0-0E34-557B7FBCF68A}"/>
               </a:ext>
             </a:extLst>
           </p:cNvPr>
@@ -3544,29 +3497,204 @@
             <a:spLocks noGrp="1"/>
           </p:cNvSpPr>
           <p:nvPr>
-            <p:ph type="body" sz="quarter" idx="1"/>
+            <p:ph type="body" idx="1"/>
+          </p:nvPr>
+        </p:nvSpPr>
+        <p:spPr/>
+        <p:txBody>
+          <a:bodyPr/>
+          <a:lstStyle/>
+          <a:p>
+            <a:r>
+              <a:rPr lang="en-US" dirty="0"/>
+              <a:t>Pre-emptive</a:t>
+            </a:r>
+          </a:p>
+          <a:p>
+            <a:pPr lvl="1"/>
+            <a:r>
+              <a:rPr lang="en-US" dirty="0"/>
+              <a:t>The OS gives some CPU time to a process</a:t>
+            </a:r>
+          </a:p>
+          <a:p>
+            <a:pPr lvl="1"/>
+            <a:r>
+              <a:rPr lang="en-US" dirty="0"/>
+              <a:t>If the process doesn’t complete, the OS switches to another process</a:t>
+            </a:r>
+          </a:p>
+          <a:p>
+            <a:pPr lvl="2"/>
+            <a:r>
+              <a:rPr lang="en-US" dirty="0"/>
+              <a:t>This is called context switching</a:t>
+            </a:r>
+          </a:p>
+          <a:p>
+            <a:pPr lvl="1"/>
+            <a:r>
+              <a:rPr lang="en-US" dirty="0"/>
+              <a:t>Processes have priority</a:t>
+            </a:r>
+          </a:p>
+          <a:p>
+            <a:r>
+              <a:rPr lang="en-US" dirty="0"/>
+              <a:t>Cooperative</a:t>
+            </a:r>
+          </a:p>
+          <a:p>
+            <a:pPr lvl="1"/>
+            <a:r>
+              <a:rPr lang="en-US" dirty="0"/>
+              <a:t>The OS gives CPU time to a process</a:t>
+            </a:r>
+          </a:p>
+          <a:p>
+            <a:pPr lvl="1"/>
+            <a:r>
+              <a:rPr lang="en-US" dirty="0"/>
+              <a:t>Then waits for the process to voluntarily release CPU</a:t>
+            </a:r>
+          </a:p>
+          <a:p>
+            <a:pPr lvl="1"/>
+            <a:r>
+              <a:rPr lang="en-US" dirty="0"/>
+              <a:t>It’s rarely used nowadays</a:t>
+            </a:r>
+            <a:endParaRPr lang="bg-BG" dirty="0"/>
+          </a:p>
+        </p:txBody>
+      </p:sp>
+    </p:spTree>
+    <p:extLst>
+      <p:ext uri="{BB962C8B-B14F-4D97-AF65-F5344CB8AC3E}">
+        <p14:creationId xmlns:p14="http://schemas.microsoft.com/office/powerpoint/2010/main" val="1760730561"/>
+      </p:ext>
+    </p:extLst>
+  </p:cSld>
+  <p:clrMapOvr>
+    <a:masterClrMapping/>
+  </p:clrMapOvr>
+  <p:transition spd="med"/>
+</p:sld>
+</file>
+
+<file path=ppt/slides/slide11.xml><?xml version="1.0" encoding="utf-8"?>
+<p:sld xmlns:a="http://schemas.openxmlformats.org/drawingml/2006/main" xmlns:r="http://schemas.openxmlformats.org/officeDocument/2006/relationships" xmlns:p="http://schemas.openxmlformats.org/presentationml/2006/main">
+  <p:cSld>
+    <p:spTree>
+      <p:nvGrpSpPr>
+        <p:cNvPr id="1" name=""/>
+        <p:cNvGrpSpPr/>
+        <p:nvPr/>
+      </p:nvGrpSpPr>
+      <p:grpSpPr>
+        <a:xfrm>
+          <a:off x="0" y="0"/>
+          <a:ext cx="0" cy="0"/>
+          <a:chOff x="0" y="0"/>
+          <a:chExt cx="0" cy="0"/>
+        </a:xfrm>
+      </p:grpSpPr>
+      <p:sp>
+        <p:nvSpPr>
+          <p:cNvPr id="2" name="Title 1">
+            <a:extLst>
+              <a:ext uri="{FF2B5EF4-FFF2-40B4-BE49-F238E27FC236}">
+                <a16:creationId xmlns:a16="http://schemas.microsoft.com/office/drawing/2014/main" id="{AAB82BD1-DC84-2EA0-6CFB-3ADE6AAE054A}"/>
+              </a:ext>
+            </a:extLst>
+          </p:cNvPr>
+          <p:cNvSpPr>
+            <a:spLocks noGrp="1"/>
+          </p:cNvSpPr>
+          <p:nvPr>
+            <p:ph type="title"/>
+          </p:nvPr>
+        </p:nvSpPr>
+        <p:spPr/>
+        <p:txBody>
+          <a:bodyPr/>
+          <a:lstStyle/>
+          <a:p>
+            <a:r>
+              <a:rPr lang="en-US" dirty="0"/>
+              <a:t>What are OS threads?</a:t>
+            </a:r>
+            <a:endParaRPr lang="bg-BG" dirty="0"/>
+          </a:p>
+        </p:txBody>
+      </p:sp>
+      <p:sp>
+        <p:nvSpPr>
+          <p:cNvPr id="3" name="Text Placeholder 2">
+            <a:extLst>
+              <a:ext uri="{FF2B5EF4-FFF2-40B4-BE49-F238E27FC236}">
+                <a16:creationId xmlns:a16="http://schemas.microsoft.com/office/drawing/2014/main" id="{A52FA8D8-6F8C-75AC-DE3D-BDBE0815F887}"/>
+              </a:ext>
+            </a:extLst>
+          </p:cNvPr>
+          <p:cNvSpPr>
+            <a:spLocks noGrp="1"/>
+          </p:cNvSpPr>
+          <p:nvPr>
+            <p:ph type="body" idx="1"/>
           </p:nvPr>
         </p:nvSpPr>
         <p:spPr>
           <a:xfrm>
-            <a:off x="885440" y="2805606"/>
-            <a:ext cx="5031977" cy="1246787"/>
+            <a:off x="838200" y="1345995"/>
+            <a:ext cx="5434584" cy="4351339"/>
           </a:xfrm>
         </p:spPr>
         <p:txBody>
           <a:bodyPr/>
           <a:lstStyle/>
           <a:p>
+            <a:r>
+              <a:rPr lang="en-US" dirty="0"/>
+              <a:t>A sequence of instructions</a:t>
+            </a:r>
+          </a:p>
+          <a:p>
             <a:endParaRPr lang="en-US" dirty="0"/>
+          </a:p>
+          <a:p>
+            <a:r>
+              <a:rPr lang="en-US" dirty="0"/>
+              <a:t>More lightweight than OS processes</a:t>
+            </a:r>
+          </a:p>
+          <a:p>
+            <a:endParaRPr lang="en-US" dirty="0"/>
+          </a:p>
+          <a:p>
+            <a:r>
+              <a:rPr lang="en-US" dirty="0"/>
+              <a:t>Each OS process can run multiple threads in parallel</a:t>
+            </a:r>
+          </a:p>
+          <a:p>
+            <a:endParaRPr lang="en-US" dirty="0"/>
+          </a:p>
+          <a:p>
+            <a:r>
+              <a:rPr lang="en-US" dirty="0"/>
+              <a:t>Managed by the OS</a:t>
+            </a:r>
+            <a:endParaRPr lang="bg-BG" dirty="0"/>
           </a:p>
         </p:txBody>
       </p:sp>
       <p:pic>
         <p:nvPicPr>
-          <p:cNvPr id="2050" name="Picture 2">
+          <p:cNvPr id="1026" name="Picture 2" descr="undefined">
             <a:extLst>
               <a:ext uri="{FF2B5EF4-FFF2-40B4-BE49-F238E27FC236}">
-                <a16:creationId xmlns:a16="http://schemas.microsoft.com/office/drawing/2014/main" id="{00A4FE67-659A-44B9-A2F9-A88C6BE1E64C}"/>
+                <a16:creationId xmlns:a16="http://schemas.microsoft.com/office/drawing/2014/main" id="{6B01A305-EFB7-537F-83A2-165E4A29D140}"/>
               </a:ext>
             </a:extLst>
           </p:cNvPr>
@@ -3576,7 +3704,7 @@
           <p:nvPr/>
         </p:nvPicPr>
         <p:blipFill>
-          <a:blip r:embed="rId3">
+          <a:blip r:embed="rId2" cstate="print">
             <a:extLst>
               <a:ext uri="{28A0092B-C50C-407E-A947-70E740481C1C}">
                 <a14:useLocalDpi xmlns:a14="http://schemas.microsoft.com/office/drawing/2010/main" val="0"/>
@@ -3590,8 +3718,8 @@
         </p:blipFill>
         <p:spPr bwMode="auto">
           <a:xfrm>
-            <a:off x="5160320" y="1387603"/>
-            <a:ext cx="2571750" cy="2571750"/>
+            <a:off x="7339436" y="1181894"/>
+            <a:ext cx="4014364" cy="3794760"/>
           </a:xfrm>
           <a:prstGeom prst="rect">
             <a:avLst/>
@@ -3611,7 +3739,7 @@
     </p:spTree>
     <p:extLst>
       <p:ext uri="{BB962C8B-B14F-4D97-AF65-F5344CB8AC3E}">
-        <p14:creationId xmlns:p14="http://schemas.microsoft.com/office/powerpoint/2010/main" val="2205140548"/>
+        <p14:creationId xmlns:p14="http://schemas.microsoft.com/office/powerpoint/2010/main" val="187631485"/>
       </p:ext>
     </p:extLst>
   </p:cSld>
@@ -3622,7 +3750,320 @@
 </p:sld>
 </file>
 
-<file path=ppt/slides/slide11.xml><?xml version="1.0" encoding="utf-8"?>
+<file path=ppt/slides/slide12.xml><?xml version="1.0" encoding="utf-8"?>
+<p:sld xmlns:a="http://schemas.openxmlformats.org/drawingml/2006/main" xmlns:r="http://schemas.openxmlformats.org/officeDocument/2006/relationships" xmlns:p="http://schemas.openxmlformats.org/presentationml/2006/main">
+  <p:cSld>
+    <p:spTree>
+      <p:nvGrpSpPr>
+        <p:cNvPr id="1" name=""/>
+        <p:cNvGrpSpPr/>
+        <p:nvPr/>
+      </p:nvGrpSpPr>
+      <p:grpSpPr>
+        <a:xfrm>
+          <a:off x="0" y="0"/>
+          <a:ext cx="0" cy="0"/>
+          <a:chOff x="0" y="0"/>
+          <a:chExt cx="0" cy="0"/>
+        </a:xfrm>
+      </p:grpSpPr>
+      <p:sp>
+        <p:nvSpPr>
+          <p:cNvPr id="2" name="Title 1">
+            <a:extLst>
+              <a:ext uri="{FF2B5EF4-FFF2-40B4-BE49-F238E27FC236}">
+                <a16:creationId xmlns:a16="http://schemas.microsoft.com/office/drawing/2014/main" id="{56338DB0-5D9D-E8D7-97A8-722F985AAE8C}"/>
+              </a:ext>
+            </a:extLst>
+          </p:cNvPr>
+          <p:cNvSpPr>
+            <a:spLocks noGrp="1"/>
+          </p:cNvSpPr>
+          <p:nvPr>
+            <p:ph type="title"/>
+          </p:nvPr>
+        </p:nvSpPr>
+        <p:spPr/>
+        <p:txBody>
+          <a:bodyPr/>
+          <a:lstStyle/>
+          <a:p>
+            <a:r>
+              <a:rPr lang="en-US" dirty="0"/>
+              <a:t>Kernel threads vs user threads</a:t>
+            </a:r>
+            <a:endParaRPr lang="bg-BG" dirty="0"/>
+          </a:p>
+        </p:txBody>
+      </p:sp>
+      <p:sp>
+        <p:nvSpPr>
+          <p:cNvPr id="3" name="Text Placeholder 2">
+            <a:extLst>
+              <a:ext uri="{FF2B5EF4-FFF2-40B4-BE49-F238E27FC236}">
+                <a16:creationId xmlns:a16="http://schemas.microsoft.com/office/drawing/2014/main" id="{CB46869A-E399-807E-D06A-6A36F8311FE9}"/>
+              </a:ext>
+            </a:extLst>
+          </p:cNvPr>
+          <p:cNvSpPr>
+            <a:spLocks noGrp="1"/>
+          </p:cNvSpPr>
+          <p:nvPr>
+            <p:ph type="body" idx="1"/>
+          </p:nvPr>
+        </p:nvSpPr>
+        <p:spPr>
+          <a:xfrm>
+            <a:off x="838200" y="1345995"/>
+            <a:ext cx="6568440" cy="4524453"/>
+          </a:xfrm>
+        </p:spPr>
+        <p:txBody>
+          <a:bodyPr>
+            <a:normAutofit/>
+          </a:bodyPr>
+          <a:lstStyle/>
+          <a:p>
+            <a:r>
+              <a:rPr lang="en-US" dirty="0"/>
+              <a:t>OS (Kernel) threads disadvantages:</a:t>
+            </a:r>
+          </a:p>
+          <a:p>
+            <a:pPr lvl="1"/>
+            <a:r>
+              <a:rPr lang="en-US" dirty="0"/>
+              <a:t>Expensive creation and management</a:t>
+            </a:r>
+          </a:p>
+          <a:p>
+            <a:pPr lvl="1"/>
+            <a:r>
+              <a:rPr lang="en-US" dirty="0"/>
+              <a:t>Context-switching is slow</a:t>
+            </a:r>
+          </a:p>
+          <a:p>
+            <a:r>
+              <a:rPr lang="en-US" dirty="0"/>
+              <a:t>User (application) threads come to the rescue</a:t>
+            </a:r>
+          </a:p>
+          <a:p>
+            <a:pPr lvl="1"/>
+            <a:r>
+              <a:rPr lang="en-US" dirty="0"/>
+              <a:t>Also named green threads, routines etc.</a:t>
+            </a:r>
+          </a:p>
+          <a:p>
+            <a:pPr lvl="1"/>
+            <a:r>
+              <a:rPr lang="en-US" dirty="0"/>
+              <a:t>Managed by the application</a:t>
+            </a:r>
+          </a:p>
+          <a:p>
+            <a:pPr lvl="2"/>
+            <a:r>
+              <a:rPr lang="en-US" dirty="0"/>
+              <a:t>Lighter, fast context switching</a:t>
+            </a:r>
+          </a:p>
+          <a:p>
+            <a:pPr lvl="1"/>
+            <a:r>
+              <a:rPr lang="en-US" dirty="0"/>
+              <a:t>True parallelism (on multiple cores) is not always easy</a:t>
+            </a:r>
+          </a:p>
+          <a:p>
+            <a:r>
+              <a:rPr lang="en-US" dirty="0"/>
+              <a:t>Both types share the same memory</a:t>
+            </a:r>
+            <a:endParaRPr lang="bg-BG" dirty="0"/>
+          </a:p>
+        </p:txBody>
+      </p:sp>
+      <p:pic>
+        <p:nvPicPr>
+          <p:cNvPr id="2050" name="Picture 2" descr="Why must User Threads be mapped to Kernel Thread">
+            <a:extLst>
+              <a:ext uri="{FF2B5EF4-FFF2-40B4-BE49-F238E27FC236}">
+                <a16:creationId xmlns:a16="http://schemas.microsoft.com/office/drawing/2014/main" id="{13AB5611-DCEE-4A25-CB11-8D5E9021BC89}"/>
+              </a:ext>
+            </a:extLst>
+          </p:cNvPr>
+          <p:cNvPicPr>
+            <a:picLocks noChangeAspect="1" noChangeArrowheads="1"/>
+          </p:cNvPicPr>
+          <p:nvPr/>
+        </p:nvPicPr>
+        <p:blipFill>
+          <a:blip r:embed="rId2">
+            <a:extLst>
+              <a:ext uri="{28A0092B-C50C-407E-A947-70E740481C1C}">
+                <a14:useLocalDpi xmlns:a14="http://schemas.microsoft.com/office/drawing/2010/main" val="0"/>
+              </a:ext>
+            </a:extLst>
+          </a:blip>
+          <a:srcRect/>
+          <a:stretch>
+            <a:fillRect/>
+          </a:stretch>
+        </p:blipFill>
+        <p:spPr bwMode="auto">
+          <a:xfrm>
+            <a:off x="7406640" y="1714500"/>
+            <a:ext cx="4286250" cy="3429000"/>
+          </a:xfrm>
+          <a:prstGeom prst="rect">
+            <a:avLst/>
+          </a:prstGeom>
+          <a:noFill/>
+          <a:extLst>
+            <a:ext uri="{909E8E84-426E-40DD-AFC4-6F175D3DCCD1}">
+              <a14:hiddenFill xmlns:a14="http://schemas.microsoft.com/office/drawing/2010/main">
+                <a:solidFill>
+                  <a:srgbClr val="FFFFFF"/>
+                </a:solidFill>
+              </a14:hiddenFill>
+            </a:ext>
+          </a:extLst>
+        </p:spPr>
+      </p:pic>
+    </p:spTree>
+    <p:extLst>
+      <p:ext uri="{BB962C8B-B14F-4D97-AF65-F5344CB8AC3E}">
+        <p14:creationId xmlns:p14="http://schemas.microsoft.com/office/powerpoint/2010/main" val="21647239"/>
+      </p:ext>
+    </p:extLst>
+  </p:cSld>
+  <p:clrMapOvr>
+    <a:masterClrMapping/>
+  </p:clrMapOvr>
+  <p:transition spd="med"/>
+</p:sld>
+</file>
+
+<file path=ppt/slides/slide13.xml><?xml version="1.0" encoding="utf-8"?>
+<p:sld xmlns:a="http://schemas.openxmlformats.org/drawingml/2006/main" xmlns:r="http://schemas.openxmlformats.org/officeDocument/2006/relationships" xmlns:p="http://schemas.openxmlformats.org/presentationml/2006/main">
+  <p:cSld>
+    <p:spTree>
+      <p:nvGrpSpPr>
+        <p:cNvPr id="1" name=""/>
+        <p:cNvGrpSpPr/>
+        <p:nvPr/>
+      </p:nvGrpSpPr>
+      <p:grpSpPr>
+        <a:xfrm>
+          <a:off x="0" y="0"/>
+          <a:ext cx="0" cy="0"/>
+          <a:chOff x="0" y="0"/>
+          <a:chExt cx="0" cy="0"/>
+        </a:xfrm>
+      </p:grpSpPr>
+      <p:sp>
+        <p:nvSpPr>
+          <p:cNvPr id="2" name="Title 1">
+            <a:extLst>
+              <a:ext uri="{FF2B5EF4-FFF2-40B4-BE49-F238E27FC236}">
+                <a16:creationId xmlns:a16="http://schemas.microsoft.com/office/drawing/2014/main" id="{55391005-52DC-6871-5ADE-C833C167399E}"/>
+              </a:ext>
+            </a:extLst>
+          </p:cNvPr>
+          <p:cNvSpPr>
+            <a:spLocks noGrp="1"/>
+          </p:cNvSpPr>
+          <p:nvPr>
+            <p:ph type="title"/>
+          </p:nvPr>
+        </p:nvSpPr>
+        <p:spPr/>
+        <p:txBody>
+          <a:bodyPr/>
+          <a:lstStyle/>
+          <a:p>
+            <a:r>
+              <a:rPr lang="en-US" dirty="0"/>
+              <a:t>Some thoughts on concurrency</a:t>
+            </a:r>
+            <a:endParaRPr lang="bg-BG" dirty="0"/>
+          </a:p>
+        </p:txBody>
+      </p:sp>
+      <p:sp>
+        <p:nvSpPr>
+          <p:cNvPr id="3" name="Text Placeholder 2">
+            <a:extLst>
+              <a:ext uri="{FF2B5EF4-FFF2-40B4-BE49-F238E27FC236}">
+                <a16:creationId xmlns:a16="http://schemas.microsoft.com/office/drawing/2014/main" id="{D18788B5-DB42-19CD-4945-E303D6832970}"/>
+              </a:ext>
+            </a:extLst>
+          </p:cNvPr>
+          <p:cNvSpPr>
+            <a:spLocks noGrp="1"/>
+          </p:cNvSpPr>
+          <p:nvPr>
+            <p:ph type="body" idx="1"/>
+          </p:nvPr>
+        </p:nvSpPr>
+        <p:spPr/>
+        <p:txBody>
+          <a:bodyPr/>
+          <a:lstStyle/>
+          <a:p>
+            <a:r>
+              <a:rPr lang="en-US" dirty="0"/>
+              <a:t>Concurrency, parallelism and multithreading are not the same thing</a:t>
+            </a:r>
+          </a:p>
+          <a:p>
+            <a:endParaRPr lang="en-US" dirty="0"/>
+          </a:p>
+          <a:p>
+            <a:r>
+              <a:rPr lang="en-US" dirty="0"/>
+              <a:t>We can achieve true parallelism only with multiple cores</a:t>
+            </a:r>
+          </a:p>
+          <a:p>
+            <a:endParaRPr lang="en-US" dirty="0"/>
+          </a:p>
+          <a:p>
+            <a:r>
+              <a:rPr lang="en-US" dirty="0"/>
+              <a:t>We can have concurrency with a single OS thread (e.g. NodeJS, green threads)</a:t>
+            </a:r>
+          </a:p>
+          <a:p>
+            <a:endParaRPr lang="en-US" dirty="0"/>
+          </a:p>
+          <a:p>
+            <a:r>
+              <a:rPr lang="en-US" dirty="0"/>
+              <a:t>2x more threads doesn’t mean 2x faster performance</a:t>
+            </a:r>
+            <a:endParaRPr lang="bg-BG" dirty="0"/>
+          </a:p>
+        </p:txBody>
+      </p:sp>
+    </p:spTree>
+    <p:extLst>
+      <p:ext uri="{BB962C8B-B14F-4D97-AF65-F5344CB8AC3E}">
+        <p14:creationId xmlns:p14="http://schemas.microsoft.com/office/powerpoint/2010/main" val="877089535"/>
+      </p:ext>
+    </p:extLst>
+  </p:cSld>
+  <p:clrMapOvr>
+    <a:masterClrMapping/>
+  </p:clrMapOvr>
+  <p:transition spd="med"/>
+</p:sld>
+</file>
+
+<file path=ppt/slides/slide14.xml><?xml version="1.0" encoding="utf-8"?>
 <p:sld xmlns:a="http://schemas.openxmlformats.org/drawingml/2006/main" xmlns:r="http://schemas.openxmlformats.org/officeDocument/2006/relationships" xmlns:p="http://schemas.openxmlformats.org/presentationml/2006/main">
   <p:cSld>
     <p:spTree>
@@ -3867,7 +4308,7 @@
 </p:sld>
 </file>
 
-<file path=ppt/slides/slide12.xml><?xml version="1.0" encoding="utf-8"?>
+<file path=ppt/slides/slide15.xml><?xml version="1.0" encoding="utf-8"?>
 <p:sld xmlns:a="http://schemas.openxmlformats.org/drawingml/2006/main" xmlns:r="http://schemas.openxmlformats.org/officeDocument/2006/relationships" xmlns:p="http://schemas.openxmlformats.org/presentationml/2006/main">
   <p:cSld>
     <p:spTree>
@@ -3928,10 +4369,15 @@
             <p:ph type="body" idx="1"/>
           </p:nvPr>
         </p:nvSpPr>
-        <p:spPr/>
+        <p:spPr>
+          <a:xfrm>
+            <a:off x="838200" y="1345995"/>
+            <a:ext cx="10515600" cy="4487877"/>
+          </a:xfrm>
+        </p:spPr>
         <p:txBody>
           <a:bodyPr>
-            <a:normAutofit/>
+            <a:normAutofit lnSpcReduction="10000"/>
           </a:bodyPr>
           <a:lstStyle/>
           <a:p>
@@ -3963,6 +4409,13 @@
             <a:r>
               <a:rPr lang="en-US" dirty="0"/>
               <a:t>Built-in load balancing</a:t>
+            </a:r>
+          </a:p>
+          <a:p>
+            <a:pPr lvl="1"/>
+            <a:r>
+              <a:rPr lang="en-US" dirty="0"/>
+              <a:t>All cores are used</a:t>
             </a:r>
           </a:p>
           <a:p>
@@ -4000,7 +4453,7 @@
 </p:sld>
 </file>
 
-<file path=ppt/slides/slide13.xml><?xml version="1.0" encoding="utf-8"?>
+<file path=ppt/slides/slide16.xml><?xml version="1.0" encoding="utf-8"?>
 <p:sld xmlns:a="http://schemas.openxmlformats.org/drawingml/2006/main" xmlns:r="http://schemas.openxmlformats.org/officeDocument/2006/relationships" xmlns:p="http://schemas.openxmlformats.org/presentationml/2006/main">
   <p:cSld>
     <p:spTree>
@@ -4406,7 +4859,7 @@
 </p:sld>
 </file>
 
-<file path=ppt/slides/slide14.xml><?xml version="1.0" encoding="utf-8"?>
+<file path=ppt/slides/slide17.xml><?xml version="1.0" encoding="utf-8"?>
 <p:sld xmlns:a="http://schemas.openxmlformats.org/drawingml/2006/main" xmlns:r="http://schemas.openxmlformats.org/officeDocument/2006/relationships" xmlns:p="http://schemas.openxmlformats.org/presentationml/2006/main">
   <p:cSld>
     <p:spTree>
@@ -4971,7 +5424,7 @@
 </p:sld>
 </file>
 
-<file path=ppt/slides/slide15.xml><?xml version="1.0" encoding="utf-8"?>
+<file path=ppt/slides/slide18.xml><?xml version="1.0" encoding="utf-8"?>
 <p:sld xmlns:a="http://schemas.openxmlformats.org/drawingml/2006/main" xmlns:r="http://schemas.openxmlformats.org/officeDocument/2006/relationships" xmlns:p="http://schemas.openxmlformats.org/presentationml/2006/main">
   <p:cSld>
     <p:spTree>
@@ -5036,7 +5489,7 @@
         <p:spPr/>
         <p:txBody>
           <a:bodyPr>
-            <a:normAutofit lnSpcReduction="10000"/>
+            <a:normAutofit/>
           </a:bodyPr>
           <a:lstStyle/>
           <a:p>
@@ -5077,20 +5530,11 @@
           <a:p>
             <a:r>
               <a:rPr lang="en-US" dirty="0"/>
-              <a:t>Used in patterns </a:t>
+              <a:t>Used in patterns like</a:t>
             </a:r>
             <a:r>
               <a:rPr lang="en-US" b="1" dirty="0"/>
-              <a:t>like supervisor trees</a:t>
-            </a:r>
-          </a:p>
-          <a:p>
-            <a:endParaRPr lang="en-US" dirty="0"/>
-          </a:p>
-          <a:p>
-            <a:r>
-              <a:rPr lang="en-US" dirty="0"/>
-              <a:t>Part of the “let it crash” philosophy</a:t>
+              <a:t> supervisor trees</a:t>
             </a:r>
           </a:p>
         </p:txBody>
@@ -5109,7 +5553,1540 @@
 </p:sld>
 </file>
 
-<file path=ppt/slides/slide16.xml><?xml version="1.0" encoding="utf-8"?>
+<file path=ppt/slides/slide19.xml><?xml version="1.0" encoding="utf-8"?>
+<p:sld xmlns:a="http://schemas.openxmlformats.org/drawingml/2006/main" xmlns:r="http://schemas.openxmlformats.org/officeDocument/2006/relationships" xmlns:p="http://schemas.openxmlformats.org/presentationml/2006/main">
+  <p:cSld>
+    <p:spTree>
+      <p:nvGrpSpPr>
+        <p:cNvPr id="1" name=""/>
+        <p:cNvGrpSpPr/>
+        <p:nvPr/>
+      </p:nvGrpSpPr>
+      <p:grpSpPr>
+        <a:xfrm>
+          <a:off x="0" y="0"/>
+          <a:ext cx="0" cy="0"/>
+          <a:chOff x="0" y="0"/>
+          <a:chExt cx="0" cy="0"/>
+        </a:xfrm>
+      </p:grpSpPr>
+      <p:sp>
+        <p:nvSpPr>
+          <p:cNvPr id="2" name="Title 1">
+            <a:extLst>
+              <a:ext uri="{FF2B5EF4-FFF2-40B4-BE49-F238E27FC236}">
+                <a16:creationId xmlns:a16="http://schemas.microsoft.com/office/drawing/2014/main" id="{2A234707-3F94-5E22-8631-E5C71BD73ABE}"/>
+              </a:ext>
+            </a:extLst>
+          </p:cNvPr>
+          <p:cNvSpPr>
+            <a:spLocks noGrp="1"/>
+          </p:cNvSpPr>
+          <p:nvPr>
+            <p:ph type="title"/>
+          </p:nvPr>
+        </p:nvSpPr>
+        <p:spPr/>
+        <p:txBody>
+          <a:bodyPr/>
+          <a:lstStyle/>
+          <a:p>
+            <a:r>
+              <a:rPr lang="en-US" dirty="0"/>
+              <a:t>Let it crash?</a:t>
+            </a:r>
+            <a:endParaRPr lang="bg-BG" dirty="0"/>
+          </a:p>
+        </p:txBody>
+      </p:sp>
+      <p:sp>
+        <p:nvSpPr>
+          <p:cNvPr id="3" name="Text Placeholder 2">
+            <a:extLst>
+              <a:ext uri="{FF2B5EF4-FFF2-40B4-BE49-F238E27FC236}">
+                <a16:creationId xmlns:a16="http://schemas.microsoft.com/office/drawing/2014/main" id="{469299BA-F219-DB40-CA6F-94D68677AB2A}"/>
+              </a:ext>
+            </a:extLst>
+          </p:cNvPr>
+          <p:cNvSpPr>
+            <a:spLocks noGrp="1"/>
+          </p:cNvSpPr>
+          <p:nvPr>
+            <p:ph type="body" idx="1"/>
+          </p:nvPr>
+        </p:nvSpPr>
+        <p:spPr>
+          <a:xfrm>
+            <a:off x="838200" y="1345995"/>
+            <a:ext cx="6705600" cy="4351339"/>
+          </a:xfrm>
+        </p:spPr>
+        <p:txBody>
+          <a:bodyPr>
+            <a:normAutofit lnSpcReduction="10000"/>
+          </a:bodyPr>
+          <a:lstStyle/>
+          <a:p>
+            <a:r>
+              <a:rPr lang="en-US" dirty="0"/>
+              <a:t>A type of “fail fast” approach</a:t>
+            </a:r>
+            <a:endParaRPr lang="bg-BG" dirty="0"/>
+          </a:p>
+          <a:p>
+            <a:endParaRPr lang="en-US" dirty="0"/>
+          </a:p>
+          <a:p>
+            <a:r>
+              <a:rPr lang="en-US" dirty="0"/>
+              <a:t>Error-handling is decoupled from the business logic</a:t>
+            </a:r>
+          </a:p>
+          <a:p>
+            <a:pPr lvl="1"/>
+            <a:r>
+              <a:rPr lang="en-US" dirty="0"/>
+              <a:t>Supervisors take care of errors</a:t>
+            </a:r>
+          </a:p>
+          <a:p>
+            <a:pPr lvl="1"/>
+            <a:r>
+              <a:rPr lang="en-US" dirty="0"/>
+              <a:t>We handle edge cases in the code</a:t>
+            </a:r>
+          </a:p>
+          <a:p>
+            <a:endParaRPr lang="en-US" dirty="0"/>
+          </a:p>
+          <a:p>
+            <a:r>
+              <a:rPr lang="en-US" dirty="0"/>
+              <a:t>Since processes are isolated and cheap, a process crashing is not a big deal</a:t>
+            </a:r>
+          </a:p>
+          <a:p>
+            <a:pPr lvl="1"/>
+            <a:r>
+              <a:rPr lang="en-US" dirty="0"/>
+              <a:t>We can always restart a process</a:t>
+            </a:r>
+          </a:p>
+          <a:p>
+            <a:endParaRPr lang="en-US" dirty="0"/>
+          </a:p>
+          <a:p>
+            <a:endParaRPr lang="bg-BG" dirty="0"/>
+          </a:p>
+        </p:txBody>
+      </p:sp>
+      <p:pic>
+        <p:nvPicPr>
+          <p:cNvPr id="3074" name="Picture 2">
+            <a:extLst>
+              <a:ext uri="{FF2B5EF4-FFF2-40B4-BE49-F238E27FC236}">
+                <a16:creationId xmlns:a16="http://schemas.microsoft.com/office/drawing/2014/main" id="{96C01785-AA6F-4088-6262-4DD0853B6941}"/>
+              </a:ext>
+            </a:extLst>
+          </p:cNvPr>
+          <p:cNvPicPr>
+            <a:picLocks noChangeAspect="1" noChangeArrowheads="1"/>
+          </p:cNvPicPr>
+          <p:nvPr/>
+        </p:nvPicPr>
+        <p:blipFill>
+          <a:blip r:embed="rId2">
+            <a:extLst>
+              <a:ext uri="{28A0092B-C50C-407E-A947-70E740481C1C}">
+                <a14:useLocalDpi xmlns:a14="http://schemas.microsoft.com/office/drawing/2010/main" val="0"/>
+              </a:ext>
+            </a:extLst>
+          </a:blip>
+          <a:srcRect/>
+          <a:stretch>
+            <a:fillRect/>
+          </a:stretch>
+        </p:blipFill>
+        <p:spPr bwMode="auto">
+          <a:xfrm>
+            <a:off x="7798976" y="735409"/>
+            <a:ext cx="3554824" cy="4870895"/>
+          </a:xfrm>
+          <a:prstGeom prst="rect">
+            <a:avLst/>
+          </a:prstGeom>
+          <a:noFill/>
+          <a:extLst>
+            <a:ext uri="{909E8E84-426E-40DD-AFC4-6F175D3DCCD1}">
+              <a14:hiddenFill xmlns:a14="http://schemas.microsoft.com/office/drawing/2010/main">
+                <a:solidFill>
+                  <a:srgbClr val="FFFFFF"/>
+                </a:solidFill>
+              </a14:hiddenFill>
+            </a:ext>
+          </a:extLst>
+        </p:spPr>
+      </p:pic>
+    </p:spTree>
+    <p:extLst>
+      <p:ext uri="{BB962C8B-B14F-4D97-AF65-F5344CB8AC3E}">
+        <p14:creationId xmlns:p14="http://schemas.microsoft.com/office/powerpoint/2010/main" val="2420354368"/>
+      </p:ext>
+    </p:extLst>
+  </p:cSld>
+  <p:clrMapOvr>
+    <a:masterClrMapping/>
+  </p:clrMapOvr>
+  <p:transition spd="med"/>
+</p:sld>
+</file>
+
+<file path=ppt/slides/slide2.xml><?xml version="1.0" encoding="utf-8"?>
+<p:sld xmlns:a="http://schemas.openxmlformats.org/drawingml/2006/main" xmlns:r="http://schemas.openxmlformats.org/officeDocument/2006/relationships" xmlns:p="http://schemas.openxmlformats.org/presentationml/2006/main">
+  <p:cSld>
+    <p:spTree>
+      <p:nvGrpSpPr>
+        <p:cNvPr id="1" name=""/>
+        <p:cNvGrpSpPr/>
+        <p:nvPr/>
+      </p:nvGrpSpPr>
+      <p:grpSpPr>
+        <a:xfrm>
+          <a:off x="0" y="0"/>
+          <a:ext cx="0" cy="0"/>
+          <a:chOff x="0" y="0"/>
+          <a:chExt cx="0" cy="0"/>
+        </a:xfrm>
+      </p:grpSpPr>
+      <p:sp>
+        <p:nvSpPr>
+          <p:cNvPr id="4" name="Title 3">
+            <a:extLst>
+              <a:ext uri="{FF2B5EF4-FFF2-40B4-BE49-F238E27FC236}">
+                <a16:creationId xmlns:a16="http://schemas.microsoft.com/office/drawing/2014/main" id="{23274B24-D5AA-17A6-7BFF-56EB6618C762}"/>
+              </a:ext>
+            </a:extLst>
+          </p:cNvPr>
+          <p:cNvSpPr>
+            <a:spLocks noGrp="1"/>
+          </p:cNvSpPr>
+          <p:nvPr>
+            <p:ph type="title"/>
+          </p:nvPr>
+        </p:nvSpPr>
+        <p:spPr/>
+        <p:txBody>
+          <a:bodyPr/>
+          <a:lstStyle/>
+          <a:p>
+            <a:r>
+              <a:rPr lang="en-US" dirty="0"/>
+              <a:t>Working with Modules - alias</a:t>
+            </a:r>
+            <a:endParaRPr lang="bg-BG" dirty="0"/>
+          </a:p>
+        </p:txBody>
+      </p:sp>
+      <p:sp>
+        <p:nvSpPr>
+          <p:cNvPr id="5" name="Text Placeholder 4">
+            <a:extLst>
+              <a:ext uri="{FF2B5EF4-FFF2-40B4-BE49-F238E27FC236}">
+                <a16:creationId xmlns:a16="http://schemas.microsoft.com/office/drawing/2014/main" id="{2FB2B0E7-DB83-15DA-0CA0-CEB4F94E61D0}"/>
+              </a:ext>
+            </a:extLst>
+          </p:cNvPr>
+          <p:cNvSpPr>
+            <a:spLocks noGrp="1"/>
+          </p:cNvSpPr>
+          <p:nvPr>
+            <p:ph type="body" idx="1"/>
+          </p:nvPr>
+        </p:nvSpPr>
+        <p:spPr/>
+        <p:txBody>
+          <a:bodyPr/>
+          <a:lstStyle/>
+          <a:p>
+            <a:r>
+              <a:rPr lang="en-US" dirty="0"/>
+              <a:t>We use </a:t>
+            </a:r>
+            <a:r>
+              <a:rPr lang="en-US" i="1" dirty="0"/>
+              <a:t>alias</a:t>
+            </a:r>
+            <a:r>
+              <a:rPr lang="en-US" dirty="0"/>
+              <a:t> for setting-up module aliases</a:t>
+            </a:r>
+          </a:p>
+          <a:p>
+            <a:pPr marL="0" indent="0">
+              <a:buNone/>
+            </a:pPr>
+            <a:endParaRPr lang="bg-BG" dirty="0"/>
+          </a:p>
+        </p:txBody>
+      </p:sp>
+      <p:sp>
+        <p:nvSpPr>
+          <p:cNvPr id="2" name="Rectangle 1">
+            <a:extLst>
+              <a:ext uri="{FF2B5EF4-FFF2-40B4-BE49-F238E27FC236}">
+                <a16:creationId xmlns:a16="http://schemas.microsoft.com/office/drawing/2014/main" id="{C6CDAEDB-B25C-7BFC-4942-CDAF7F28BCE1}"/>
+              </a:ext>
+            </a:extLst>
+          </p:cNvPr>
+          <p:cNvSpPr/>
+          <p:nvPr/>
+        </p:nvSpPr>
+        <p:spPr>
+          <a:xfrm>
+            <a:off x="838200" y="1928464"/>
+            <a:ext cx="4501896" cy="3583541"/>
+          </a:xfrm>
+          <a:prstGeom prst="rect">
+            <a:avLst/>
+          </a:prstGeom>
+          <a:solidFill>
+            <a:srgbClr val="F9F9F9"/>
+          </a:solidFill>
+          <a:ln w="25400" cap="flat">
+            <a:solidFill>
+              <a:schemeClr val="accent1"/>
+            </a:solidFill>
+            <a:prstDash val="solid"/>
+            <a:round/>
+          </a:ln>
+          <a:effectLst/>
+          <a:sp3d/>
+        </p:spPr>
+        <p:style>
+          <a:lnRef idx="0">
+            <a:scrgbClr r="0" g="0" b="0"/>
+          </a:lnRef>
+          <a:fillRef idx="0">
+            <a:scrgbClr r="0" g="0" b="0"/>
+          </a:fillRef>
+          <a:effectRef idx="0">
+            <a:scrgbClr r="0" g="0" b="0"/>
+          </a:effectRef>
+          <a:fontRef idx="none"/>
+        </p:style>
+        <p:txBody>
+          <a:bodyPr rot="0" spcFirstLastPara="1" vertOverflow="overflow" horzOverflow="overflow" vert="horz" wrap="square" lIns="45718" tIns="45718" rIns="45718" bIns="45718" numCol="1" spcCol="38100" rtlCol="0" anchor="ctr">
+            <a:spAutoFit/>
+          </a:bodyPr>
+          <a:lstStyle/>
+          <a:p>
+            <a:r>
+              <a:rPr lang="en-US" sz="1600" b="0" dirty="0">
+                <a:solidFill>
+                  <a:srgbClr val="D73A49"/>
+                </a:solidFill>
+                <a:effectLst/>
+                <a:latin typeface="Cascadia Code" panose="020B0609020000020004" pitchFamily="49" charset="0"/>
+              </a:rPr>
+              <a:t>defmodule</a:t>
+            </a:r>
+            <a:r>
+              <a:rPr lang="en-US" sz="1600" b="0" dirty="0">
+                <a:solidFill>
+                  <a:srgbClr val="24292E"/>
+                </a:solidFill>
+                <a:effectLst/>
+                <a:latin typeface="Cascadia Code" panose="020B0609020000020004" pitchFamily="49" charset="0"/>
+              </a:rPr>
+              <a:t> </a:t>
+            </a:r>
+            <a:r>
+              <a:rPr lang="en-US" sz="1600" b="0" dirty="0">
+                <a:solidFill>
+                  <a:srgbClr val="6F42C1"/>
+                </a:solidFill>
+                <a:effectLst/>
+                <a:latin typeface="Cascadia Code" panose="020B0609020000020004" pitchFamily="49" charset="0"/>
+              </a:rPr>
+              <a:t>MyApp.Calculator</a:t>
+            </a:r>
+            <a:r>
+              <a:rPr lang="en-US" sz="1600" b="0" dirty="0">
+                <a:solidFill>
+                  <a:srgbClr val="24292E"/>
+                </a:solidFill>
+                <a:effectLst/>
+                <a:latin typeface="Cascadia Code" panose="020B0609020000020004" pitchFamily="49" charset="0"/>
+              </a:rPr>
+              <a:t> </a:t>
+            </a:r>
+            <a:r>
+              <a:rPr lang="en-US" sz="1600" b="0" dirty="0">
+                <a:solidFill>
+                  <a:srgbClr val="D73A49"/>
+                </a:solidFill>
+                <a:effectLst/>
+                <a:latin typeface="Cascadia Code" panose="020B0609020000020004" pitchFamily="49" charset="0"/>
+              </a:rPr>
+              <a:t>do</a:t>
+            </a:r>
+            <a:endParaRPr lang="en-US" sz="1600" b="0" dirty="0">
+              <a:solidFill>
+                <a:srgbClr val="24292E"/>
+              </a:solidFill>
+              <a:effectLst/>
+              <a:latin typeface="Cascadia Code" panose="020B0609020000020004" pitchFamily="49" charset="0"/>
+            </a:endParaRPr>
+          </a:p>
+          <a:p>
+            <a:r>
+              <a:rPr lang="en-US" sz="1600" b="0" dirty="0">
+                <a:solidFill>
+                  <a:srgbClr val="24292E"/>
+                </a:solidFill>
+                <a:effectLst/>
+                <a:latin typeface="Cascadia Code" panose="020B0609020000020004" pitchFamily="49" charset="0"/>
+              </a:rPr>
+              <a:t>  </a:t>
+            </a:r>
+            <a:r>
+              <a:rPr lang="en-US" sz="1600" b="0" dirty="0">
+                <a:solidFill>
+                  <a:srgbClr val="D73A49"/>
+                </a:solidFill>
+                <a:effectLst/>
+                <a:latin typeface="Cascadia Code" panose="020B0609020000020004" pitchFamily="49" charset="0"/>
+              </a:rPr>
+              <a:t>def</a:t>
+            </a:r>
+            <a:r>
+              <a:rPr lang="en-US" sz="1600" b="0" dirty="0">
+                <a:solidFill>
+                  <a:srgbClr val="24292E"/>
+                </a:solidFill>
+                <a:effectLst/>
+                <a:latin typeface="Cascadia Code" panose="020B0609020000020004" pitchFamily="49" charset="0"/>
+              </a:rPr>
+              <a:t> </a:t>
+            </a:r>
+            <a:r>
+              <a:rPr lang="en-US" sz="1600" b="0" dirty="0">
+                <a:solidFill>
+                  <a:srgbClr val="6F42C1"/>
+                </a:solidFill>
+                <a:effectLst/>
+                <a:latin typeface="Cascadia Code" panose="020B0609020000020004" pitchFamily="49" charset="0"/>
+              </a:rPr>
+              <a:t>add</a:t>
+            </a:r>
+            <a:r>
+              <a:rPr lang="en-US" sz="1600" b="0" dirty="0">
+                <a:solidFill>
+                  <a:srgbClr val="24292E"/>
+                </a:solidFill>
+                <a:effectLst/>
+                <a:latin typeface="Cascadia Code" panose="020B0609020000020004" pitchFamily="49" charset="0"/>
+              </a:rPr>
+              <a:t>(a, b), </a:t>
+            </a:r>
+            <a:r>
+              <a:rPr lang="en-US" sz="1600" b="0" dirty="0">
+                <a:solidFill>
+                  <a:srgbClr val="005CC5"/>
+                </a:solidFill>
+                <a:effectLst/>
+                <a:latin typeface="Cascadia Code" panose="020B0609020000020004" pitchFamily="49" charset="0"/>
+              </a:rPr>
+              <a:t>do:</a:t>
+            </a:r>
+            <a:r>
+              <a:rPr lang="en-US" sz="1600" b="0" dirty="0">
+                <a:solidFill>
+                  <a:srgbClr val="24292E"/>
+                </a:solidFill>
+                <a:effectLst/>
+                <a:latin typeface="Cascadia Code" panose="020B0609020000020004" pitchFamily="49" charset="0"/>
+              </a:rPr>
+              <a:t> a </a:t>
+            </a:r>
+            <a:r>
+              <a:rPr lang="en-US" sz="1600" b="0" dirty="0">
+                <a:solidFill>
+                  <a:srgbClr val="D73A49"/>
+                </a:solidFill>
+                <a:effectLst/>
+                <a:latin typeface="Cascadia Code" panose="020B0609020000020004" pitchFamily="49" charset="0"/>
+              </a:rPr>
+              <a:t>+</a:t>
+            </a:r>
+            <a:r>
+              <a:rPr lang="en-US" sz="1600" b="0" dirty="0">
+                <a:solidFill>
+                  <a:srgbClr val="24292E"/>
+                </a:solidFill>
+                <a:effectLst/>
+                <a:latin typeface="Cascadia Code" panose="020B0609020000020004" pitchFamily="49" charset="0"/>
+              </a:rPr>
+              <a:t> b</a:t>
+            </a:r>
+          </a:p>
+          <a:p>
+            <a:r>
+              <a:rPr lang="en-US" sz="1600" b="0" dirty="0">
+                <a:solidFill>
+                  <a:srgbClr val="6A737D"/>
+                </a:solidFill>
+                <a:effectLst/>
+                <a:latin typeface="Cascadia Code" panose="020B0609020000020004" pitchFamily="49" charset="0"/>
+              </a:rPr>
+              <a:t> ...</a:t>
+            </a:r>
+          </a:p>
+          <a:p>
+            <a:endParaRPr lang="en-US" sz="1600" b="0" dirty="0">
+              <a:solidFill>
+                <a:srgbClr val="24292E"/>
+              </a:solidFill>
+              <a:effectLst/>
+              <a:latin typeface="Cascadia Code" panose="020B0609020000020004" pitchFamily="49" charset="0"/>
+            </a:endParaRPr>
+          </a:p>
+          <a:p>
+            <a:r>
+              <a:rPr lang="en-US" sz="1600" b="0" dirty="0">
+                <a:solidFill>
+                  <a:srgbClr val="D73A49"/>
+                </a:solidFill>
+                <a:effectLst/>
+                <a:latin typeface="Cascadia Code" panose="020B0609020000020004" pitchFamily="49" charset="0"/>
+              </a:rPr>
+              <a:t>defmodule</a:t>
+            </a:r>
+            <a:r>
+              <a:rPr lang="en-US" sz="1600" b="0" dirty="0">
+                <a:solidFill>
+                  <a:srgbClr val="24292E"/>
+                </a:solidFill>
+                <a:effectLst/>
+                <a:latin typeface="Cascadia Code" panose="020B0609020000020004" pitchFamily="49" charset="0"/>
+              </a:rPr>
+              <a:t> </a:t>
+            </a:r>
+            <a:r>
+              <a:rPr lang="en-US" sz="1600" b="0" dirty="0">
+                <a:solidFill>
+                  <a:srgbClr val="6F42C1"/>
+                </a:solidFill>
+                <a:effectLst/>
+                <a:latin typeface="Cascadia Code" panose="020B0609020000020004" pitchFamily="49" charset="0"/>
+              </a:rPr>
+              <a:t>MyApp.Main</a:t>
+            </a:r>
+            <a:r>
+              <a:rPr lang="en-US" sz="1600" b="0" dirty="0">
+                <a:solidFill>
+                  <a:srgbClr val="24292E"/>
+                </a:solidFill>
+                <a:effectLst/>
+                <a:latin typeface="Cascadia Code" panose="020B0609020000020004" pitchFamily="49" charset="0"/>
+              </a:rPr>
+              <a:t> </a:t>
+            </a:r>
+            <a:r>
+              <a:rPr lang="en-US" sz="1600" b="0" dirty="0">
+                <a:solidFill>
+                  <a:srgbClr val="D73A49"/>
+                </a:solidFill>
+                <a:effectLst/>
+                <a:latin typeface="Cascadia Code" panose="020B0609020000020004" pitchFamily="49" charset="0"/>
+              </a:rPr>
+              <a:t>do</a:t>
+            </a:r>
+            <a:endParaRPr lang="en-US" sz="1600" b="0" dirty="0">
+              <a:solidFill>
+                <a:srgbClr val="24292E"/>
+              </a:solidFill>
+              <a:effectLst/>
+              <a:latin typeface="Cascadia Code" panose="020B0609020000020004" pitchFamily="49" charset="0"/>
+            </a:endParaRPr>
+          </a:p>
+          <a:p>
+            <a:r>
+              <a:rPr lang="en-US" sz="1600" b="0" dirty="0">
+                <a:solidFill>
+                  <a:srgbClr val="24292E"/>
+                </a:solidFill>
+                <a:effectLst/>
+                <a:latin typeface="Cascadia Code" panose="020B0609020000020004" pitchFamily="49" charset="0"/>
+              </a:rPr>
+              <a:t>  </a:t>
+            </a:r>
+            <a:r>
+              <a:rPr lang="en-US" sz="1600" b="0" dirty="0">
+                <a:solidFill>
+                  <a:srgbClr val="D73A49"/>
+                </a:solidFill>
+                <a:effectLst/>
+                <a:latin typeface="Cascadia Code" panose="020B0609020000020004" pitchFamily="49" charset="0"/>
+              </a:rPr>
+              <a:t>alias</a:t>
+            </a:r>
+            <a:r>
+              <a:rPr lang="en-US" sz="1600" b="0" dirty="0">
+                <a:solidFill>
+                  <a:srgbClr val="24292E"/>
+                </a:solidFill>
+                <a:effectLst/>
+                <a:latin typeface="Cascadia Code" panose="020B0609020000020004" pitchFamily="49" charset="0"/>
+              </a:rPr>
+              <a:t> </a:t>
+            </a:r>
+            <a:r>
+              <a:rPr lang="en-US" sz="1600" b="0" dirty="0">
+                <a:solidFill>
+                  <a:srgbClr val="6F42C1"/>
+                </a:solidFill>
+                <a:effectLst/>
+                <a:latin typeface="Cascadia Code" panose="020B0609020000020004" pitchFamily="49" charset="0"/>
+              </a:rPr>
+              <a:t>MyApp</a:t>
+            </a:r>
+            <a:r>
+              <a:rPr lang="en-US" sz="1600" b="0" dirty="0">
+                <a:solidFill>
+                  <a:srgbClr val="24292E"/>
+                </a:solidFill>
+                <a:effectLst/>
+                <a:latin typeface="Cascadia Code" panose="020B0609020000020004" pitchFamily="49" charset="0"/>
+              </a:rPr>
+              <a:t>.</a:t>
+            </a:r>
+            <a:r>
+              <a:rPr lang="en-US" sz="1600" b="0" dirty="0">
+                <a:solidFill>
+                  <a:srgbClr val="6F42C1"/>
+                </a:solidFill>
+                <a:effectLst/>
+                <a:latin typeface="Cascadia Code" panose="020B0609020000020004" pitchFamily="49" charset="0"/>
+              </a:rPr>
+              <a:t>Calculator</a:t>
+            </a:r>
+            <a:r>
+              <a:rPr lang="en-US" sz="1600" b="0" dirty="0">
+                <a:solidFill>
+                  <a:srgbClr val="24292E"/>
+                </a:solidFill>
+                <a:effectLst/>
+                <a:latin typeface="Cascadia Code" panose="020B0609020000020004" pitchFamily="49" charset="0"/>
+              </a:rPr>
+              <a:t>, </a:t>
+            </a:r>
+            <a:r>
+              <a:rPr lang="en-US" sz="1600" b="0" dirty="0">
+                <a:solidFill>
+                  <a:srgbClr val="005CC5"/>
+                </a:solidFill>
+                <a:effectLst/>
+                <a:latin typeface="Cascadia Code" panose="020B0609020000020004" pitchFamily="49" charset="0"/>
+              </a:rPr>
+              <a:t>as:</a:t>
+            </a:r>
+            <a:r>
+              <a:rPr lang="en-US" sz="1600" b="0" dirty="0">
+                <a:solidFill>
+                  <a:srgbClr val="24292E"/>
+                </a:solidFill>
+                <a:effectLst/>
+                <a:latin typeface="Cascadia Code" panose="020B0609020000020004" pitchFamily="49" charset="0"/>
+              </a:rPr>
+              <a:t> </a:t>
+            </a:r>
+            <a:r>
+              <a:rPr lang="en-US" sz="1600" b="0" dirty="0">
+                <a:solidFill>
+                  <a:srgbClr val="6F42C1"/>
+                </a:solidFill>
+                <a:effectLst/>
+                <a:latin typeface="Cascadia Code" panose="020B0609020000020004" pitchFamily="49" charset="0"/>
+              </a:rPr>
+              <a:t>Calc</a:t>
+            </a:r>
+            <a:endParaRPr lang="en-US" sz="1600" b="0" dirty="0">
+              <a:solidFill>
+                <a:srgbClr val="24292E"/>
+              </a:solidFill>
+              <a:effectLst/>
+              <a:latin typeface="Cascadia Code" panose="020B0609020000020004" pitchFamily="49" charset="0"/>
+            </a:endParaRPr>
+          </a:p>
+          <a:p>
+            <a:br>
+              <a:rPr lang="en-US" sz="1600" b="0" dirty="0">
+                <a:solidFill>
+                  <a:srgbClr val="24292E"/>
+                </a:solidFill>
+                <a:effectLst/>
+                <a:latin typeface="Cascadia Code" panose="020B0609020000020004" pitchFamily="49" charset="0"/>
+              </a:rPr>
+            </a:br>
+            <a:r>
+              <a:rPr lang="en-US" sz="1600" b="0" dirty="0">
+                <a:solidFill>
+                  <a:srgbClr val="24292E"/>
+                </a:solidFill>
+                <a:effectLst/>
+                <a:latin typeface="Cascadia Code" panose="020B0609020000020004" pitchFamily="49" charset="0"/>
+              </a:rPr>
+              <a:t>  </a:t>
+            </a:r>
+            <a:r>
+              <a:rPr lang="en-US" sz="1600" b="0" dirty="0">
+                <a:solidFill>
+                  <a:srgbClr val="D73A49"/>
+                </a:solidFill>
+                <a:effectLst/>
+                <a:latin typeface="Cascadia Code" panose="020B0609020000020004" pitchFamily="49" charset="0"/>
+              </a:rPr>
+              <a:t>def</a:t>
+            </a:r>
+            <a:r>
+              <a:rPr lang="en-US" sz="1600" b="0" dirty="0">
+                <a:solidFill>
+                  <a:srgbClr val="24292E"/>
+                </a:solidFill>
+                <a:effectLst/>
+                <a:latin typeface="Cascadia Code" panose="020B0609020000020004" pitchFamily="49" charset="0"/>
+              </a:rPr>
+              <a:t> </a:t>
+            </a:r>
+            <a:r>
+              <a:rPr lang="en-US" sz="1600" b="0" dirty="0">
+                <a:solidFill>
+                  <a:srgbClr val="6F42C1"/>
+                </a:solidFill>
+                <a:effectLst/>
+                <a:latin typeface="Cascadia Code" panose="020B0609020000020004" pitchFamily="49" charset="0"/>
+              </a:rPr>
+              <a:t>run</a:t>
+            </a:r>
+            <a:r>
+              <a:rPr lang="en-US" sz="1600" b="0" dirty="0">
+                <a:solidFill>
+                  <a:srgbClr val="24292E"/>
+                </a:solidFill>
+                <a:effectLst/>
+                <a:latin typeface="Cascadia Code" panose="020B0609020000020004" pitchFamily="49" charset="0"/>
+              </a:rPr>
+              <a:t>() </a:t>
+            </a:r>
+            <a:r>
+              <a:rPr lang="en-US" sz="1600" b="0" dirty="0">
+                <a:solidFill>
+                  <a:srgbClr val="D73A49"/>
+                </a:solidFill>
+                <a:effectLst/>
+                <a:latin typeface="Cascadia Code" panose="020B0609020000020004" pitchFamily="49" charset="0"/>
+              </a:rPr>
+              <a:t>do</a:t>
+            </a:r>
+            <a:endParaRPr lang="en-US" sz="1600" b="0" dirty="0">
+              <a:solidFill>
+                <a:srgbClr val="24292E"/>
+              </a:solidFill>
+              <a:effectLst/>
+              <a:latin typeface="Cascadia Code" panose="020B0609020000020004" pitchFamily="49" charset="0"/>
+            </a:endParaRPr>
+          </a:p>
+          <a:p>
+            <a:r>
+              <a:rPr lang="en-US" sz="1600" b="0" dirty="0">
+                <a:solidFill>
+                  <a:srgbClr val="24292E"/>
+                </a:solidFill>
+                <a:effectLst/>
+                <a:latin typeface="Cascadia Code" panose="020B0609020000020004" pitchFamily="49" charset="0"/>
+              </a:rPr>
+              <a:t>    </a:t>
+            </a:r>
+            <a:r>
+              <a:rPr lang="en-US" sz="1600" b="0" dirty="0">
+                <a:solidFill>
+                  <a:srgbClr val="6F42C1"/>
+                </a:solidFill>
+                <a:effectLst/>
+                <a:latin typeface="Cascadia Code" panose="020B0609020000020004" pitchFamily="49" charset="0"/>
+              </a:rPr>
+              <a:t>Calc</a:t>
+            </a:r>
+            <a:r>
+              <a:rPr lang="en-US" sz="1600" b="0" dirty="0">
+                <a:solidFill>
+                  <a:srgbClr val="24292E"/>
+                </a:solidFill>
+                <a:effectLst/>
+                <a:latin typeface="Cascadia Code" panose="020B0609020000020004" pitchFamily="49" charset="0"/>
+              </a:rPr>
+              <a:t>.</a:t>
+            </a:r>
+            <a:r>
+              <a:rPr lang="en-US" sz="1600" b="0" dirty="0">
+                <a:solidFill>
+                  <a:srgbClr val="6F42C1"/>
+                </a:solidFill>
+                <a:effectLst/>
+                <a:latin typeface="Cascadia Code" panose="020B0609020000020004" pitchFamily="49" charset="0"/>
+              </a:rPr>
+              <a:t>add</a:t>
+            </a:r>
+            <a:r>
+              <a:rPr lang="en-US" sz="1600" b="0" dirty="0">
+                <a:solidFill>
+                  <a:srgbClr val="24292E"/>
+                </a:solidFill>
+                <a:effectLst/>
+                <a:latin typeface="Cascadia Code" panose="020B0609020000020004" pitchFamily="49" charset="0"/>
+              </a:rPr>
+              <a:t>(</a:t>
+            </a:r>
+            <a:r>
+              <a:rPr lang="en-US" sz="1600" b="0" dirty="0">
+                <a:solidFill>
+                  <a:srgbClr val="005CC5"/>
+                </a:solidFill>
+                <a:effectLst/>
+                <a:latin typeface="Cascadia Code" panose="020B0609020000020004" pitchFamily="49" charset="0"/>
+              </a:rPr>
+              <a:t>1</a:t>
+            </a:r>
+            <a:r>
+              <a:rPr lang="en-US" sz="1600" b="0" dirty="0">
+                <a:solidFill>
+                  <a:srgbClr val="24292E"/>
+                </a:solidFill>
+                <a:effectLst/>
+                <a:latin typeface="Cascadia Code" panose="020B0609020000020004" pitchFamily="49" charset="0"/>
+              </a:rPr>
+              <a:t>, </a:t>
+            </a:r>
+            <a:r>
+              <a:rPr lang="en-US" sz="1600" b="0" dirty="0">
+                <a:solidFill>
+                  <a:srgbClr val="005CC5"/>
+                </a:solidFill>
+                <a:effectLst/>
+                <a:latin typeface="Cascadia Code" panose="020B0609020000020004" pitchFamily="49" charset="0"/>
+              </a:rPr>
+              <a:t>2</a:t>
+            </a:r>
+            <a:r>
+              <a:rPr lang="en-US" sz="1600" b="0" dirty="0">
+                <a:solidFill>
+                  <a:srgbClr val="24292E"/>
+                </a:solidFill>
+                <a:effectLst/>
+                <a:latin typeface="Cascadia Code" panose="020B0609020000020004" pitchFamily="49" charset="0"/>
+              </a:rPr>
+              <a:t>) </a:t>
+            </a:r>
+          </a:p>
+          <a:p>
+            <a:r>
+              <a:rPr lang="en-US" sz="1600" dirty="0">
+                <a:solidFill>
+                  <a:srgbClr val="24292E"/>
+                </a:solidFill>
+                <a:latin typeface="Cascadia Code" panose="020B0609020000020004" pitchFamily="49" charset="0"/>
+              </a:rPr>
+              <a:t>    </a:t>
+            </a:r>
+            <a:r>
+              <a:rPr lang="en-US" sz="1600" b="0" dirty="0">
+                <a:solidFill>
+                  <a:srgbClr val="D73A49"/>
+                </a:solidFill>
+                <a:effectLst/>
+                <a:latin typeface="Cascadia Code" panose="020B0609020000020004" pitchFamily="49" charset="0"/>
+              </a:rPr>
+              <a:t>|&gt;</a:t>
+            </a:r>
+            <a:r>
+              <a:rPr lang="en-US" sz="1600" b="0" dirty="0">
+                <a:solidFill>
+                  <a:srgbClr val="24292E"/>
+                </a:solidFill>
+                <a:effectLst/>
+                <a:latin typeface="Cascadia Code" panose="020B0609020000020004" pitchFamily="49" charset="0"/>
+              </a:rPr>
+              <a:t> </a:t>
+            </a:r>
+            <a:r>
+              <a:rPr lang="en-US" sz="1600" b="0" dirty="0">
+                <a:solidFill>
+                  <a:srgbClr val="6F42C1"/>
+                </a:solidFill>
+                <a:effectLst/>
+                <a:latin typeface="Cascadia Code" panose="020B0609020000020004" pitchFamily="49" charset="0"/>
+              </a:rPr>
+              <a:t>IO</a:t>
+            </a:r>
+            <a:r>
+              <a:rPr lang="en-US" sz="1600" b="0" dirty="0">
+                <a:solidFill>
+                  <a:srgbClr val="24292E"/>
+                </a:solidFill>
+                <a:effectLst/>
+                <a:latin typeface="Cascadia Code" panose="020B0609020000020004" pitchFamily="49" charset="0"/>
+              </a:rPr>
+              <a:t>.</a:t>
+            </a:r>
+            <a:r>
+              <a:rPr lang="en-US" sz="1600" b="0" dirty="0">
+                <a:solidFill>
+                  <a:srgbClr val="6F42C1"/>
+                </a:solidFill>
+                <a:effectLst/>
+                <a:latin typeface="Cascadia Code" panose="020B0609020000020004" pitchFamily="49" charset="0"/>
+              </a:rPr>
+              <a:t>inspect</a:t>
+            </a:r>
+            <a:r>
+              <a:rPr lang="en-US" sz="1600" b="0" dirty="0">
+                <a:solidFill>
+                  <a:srgbClr val="24292E"/>
+                </a:solidFill>
+                <a:effectLst/>
+                <a:latin typeface="Cascadia Code" panose="020B0609020000020004" pitchFamily="49" charset="0"/>
+              </a:rPr>
+              <a:t>()</a:t>
+            </a:r>
+          </a:p>
+          <a:p>
+            <a:endParaRPr lang="en-US" sz="1800" b="0" dirty="0">
+              <a:solidFill>
+                <a:srgbClr val="24292E"/>
+              </a:solidFill>
+              <a:effectLst/>
+              <a:highlight>
+                <a:srgbClr val="F9F9F9"/>
+              </a:highlight>
+              <a:latin typeface="Cascadia Code" panose="020B0609020000020004" pitchFamily="49" charset="0"/>
+            </a:endParaRPr>
+          </a:p>
+        </p:txBody>
+      </p:sp>
+      <p:sp>
+        <p:nvSpPr>
+          <p:cNvPr id="3" name="Rectangle 2">
+            <a:extLst>
+              <a:ext uri="{FF2B5EF4-FFF2-40B4-BE49-F238E27FC236}">
+                <a16:creationId xmlns:a16="http://schemas.microsoft.com/office/drawing/2014/main" id="{649BCBE0-66E8-593D-21A5-7C3BFA4FBFE1}"/>
+              </a:ext>
+            </a:extLst>
+          </p:cNvPr>
+          <p:cNvSpPr/>
+          <p:nvPr/>
+        </p:nvSpPr>
+        <p:spPr>
+          <a:xfrm>
+            <a:off x="6541008" y="1928464"/>
+            <a:ext cx="4501896" cy="3583541"/>
+          </a:xfrm>
+          <a:prstGeom prst="rect">
+            <a:avLst/>
+          </a:prstGeom>
+          <a:solidFill>
+            <a:srgbClr val="F9F9F9"/>
+          </a:solidFill>
+          <a:ln w="25400" cap="flat">
+            <a:solidFill>
+              <a:schemeClr val="accent1"/>
+            </a:solidFill>
+            <a:prstDash val="solid"/>
+            <a:round/>
+          </a:ln>
+          <a:effectLst/>
+          <a:sp3d/>
+        </p:spPr>
+        <p:style>
+          <a:lnRef idx="0">
+            <a:scrgbClr r="0" g="0" b="0"/>
+          </a:lnRef>
+          <a:fillRef idx="0">
+            <a:scrgbClr r="0" g="0" b="0"/>
+          </a:fillRef>
+          <a:effectRef idx="0">
+            <a:scrgbClr r="0" g="0" b="0"/>
+          </a:effectRef>
+          <a:fontRef idx="none"/>
+        </p:style>
+        <p:txBody>
+          <a:bodyPr rot="0" spcFirstLastPara="1" vertOverflow="overflow" horzOverflow="overflow" vert="horz" wrap="square" lIns="45718" tIns="45718" rIns="45718" bIns="45718" numCol="1" spcCol="38100" rtlCol="0" anchor="ctr">
+            <a:spAutoFit/>
+          </a:bodyPr>
+          <a:lstStyle/>
+          <a:p>
+            <a:r>
+              <a:rPr lang="en-US" sz="1600" b="0" dirty="0">
+                <a:solidFill>
+                  <a:srgbClr val="D73A49"/>
+                </a:solidFill>
+                <a:effectLst/>
+                <a:latin typeface="Cascadia Code" panose="020B0609020000020004" pitchFamily="49" charset="0"/>
+              </a:rPr>
+              <a:t>defmodule</a:t>
+            </a:r>
+            <a:r>
+              <a:rPr lang="en-US" sz="1600" b="0" dirty="0">
+                <a:solidFill>
+                  <a:srgbClr val="24292E"/>
+                </a:solidFill>
+                <a:effectLst/>
+                <a:latin typeface="Cascadia Code" panose="020B0609020000020004" pitchFamily="49" charset="0"/>
+              </a:rPr>
+              <a:t> </a:t>
+            </a:r>
+            <a:r>
+              <a:rPr lang="en-US" sz="1600" b="0" dirty="0">
+                <a:solidFill>
+                  <a:srgbClr val="6F42C1"/>
+                </a:solidFill>
+                <a:effectLst/>
+                <a:latin typeface="Cascadia Code" panose="020B0609020000020004" pitchFamily="49" charset="0"/>
+              </a:rPr>
+              <a:t>MyApp.Calculator</a:t>
+            </a:r>
+            <a:r>
+              <a:rPr lang="en-US" sz="1600" b="0" dirty="0">
+                <a:solidFill>
+                  <a:srgbClr val="24292E"/>
+                </a:solidFill>
+                <a:effectLst/>
+                <a:latin typeface="Cascadia Code" panose="020B0609020000020004" pitchFamily="49" charset="0"/>
+              </a:rPr>
+              <a:t> </a:t>
+            </a:r>
+            <a:r>
+              <a:rPr lang="en-US" sz="1600" b="0" dirty="0">
+                <a:solidFill>
+                  <a:srgbClr val="D73A49"/>
+                </a:solidFill>
+                <a:effectLst/>
+                <a:latin typeface="Cascadia Code" panose="020B0609020000020004" pitchFamily="49" charset="0"/>
+              </a:rPr>
+              <a:t>do</a:t>
+            </a:r>
+            <a:endParaRPr lang="en-US" sz="1600" b="0" dirty="0">
+              <a:solidFill>
+                <a:srgbClr val="24292E"/>
+              </a:solidFill>
+              <a:effectLst/>
+              <a:latin typeface="Cascadia Code" panose="020B0609020000020004" pitchFamily="49" charset="0"/>
+            </a:endParaRPr>
+          </a:p>
+          <a:p>
+            <a:r>
+              <a:rPr lang="en-US" sz="1600" b="0" dirty="0">
+                <a:solidFill>
+                  <a:srgbClr val="24292E"/>
+                </a:solidFill>
+                <a:effectLst/>
+                <a:latin typeface="Cascadia Code" panose="020B0609020000020004" pitchFamily="49" charset="0"/>
+              </a:rPr>
+              <a:t>  </a:t>
+            </a:r>
+            <a:r>
+              <a:rPr lang="en-US" sz="1600" b="0" dirty="0">
+                <a:solidFill>
+                  <a:srgbClr val="D73A49"/>
+                </a:solidFill>
+                <a:effectLst/>
+                <a:latin typeface="Cascadia Code" panose="020B0609020000020004" pitchFamily="49" charset="0"/>
+              </a:rPr>
+              <a:t>def</a:t>
+            </a:r>
+            <a:r>
+              <a:rPr lang="en-US" sz="1600" b="0" dirty="0">
+                <a:solidFill>
+                  <a:srgbClr val="24292E"/>
+                </a:solidFill>
+                <a:effectLst/>
+                <a:latin typeface="Cascadia Code" panose="020B0609020000020004" pitchFamily="49" charset="0"/>
+              </a:rPr>
+              <a:t> </a:t>
+            </a:r>
+            <a:r>
+              <a:rPr lang="en-US" sz="1600" b="0" dirty="0">
+                <a:solidFill>
+                  <a:srgbClr val="6F42C1"/>
+                </a:solidFill>
+                <a:effectLst/>
+                <a:latin typeface="Cascadia Code" panose="020B0609020000020004" pitchFamily="49" charset="0"/>
+              </a:rPr>
+              <a:t>add</a:t>
+            </a:r>
+            <a:r>
+              <a:rPr lang="en-US" sz="1600" b="0" dirty="0">
+                <a:solidFill>
+                  <a:srgbClr val="24292E"/>
+                </a:solidFill>
+                <a:effectLst/>
+                <a:latin typeface="Cascadia Code" panose="020B0609020000020004" pitchFamily="49" charset="0"/>
+              </a:rPr>
+              <a:t>(a, b), </a:t>
+            </a:r>
+            <a:r>
+              <a:rPr lang="en-US" sz="1600" b="0" dirty="0">
+                <a:solidFill>
+                  <a:srgbClr val="005CC5"/>
+                </a:solidFill>
+                <a:effectLst/>
+                <a:latin typeface="Cascadia Code" panose="020B0609020000020004" pitchFamily="49" charset="0"/>
+              </a:rPr>
+              <a:t>do:</a:t>
+            </a:r>
+            <a:r>
+              <a:rPr lang="en-US" sz="1600" b="0" dirty="0">
+                <a:solidFill>
+                  <a:srgbClr val="24292E"/>
+                </a:solidFill>
+                <a:effectLst/>
+                <a:latin typeface="Cascadia Code" panose="020B0609020000020004" pitchFamily="49" charset="0"/>
+              </a:rPr>
+              <a:t> a </a:t>
+            </a:r>
+            <a:r>
+              <a:rPr lang="en-US" sz="1600" b="0" dirty="0">
+                <a:solidFill>
+                  <a:srgbClr val="D73A49"/>
+                </a:solidFill>
+                <a:effectLst/>
+                <a:latin typeface="Cascadia Code" panose="020B0609020000020004" pitchFamily="49" charset="0"/>
+              </a:rPr>
+              <a:t>+</a:t>
+            </a:r>
+            <a:r>
+              <a:rPr lang="en-US" sz="1600" b="0" dirty="0">
+                <a:solidFill>
+                  <a:srgbClr val="24292E"/>
+                </a:solidFill>
+                <a:effectLst/>
+                <a:latin typeface="Cascadia Code" panose="020B0609020000020004" pitchFamily="49" charset="0"/>
+              </a:rPr>
+              <a:t> b</a:t>
+            </a:r>
+          </a:p>
+          <a:p>
+            <a:r>
+              <a:rPr lang="en-US" sz="1600" b="0" dirty="0">
+                <a:solidFill>
+                  <a:srgbClr val="6A737D"/>
+                </a:solidFill>
+                <a:effectLst/>
+                <a:latin typeface="Cascadia Code" panose="020B0609020000020004" pitchFamily="49" charset="0"/>
+              </a:rPr>
+              <a:t> ...</a:t>
+            </a:r>
+          </a:p>
+          <a:p>
+            <a:endParaRPr lang="en-US" sz="1600" b="0" dirty="0">
+              <a:solidFill>
+                <a:srgbClr val="24292E"/>
+              </a:solidFill>
+              <a:effectLst/>
+              <a:latin typeface="Cascadia Code" panose="020B0609020000020004" pitchFamily="49" charset="0"/>
+            </a:endParaRPr>
+          </a:p>
+          <a:p>
+            <a:r>
+              <a:rPr lang="en-US" sz="1600" b="0" dirty="0">
+                <a:solidFill>
+                  <a:srgbClr val="D73A49"/>
+                </a:solidFill>
+                <a:effectLst/>
+                <a:latin typeface="Cascadia Code" panose="020B0609020000020004" pitchFamily="49" charset="0"/>
+              </a:rPr>
+              <a:t>defmodule</a:t>
+            </a:r>
+            <a:r>
+              <a:rPr lang="en-US" sz="1600" b="0" dirty="0">
+                <a:solidFill>
+                  <a:srgbClr val="24292E"/>
+                </a:solidFill>
+                <a:effectLst/>
+                <a:latin typeface="Cascadia Code" panose="020B0609020000020004" pitchFamily="49" charset="0"/>
+              </a:rPr>
+              <a:t> </a:t>
+            </a:r>
+            <a:r>
+              <a:rPr lang="en-US" sz="1600" b="0" dirty="0">
+                <a:solidFill>
+                  <a:srgbClr val="6F42C1"/>
+                </a:solidFill>
+                <a:effectLst/>
+                <a:latin typeface="Cascadia Code" panose="020B0609020000020004" pitchFamily="49" charset="0"/>
+              </a:rPr>
+              <a:t>MyApp.Main</a:t>
+            </a:r>
+            <a:r>
+              <a:rPr lang="en-US" sz="1600" b="0" dirty="0">
+                <a:solidFill>
+                  <a:srgbClr val="24292E"/>
+                </a:solidFill>
+                <a:effectLst/>
+                <a:latin typeface="Cascadia Code" panose="020B0609020000020004" pitchFamily="49" charset="0"/>
+              </a:rPr>
+              <a:t> </a:t>
+            </a:r>
+            <a:r>
+              <a:rPr lang="en-US" sz="1600" b="0" dirty="0">
+                <a:solidFill>
+                  <a:srgbClr val="D73A49"/>
+                </a:solidFill>
+                <a:effectLst/>
+                <a:latin typeface="Cascadia Code" panose="020B0609020000020004" pitchFamily="49" charset="0"/>
+              </a:rPr>
+              <a:t>do</a:t>
+            </a:r>
+            <a:endParaRPr lang="en-US" sz="1600" b="0" dirty="0">
+              <a:solidFill>
+                <a:srgbClr val="24292E"/>
+              </a:solidFill>
+              <a:effectLst/>
+              <a:latin typeface="Cascadia Code" panose="020B0609020000020004" pitchFamily="49" charset="0"/>
+            </a:endParaRPr>
+          </a:p>
+          <a:p>
+            <a:r>
+              <a:rPr lang="en-US" sz="1600" b="0" dirty="0">
+                <a:solidFill>
+                  <a:srgbClr val="24292E"/>
+                </a:solidFill>
+                <a:effectLst/>
+                <a:latin typeface="Cascadia Code" panose="020B0609020000020004" pitchFamily="49" charset="0"/>
+              </a:rPr>
+              <a:t>  </a:t>
+            </a:r>
+            <a:r>
+              <a:rPr lang="en-US" sz="1600" b="0" dirty="0">
+                <a:solidFill>
+                  <a:srgbClr val="D73A49"/>
+                </a:solidFill>
+                <a:effectLst/>
+                <a:latin typeface="Cascadia Code" panose="020B0609020000020004" pitchFamily="49" charset="0"/>
+              </a:rPr>
+              <a:t>alias</a:t>
+            </a:r>
+            <a:r>
+              <a:rPr lang="en-US" sz="1600" b="0" dirty="0">
+                <a:solidFill>
+                  <a:srgbClr val="24292E"/>
+                </a:solidFill>
+                <a:effectLst/>
+                <a:latin typeface="Cascadia Code" panose="020B0609020000020004" pitchFamily="49" charset="0"/>
+              </a:rPr>
+              <a:t> </a:t>
+            </a:r>
+            <a:r>
+              <a:rPr lang="en-US" sz="1600" b="0" dirty="0">
+                <a:solidFill>
+                  <a:srgbClr val="6F42C1"/>
+                </a:solidFill>
+                <a:effectLst/>
+                <a:latin typeface="Cascadia Code" panose="020B0609020000020004" pitchFamily="49" charset="0"/>
+              </a:rPr>
+              <a:t>MyApp</a:t>
+            </a:r>
+            <a:r>
+              <a:rPr lang="en-US" sz="1600" b="0" dirty="0">
+                <a:solidFill>
+                  <a:srgbClr val="24292E"/>
+                </a:solidFill>
+                <a:effectLst/>
+                <a:latin typeface="Cascadia Code" panose="020B0609020000020004" pitchFamily="49" charset="0"/>
+              </a:rPr>
+              <a:t>.</a:t>
+            </a:r>
+            <a:r>
+              <a:rPr lang="en-US" sz="1600" b="0" dirty="0">
+                <a:solidFill>
+                  <a:srgbClr val="6F42C1"/>
+                </a:solidFill>
+                <a:effectLst/>
+                <a:latin typeface="Cascadia Code" panose="020B0609020000020004" pitchFamily="49" charset="0"/>
+              </a:rPr>
+              <a:t>Calculator</a:t>
+            </a:r>
+          </a:p>
+          <a:p>
+            <a:br>
+              <a:rPr lang="en-US" sz="1600" b="0" dirty="0">
+                <a:solidFill>
+                  <a:srgbClr val="24292E"/>
+                </a:solidFill>
+                <a:effectLst/>
+                <a:latin typeface="Cascadia Code" panose="020B0609020000020004" pitchFamily="49" charset="0"/>
+              </a:rPr>
+            </a:br>
+            <a:r>
+              <a:rPr lang="en-US" sz="1600" b="0" dirty="0">
+                <a:solidFill>
+                  <a:srgbClr val="24292E"/>
+                </a:solidFill>
+                <a:effectLst/>
+                <a:latin typeface="Cascadia Code" panose="020B0609020000020004" pitchFamily="49" charset="0"/>
+              </a:rPr>
+              <a:t>  </a:t>
+            </a:r>
+            <a:r>
+              <a:rPr lang="en-US" sz="1600" b="0" dirty="0">
+                <a:solidFill>
+                  <a:srgbClr val="D73A49"/>
+                </a:solidFill>
+                <a:effectLst/>
+                <a:latin typeface="Cascadia Code" panose="020B0609020000020004" pitchFamily="49" charset="0"/>
+              </a:rPr>
+              <a:t>def</a:t>
+            </a:r>
+            <a:r>
+              <a:rPr lang="en-US" sz="1600" b="0" dirty="0">
+                <a:solidFill>
+                  <a:srgbClr val="24292E"/>
+                </a:solidFill>
+                <a:effectLst/>
+                <a:latin typeface="Cascadia Code" panose="020B0609020000020004" pitchFamily="49" charset="0"/>
+              </a:rPr>
+              <a:t> </a:t>
+            </a:r>
+            <a:r>
+              <a:rPr lang="en-US" sz="1600" b="0" dirty="0">
+                <a:solidFill>
+                  <a:srgbClr val="6F42C1"/>
+                </a:solidFill>
+                <a:effectLst/>
+                <a:latin typeface="Cascadia Code" panose="020B0609020000020004" pitchFamily="49" charset="0"/>
+              </a:rPr>
+              <a:t>run</a:t>
+            </a:r>
+            <a:r>
+              <a:rPr lang="en-US" sz="1600" b="0" dirty="0">
+                <a:solidFill>
+                  <a:srgbClr val="24292E"/>
+                </a:solidFill>
+                <a:effectLst/>
+                <a:latin typeface="Cascadia Code" panose="020B0609020000020004" pitchFamily="49" charset="0"/>
+              </a:rPr>
+              <a:t>() </a:t>
+            </a:r>
+            <a:r>
+              <a:rPr lang="en-US" sz="1600" b="0" dirty="0">
+                <a:solidFill>
+                  <a:srgbClr val="D73A49"/>
+                </a:solidFill>
+                <a:effectLst/>
+                <a:latin typeface="Cascadia Code" panose="020B0609020000020004" pitchFamily="49" charset="0"/>
+              </a:rPr>
+              <a:t>do</a:t>
+            </a:r>
+            <a:endParaRPr lang="en-US" sz="1600" b="0" dirty="0">
+              <a:solidFill>
+                <a:srgbClr val="24292E"/>
+              </a:solidFill>
+              <a:effectLst/>
+              <a:latin typeface="Cascadia Code" panose="020B0609020000020004" pitchFamily="49" charset="0"/>
+            </a:endParaRPr>
+          </a:p>
+          <a:p>
+            <a:r>
+              <a:rPr lang="en-US" sz="1600" b="0" dirty="0">
+                <a:solidFill>
+                  <a:srgbClr val="24292E"/>
+                </a:solidFill>
+                <a:effectLst/>
+                <a:latin typeface="Cascadia Code" panose="020B0609020000020004" pitchFamily="49" charset="0"/>
+              </a:rPr>
+              <a:t>    </a:t>
+            </a:r>
+            <a:r>
+              <a:rPr lang="en-US" sz="1600" b="0" dirty="0">
+                <a:solidFill>
+                  <a:srgbClr val="6F42C1"/>
+                </a:solidFill>
+                <a:effectLst/>
+                <a:latin typeface="Cascadia Code" panose="020B0609020000020004" pitchFamily="49" charset="0"/>
+              </a:rPr>
+              <a:t>Calculator</a:t>
+            </a:r>
+            <a:r>
+              <a:rPr lang="en-US" sz="1600" b="0" dirty="0">
+                <a:solidFill>
+                  <a:srgbClr val="24292E"/>
+                </a:solidFill>
+                <a:effectLst/>
+                <a:latin typeface="Cascadia Code" panose="020B0609020000020004" pitchFamily="49" charset="0"/>
+              </a:rPr>
+              <a:t>.</a:t>
+            </a:r>
+            <a:r>
+              <a:rPr lang="en-US" sz="1600" b="0" dirty="0">
+                <a:solidFill>
+                  <a:srgbClr val="6F42C1"/>
+                </a:solidFill>
+                <a:effectLst/>
+                <a:latin typeface="Cascadia Code" panose="020B0609020000020004" pitchFamily="49" charset="0"/>
+              </a:rPr>
+              <a:t>add</a:t>
+            </a:r>
+            <a:r>
+              <a:rPr lang="en-US" sz="1600" b="0" dirty="0">
+                <a:solidFill>
+                  <a:srgbClr val="24292E"/>
+                </a:solidFill>
+                <a:effectLst/>
+                <a:latin typeface="Cascadia Code" panose="020B0609020000020004" pitchFamily="49" charset="0"/>
+              </a:rPr>
+              <a:t>(</a:t>
+            </a:r>
+            <a:r>
+              <a:rPr lang="en-US" sz="1600" b="0" dirty="0">
+                <a:solidFill>
+                  <a:srgbClr val="005CC5"/>
+                </a:solidFill>
+                <a:effectLst/>
+                <a:latin typeface="Cascadia Code" panose="020B0609020000020004" pitchFamily="49" charset="0"/>
+              </a:rPr>
+              <a:t>1</a:t>
+            </a:r>
+            <a:r>
+              <a:rPr lang="en-US" sz="1600" b="0" dirty="0">
+                <a:solidFill>
+                  <a:srgbClr val="24292E"/>
+                </a:solidFill>
+                <a:effectLst/>
+                <a:latin typeface="Cascadia Code" panose="020B0609020000020004" pitchFamily="49" charset="0"/>
+              </a:rPr>
+              <a:t>, </a:t>
+            </a:r>
+            <a:r>
+              <a:rPr lang="en-US" sz="1600" b="0" dirty="0">
+                <a:solidFill>
+                  <a:srgbClr val="005CC5"/>
+                </a:solidFill>
+                <a:effectLst/>
+                <a:latin typeface="Cascadia Code" panose="020B0609020000020004" pitchFamily="49" charset="0"/>
+              </a:rPr>
+              <a:t>2</a:t>
+            </a:r>
+            <a:r>
+              <a:rPr lang="en-US" sz="1600" b="0" dirty="0">
+                <a:solidFill>
+                  <a:srgbClr val="24292E"/>
+                </a:solidFill>
+                <a:effectLst/>
+                <a:latin typeface="Cascadia Code" panose="020B0609020000020004" pitchFamily="49" charset="0"/>
+              </a:rPr>
+              <a:t>) </a:t>
+            </a:r>
+          </a:p>
+          <a:p>
+            <a:r>
+              <a:rPr lang="en-US" sz="1600" dirty="0">
+                <a:solidFill>
+                  <a:srgbClr val="24292E"/>
+                </a:solidFill>
+                <a:latin typeface="Cascadia Code" panose="020B0609020000020004" pitchFamily="49" charset="0"/>
+              </a:rPr>
+              <a:t>    </a:t>
+            </a:r>
+            <a:r>
+              <a:rPr lang="en-US" sz="1600" b="0" dirty="0">
+                <a:solidFill>
+                  <a:srgbClr val="D73A49"/>
+                </a:solidFill>
+                <a:effectLst/>
+                <a:latin typeface="Cascadia Code" panose="020B0609020000020004" pitchFamily="49" charset="0"/>
+              </a:rPr>
+              <a:t>|&gt;</a:t>
+            </a:r>
+            <a:r>
+              <a:rPr lang="en-US" sz="1600" b="0" dirty="0">
+                <a:solidFill>
+                  <a:srgbClr val="24292E"/>
+                </a:solidFill>
+                <a:effectLst/>
+                <a:latin typeface="Cascadia Code" panose="020B0609020000020004" pitchFamily="49" charset="0"/>
+              </a:rPr>
+              <a:t> </a:t>
+            </a:r>
+            <a:r>
+              <a:rPr lang="en-US" sz="1600" b="0" dirty="0">
+                <a:solidFill>
+                  <a:srgbClr val="6F42C1"/>
+                </a:solidFill>
+                <a:effectLst/>
+                <a:latin typeface="Cascadia Code" panose="020B0609020000020004" pitchFamily="49" charset="0"/>
+              </a:rPr>
+              <a:t>IO</a:t>
+            </a:r>
+            <a:r>
+              <a:rPr lang="en-US" sz="1600" b="0" dirty="0">
+                <a:solidFill>
+                  <a:srgbClr val="24292E"/>
+                </a:solidFill>
+                <a:effectLst/>
+                <a:latin typeface="Cascadia Code" panose="020B0609020000020004" pitchFamily="49" charset="0"/>
+              </a:rPr>
+              <a:t>.</a:t>
+            </a:r>
+            <a:r>
+              <a:rPr lang="en-US" sz="1600" b="0" dirty="0">
+                <a:solidFill>
+                  <a:srgbClr val="6F42C1"/>
+                </a:solidFill>
+                <a:effectLst/>
+                <a:latin typeface="Cascadia Code" panose="020B0609020000020004" pitchFamily="49" charset="0"/>
+              </a:rPr>
+              <a:t>inspect</a:t>
+            </a:r>
+            <a:r>
+              <a:rPr lang="en-US" sz="1600" b="0" dirty="0">
+                <a:solidFill>
+                  <a:srgbClr val="24292E"/>
+                </a:solidFill>
+                <a:effectLst/>
+                <a:latin typeface="Cascadia Code" panose="020B0609020000020004" pitchFamily="49" charset="0"/>
+              </a:rPr>
+              <a:t>()</a:t>
+            </a:r>
+          </a:p>
+          <a:p>
+            <a:endParaRPr lang="en-US" sz="1800" b="0" dirty="0">
+              <a:solidFill>
+                <a:srgbClr val="24292E"/>
+              </a:solidFill>
+              <a:effectLst/>
+              <a:highlight>
+                <a:srgbClr val="F9F9F9"/>
+              </a:highlight>
+              <a:latin typeface="Cascadia Code" panose="020B0609020000020004" pitchFamily="49" charset="0"/>
+            </a:endParaRPr>
+          </a:p>
+        </p:txBody>
+      </p:sp>
+    </p:spTree>
+    <p:extLst>
+      <p:ext uri="{BB962C8B-B14F-4D97-AF65-F5344CB8AC3E}">
+        <p14:creationId xmlns:p14="http://schemas.microsoft.com/office/powerpoint/2010/main" val="518380121"/>
+      </p:ext>
+    </p:extLst>
+  </p:cSld>
+  <p:clrMapOvr>
+    <a:masterClrMapping/>
+  </p:clrMapOvr>
+  <p:transition spd="med"/>
+</p:sld>
+</file>
+
+<file path=ppt/slides/slide20.xml><?xml version="1.0" encoding="utf-8"?>
 <p:sld xmlns:a="http://schemas.openxmlformats.org/drawingml/2006/main" xmlns:r="http://schemas.openxmlformats.org/officeDocument/2006/relationships" xmlns:p="http://schemas.openxmlformats.org/presentationml/2006/main">
   <p:cSld>
     <p:spTree>
@@ -5250,7 +7227,7 @@
 </p:sld>
 </file>
 
-<file path=ppt/slides/slide17.xml><?xml version="1.0" encoding="utf-8"?>
+<file path=ppt/slides/slide21.xml><?xml version="1.0" encoding="utf-8"?>
 <p:sld xmlns:a="http://schemas.openxmlformats.org/drawingml/2006/main" xmlns:r="http://schemas.openxmlformats.org/officeDocument/2006/relationships" xmlns:p="http://schemas.openxmlformats.org/presentationml/2006/main">
   <p:cSld>
     <p:spTree>
@@ -5367,148 +7344,7 @@
 </p:sld>
 </file>
 
-<file path=ppt/slides/slide18.xml><?xml version="1.0" encoding="utf-8"?>
-<p:sld xmlns:a="http://schemas.openxmlformats.org/drawingml/2006/main" xmlns:r="http://schemas.openxmlformats.org/officeDocument/2006/relationships" xmlns:p="http://schemas.openxmlformats.org/presentationml/2006/main">
-  <p:cSld>
-    <p:spTree>
-      <p:nvGrpSpPr>
-        <p:cNvPr id="1" name=""/>
-        <p:cNvGrpSpPr/>
-        <p:nvPr/>
-      </p:nvGrpSpPr>
-      <p:grpSpPr>
-        <a:xfrm>
-          <a:off x="0" y="0"/>
-          <a:ext cx="0" cy="0"/>
-          <a:chOff x="0" y="0"/>
-          <a:chExt cx="0" cy="0"/>
-        </a:xfrm>
-      </p:grpSpPr>
-      <p:sp>
-        <p:nvSpPr>
-          <p:cNvPr id="4" name="Title 3">
-            <a:extLst>
-              <a:ext uri="{FF2B5EF4-FFF2-40B4-BE49-F238E27FC236}">
-                <a16:creationId xmlns:a16="http://schemas.microsoft.com/office/drawing/2014/main" id="{0B5E89EB-6726-48BB-A178-4BC22FD7EFD1}"/>
-              </a:ext>
-            </a:extLst>
-          </p:cNvPr>
-          <p:cNvSpPr>
-            <a:spLocks noGrp="1"/>
-          </p:cNvSpPr>
-          <p:nvPr>
-            <p:ph type="title"/>
-          </p:nvPr>
-        </p:nvSpPr>
-        <p:spPr>
-          <a:xfrm>
-            <a:off x="885440" y="1597396"/>
-            <a:ext cx="4939048" cy="1076082"/>
-          </a:xfrm>
-        </p:spPr>
-        <p:txBody>
-          <a:bodyPr/>
-          <a:lstStyle/>
-          <a:p>
-            <a:r>
-              <a:rPr lang="en-US" dirty="0"/>
-              <a:t>Demo</a:t>
-            </a:r>
-          </a:p>
-        </p:txBody>
-      </p:sp>
-      <p:sp>
-        <p:nvSpPr>
-          <p:cNvPr id="5" name="Text Placeholder 4">
-            <a:extLst>
-              <a:ext uri="{FF2B5EF4-FFF2-40B4-BE49-F238E27FC236}">
-                <a16:creationId xmlns:a16="http://schemas.microsoft.com/office/drawing/2014/main" id="{D92FCB95-0201-4B34-8F73-1B60BBEDA319}"/>
-              </a:ext>
-            </a:extLst>
-          </p:cNvPr>
-          <p:cNvSpPr>
-            <a:spLocks noGrp="1"/>
-          </p:cNvSpPr>
-          <p:nvPr>
-            <p:ph type="body" sz="quarter" idx="1"/>
-          </p:nvPr>
-        </p:nvSpPr>
-        <p:spPr>
-          <a:xfrm>
-            <a:off x="885440" y="2805606"/>
-            <a:ext cx="5031977" cy="1246787"/>
-          </a:xfrm>
-        </p:spPr>
-        <p:txBody>
-          <a:bodyPr/>
-          <a:lstStyle/>
-          <a:p>
-            <a:endParaRPr lang="en-US" dirty="0"/>
-          </a:p>
-        </p:txBody>
-      </p:sp>
-      <p:pic>
-        <p:nvPicPr>
-          <p:cNvPr id="2050" name="Picture 2">
-            <a:extLst>
-              <a:ext uri="{FF2B5EF4-FFF2-40B4-BE49-F238E27FC236}">
-                <a16:creationId xmlns:a16="http://schemas.microsoft.com/office/drawing/2014/main" id="{00A4FE67-659A-44B9-A2F9-A88C6BE1E64C}"/>
-              </a:ext>
-            </a:extLst>
-          </p:cNvPr>
-          <p:cNvPicPr>
-            <a:picLocks noChangeAspect="1" noChangeArrowheads="1"/>
-          </p:cNvPicPr>
-          <p:nvPr/>
-        </p:nvPicPr>
-        <p:blipFill>
-          <a:blip r:embed="rId3">
-            <a:extLst>
-              <a:ext uri="{28A0092B-C50C-407E-A947-70E740481C1C}">
-                <a14:useLocalDpi xmlns:a14="http://schemas.microsoft.com/office/drawing/2010/main" val="0"/>
-              </a:ext>
-            </a:extLst>
-          </a:blip>
-          <a:srcRect/>
-          <a:stretch>
-            <a:fillRect/>
-          </a:stretch>
-        </p:blipFill>
-        <p:spPr bwMode="auto">
-          <a:xfrm>
-            <a:off x="5160320" y="1387603"/>
-            <a:ext cx="2571750" cy="2571750"/>
-          </a:xfrm>
-          <a:prstGeom prst="rect">
-            <a:avLst/>
-          </a:prstGeom>
-          <a:noFill/>
-          <a:extLst>
-            <a:ext uri="{909E8E84-426E-40DD-AFC4-6F175D3DCCD1}">
-              <a14:hiddenFill xmlns:a14="http://schemas.microsoft.com/office/drawing/2010/main">
-                <a:solidFill>
-                  <a:srgbClr val="FFFFFF"/>
-                </a:solidFill>
-              </a14:hiddenFill>
-            </a:ext>
-          </a:extLst>
-        </p:spPr>
-      </p:pic>
-    </p:spTree>
-    <p:extLst>
-      <p:ext uri="{BB962C8B-B14F-4D97-AF65-F5344CB8AC3E}">
-        <p14:creationId xmlns:p14="http://schemas.microsoft.com/office/powerpoint/2010/main" val="789300917"/>
-      </p:ext>
-    </p:extLst>
-  </p:cSld>
-  <p:clrMapOvr>
-    <a:masterClrMapping/>
-  </p:clrMapOvr>
-  <p:transition spd="med"/>
-</p:sld>
-</file>
-
-<file path=ppt/slides/slide19.xml><?xml version="1.0" encoding="utf-8"?>
+<file path=ppt/slides/slide22.xml><?xml version="1.0" encoding="utf-8"?>
 <p:sld xmlns:a="http://schemas.openxmlformats.org/drawingml/2006/main" xmlns:r="http://schemas.openxmlformats.org/officeDocument/2006/relationships" xmlns:p="http://schemas.openxmlformats.org/presentationml/2006/main">
   <p:cSld>
     <p:spTree>
@@ -6481,7 +8317,1900 @@
 </p:sld>
 </file>
 
-<file path=ppt/slides/slide2.xml><?xml version="1.0" encoding="utf-8"?>
+<file path=ppt/slides/slide23.xml><?xml version="1.0" encoding="utf-8"?>
+<p:sld xmlns:a="http://schemas.openxmlformats.org/drawingml/2006/main" xmlns:r="http://schemas.openxmlformats.org/officeDocument/2006/relationships" xmlns:p="http://schemas.openxmlformats.org/presentationml/2006/main">
+  <p:cSld>
+    <p:spTree>
+      <p:nvGrpSpPr>
+        <p:cNvPr id="1" name=""/>
+        <p:cNvGrpSpPr/>
+        <p:nvPr/>
+      </p:nvGrpSpPr>
+      <p:grpSpPr>
+        <a:xfrm>
+          <a:off x="0" y="0"/>
+          <a:ext cx="0" cy="0"/>
+          <a:chOff x="0" y="0"/>
+          <a:chExt cx="0" cy="0"/>
+        </a:xfrm>
+      </p:grpSpPr>
+      <p:sp>
+        <p:nvSpPr>
+          <p:cNvPr id="2" name="Title 1">
+            <a:extLst>
+              <a:ext uri="{FF2B5EF4-FFF2-40B4-BE49-F238E27FC236}">
+                <a16:creationId xmlns:a16="http://schemas.microsoft.com/office/drawing/2014/main" id="{1BCDE905-E80D-EB5F-0754-A2EE07A9BD7F}"/>
+              </a:ext>
+            </a:extLst>
+          </p:cNvPr>
+          <p:cNvSpPr>
+            <a:spLocks noGrp="1"/>
+          </p:cNvSpPr>
+          <p:nvPr>
+            <p:ph type="title"/>
+          </p:nvPr>
+        </p:nvSpPr>
+        <p:spPr/>
+        <p:txBody>
+          <a:bodyPr/>
+          <a:lstStyle/>
+          <a:p>
+            <a:r>
+              <a:rPr lang="en-US" dirty="0" err="1"/>
+              <a:t>GenServers</a:t>
+            </a:r>
+            <a:endParaRPr lang="bg-BG" dirty="0"/>
+          </a:p>
+        </p:txBody>
+      </p:sp>
+      <p:sp>
+        <p:nvSpPr>
+          <p:cNvPr id="3" name="Text Placeholder 2">
+            <a:extLst>
+              <a:ext uri="{FF2B5EF4-FFF2-40B4-BE49-F238E27FC236}">
+                <a16:creationId xmlns:a16="http://schemas.microsoft.com/office/drawing/2014/main" id="{BBE72892-8DB0-4319-C80F-175F3073E748}"/>
+              </a:ext>
+            </a:extLst>
+          </p:cNvPr>
+          <p:cNvSpPr>
+            <a:spLocks noGrp="1"/>
+          </p:cNvSpPr>
+          <p:nvPr>
+            <p:ph type="body" idx="1"/>
+          </p:nvPr>
+        </p:nvSpPr>
+        <p:spPr/>
+        <p:txBody>
+          <a:bodyPr>
+            <a:normAutofit/>
+          </a:bodyPr>
+          <a:lstStyle/>
+          <a:p>
+            <a:r>
+              <a:rPr lang="en-US" dirty="0"/>
+              <a:t>A  behavior for implementing a server module</a:t>
+            </a:r>
+          </a:p>
+          <a:p>
+            <a:r>
+              <a:rPr lang="en-US" dirty="0"/>
+              <a:t>Can handle both sync and async calls</a:t>
+            </a:r>
+          </a:p>
+        </p:txBody>
+      </p:sp>
+      <p:sp>
+        <p:nvSpPr>
+          <p:cNvPr id="4" name="Rectangle 3">
+            <a:extLst>
+              <a:ext uri="{FF2B5EF4-FFF2-40B4-BE49-F238E27FC236}">
+                <a16:creationId xmlns:a16="http://schemas.microsoft.com/office/drawing/2014/main" id="{64C1FCB1-9837-0EDD-937C-9303CA8E83E1}"/>
+              </a:ext>
+            </a:extLst>
+          </p:cNvPr>
+          <p:cNvSpPr/>
+          <p:nvPr/>
+        </p:nvSpPr>
+        <p:spPr>
+          <a:xfrm>
+            <a:off x="838200" y="2284458"/>
+            <a:ext cx="9366504" cy="3547634"/>
+          </a:xfrm>
+          <a:prstGeom prst="rect">
+            <a:avLst/>
+          </a:prstGeom>
+          <a:solidFill>
+            <a:srgbClr val="F9F9F9"/>
+          </a:solidFill>
+          <a:ln w="25400" cap="flat">
+            <a:solidFill>
+              <a:schemeClr val="accent1"/>
+            </a:solidFill>
+            <a:prstDash val="solid"/>
+            <a:round/>
+          </a:ln>
+          <a:effectLst/>
+          <a:sp3d/>
+        </p:spPr>
+        <p:style>
+          <a:lnRef idx="0">
+            <a:scrgbClr r="0" g="0" b="0"/>
+          </a:lnRef>
+          <a:fillRef idx="0">
+            <a:scrgbClr r="0" g="0" b="0"/>
+          </a:fillRef>
+          <a:effectRef idx="0">
+            <a:scrgbClr r="0" g="0" b="0"/>
+          </a:effectRef>
+          <a:fontRef idx="none"/>
+        </p:style>
+        <p:txBody>
+          <a:bodyPr rot="0" spcFirstLastPara="1" vertOverflow="overflow" horzOverflow="overflow" vert="horz" wrap="square" lIns="45718" tIns="45718" rIns="45718" bIns="45718" numCol="1" spcCol="38100" rtlCol="0" anchor="ctr">
+            <a:spAutoFit/>
+          </a:bodyPr>
+          <a:lstStyle/>
+          <a:p>
+            <a:r>
+              <a:rPr lang="en-US" sz="1200" b="0" dirty="0">
+                <a:solidFill>
+                  <a:srgbClr val="D73A49"/>
+                </a:solidFill>
+                <a:effectLst/>
+                <a:highlight>
+                  <a:srgbClr val="F9F9F9"/>
+                </a:highlight>
+                <a:latin typeface="Cascadia Code" panose="020B0609020000020004" pitchFamily="49" charset="0"/>
+              </a:rPr>
+              <a:t>defmodule</a:t>
+            </a:r>
+            <a:r>
+              <a:rPr lang="en-US" sz="1200" b="0" dirty="0">
+                <a:solidFill>
+                  <a:srgbClr val="24292E"/>
+                </a:solidFill>
+                <a:effectLst/>
+                <a:highlight>
+                  <a:srgbClr val="F9F9F9"/>
+                </a:highlight>
+                <a:latin typeface="Cascadia Code" panose="020B0609020000020004" pitchFamily="49" charset="0"/>
+              </a:rPr>
+              <a:t> </a:t>
+            </a:r>
+            <a:r>
+              <a:rPr lang="en-US" sz="1200" b="0" dirty="0">
+                <a:solidFill>
+                  <a:srgbClr val="6F42C1"/>
+                </a:solidFill>
+                <a:effectLst/>
+                <a:highlight>
+                  <a:srgbClr val="F9F9F9"/>
+                </a:highlight>
+                <a:latin typeface="Cascadia Code" panose="020B0609020000020004" pitchFamily="49" charset="0"/>
+              </a:rPr>
+              <a:t>Stack</a:t>
+            </a:r>
+            <a:r>
+              <a:rPr lang="en-US" sz="1200" b="0" dirty="0">
+                <a:solidFill>
+                  <a:srgbClr val="24292E"/>
+                </a:solidFill>
+                <a:effectLst/>
+                <a:highlight>
+                  <a:srgbClr val="F9F9F9"/>
+                </a:highlight>
+                <a:latin typeface="Cascadia Code" panose="020B0609020000020004" pitchFamily="49" charset="0"/>
+              </a:rPr>
+              <a:t> </a:t>
+            </a:r>
+            <a:r>
+              <a:rPr lang="en-US" sz="1200" b="0" dirty="0">
+                <a:solidFill>
+                  <a:srgbClr val="D73A49"/>
+                </a:solidFill>
+                <a:effectLst/>
+                <a:highlight>
+                  <a:srgbClr val="F9F9F9"/>
+                </a:highlight>
+                <a:latin typeface="Cascadia Code" panose="020B0609020000020004" pitchFamily="49" charset="0"/>
+              </a:rPr>
+              <a:t>do</a:t>
+            </a:r>
+            <a:endParaRPr lang="en-US" sz="1200" b="0" dirty="0">
+              <a:solidFill>
+                <a:srgbClr val="24292E"/>
+              </a:solidFill>
+              <a:effectLst/>
+              <a:highlight>
+                <a:srgbClr val="F9F9F9"/>
+              </a:highlight>
+              <a:latin typeface="Cascadia Code" panose="020B0609020000020004" pitchFamily="49" charset="0"/>
+            </a:endParaRPr>
+          </a:p>
+          <a:p>
+            <a:r>
+              <a:rPr lang="en-US" sz="1200" b="0" dirty="0">
+                <a:solidFill>
+                  <a:srgbClr val="24292E"/>
+                </a:solidFill>
+                <a:effectLst/>
+                <a:highlight>
+                  <a:srgbClr val="F9F9F9"/>
+                </a:highlight>
+                <a:latin typeface="Cascadia Code" panose="020B0609020000020004" pitchFamily="49" charset="0"/>
+              </a:rPr>
+              <a:t>  </a:t>
+            </a:r>
+            <a:r>
+              <a:rPr lang="en-US" sz="1200" b="0" dirty="0">
+                <a:solidFill>
+                  <a:srgbClr val="D73A49"/>
+                </a:solidFill>
+                <a:effectLst/>
+                <a:highlight>
+                  <a:srgbClr val="F9F9F9"/>
+                </a:highlight>
+                <a:latin typeface="Cascadia Code" panose="020B0609020000020004" pitchFamily="49" charset="0"/>
+              </a:rPr>
+              <a:t>use</a:t>
+            </a:r>
+            <a:r>
+              <a:rPr lang="en-US" sz="1200" b="0" dirty="0">
+                <a:solidFill>
+                  <a:srgbClr val="24292E"/>
+                </a:solidFill>
+                <a:effectLst/>
+                <a:highlight>
+                  <a:srgbClr val="F9F9F9"/>
+                </a:highlight>
+                <a:latin typeface="Cascadia Code" panose="020B0609020000020004" pitchFamily="49" charset="0"/>
+              </a:rPr>
+              <a:t> </a:t>
+            </a:r>
+            <a:r>
+              <a:rPr lang="en-US" sz="1200" b="0" dirty="0" err="1">
+                <a:solidFill>
+                  <a:srgbClr val="6F42C1"/>
+                </a:solidFill>
+                <a:effectLst/>
+                <a:highlight>
+                  <a:srgbClr val="F9F9F9"/>
+                </a:highlight>
+                <a:latin typeface="Cascadia Code" panose="020B0609020000020004" pitchFamily="49" charset="0"/>
+              </a:rPr>
+              <a:t>GenServer</a:t>
+            </a:r>
+            <a:endParaRPr lang="en-US" sz="1200" b="0" dirty="0">
+              <a:solidFill>
+                <a:srgbClr val="24292E"/>
+              </a:solidFill>
+              <a:effectLst/>
+              <a:highlight>
+                <a:srgbClr val="F9F9F9"/>
+              </a:highlight>
+              <a:latin typeface="Cascadia Code" panose="020B0609020000020004" pitchFamily="49" charset="0"/>
+            </a:endParaRPr>
+          </a:p>
+          <a:p>
+            <a:br>
+              <a:rPr lang="en-US" sz="1200" b="0" dirty="0">
+                <a:solidFill>
+                  <a:srgbClr val="24292E"/>
+                </a:solidFill>
+                <a:effectLst/>
+                <a:highlight>
+                  <a:srgbClr val="F9F9F9"/>
+                </a:highlight>
+                <a:latin typeface="Cascadia Code" panose="020B0609020000020004" pitchFamily="49" charset="0"/>
+              </a:rPr>
+            </a:br>
+            <a:r>
+              <a:rPr lang="en-US" sz="1200" b="0" dirty="0">
+                <a:solidFill>
+                  <a:srgbClr val="24292E"/>
+                </a:solidFill>
+                <a:effectLst/>
+                <a:highlight>
+                  <a:srgbClr val="F9F9F9"/>
+                </a:highlight>
+                <a:latin typeface="Cascadia Code" panose="020B0609020000020004" pitchFamily="49" charset="0"/>
+              </a:rPr>
+              <a:t>  </a:t>
+            </a:r>
+            <a:r>
+              <a:rPr lang="en-US" sz="1200" b="0" dirty="0">
+                <a:solidFill>
+                  <a:srgbClr val="005CC5"/>
+                </a:solidFill>
+                <a:effectLst/>
+                <a:highlight>
+                  <a:srgbClr val="F9F9F9"/>
+                </a:highlight>
+                <a:latin typeface="Cascadia Code" panose="020B0609020000020004" pitchFamily="49" charset="0"/>
+              </a:rPr>
+              <a:t>@impl</a:t>
+            </a:r>
+            <a:r>
+              <a:rPr lang="en-US" sz="1200" b="0" dirty="0">
+                <a:solidFill>
+                  <a:srgbClr val="24292E"/>
+                </a:solidFill>
+                <a:effectLst/>
+                <a:highlight>
+                  <a:srgbClr val="F9F9F9"/>
+                </a:highlight>
+                <a:latin typeface="Cascadia Code" panose="020B0609020000020004" pitchFamily="49" charset="0"/>
+              </a:rPr>
+              <a:t> </a:t>
+            </a:r>
+            <a:r>
+              <a:rPr lang="en-US" sz="1200" b="0" dirty="0">
+                <a:solidFill>
+                  <a:srgbClr val="005CC5"/>
+                </a:solidFill>
+                <a:effectLst/>
+                <a:highlight>
+                  <a:srgbClr val="F9F9F9"/>
+                </a:highlight>
+                <a:latin typeface="Cascadia Code" panose="020B0609020000020004" pitchFamily="49" charset="0"/>
+              </a:rPr>
+              <a:t>true</a:t>
+            </a:r>
+            <a:endParaRPr lang="en-US" sz="1200" b="0" dirty="0">
+              <a:solidFill>
+                <a:srgbClr val="24292E"/>
+              </a:solidFill>
+              <a:effectLst/>
+              <a:highlight>
+                <a:srgbClr val="F9F9F9"/>
+              </a:highlight>
+              <a:latin typeface="Cascadia Code" panose="020B0609020000020004" pitchFamily="49" charset="0"/>
+            </a:endParaRPr>
+          </a:p>
+          <a:p>
+            <a:r>
+              <a:rPr lang="en-US" sz="1200" b="0" dirty="0">
+                <a:solidFill>
+                  <a:srgbClr val="24292E"/>
+                </a:solidFill>
+                <a:effectLst/>
+                <a:highlight>
+                  <a:srgbClr val="F9F9F9"/>
+                </a:highlight>
+                <a:latin typeface="Cascadia Code" panose="020B0609020000020004" pitchFamily="49" charset="0"/>
+              </a:rPr>
+              <a:t>  </a:t>
+            </a:r>
+            <a:r>
+              <a:rPr lang="en-US" sz="1200" b="0" dirty="0">
+                <a:solidFill>
+                  <a:srgbClr val="D73A49"/>
+                </a:solidFill>
+                <a:effectLst/>
+                <a:highlight>
+                  <a:srgbClr val="F9F9F9"/>
+                </a:highlight>
+                <a:latin typeface="Cascadia Code" panose="020B0609020000020004" pitchFamily="49" charset="0"/>
+              </a:rPr>
+              <a:t>def</a:t>
+            </a:r>
+            <a:r>
+              <a:rPr lang="en-US" sz="1200" b="0" dirty="0">
+                <a:solidFill>
+                  <a:srgbClr val="24292E"/>
+                </a:solidFill>
+                <a:effectLst/>
+                <a:highlight>
+                  <a:srgbClr val="F9F9F9"/>
+                </a:highlight>
+                <a:latin typeface="Cascadia Code" panose="020B0609020000020004" pitchFamily="49" charset="0"/>
+              </a:rPr>
+              <a:t> </a:t>
+            </a:r>
+            <a:r>
+              <a:rPr lang="en-US" sz="1200" b="0" dirty="0" err="1">
+                <a:solidFill>
+                  <a:srgbClr val="6F42C1"/>
+                </a:solidFill>
+                <a:effectLst/>
+                <a:highlight>
+                  <a:srgbClr val="F9F9F9"/>
+                </a:highlight>
+                <a:latin typeface="Cascadia Code" panose="020B0609020000020004" pitchFamily="49" charset="0"/>
+              </a:rPr>
+              <a:t>init</a:t>
+            </a:r>
+            <a:r>
+              <a:rPr lang="en-US" sz="1200" b="0" dirty="0">
+                <a:solidFill>
+                  <a:srgbClr val="24292E"/>
+                </a:solidFill>
+                <a:effectLst/>
+                <a:highlight>
+                  <a:srgbClr val="F9F9F9"/>
+                </a:highlight>
+                <a:latin typeface="Cascadia Code" panose="020B0609020000020004" pitchFamily="49" charset="0"/>
+              </a:rPr>
+              <a:t>(</a:t>
+            </a:r>
+            <a:r>
+              <a:rPr lang="en-US" sz="1200" b="0" dirty="0" err="1">
+                <a:solidFill>
+                  <a:srgbClr val="24292E"/>
+                </a:solidFill>
+                <a:effectLst/>
+                <a:highlight>
+                  <a:srgbClr val="F9F9F9"/>
+                </a:highlight>
+                <a:latin typeface="Cascadia Code" panose="020B0609020000020004" pitchFamily="49" charset="0"/>
+              </a:rPr>
+              <a:t>initial_state</a:t>
+            </a:r>
+            <a:r>
+              <a:rPr lang="en-US" sz="1200" b="0" dirty="0">
+                <a:solidFill>
+                  <a:srgbClr val="24292E"/>
+                </a:solidFill>
+                <a:effectLst/>
+                <a:highlight>
+                  <a:srgbClr val="F9F9F9"/>
+                </a:highlight>
+                <a:latin typeface="Cascadia Code" panose="020B0609020000020004" pitchFamily="49" charset="0"/>
+              </a:rPr>
+              <a:t>) </a:t>
+            </a:r>
+            <a:r>
+              <a:rPr lang="en-US" sz="1200" b="0" dirty="0">
+                <a:solidFill>
+                  <a:srgbClr val="D73A49"/>
+                </a:solidFill>
+                <a:effectLst/>
+                <a:highlight>
+                  <a:srgbClr val="F9F9F9"/>
+                </a:highlight>
+                <a:latin typeface="Cascadia Code" panose="020B0609020000020004" pitchFamily="49" charset="0"/>
+              </a:rPr>
+              <a:t>do</a:t>
+            </a:r>
+            <a:r>
+              <a:rPr lang="en-US" sz="1200" b="0" dirty="0">
+                <a:solidFill>
+                  <a:srgbClr val="24292E"/>
+                </a:solidFill>
+                <a:effectLst/>
+                <a:highlight>
+                  <a:srgbClr val="F9F9F9"/>
+                </a:highlight>
+                <a:latin typeface="Cascadia Code" panose="020B0609020000020004" pitchFamily="49" charset="0"/>
+              </a:rPr>
+              <a:t> </a:t>
+            </a:r>
+            <a:r>
+              <a:rPr lang="en-US" sz="1200" b="0" dirty="0">
+                <a:solidFill>
+                  <a:srgbClr val="6A737D"/>
+                </a:solidFill>
+                <a:effectLst/>
+                <a:highlight>
+                  <a:srgbClr val="F9F9F9"/>
+                </a:highlight>
+                <a:latin typeface="Cascadia Code" panose="020B0609020000020004" pitchFamily="49" charset="0"/>
+              </a:rPr>
+              <a:t># initial state</a:t>
+            </a:r>
+            <a:endParaRPr lang="en-US" sz="1200" b="0" dirty="0">
+              <a:solidFill>
+                <a:srgbClr val="24292E"/>
+              </a:solidFill>
+              <a:effectLst/>
+              <a:highlight>
+                <a:srgbClr val="F9F9F9"/>
+              </a:highlight>
+              <a:latin typeface="Cascadia Code" panose="020B0609020000020004" pitchFamily="49" charset="0"/>
+            </a:endParaRPr>
+          </a:p>
+          <a:p>
+            <a:r>
+              <a:rPr lang="en-US" sz="1200" b="0" dirty="0">
+                <a:solidFill>
+                  <a:srgbClr val="24292E"/>
+                </a:solidFill>
+                <a:effectLst/>
+                <a:highlight>
+                  <a:srgbClr val="F9F9F9"/>
+                </a:highlight>
+                <a:latin typeface="Cascadia Code" panose="020B0609020000020004" pitchFamily="49" charset="0"/>
+              </a:rPr>
+              <a:t>  . . .</a:t>
+            </a:r>
+          </a:p>
+          <a:p>
+            <a:br>
+              <a:rPr lang="en-US" sz="1200" b="0" dirty="0">
+                <a:solidFill>
+                  <a:srgbClr val="24292E"/>
+                </a:solidFill>
+                <a:effectLst/>
+                <a:highlight>
+                  <a:srgbClr val="F9F9F9"/>
+                </a:highlight>
+                <a:latin typeface="Cascadia Code" panose="020B0609020000020004" pitchFamily="49" charset="0"/>
+              </a:rPr>
+            </a:br>
+            <a:r>
+              <a:rPr lang="en-US" sz="1200" b="0" dirty="0">
+                <a:solidFill>
+                  <a:srgbClr val="24292E"/>
+                </a:solidFill>
+                <a:effectLst/>
+                <a:highlight>
+                  <a:srgbClr val="F9F9F9"/>
+                </a:highlight>
+                <a:latin typeface="Cascadia Code" panose="020B0609020000020004" pitchFamily="49" charset="0"/>
+              </a:rPr>
+              <a:t>  </a:t>
+            </a:r>
+            <a:r>
+              <a:rPr lang="en-US" sz="1200" b="0" dirty="0">
+                <a:solidFill>
+                  <a:srgbClr val="005CC5"/>
+                </a:solidFill>
+                <a:effectLst/>
+                <a:highlight>
+                  <a:srgbClr val="F9F9F9"/>
+                </a:highlight>
+                <a:latin typeface="Cascadia Code" panose="020B0609020000020004" pitchFamily="49" charset="0"/>
+              </a:rPr>
+              <a:t>@impl</a:t>
+            </a:r>
+            <a:r>
+              <a:rPr lang="en-US" sz="1200" b="0" dirty="0">
+                <a:solidFill>
+                  <a:srgbClr val="24292E"/>
+                </a:solidFill>
+                <a:effectLst/>
+                <a:highlight>
+                  <a:srgbClr val="F9F9F9"/>
+                </a:highlight>
+                <a:latin typeface="Cascadia Code" panose="020B0609020000020004" pitchFamily="49" charset="0"/>
+              </a:rPr>
+              <a:t> </a:t>
+            </a:r>
+            <a:r>
+              <a:rPr lang="en-US" sz="1200" b="0" dirty="0">
+                <a:solidFill>
+                  <a:srgbClr val="005CC5"/>
+                </a:solidFill>
+                <a:effectLst/>
+                <a:highlight>
+                  <a:srgbClr val="F9F9F9"/>
+                </a:highlight>
+                <a:latin typeface="Cascadia Code" panose="020B0609020000020004" pitchFamily="49" charset="0"/>
+              </a:rPr>
+              <a:t>true</a:t>
+            </a:r>
+            <a:endParaRPr lang="en-US" sz="1200" b="0" dirty="0">
+              <a:solidFill>
+                <a:srgbClr val="24292E"/>
+              </a:solidFill>
+              <a:effectLst/>
+              <a:highlight>
+                <a:srgbClr val="F9F9F9"/>
+              </a:highlight>
+              <a:latin typeface="Cascadia Code" panose="020B0609020000020004" pitchFamily="49" charset="0"/>
+            </a:endParaRPr>
+          </a:p>
+          <a:p>
+            <a:r>
+              <a:rPr lang="en-US" sz="1200" b="0" dirty="0">
+                <a:solidFill>
+                  <a:srgbClr val="24292E"/>
+                </a:solidFill>
+                <a:effectLst/>
+                <a:highlight>
+                  <a:srgbClr val="F9F9F9"/>
+                </a:highlight>
+                <a:latin typeface="Cascadia Code" panose="020B0609020000020004" pitchFamily="49" charset="0"/>
+              </a:rPr>
+              <a:t>  </a:t>
+            </a:r>
+            <a:r>
+              <a:rPr lang="en-US" sz="1200" b="0" dirty="0">
+                <a:solidFill>
+                  <a:srgbClr val="D73A49"/>
+                </a:solidFill>
+                <a:effectLst/>
+                <a:highlight>
+                  <a:srgbClr val="F9F9F9"/>
+                </a:highlight>
+                <a:latin typeface="Cascadia Code" panose="020B0609020000020004" pitchFamily="49" charset="0"/>
+              </a:rPr>
+              <a:t>def</a:t>
+            </a:r>
+            <a:r>
+              <a:rPr lang="en-US" sz="1200" b="0" dirty="0">
+                <a:solidFill>
+                  <a:srgbClr val="24292E"/>
+                </a:solidFill>
+                <a:effectLst/>
+                <a:highlight>
+                  <a:srgbClr val="F9F9F9"/>
+                </a:highlight>
+                <a:latin typeface="Cascadia Code" panose="020B0609020000020004" pitchFamily="49" charset="0"/>
+              </a:rPr>
+              <a:t> </a:t>
+            </a:r>
+            <a:r>
+              <a:rPr lang="en-US" sz="1200" b="0" dirty="0" err="1">
+                <a:solidFill>
+                  <a:srgbClr val="6F42C1"/>
+                </a:solidFill>
+                <a:effectLst/>
+                <a:highlight>
+                  <a:srgbClr val="F9F9F9"/>
+                </a:highlight>
+                <a:latin typeface="Cascadia Code" panose="020B0609020000020004" pitchFamily="49" charset="0"/>
+              </a:rPr>
+              <a:t>handle_call</a:t>
+            </a:r>
+            <a:r>
+              <a:rPr lang="en-US" sz="1200" b="0" dirty="0">
+                <a:solidFill>
+                  <a:srgbClr val="24292E"/>
+                </a:solidFill>
+                <a:effectLst/>
+                <a:highlight>
+                  <a:srgbClr val="F9F9F9"/>
+                </a:highlight>
+                <a:latin typeface="Cascadia Code" panose="020B0609020000020004" pitchFamily="49" charset="0"/>
+              </a:rPr>
+              <a:t>(</a:t>
+            </a:r>
+            <a:r>
+              <a:rPr lang="en-US" sz="1200" b="0" dirty="0">
+                <a:solidFill>
+                  <a:srgbClr val="005CC5"/>
+                </a:solidFill>
+                <a:effectLst/>
+                <a:highlight>
+                  <a:srgbClr val="F9F9F9"/>
+                </a:highlight>
+                <a:latin typeface="Cascadia Code" panose="020B0609020000020004" pitchFamily="49" charset="0"/>
+              </a:rPr>
+              <a:t>:pop</a:t>
+            </a:r>
+            <a:r>
+              <a:rPr lang="en-US" sz="1200" b="0" dirty="0">
+                <a:solidFill>
+                  <a:srgbClr val="24292E"/>
+                </a:solidFill>
+                <a:effectLst/>
+                <a:highlight>
+                  <a:srgbClr val="F9F9F9"/>
+                </a:highlight>
+                <a:latin typeface="Cascadia Code" panose="020B0609020000020004" pitchFamily="49" charset="0"/>
+              </a:rPr>
+              <a:t>, </a:t>
+            </a:r>
+            <a:r>
+              <a:rPr lang="en-US" sz="1200" b="0" dirty="0">
+                <a:solidFill>
+                  <a:srgbClr val="6A737D"/>
+                </a:solidFill>
+                <a:effectLst/>
+                <a:highlight>
+                  <a:srgbClr val="F9F9F9"/>
+                </a:highlight>
+                <a:latin typeface="Cascadia Code" panose="020B0609020000020004" pitchFamily="49" charset="0"/>
+              </a:rPr>
+              <a:t>_from</a:t>
+            </a:r>
+            <a:r>
+              <a:rPr lang="en-US" sz="1200" b="0" dirty="0">
+                <a:solidFill>
+                  <a:srgbClr val="24292E"/>
+                </a:solidFill>
+                <a:effectLst/>
+                <a:highlight>
+                  <a:srgbClr val="F9F9F9"/>
+                </a:highlight>
+                <a:latin typeface="Cascadia Code" panose="020B0609020000020004" pitchFamily="49" charset="0"/>
+              </a:rPr>
+              <a:t>, state) </a:t>
+            </a:r>
+            <a:r>
+              <a:rPr lang="en-US" sz="1200" b="0" dirty="0">
+                <a:solidFill>
+                  <a:srgbClr val="D73A49"/>
+                </a:solidFill>
+                <a:effectLst/>
+                <a:highlight>
+                  <a:srgbClr val="F9F9F9"/>
+                </a:highlight>
+                <a:latin typeface="Cascadia Code" panose="020B0609020000020004" pitchFamily="49" charset="0"/>
+              </a:rPr>
+              <a:t>do</a:t>
+            </a:r>
+            <a:r>
+              <a:rPr lang="en-US" sz="1200" b="0" dirty="0">
+                <a:solidFill>
+                  <a:srgbClr val="24292E"/>
+                </a:solidFill>
+                <a:effectLst/>
+                <a:highlight>
+                  <a:srgbClr val="F9F9F9"/>
+                </a:highlight>
+                <a:latin typeface="Cascadia Code" panose="020B0609020000020004" pitchFamily="49" charset="0"/>
+              </a:rPr>
+              <a:t> </a:t>
+            </a:r>
+            <a:r>
+              <a:rPr lang="en-US" sz="1200" b="0" dirty="0">
+                <a:solidFill>
+                  <a:srgbClr val="6A737D"/>
+                </a:solidFill>
+                <a:effectLst/>
+                <a:highlight>
+                  <a:srgbClr val="F9F9F9"/>
+                </a:highlight>
+                <a:latin typeface="Cascadia Code" panose="020B0609020000020004" pitchFamily="49" charset="0"/>
+              </a:rPr>
+              <a:t># for sync calls</a:t>
+            </a:r>
+            <a:endParaRPr lang="en-US" sz="1200" b="0" dirty="0">
+              <a:solidFill>
+                <a:srgbClr val="24292E"/>
+              </a:solidFill>
+              <a:effectLst/>
+              <a:highlight>
+                <a:srgbClr val="F9F9F9"/>
+              </a:highlight>
+              <a:latin typeface="Cascadia Code" panose="020B0609020000020004" pitchFamily="49" charset="0"/>
+            </a:endParaRPr>
+          </a:p>
+          <a:p>
+            <a:r>
+              <a:rPr lang="en-US" sz="1200" b="0" dirty="0">
+                <a:solidFill>
+                  <a:srgbClr val="24292E"/>
+                </a:solidFill>
+                <a:effectLst/>
+                <a:highlight>
+                  <a:srgbClr val="F9F9F9"/>
+                </a:highlight>
+                <a:latin typeface="Cascadia Code" panose="020B0609020000020004" pitchFamily="49" charset="0"/>
+              </a:rPr>
+              <a:t>  . . .</a:t>
+            </a:r>
+          </a:p>
+          <a:p>
+            <a:br>
+              <a:rPr lang="en-US" sz="1200" b="0" dirty="0">
+                <a:solidFill>
+                  <a:srgbClr val="24292E"/>
+                </a:solidFill>
+                <a:effectLst/>
+                <a:highlight>
+                  <a:srgbClr val="F9F9F9"/>
+                </a:highlight>
+                <a:latin typeface="Cascadia Code" panose="020B0609020000020004" pitchFamily="49" charset="0"/>
+              </a:rPr>
+            </a:br>
+            <a:r>
+              <a:rPr lang="en-US" sz="1200" b="0" dirty="0">
+                <a:solidFill>
+                  <a:srgbClr val="24292E"/>
+                </a:solidFill>
+                <a:effectLst/>
+                <a:highlight>
+                  <a:srgbClr val="F9F9F9"/>
+                </a:highlight>
+                <a:latin typeface="Cascadia Code" panose="020B0609020000020004" pitchFamily="49" charset="0"/>
+              </a:rPr>
+              <a:t>  </a:t>
+            </a:r>
+            <a:r>
+              <a:rPr lang="en-US" sz="1200" b="0" dirty="0">
+                <a:solidFill>
+                  <a:srgbClr val="005CC5"/>
+                </a:solidFill>
+                <a:effectLst/>
+                <a:highlight>
+                  <a:srgbClr val="F9F9F9"/>
+                </a:highlight>
+                <a:latin typeface="Cascadia Code" panose="020B0609020000020004" pitchFamily="49" charset="0"/>
+              </a:rPr>
+              <a:t>@impl</a:t>
+            </a:r>
+            <a:r>
+              <a:rPr lang="en-US" sz="1200" b="0" dirty="0">
+                <a:solidFill>
+                  <a:srgbClr val="24292E"/>
+                </a:solidFill>
+                <a:effectLst/>
+                <a:highlight>
+                  <a:srgbClr val="F9F9F9"/>
+                </a:highlight>
+                <a:latin typeface="Cascadia Code" panose="020B0609020000020004" pitchFamily="49" charset="0"/>
+              </a:rPr>
+              <a:t> </a:t>
+            </a:r>
+            <a:r>
+              <a:rPr lang="en-US" sz="1200" b="0" dirty="0">
+                <a:solidFill>
+                  <a:srgbClr val="005CC5"/>
+                </a:solidFill>
+                <a:effectLst/>
+                <a:highlight>
+                  <a:srgbClr val="F9F9F9"/>
+                </a:highlight>
+                <a:latin typeface="Cascadia Code" panose="020B0609020000020004" pitchFamily="49" charset="0"/>
+              </a:rPr>
+              <a:t>true</a:t>
+            </a:r>
+            <a:endParaRPr lang="en-US" sz="1200" b="0" dirty="0">
+              <a:solidFill>
+                <a:srgbClr val="24292E"/>
+              </a:solidFill>
+              <a:effectLst/>
+              <a:highlight>
+                <a:srgbClr val="F9F9F9"/>
+              </a:highlight>
+              <a:latin typeface="Cascadia Code" panose="020B0609020000020004" pitchFamily="49" charset="0"/>
+            </a:endParaRPr>
+          </a:p>
+          <a:p>
+            <a:r>
+              <a:rPr lang="en-US" sz="1200" b="0" dirty="0">
+                <a:solidFill>
+                  <a:srgbClr val="24292E"/>
+                </a:solidFill>
+                <a:effectLst/>
+                <a:highlight>
+                  <a:srgbClr val="F9F9F9"/>
+                </a:highlight>
+                <a:latin typeface="Cascadia Code" panose="020B0609020000020004" pitchFamily="49" charset="0"/>
+              </a:rPr>
+              <a:t>  </a:t>
+            </a:r>
+            <a:r>
+              <a:rPr lang="en-US" sz="1200" b="0" dirty="0">
+                <a:solidFill>
+                  <a:srgbClr val="D73A49"/>
+                </a:solidFill>
+                <a:effectLst/>
+                <a:highlight>
+                  <a:srgbClr val="F9F9F9"/>
+                </a:highlight>
+                <a:latin typeface="Cascadia Code" panose="020B0609020000020004" pitchFamily="49" charset="0"/>
+              </a:rPr>
+              <a:t>def</a:t>
+            </a:r>
+            <a:r>
+              <a:rPr lang="en-US" sz="1200" b="0" dirty="0">
+                <a:solidFill>
+                  <a:srgbClr val="24292E"/>
+                </a:solidFill>
+                <a:effectLst/>
+                <a:highlight>
+                  <a:srgbClr val="F9F9F9"/>
+                </a:highlight>
+                <a:latin typeface="Cascadia Code" panose="020B0609020000020004" pitchFamily="49" charset="0"/>
+              </a:rPr>
+              <a:t> </a:t>
+            </a:r>
+            <a:r>
+              <a:rPr lang="en-US" sz="1200" b="0" dirty="0" err="1">
+                <a:solidFill>
+                  <a:srgbClr val="6F42C1"/>
+                </a:solidFill>
+                <a:effectLst/>
+                <a:highlight>
+                  <a:srgbClr val="F9F9F9"/>
+                </a:highlight>
+                <a:latin typeface="Cascadia Code" panose="020B0609020000020004" pitchFamily="49" charset="0"/>
+              </a:rPr>
+              <a:t>handle_cast</a:t>
+            </a:r>
+            <a:r>
+              <a:rPr lang="en-US" sz="1200" b="0" dirty="0">
+                <a:solidFill>
+                  <a:srgbClr val="24292E"/>
+                </a:solidFill>
+                <a:effectLst/>
+                <a:highlight>
+                  <a:srgbClr val="F9F9F9"/>
+                </a:highlight>
+                <a:latin typeface="Cascadia Code" panose="020B0609020000020004" pitchFamily="49" charset="0"/>
+              </a:rPr>
+              <a:t>({</a:t>
+            </a:r>
+            <a:r>
+              <a:rPr lang="en-US" sz="1200" b="0" dirty="0">
+                <a:solidFill>
+                  <a:srgbClr val="005CC5"/>
+                </a:solidFill>
+                <a:effectLst/>
+                <a:highlight>
+                  <a:srgbClr val="F9F9F9"/>
+                </a:highlight>
+                <a:latin typeface="Cascadia Code" panose="020B0609020000020004" pitchFamily="49" charset="0"/>
+              </a:rPr>
+              <a:t>:push</a:t>
+            </a:r>
+            <a:r>
+              <a:rPr lang="en-US" sz="1200" b="0" dirty="0">
+                <a:solidFill>
+                  <a:srgbClr val="24292E"/>
+                </a:solidFill>
+                <a:effectLst/>
+                <a:highlight>
+                  <a:srgbClr val="F9F9F9"/>
+                </a:highlight>
+                <a:latin typeface="Cascadia Code" panose="020B0609020000020004" pitchFamily="49" charset="0"/>
+              </a:rPr>
+              <a:t>, element}, state) </a:t>
+            </a:r>
+            <a:r>
+              <a:rPr lang="en-US" sz="1200" b="0" dirty="0">
+                <a:solidFill>
+                  <a:srgbClr val="D73A49"/>
+                </a:solidFill>
+                <a:effectLst/>
+                <a:highlight>
+                  <a:srgbClr val="F9F9F9"/>
+                </a:highlight>
+                <a:latin typeface="Cascadia Code" panose="020B0609020000020004" pitchFamily="49" charset="0"/>
+              </a:rPr>
+              <a:t>do</a:t>
+            </a:r>
+            <a:r>
+              <a:rPr lang="en-US" sz="1200" b="0" dirty="0">
+                <a:solidFill>
+                  <a:srgbClr val="24292E"/>
+                </a:solidFill>
+                <a:effectLst/>
+                <a:highlight>
+                  <a:srgbClr val="F9F9F9"/>
+                </a:highlight>
+                <a:latin typeface="Cascadia Code" panose="020B0609020000020004" pitchFamily="49" charset="0"/>
+              </a:rPr>
+              <a:t> </a:t>
+            </a:r>
+            <a:r>
+              <a:rPr lang="en-US" sz="1200" b="0" dirty="0">
+                <a:solidFill>
+                  <a:srgbClr val="6A737D"/>
+                </a:solidFill>
+                <a:effectLst/>
+                <a:highlight>
+                  <a:srgbClr val="F9F9F9"/>
+                </a:highlight>
+                <a:latin typeface="Cascadia Code" panose="020B0609020000020004" pitchFamily="49" charset="0"/>
+              </a:rPr>
+              <a:t># for async calls</a:t>
+            </a:r>
+            <a:endParaRPr lang="en-US" sz="1200" b="0" dirty="0">
+              <a:solidFill>
+                <a:srgbClr val="24292E"/>
+              </a:solidFill>
+              <a:effectLst/>
+              <a:highlight>
+                <a:srgbClr val="F9F9F9"/>
+              </a:highlight>
+              <a:latin typeface="Cascadia Code" panose="020B0609020000020004" pitchFamily="49" charset="0"/>
+            </a:endParaRPr>
+          </a:p>
+          <a:p>
+            <a:r>
+              <a:rPr lang="en-US" sz="1200" b="0" dirty="0">
+                <a:solidFill>
+                  <a:srgbClr val="24292E"/>
+                </a:solidFill>
+                <a:effectLst/>
+                <a:highlight>
+                  <a:srgbClr val="F9F9F9"/>
+                </a:highlight>
+                <a:latin typeface="Cascadia Code" panose="020B0609020000020004" pitchFamily="49" charset="0"/>
+              </a:rPr>
+              <a:t>  </a:t>
+            </a:r>
+            <a:r>
+              <a:rPr lang="en-US" sz="1200" b="0" dirty="0">
+                <a:solidFill>
+                  <a:srgbClr val="D73A49"/>
+                </a:solidFill>
+                <a:effectLst/>
+                <a:highlight>
+                  <a:srgbClr val="F9F9F9"/>
+                </a:highlight>
+                <a:latin typeface="Cascadia Code" panose="020B0609020000020004" pitchFamily="49" charset="0"/>
+              </a:rPr>
+              <a:t>...</a:t>
+            </a:r>
+            <a:endParaRPr lang="en-US" sz="1200" b="0" dirty="0">
+              <a:solidFill>
+                <a:srgbClr val="24292E"/>
+              </a:solidFill>
+              <a:effectLst/>
+              <a:highlight>
+                <a:srgbClr val="F9F9F9"/>
+              </a:highlight>
+              <a:latin typeface="Cascadia Code" panose="020B0609020000020004" pitchFamily="49" charset="0"/>
+            </a:endParaRPr>
+          </a:p>
+        </p:txBody>
+      </p:sp>
+    </p:spTree>
+    <p:extLst>
+      <p:ext uri="{BB962C8B-B14F-4D97-AF65-F5344CB8AC3E}">
+        <p14:creationId xmlns:p14="http://schemas.microsoft.com/office/powerpoint/2010/main" val="1353499705"/>
+      </p:ext>
+    </p:extLst>
+  </p:cSld>
+  <p:clrMapOvr>
+    <a:masterClrMapping/>
+  </p:clrMapOvr>
+  <p:transition spd="med"/>
+</p:sld>
+</file>
+
+<file path=ppt/slides/slide24.xml><?xml version="1.0" encoding="utf-8"?>
+<p:sld xmlns:a="http://schemas.openxmlformats.org/drawingml/2006/main" xmlns:r="http://schemas.openxmlformats.org/officeDocument/2006/relationships" xmlns:p="http://schemas.openxmlformats.org/presentationml/2006/main">
+  <p:cSld>
+    <p:spTree>
+      <p:nvGrpSpPr>
+        <p:cNvPr id="1" name=""/>
+        <p:cNvGrpSpPr/>
+        <p:nvPr/>
+      </p:nvGrpSpPr>
+      <p:grpSpPr>
+        <a:xfrm>
+          <a:off x="0" y="0"/>
+          <a:ext cx="0" cy="0"/>
+          <a:chOff x="0" y="0"/>
+          <a:chExt cx="0" cy="0"/>
+        </a:xfrm>
+      </p:grpSpPr>
+      <p:sp>
+        <p:nvSpPr>
+          <p:cNvPr id="2" name="Title 1">
+            <a:extLst>
+              <a:ext uri="{FF2B5EF4-FFF2-40B4-BE49-F238E27FC236}">
+                <a16:creationId xmlns:a16="http://schemas.microsoft.com/office/drawing/2014/main" id="{1BCDE905-E80D-EB5F-0754-A2EE07A9BD7F}"/>
+              </a:ext>
+            </a:extLst>
+          </p:cNvPr>
+          <p:cNvSpPr>
+            <a:spLocks noGrp="1"/>
+          </p:cNvSpPr>
+          <p:nvPr>
+            <p:ph type="title"/>
+          </p:nvPr>
+        </p:nvSpPr>
+        <p:spPr/>
+        <p:txBody>
+          <a:bodyPr/>
+          <a:lstStyle/>
+          <a:p>
+            <a:r>
+              <a:rPr lang="en-US" dirty="0" err="1"/>
+              <a:t>GenServers</a:t>
+            </a:r>
+            <a:r>
+              <a:rPr lang="en-US" dirty="0"/>
+              <a:t> (2)</a:t>
+            </a:r>
+            <a:endParaRPr lang="bg-BG" dirty="0"/>
+          </a:p>
+        </p:txBody>
+      </p:sp>
+      <p:sp>
+        <p:nvSpPr>
+          <p:cNvPr id="3" name="Text Placeholder 2">
+            <a:extLst>
+              <a:ext uri="{FF2B5EF4-FFF2-40B4-BE49-F238E27FC236}">
+                <a16:creationId xmlns:a16="http://schemas.microsoft.com/office/drawing/2014/main" id="{BBE72892-8DB0-4319-C80F-175F3073E748}"/>
+              </a:ext>
+            </a:extLst>
+          </p:cNvPr>
+          <p:cNvSpPr>
+            <a:spLocks noGrp="1"/>
+          </p:cNvSpPr>
+          <p:nvPr>
+            <p:ph type="body" idx="1"/>
+          </p:nvPr>
+        </p:nvSpPr>
+        <p:spPr/>
+        <p:txBody>
+          <a:bodyPr>
+            <a:normAutofit/>
+          </a:bodyPr>
+          <a:lstStyle/>
+          <a:p>
+            <a:r>
+              <a:rPr lang="en-US" dirty="0"/>
+              <a:t>We interact with the </a:t>
+            </a:r>
+            <a:r>
+              <a:rPr lang="en-US" dirty="0" err="1"/>
+              <a:t>GenServer</a:t>
+            </a:r>
+            <a:r>
+              <a:rPr lang="en-US" dirty="0"/>
+              <a:t> like it’s a regular process</a:t>
+            </a:r>
+          </a:p>
+        </p:txBody>
+      </p:sp>
+      <p:sp>
+        <p:nvSpPr>
+          <p:cNvPr id="4" name="Rectangle 3">
+            <a:extLst>
+              <a:ext uri="{FF2B5EF4-FFF2-40B4-BE49-F238E27FC236}">
+                <a16:creationId xmlns:a16="http://schemas.microsoft.com/office/drawing/2014/main" id="{64C1FCB1-9837-0EDD-937C-9303CA8E83E1}"/>
+              </a:ext>
+            </a:extLst>
+          </p:cNvPr>
+          <p:cNvSpPr/>
+          <p:nvPr/>
+        </p:nvSpPr>
+        <p:spPr>
+          <a:xfrm>
+            <a:off x="838200" y="2126007"/>
+            <a:ext cx="9366504" cy="1962585"/>
+          </a:xfrm>
+          <a:prstGeom prst="rect">
+            <a:avLst/>
+          </a:prstGeom>
+          <a:solidFill>
+            <a:srgbClr val="F9F9F9"/>
+          </a:solidFill>
+          <a:ln w="25400" cap="flat">
+            <a:solidFill>
+              <a:schemeClr val="accent1"/>
+            </a:solidFill>
+            <a:prstDash val="solid"/>
+            <a:round/>
+          </a:ln>
+          <a:effectLst/>
+          <a:sp3d/>
+        </p:spPr>
+        <p:style>
+          <a:lnRef idx="0">
+            <a:scrgbClr r="0" g="0" b="0"/>
+          </a:lnRef>
+          <a:fillRef idx="0">
+            <a:scrgbClr r="0" g="0" b="0"/>
+          </a:fillRef>
+          <a:effectRef idx="0">
+            <a:scrgbClr r="0" g="0" b="0"/>
+          </a:effectRef>
+          <a:fontRef idx="none"/>
+        </p:style>
+        <p:txBody>
+          <a:bodyPr rot="0" spcFirstLastPara="1" vertOverflow="overflow" horzOverflow="overflow" vert="horz" wrap="square" lIns="45718" tIns="45718" rIns="45718" bIns="45718" numCol="1" spcCol="38100" rtlCol="0" anchor="ctr">
+            <a:spAutoFit/>
+          </a:bodyPr>
+          <a:lstStyle/>
+          <a:p>
+            <a:r>
+              <a:rPr lang="en-US" sz="1400" b="0" dirty="0">
+                <a:solidFill>
+                  <a:srgbClr val="24292E"/>
+                </a:solidFill>
+                <a:effectLst/>
+                <a:highlight>
+                  <a:srgbClr val="F9F9F9"/>
+                </a:highlight>
+                <a:latin typeface="Cascadia Code" panose="020B0609020000020004" pitchFamily="49" charset="0"/>
+              </a:rPr>
+              <a:t>{</a:t>
+            </a:r>
+            <a:r>
+              <a:rPr lang="en-US" sz="1400" b="0" dirty="0">
+                <a:solidFill>
+                  <a:srgbClr val="005CC5"/>
+                </a:solidFill>
+                <a:effectLst/>
+                <a:highlight>
+                  <a:srgbClr val="F9F9F9"/>
+                </a:highlight>
+                <a:latin typeface="Cascadia Code" panose="020B0609020000020004" pitchFamily="49" charset="0"/>
+              </a:rPr>
+              <a:t>:ok</a:t>
+            </a:r>
+            <a:r>
+              <a:rPr lang="en-US" sz="1400" b="0" dirty="0">
+                <a:solidFill>
+                  <a:srgbClr val="24292E"/>
+                </a:solidFill>
+                <a:effectLst/>
+                <a:highlight>
+                  <a:srgbClr val="F9F9F9"/>
+                </a:highlight>
+                <a:latin typeface="Cascadia Code" panose="020B0609020000020004" pitchFamily="49" charset="0"/>
+              </a:rPr>
+              <a:t>, </a:t>
+            </a:r>
+            <a:r>
+              <a:rPr lang="en-US" sz="1400" b="0" dirty="0" err="1">
+                <a:solidFill>
+                  <a:srgbClr val="24292E"/>
+                </a:solidFill>
+                <a:effectLst/>
+                <a:highlight>
+                  <a:srgbClr val="F9F9F9"/>
+                </a:highlight>
+                <a:latin typeface="Cascadia Code" panose="020B0609020000020004" pitchFamily="49" charset="0"/>
+              </a:rPr>
+              <a:t>pid</a:t>
+            </a:r>
+            <a:r>
+              <a:rPr lang="en-US" sz="1400" b="0" dirty="0">
+                <a:solidFill>
+                  <a:srgbClr val="24292E"/>
+                </a:solidFill>
+                <a:effectLst/>
+                <a:highlight>
+                  <a:srgbClr val="F9F9F9"/>
+                </a:highlight>
+                <a:latin typeface="Cascadia Code" panose="020B0609020000020004" pitchFamily="49" charset="0"/>
+              </a:rPr>
+              <a:t>} </a:t>
+            </a:r>
+            <a:r>
+              <a:rPr lang="en-US" sz="1400" b="0" dirty="0">
+                <a:solidFill>
+                  <a:srgbClr val="D73A49"/>
+                </a:solidFill>
+                <a:effectLst/>
+                <a:highlight>
+                  <a:srgbClr val="F9F9F9"/>
+                </a:highlight>
+                <a:latin typeface="Cascadia Code" panose="020B0609020000020004" pitchFamily="49" charset="0"/>
+              </a:rPr>
+              <a:t>=</a:t>
+            </a:r>
+            <a:r>
+              <a:rPr lang="en-US" sz="1400" b="0" dirty="0">
+                <a:solidFill>
+                  <a:srgbClr val="24292E"/>
+                </a:solidFill>
+                <a:effectLst/>
+                <a:highlight>
+                  <a:srgbClr val="F9F9F9"/>
+                </a:highlight>
+                <a:latin typeface="Cascadia Code" panose="020B0609020000020004" pitchFamily="49" charset="0"/>
+              </a:rPr>
+              <a:t> </a:t>
+            </a:r>
+            <a:r>
+              <a:rPr lang="en-US" sz="1400" b="0" dirty="0" err="1">
+                <a:solidFill>
+                  <a:srgbClr val="6F42C1"/>
+                </a:solidFill>
+                <a:effectLst/>
+                <a:highlight>
+                  <a:srgbClr val="F9F9F9"/>
+                </a:highlight>
+                <a:latin typeface="Cascadia Code" panose="020B0609020000020004" pitchFamily="49" charset="0"/>
+              </a:rPr>
+              <a:t>GenServer</a:t>
+            </a:r>
+            <a:r>
+              <a:rPr lang="en-US" sz="1400" b="0" dirty="0" err="1">
+                <a:solidFill>
+                  <a:srgbClr val="24292E"/>
+                </a:solidFill>
+                <a:effectLst/>
+                <a:highlight>
+                  <a:srgbClr val="F9F9F9"/>
+                </a:highlight>
+                <a:latin typeface="Cascadia Code" panose="020B0609020000020004" pitchFamily="49" charset="0"/>
+              </a:rPr>
+              <a:t>.</a:t>
+            </a:r>
+            <a:r>
+              <a:rPr lang="en-US" sz="1400" b="0" dirty="0" err="1">
+                <a:solidFill>
+                  <a:srgbClr val="6F42C1"/>
+                </a:solidFill>
+                <a:effectLst/>
+                <a:highlight>
+                  <a:srgbClr val="F9F9F9"/>
+                </a:highlight>
+                <a:latin typeface="Cascadia Code" panose="020B0609020000020004" pitchFamily="49" charset="0"/>
+              </a:rPr>
+              <a:t>start_link</a:t>
+            </a:r>
+            <a:r>
+              <a:rPr lang="en-US" sz="1400" b="0" dirty="0">
+                <a:solidFill>
+                  <a:srgbClr val="24292E"/>
+                </a:solidFill>
+                <a:effectLst/>
+                <a:highlight>
+                  <a:srgbClr val="F9F9F9"/>
+                </a:highlight>
+                <a:latin typeface="Cascadia Code" panose="020B0609020000020004" pitchFamily="49" charset="0"/>
+              </a:rPr>
+              <a:t>(</a:t>
+            </a:r>
+            <a:r>
+              <a:rPr lang="en-US" sz="1400" b="0" dirty="0">
+                <a:solidFill>
+                  <a:srgbClr val="6F42C1"/>
+                </a:solidFill>
+                <a:effectLst/>
+                <a:highlight>
+                  <a:srgbClr val="F9F9F9"/>
+                </a:highlight>
+                <a:latin typeface="Cascadia Code" panose="020B0609020000020004" pitchFamily="49" charset="0"/>
+              </a:rPr>
+              <a:t>Stack</a:t>
+            </a:r>
+            <a:r>
+              <a:rPr lang="en-US" sz="1400" b="0" dirty="0">
+                <a:solidFill>
+                  <a:srgbClr val="24292E"/>
+                </a:solidFill>
+                <a:effectLst/>
+                <a:highlight>
+                  <a:srgbClr val="F9F9F9"/>
+                </a:highlight>
+                <a:latin typeface="Cascadia Code" panose="020B0609020000020004" pitchFamily="49" charset="0"/>
+              </a:rPr>
+              <a:t>, </a:t>
+            </a:r>
+            <a:r>
+              <a:rPr lang="en-US" sz="1400" b="0" dirty="0">
+                <a:solidFill>
+                  <a:srgbClr val="22863A"/>
+                </a:solidFill>
+                <a:effectLst/>
+                <a:highlight>
+                  <a:srgbClr val="F9F9F9"/>
+                </a:highlight>
+                <a:latin typeface="Cascadia Code" panose="020B0609020000020004" pitchFamily="49" charset="0"/>
+              </a:rPr>
+              <a:t>"hello world"</a:t>
+            </a:r>
+            <a:r>
+              <a:rPr lang="en-US" sz="1400" b="0" dirty="0">
+                <a:solidFill>
+                  <a:srgbClr val="24292E"/>
+                </a:solidFill>
+                <a:effectLst/>
+                <a:highlight>
+                  <a:srgbClr val="F9F9F9"/>
+                </a:highlight>
+                <a:latin typeface="Cascadia Code" panose="020B0609020000020004" pitchFamily="49" charset="0"/>
+              </a:rPr>
+              <a:t>)</a:t>
+            </a:r>
+          </a:p>
+          <a:p>
+            <a:br>
+              <a:rPr lang="en-US" sz="1400" b="0" dirty="0">
+                <a:solidFill>
+                  <a:srgbClr val="24292E"/>
+                </a:solidFill>
+                <a:effectLst/>
+                <a:highlight>
+                  <a:srgbClr val="F9F9F9"/>
+                </a:highlight>
+                <a:latin typeface="Cascadia Code" panose="020B0609020000020004" pitchFamily="49" charset="0"/>
+              </a:rPr>
+            </a:br>
+            <a:r>
+              <a:rPr lang="en-US" sz="1400" b="0" dirty="0" err="1">
+                <a:solidFill>
+                  <a:srgbClr val="6F42C1"/>
+                </a:solidFill>
+                <a:effectLst/>
+                <a:highlight>
+                  <a:srgbClr val="F9F9F9"/>
+                </a:highlight>
+                <a:latin typeface="Cascadia Code" panose="020B0609020000020004" pitchFamily="49" charset="0"/>
+              </a:rPr>
+              <a:t>GenServer</a:t>
+            </a:r>
+            <a:r>
+              <a:rPr lang="en-US" sz="1400" b="0" dirty="0" err="1">
+                <a:solidFill>
+                  <a:srgbClr val="24292E"/>
+                </a:solidFill>
+                <a:effectLst/>
+                <a:highlight>
+                  <a:srgbClr val="F9F9F9"/>
+                </a:highlight>
+                <a:latin typeface="Cascadia Code" panose="020B0609020000020004" pitchFamily="49" charset="0"/>
+              </a:rPr>
+              <a:t>.</a:t>
+            </a:r>
+            <a:r>
+              <a:rPr lang="en-US" sz="1400" b="0" dirty="0" err="1">
+                <a:solidFill>
+                  <a:srgbClr val="6F42C1"/>
+                </a:solidFill>
+                <a:effectLst/>
+                <a:highlight>
+                  <a:srgbClr val="F9F9F9"/>
+                </a:highlight>
+                <a:latin typeface="Cascadia Code" panose="020B0609020000020004" pitchFamily="49" charset="0"/>
+              </a:rPr>
+              <a:t>call</a:t>
+            </a:r>
+            <a:r>
+              <a:rPr lang="en-US" sz="1400" b="0" dirty="0">
+                <a:solidFill>
+                  <a:srgbClr val="24292E"/>
+                </a:solidFill>
+                <a:effectLst/>
+                <a:highlight>
+                  <a:srgbClr val="F9F9F9"/>
+                </a:highlight>
+                <a:latin typeface="Cascadia Code" panose="020B0609020000020004" pitchFamily="49" charset="0"/>
+              </a:rPr>
+              <a:t>(</a:t>
+            </a:r>
+            <a:r>
+              <a:rPr lang="en-US" sz="1400" b="0" dirty="0" err="1">
+                <a:solidFill>
+                  <a:srgbClr val="24292E"/>
+                </a:solidFill>
+                <a:effectLst/>
+                <a:highlight>
+                  <a:srgbClr val="F9F9F9"/>
+                </a:highlight>
+                <a:latin typeface="Cascadia Code" panose="020B0609020000020004" pitchFamily="49" charset="0"/>
+              </a:rPr>
+              <a:t>pid</a:t>
+            </a:r>
+            <a:r>
+              <a:rPr lang="en-US" sz="1400" b="0" dirty="0">
+                <a:solidFill>
+                  <a:srgbClr val="24292E"/>
+                </a:solidFill>
+                <a:effectLst/>
+                <a:highlight>
+                  <a:srgbClr val="F9F9F9"/>
+                </a:highlight>
+                <a:latin typeface="Cascadia Code" panose="020B0609020000020004" pitchFamily="49" charset="0"/>
+              </a:rPr>
+              <a:t>, </a:t>
+            </a:r>
+            <a:r>
+              <a:rPr lang="en-US" sz="1400" b="0" dirty="0">
+                <a:solidFill>
+                  <a:srgbClr val="005CC5"/>
+                </a:solidFill>
+                <a:effectLst/>
+                <a:highlight>
+                  <a:srgbClr val="F9F9F9"/>
+                </a:highlight>
+                <a:latin typeface="Cascadia Code" panose="020B0609020000020004" pitchFamily="49" charset="0"/>
+              </a:rPr>
+              <a:t>:pop</a:t>
+            </a:r>
+            <a:r>
+              <a:rPr lang="en-US" sz="1400" b="0" dirty="0">
+                <a:solidFill>
+                  <a:srgbClr val="24292E"/>
+                </a:solidFill>
+                <a:effectLst/>
+                <a:highlight>
+                  <a:srgbClr val="F9F9F9"/>
+                </a:highlight>
+                <a:latin typeface="Cascadia Code" panose="020B0609020000020004" pitchFamily="49" charset="0"/>
+              </a:rPr>
+              <a:t>) </a:t>
+            </a:r>
+            <a:r>
+              <a:rPr lang="en-US" sz="1400" b="0" dirty="0">
+                <a:solidFill>
+                  <a:srgbClr val="6A737D"/>
+                </a:solidFill>
+                <a:effectLst/>
+                <a:highlight>
+                  <a:srgbClr val="F9F9F9"/>
+                </a:highlight>
+                <a:latin typeface="Cascadia Code" panose="020B0609020000020004" pitchFamily="49" charset="0"/>
+              </a:rPr>
+              <a:t># sync</a:t>
+            </a:r>
+            <a:endParaRPr lang="en-US" sz="1400" b="0" dirty="0">
+              <a:solidFill>
+                <a:srgbClr val="24292E"/>
+              </a:solidFill>
+              <a:effectLst/>
+              <a:highlight>
+                <a:srgbClr val="F9F9F9"/>
+              </a:highlight>
+              <a:latin typeface="Cascadia Code" panose="020B0609020000020004" pitchFamily="49" charset="0"/>
+            </a:endParaRPr>
+          </a:p>
+          <a:p>
+            <a:r>
+              <a:rPr lang="en-US" sz="1400" b="0" dirty="0">
+                <a:solidFill>
+                  <a:srgbClr val="6A737D"/>
+                </a:solidFill>
+                <a:effectLst/>
+                <a:highlight>
+                  <a:srgbClr val="F9F9F9"/>
+                </a:highlight>
+                <a:latin typeface="Cascadia Code" panose="020B0609020000020004" pitchFamily="49" charset="0"/>
+              </a:rPr>
+              <a:t># "hello world"</a:t>
+            </a:r>
+            <a:endParaRPr lang="en-US" sz="1400" b="0" dirty="0">
+              <a:solidFill>
+                <a:srgbClr val="24292E"/>
+              </a:solidFill>
+              <a:effectLst/>
+              <a:highlight>
+                <a:srgbClr val="F9F9F9"/>
+              </a:highlight>
+              <a:latin typeface="Cascadia Code" panose="020B0609020000020004" pitchFamily="49" charset="0"/>
+            </a:endParaRPr>
+          </a:p>
+          <a:p>
+            <a:br>
+              <a:rPr lang="en-US" sz="1400" b="0" dirty="0">
+                <a:solidFill>
+                  <a:srgbClr val="24292E"/>
+                </a:solidFill>
+                <a:effectLst/>
+                <a:highlight>
+                  <a:srgbClr val="F9F9F9"/>
+                </a:highlight>
+                <a:latin typeface="Cascadia Code" panose="020B0609020000020004" pitchFamily="49" charset="0"/>
+              </a:rPr>
+            </a:br>
+            <a:r>
+              <a:rPr lang="en-US" sz="1400" b="0" dirty="0" err="1">
+                <a:solidFill>
+                  <a:srgbClr val="6F42C1"/>
+                </a:solidFill>
+                <a:effectLst/>
+                <a:highlight>
+                  <a:srgbClr val="F9F9F9"/>
+                </a:highlight>
+                <a:latin typeface="Cascadia Code" panose="020B0609020000020004" pitchFamily="49" charset="0"/>
+              </a:rPr>
+              <a:t>GenServer</a:t>
+            </a:r>
+            <a:r>
+              <a:rPr lang="en-US" sz="1400" b="0" dirty="0" err="1">
+                <a:solidFill>
+                  <a:srgbClr val="24292E"/>
+                </a:solidFill>
+                <a:effectLst/>
+                <a:highlight>
+                  <a:srgbClr val="F9F9F9"/>
+                </a:highlight>
+                <a:latin typeface="Cascadia Code" panose="020B0609020000020004" pitchFamily="49" charset="0"/>
+              </a:rPr>
+              <a:t>.</a:t>
+            </a:r>
+            <a:r>
+              <a:rPr lang="en-US" sz="1400" b="0" dirty="0" err="1">
+                <a:solidFill>
+                  <a:srgbClr val="6F42C1"/>
+                </a:solidFill>
+                <a:effectLst/>
+                <a:highlight>
+                  <a:srgbClr val="F9F9F9"/>
+                </a:highlight>
+                <a:latin typeface="Cascadia Code" panose="020B0609020000020004" pitchFamily="49" charset="0"/>
+              </a:rPr>
+              <a:t>cast</a:t>
+            </a:r>
+            <a:r>
+              <a:rPr lang="en-US" sz="1400" b="0" dirty="0">
+                <a:solidFill>
+                  <a:srgbClr val="24292E"/>
+                </a:solidFill>
+                <a:effectLst/>
+                <a:highlight>
+                  <a:srgbClr val="F9F9F9"/>
+                </a:highlight>
+                <a:latin typeface="Cascadia Code" panose="020B0609020000020004" pitchFamily="49" charset="0"/>
+              </a:rPr>
+              <a:t>(</a:t>
+            </a:r>
+            <a:r>
+              <a:rPr lang="en-US" sz="1400" b="0" dirty="0" err="1">
+                <a:solidFill>
+                  <a:srgbClr val="24292E"/>
+                </a:solidFill>
+                <a:effectLst/>
+                <a:highlight>
+                  <a:srgbClr val="F9F9F9"/>
+                </a:highlight>
+                <a:latin typeface="Cascadia Code" panose="020B0609020000020004" pitchFamily="49" charset="0"/>
+              </a:rPr>
+              <a:t>pid</a:t>
+            </a:r>
+            <a:r>
+              <a:rPr lang="en-US" sz="1400" b="0" dirty="0">
+                <a:solidFill>
+                  <a:srgbClr val="24292E"/>
+                </a:solidFill>
+                <a:effectLst/>
+                <a:highlight>
+                  <a:srgbClr val="F9F9F9"/>
+                </a:highlight>
+                <a:latin typeface="Cascadia Code" panose="020B0609020000020004" pitchFamily="49" charset="0"/>
+              </a:rPr>
+              <a:t>, {</a:t>
+            </a:r>
+            <a:r>
+              <a:rPr lang="en-US" sz="1400" b="0" dirty="0">
+                <a:solidFill>
+                  <a:srgbClr val="005CC5"/>
+                </a:solidFill>
+                <a:effectLst/>
+                <a:highlight>
+                  <a:srgbClr val="F9F9F9"/>
+                </a:highlight>
+                <a:latin typeface="Cascadia Code" panose="020B0609020000020004" pitchFamily="49" charset="0"/>
+              </a:rPr>
+              <a:t>:push</a:t>
+            </a:r>
+            <a:r>
+              <a:rPr lang="en-US" sz="1400" b="0" dirty="0">
+                <a:solidFill>
+                  <a:srgbClr val="24292E"/>
+                </a:solidFill>
+                <a:effectLst/>
+                <a:highlight>
+                  <a:srgbClr val="F9F9F9"/>
+                </a:highlight>
+                <a:latin typeface="Cascadia Code" panose="020B0609020000020004" pitchFamily="49" charset="0"/>
+              </a:rPr>
+              <a:t>, </a:t>
+            </a:r>
+            <a:r>
+              <a:rPr lang="en-US" sz="1400" b="0" dirty="0">
+                <a:solidFill>
+                  <a:srgbClr val="22863A"/>
+                </a:solidFill>
+                <a:effectLst/>
+                <a:highlight>
+                  <a:srgbClr val="F9F9F9"/>
+                </a:highlight>
+                <a:latin typeface="Cascadia Code" panose="020B0609020000020004" pitchFamily="49" charset="0"/>
+              </a:rPr>
+              <a:t>"test"</a:t>
+            </a:r>
+            <a:r>
+              <a:rPr lang="en-US" sz="1400" b="0" dirty="0">
+                <a:solidFill>
+                  <a:srgbClr val="24292E"/>
+                </a:solidFill>
+                <a:effectLst/>
+                <a:highlight>
+                  <a:srgbClr val="F9F9F9"/>
+                </a:highlight>
+                <a:latin typeface="Cascadia Code" panose="020B0609020000020004" pitchFamily="49" charset="0"/>
+              </a:rPr>
+              <a:t>}) </a:t>
+            </a:r>
+            <a:r>
+              <a:rPr lang="en-US" sz="1400" b="0" dirty="0">
+                <a:solidFill>
+                  <a:srgbClr val="6A737D"/>
+                </a:solidFill>
+                <a:effectLst/>
+                <a:highlight>
+                  <a:srgbClr val="F9F9F9"/>
+                </a:highlight>
+                <a:latin typeface="Cascadia Code" panose="020B0609020000020004" pitchFamily="49" charset="0"/>
+              </a:rPr>
+              <a:t># async</a:t>
+            </a:r>
+            <a:endParaRPr lang="en-US" sz="1400" b="0" dirty="0">
+              <a:solidFill>
+                <a:srgbClr val="24292E"/>
+              </a:solidFill>
+              <a:effectLst/>
+              <a:highlight>
+                <a:srgbClr val="F9F9F9"/>
+              </a:highlight>
+              <a:latin typeface="Cascadia Code" panose="020B0609020000020004" pitchFamily="49" charset="0"/>
+            </a:endParaRPr>
+          </a:p>
+          <a:p>
+            <a:r>
+              <a:rPr lang="en-US" sz="1400" b="0" dirty="0">
+                <a:solidFill>
+                  <a:srgbClr val="6A737D"/>
+                </a:solidFill>
+                <a:effectLst/>
+                <a:highlight>
+                  <a:srgbClr val="F9F9F9"/>
+                </a:highlight>
+                <a:latin typeface="Cascadia Code" panose="020B0609020000020004" pitchFamily="49" charset="0"/>
+              </a:rPr>
+              <a:t># :ok</a:t>
+            </a:r>
+            <a:endParaRPr lang="en-US" sz="1400" b="0" dirty="0">
+              <a:solidFill>
+                <a:srgbClr val="24292E"/>
+              </a:solidFill>
+              <a:effectLst/>
+              <a:highlight>
+                <a:srgbClr val="F9F9F9"/>
+              </a:highlight>
+              <a:latin typeface="Cascadia Code" panose="020B0609020000020004" pitchFamily="49" charset="0"/>
+            </a:endParaRPr>
+          </a:p>
+        </p:txBody>
+      </p:sp>
+    </p:spTree>
+    <p:extLst>
+      <p:ext uri="{BB962C8B-B14F-4D97-AF65-F5344CB8AC3E}">
+        <p14:creationId xmlns:p14="http://schemas.microsoft.com/office/powerpoint/2010/main" val="2268060813"/>
+      </p:ext>
+    </p:extLst>
+  </p:cSld>
+  <p:clrMapOvr>
+    <a:masterClrMapping/>
+  </p:clrMapOvr>
+  <p:transition spd="med"/>
+</p:sld>
+</file>
+
+<file path=ppt/slides/slide25.xml><?xml version="1.0" encoding="utf-8"?>
+<p:sld xmlns:a="http://schemas.openxmlformats.org/drawingml/2006/main" xmlns:r="http://schemas.openxmlformats.org/officeDocument/2006/relationships" xmlns:p="http://schemas.openxmlformats.org/presentationml/2006/main">
+  <p:cSld>
+    <p:spTree>
+      <p:nvGrpSpPr>
+        <p:cNvPr id="1" name="">
+          <a:extLst>
+            <a:ext uri="{FF2B5EF4-FFF2-40B4-BE49-F238E27FC236}">
+              <a16:creationId xmlns:a16="http://schemas.microsoft.com/office/drawing/2014/main" id="{59AB7688-8E8D-3DC9-1DBC-B5C462A5503B}"/>
+            </a:ext>
+          </a:extLst>
+        </p:cNvPr>
+        <p:cNvGrpSpPr/>
+        <p:nvPr/>
+      </p:nvGrpSpPr>
+      <p:grpSpPr>
+        <a:xfrm>
+          <a:off x="0" y="0"/>
+          <a:ext cx="0" cy="0"/>
+          <a:chOff x="0" y="0"/>
+          <a:chExt cx="0" cy="0"/>
+        </a:xfrm>
+      </p:grpSpPr>
+      <p:sp>
+        <p:nvSpPr>
+          <p:cNvPr id="4" name="Title 3">
+            <a:extLst>
+              <a:ext uri="{FF2B5EF4-FFF2-40B4-BE49-F238E27FC236}">
+                <a16:creationId xmlns:a16="http://schemas.microsoft.com/office/drawing/2014/main" id="{CA3BAA37-117B-9B9D-354D-9495B27A72A7}"/>
+              </a:ext>
+            </a:extLst>
+          </p:cNvPr>
+          <p:cNvSpPr>
+            <a:spLocks noGrp="1"/>
+          </p:cNvSpPr>
+          <p:nvPr>
+            <p:ph type="title"/>
+          </p:nvPr>
+        </p:nvSpPr>
+        <p:spPr>
+          <a:xfrm>
+            <a:off x="885440" y="1597396"/>
+            <a:ext cx="4939048" cy="1076082"/>
+          </a:xfrm>
+        </p:spPr>
+        <p:txBody>
+          <a:bodyPr/>
+          <a:lstStyle/>
+          <a:p>
+            <a:r>
+              <a:rPr lang="en-US" dirty="0"/>
+              <a:t>Demo</a:t>
+            </a:r>
+          </a:p>
+        </p:txBody>
+      </p:sp>
+      <p:sp>
+        <p:nvSpPr>
+          <p:cNvPr id="5" name="Text Placeholder 4">
+            <a:extLst>
+              <a:ext uri="{FF2B5EF4-FFF2-40B4-BE49-F238E27FC236}">
+                <a16:creationId xmlns:a16="http://schemas.microsoft.com/office/drawing/2014/main" id="{82B2FC89-AE23-9B5A-BAE0-560B0294FA47}"/>
+              </a:ext>
+            </a:extLst>
+          </p:cNvPr>
+          <p:cNvSpPr>
+            <a:spLocks noGrp="1"/>
+          </p:cNvSpPr>
+          <p:nvPr>
+            <p:ph type="body" sz="quarter" idx="1"/>
+          </p:nvPr>
+        </p:nvSpPr>
+        <p:spPr>
+          <a:xfrm>
+            <a:off x="885440" y="2805606"/>
+            <a:ext cx="5031977" cy="1246787"/>
+          </a:xfrm>
+        </p:spPr>
+        <p:txBody>
+          <a:bodyPr/>
+          <a:lstStyle/>
+          <a:p>
+            <a:endParaRPr lang="en-US" dirty="0"/>
+          </a:p>
+        </p:txBody>
+      </p:sp>
+      <p:pic>
+        <p:nvPicPr>
+          <p:cNvPr id="2050" name="Picture 2">
+            <a:extLst>
+              <a:ext uri="{FF2B5EF4-FFF2-40B4-BE49-F238E27FC236}">
+                <a16:creationId xmlns:a16="http://schemas.microsoft.com/office/drawing/2014/main" id="{8D68DC07-69E2-9347-EA08-C7F44FC71282}"/>
+              </a:ext>
+            </a:extLst>
+          </p:cNvPr>
+          <p:cNvPicPr>
+            <a:picLocks noChangeAspect="1" noChangeArrowheads="1"/>
+          </p:cNvPicPr>
+          <p:nvPr/>
+        </p:nvPicPr>
+        <p:blipFill>
+          <a:blip r:embed="rId3">
+            <a:extLst>
+              <a:ext uri="{28A0092B-C50C-407E-A947-70E740481C1C}">
+                <a14:useLocalDpi xmlns:a14="http://schemas.microsoft.com/office/drawing/2010/main" val="0"/>
+              </a:ext>
+            </a:extLst>
+          </a:blip>
+          <a:srcRect/>
+          <a:stretch>
+            <a:fillRect/>
+          </a:stretch>
+        </p:blipFill>
+        <p:spPr bwMode="auto">
+          <a:xfrm>
+            <a:off x="5160320" y="1387603"/>
+            <a:ext cx="2571750" cy="2571750"/>
+          </a:xfrm>
+          <a:prstGeom prst="rect">
+            <a:avLst/>
+          </a:prstGeom>
+          <a:noFill/>
+          <a:extLst>
+            <a:ext uri="{909E8E84-426E-40DD-AFC4-6F175D3DCCD1}">
+              <a14:hiddenFill xmlns:a14="http://schemas.microsoft.com/office/drawing/2010/main">
+                <a:solidFill>
+                  <a:srgbClr val="FFFFFF"/>
+                </a:solidFill>
+              </a14:hiddenFill>
+            </a:ext>
+          </a:extLst>
+        </p:spPr>
+      </p:pic>
+    </p:spTree>
+    <p:extLst>
+      <p:ext uri="{BB962C8B-B14F-4D97-AF65-F5344CB8AC3E}">
+        <p14:creationId xmlns:p14="http://schemas.microsoft.com/office/powerpoint/2010/main" val="1758454443"/>
+      </p:ext>
+    </p:extLst>
+  </p:cSld>
+  <p:clrMapOvr>
+    <a:masterClrMapping/>
+  </p:clrMapOvr>
+  <p:transition spd="med"/>
+</p:sld>
+</file>
+
+<file path=ppt/slides/slide26.xml><?xml version="1.0" encoding="utf-8"?>
 <p:sld xmlns:a="http://schemas.openxmlformats.org/drawingml/2006/main" xmlns:r="http://schemas.openxmlformats.org/officeDocument/2006/relationships" xmlns:p="http://schemas.openxmlformats.org/presentationml/2006/main">
   <p:cSld>
     <p:spTree>
@@ -6563,7 +10292,7 @@
             <a:pPr lvl="1"/>
             <a:r>
               <a:rPr lang="en-US" dirty="0"/>
-              <a:t>Similar to Gradle/NPM</a:t>
+              <a:t>Similar to Gradle/Vite/dotnet CLI</a:t>
             </a:r>
           </a:p>
           <a:p>
@@ -6648,7 +10377,7 @@
 </p:sld>
 </file>
 
-<file path=ppt/slides/slide20.xml><?xml version="1.0" encoding="utf-8"?>
+<file path=ppt/slides/slide27.xml><?xml version="1.0" encoding="utf-8"?>
 <p:sld xmlns:a="http://schemas.openxmlformats.org/drawingml/2006/main" xmlns:r="http://schemas.openxmlformats.org/officeDocument/2006/relationships" xmlns:p="http://schemas.openxmlformats.org/presentationml/2006/main">
   <p:cSld>
     <p:spTree>
@@ -7727,1753 +11456,7 @@
 </p:sld>
 </file>
 
-<file path=ppt/slides/slide21.xml><?xml version="1.0" encoding="utf-8"?>
-<p:sld xmlns:a="http://schemas.openxmlformats.org/drawingml/2006/main" xmlns:r="http://schemas.openxmlformats.org/officeDocument/2006/relationships" xmlns:p="http://schemas.openxmlformats.org/presentationml/2006/main">
-  <p:cSld>
-    <p:spTree>
-      <p:nvGrpSpPr>
-        <p:cNvPr id="1" name=""/>
-        <p:cNvGrpSpPr/>
-        <p:nvPr/>
-      </p:nvGrpSpPr>
-      <p:grpSpPr>
-        <a:xfrm>
-          <a:off x="0" y="0"/>
-          <a:ext cx="0" cy="0"/>
-          <a:chOff x="0" y="0"/>
-          <a:chExt cx="0" cy="0"/>
-        </a:xfrm>
-      </p:grpSpPr>
-      <p:sp>
-        <p:nvSpPr>
-          <p:cNvPr id="2" name="Title 1">
-            <a:extLst>
-              <a:ext uri="{FF2B5EF4-FFF2-40B4-BE49-F238E27FC236}">
-                <a16:creationId xmlns:a16="http://schemas.microsoft.com/office/drawing/2014/main" id="{1BCDE905-E80D-EB5F-0754-A2EE07A9BD7F}"/>
-              </a:ext>
-            </a:extLst>
-          </p:cNvPr>
-          <p:cNvSpPr>
-            <a:spLocks noGrp="1"/>
-          </p:cNvSpPr>
-          <p:nvPr>
-            <p:ph type="title"/>
-          </p:nvPr>
-        </p:nvSpPr>
-        <p:spPr/>
-        <p:txBody>
-          <a:bodyPr/>
-          <a:lstStyle/>
-          <a:p>
-            <a:r>
-              <a:rPr lang="en-US" dirty="0" err="1"/>
-              <a:t>GenServers</a:t>
-            </a:r>
-            <a:endParaRPr lang="bg-BG" dirty="0"/>
-          </a:p>
-        </p:txBody>
-      </p:sp>
-      <p:sp>
-        <p:nvSpPr>
-          <p:cNvPr id="3" name="Text Placeholder 2">
-            <a:extLst>
-              <a:ext uri="{FF2B5EF4-FFF2-40B4-BE49-F238E27FC236}">
-                <a16:creationId xmlns:a16="http://schemas.microsoft.com/office/drawing/2014/main" id="{BBE72892-8DB0-4319-C80F-175F3073E748}"/>
-              </a:ext>
-            </a:extLst>
-          </p:cNvPr>
-          <p:cNvSpPr>
-            <a:spLocks noGrp="1"/>
-          </p:cNvSpPr>
-          <p:nvPr>
-            <p:ph type="body" idx="1"/>
-          </p:nvPr>
-        </p:nvSpPr>
-        <p:spPr/>
-        <p:txBody>
-          <a:bodyPr>
-            <a:normAutofit/>
-          </a:bodyPr>
-          <a:lstStyle/>
-          <a:p>
-            <a:r>
-              <a:rPr lang="en-US" dirty="0"/>
-              <a:t>A  behavior for implementing a server module</a:t>
-            </a:r>
-          </a:p>
-          <a:p>
-            <a:r>
-              <a:rPr lang="en-US" dirty="0"/>
-              <a:t>Can handle both sync and async calls</a:t>
-            </a:r>
-          </a:p>
-        </p:txBody>
-      </p:sp>
-      <p:sp>
-        <p:nvSpPr>
-          <p:cNvPr id="4" name="Rectangle 3">
-            <a:extLst>
-              <a:ext uri="{FF2B5EF4-FFF2-40B4-BE49-F238E27FC236}">
-                <a16:creationId xmlns:a16="http://schemas.microsoft.com/office/drawing/2014/main" id="{64C1FCB1-9837-0EDD-937C-9303CA8E83E1}"/>
-              </a:ext>
-            </a:extLst>
-          </p:cNvPr>
-          <p:cNvSpPr/>
-          <p:nvPr/>
-        </p:nvSpPr>
-        <p:spPr>
-          <a:xfrm>
-            <a:off x="838200" y="2284458"/>
-            <a:ext cx="9366504" cy="3547634"/>
-          </a:xfrm>
-          <a:prstGeom prst="rect">
-            <a:avLst/>
-          </a:prstGeom>
-          <a:solidFill>
-            <a:srgbClr val="F9F9F9"/>
-          </a:solidFill>
-          <a:ln w="25400" cap="flat">
-            <a:solidFill>
-              <a:schemeClr val="accent1"/>
-            </a:solidFill>
-            <a:prstDash val="solid"/>
-            <a:round/>
-          </a:ln>
-          <a:effectLst/>
-          <a:sp3d/>
-        </p:spPr>
-        <p:style>
-          <a:lnRef idx="0">
-            <a:scrgbClr r="0" g="0" b="0"/>
-          </a:lnRef>
-          <a:fillRef idx="0">
-            <a:scrgbClr r="0" g="0" b="0"/>
-          </a:fillRef>
-          <a:effectRef idx="0">
-            <a:scrgbClr r="0" g="0" b="0"/>
-          </a:effectRef>
-          <a:fontRef idx="none"/>
-        </p:style>
-        <p:txBody>
-          <a:bodyPr rot="0" spcFirstLastPara="1" vertOverflow="overflow" horzOverflow="overflow" vert="horz" wrap="square" lIns="45718" tIns="45718" rIns="45718" bIns="45718" numCol="1" spcCol="38100" rtlCol="0" anchor="ctr">
-            <a:spAutoFit/>
-          </a:bodyPr>
-          <a:lstStyle/>
-          <a:p>
-            <a:r>
-              <a:rPr lang="en-US" sz="1200" b="0" dirty="0">
-                <a:solidFill>
-                  <a:srgbClr val="D73A49"/>
-                </a:solidFill>
-                <a:effectLst/>
-                <a:highlight>
-                  <a:srgbClr val="F9F9F9"/>
-                </a:highlight>
-                <a:latin typeface="Cascadia Code" panose="020B0609020000020004" pitchFamily="49" charset="0"/>
-              </a:rPr>
-              <a:t>defmodule</a:t>
-            </a:r>
-            <a:r>
-              <a:rPr lang="en-US" sz="1200" b="0" dirty="0">
-                <a:solidFill>
-                  <a:srgbClr val="24292E"/>
-                </a:solidFill>
-                <a:effectLst/>
-                <a:highlight>
-                  <a:srgbClr val="F9F9F9"/>
-                </a:highlight>
-                <a:latin typeface="Cascadia Code" panose="020B0609020000020004" pitchFamily="49" charset="0"/>
-              </a:rPr>
-              <a:t> </a:t>
-            </a:r>
-            <a:r>
-              <a:rPr lang="en-US" sz="1200" b="0" dirty="0">
-                <a:solidFill>
-                  <a:srgbClr val="6F42C1"/>
-                </a:solidFill>
-                <a:effectLst/>
-                <a:highlight>
-                  <a:srgbClr val="F9F9F9"/>
-                </a:highlight>
-                <a:latin typeface="Cascadia Code" panose="020B0609020000020004" pitchFamily="49" charset="0"/>
-              </a:rPr>
-              <a:t>Stack</a:t>
-            </a:r>
-            <a:r>
-              <a:rPr lang="en-US" sz="1200" b="0" dirty="0">
-                <a:solidFill>
-                  <a:srgbClr val="24292E"/>
-                </a:solidFill>
-                <a:effectLst/>
-                <a:highlight>
-                  <a:srgbClr val="F9F9F9"/>
-                </a:highlight>
-                <a:latin typeface="Cascadia Code" panose="020B0609020000020004" pitchFamily="49" charset="0"/>
-              </a:rPr>
-              <a:t> </a:t>
-            </a:r>
-            <a:r>
-              <a:rPr lang="en-US" sz="1200" b="0" dirty="0">
-                <a:solidFill>
-                  <a:srgbClr val="D73A49"/>
-                </a:solidFill>
-                <a:effectLst/>
-                <a:highlight>
-                  <a:srgbClr val="F9F9F9"/>
-                </a:highlight>
-                <a:latin typeface="Cascadia Code" panose="020B0609020000020004" pitchFamily="49" charset="0"/>
-              </a:rPr>
-              <a:t>do</a:t>
-            </a:r>
-            <a:endParaRPr lang="en-US" sz="1200" b="0" dirty="0">
-              <a:solidFill>
-                <a:srgbClr val="24292E"/>
-              </a:solidFill>
-              <a:effectLst/>
-              <a:highlight>
-                <a:srgbClr val="F9F9F9"/>
-              </a:highlight>
-              <a:latin typeface="Cascadia Code" panose="020B0609020000020004" pitchFamily="49" charset="0"/>
-            </a:endParaRPr>
-          </a:p>
-          <a:p>
-            <a:r>
-              <a:rPr lang="en-US" sz="1200" b="0" dirty="0">
-                <a:solidFill>
-                  <a:srgbClr val="24292E"/>
-                </a:solidFill>
-                <a:effectLst/>
-                <a:highlight>
-                  <a:srgbClr val="F9F9F9"/>
-                </a:highlight>
-                <a:latin typeface="Cascadia Code" panose="020B0609020000020004" pitchFamily="49" charset="0"/>
-              </a:rPr>
-              <a:t>  </a:t>
-            </a:r>
-            <a:r>
-              <a:rPr lang="en-US" sz="1200" b="0" dirty="0">
-                <a:solidFill>
-                  <a:srgbClr val="D73A49"/>
-                </a:solidFill>
-                <a:effectLst/>
-                <a:highlight>
-                  <a:srgbClr val="F9F9F9"/>
-                </a:highlight>
-                <a:latin typeface="Cascadia Code" panose="020B0609020000020004" pitchFamily="49" charset="0"/>
-              </a:rPr>
-              <a:t>use</a:t>
-            </a:r>
-            <a:r>
-              <a:rPr lang="en-US" sz="1200" b="0" dirty="0">
-                <a:solidFill>
-                  <a:srgbClr val="24292E"/>
-                </a:solidFill>
-                <a:effectLst/>
-                <a:highlight>
-                  <a:srgbClr val="F9F9F9"/>
-                </a:highlight>
-                <a:latin typeface="Cascadia Code" panose="020B0609020000020004" pitchFamily="49" charset="0"/>
-              </a:rPr>
-              <a:t> </a:t>
-            </a:r>
-            <a:r>
-              <a:rPr lang="en-US" sz="1200" b="0" dirty="0" err="1">
-                <a:solidFill>
-                  <a:srgbClr val="6F42C1"/>
-                </a:solidFill>
-                <a:effectLst/>
-                <a:highlight>
-                  <a:srgbClr val="F9F9F9"/>
-                </a:highlight>
-                <a:latin typeface="Cascadia Code" panose="020B0609020000020004" pitchFamily="49" charset="0"/>
-              </a:rPr>
-              <a:t>GenServer</a:t>
-            </a:r>
-            <a:endParaRPr lang="en-US" sz="1200" b="0" dirty="0">
-              <a:solidFill>
-                <a:srgbClr val="24292E"/>
-              </a:solidFill>
-              <a:effectLst/>
-              <a:highlight>
-                <a:srgbClr val="F9F9F9"/>
-              </a:highlight>
-              <a:latin typeface="Cascadia Code" panose="020B0609020000020004" pitchFamily="49" charset="0"/>
-            </a:endParaRPr>
-          </a:p>
-          <a:p>
-            <a:br>
-              <a:rPr lang="en-US" sz="1200" b="0" dirty="0">
-                <a:solidFill>
-                  <a:srgbClr val="24292E"/>
-                </a:solidFill>
-                <a:effectLst/>
-                <a:highlight>
-                  <a:srgbClr val="F9F9F9"/>
-                </a:highlight>
-                <a:latin typeface="Cascadia Code" panose="020B0609020000020004" pitchFamily="49" charset="0"/>
-              </a:rPr>
-            </a:br>
-            <a:r>
-              <a:rPr lang="en-US" sz="1200" b="0" dirty="0">
-                <a:solidFill>
-                  <a:srgbClr val="24292E"/>
-                </a:solidFill>
-                <a:effectLst/>
-                <a:highlight>
-                  <a:srgbClr val="F9F9F9"/>
-                </a:highlight>
-                <a:latin typeface="Cascadia Code" panose="020B0609020000020004" pitchFamily="49" charset="0"/>
-              </a:rPr>
-              <a:t>  </a:t>
-            </a:r>
-            <a:r>
-              <a:rPr lang="en-US" sz="1200" b="0" dirty="0">
-                <a:solidFill>
-                  <a:srgbClr val="005CC5"/>
-                </a:solidFill>
-                <a:effectLst/>
-                <a:highlight>
-                  <a:srgbClr val="F9F9F9"/>
-                </a:highlight>
-                <a:latin typeface="Cascadia Code" panose="020B0609020000020004" pitchFamily="49" charset="0"/>
-              </a:rPr>
-              <a:t>@impl</a:t>
-            </a:r>
-            <a:r>
-              <a:rPr lang="en-US" sz="1200" b="0" dirty="0">
-                <a:solidFill>
-                  <a:srgbClr val="24292E"/>
-                </a:solidFill>
-                <a:effectLst/>
-                <a:highlight>
-                  <a:srgbClr val="F9F9F9"/>
-                </a:highlight>
-                <a:latin typeface="Cascadia Code" panose="020B0609020000020004" pitchFamily="49" charset="0"/>
-              </a:rPr>
-              <a:t> </a:t>
-            </a:r>
-            <a:r>
-              <a:rPr lang="en-US" sz="1200" b="0" dirty="0">
-                <a:solidFill>
-                  <a:srgbClr val="005CC5"/>
-                </a:solidFill>
-                <a:effectLst/>
-                <a:highlight>
-                  <a:srgbClr val="F9F9F9"/>
-                </a:highlight>
-                <a:latin typeface="Cascadia Code" panose="020B0609020000020004" pitchFamily="49" charset="0"/>
-              </a:rPr>
-              <a:t>true</a:t>
-            </a:r>
-            <a:endParaRPr lang="en-US" sz="1200" b="0" dirty="0">
-              <a:solidFill>
-                <a:srgbClr val="24292E"/>
-              </a:solidFill>
-              <a:effectLst/>
-              <a:highlight>
-                <a:srgbClr val="F9F9F9"/>
-              </a:highlight>
-              <a:latin typeface="Cascadia Code" panose="020B0609020000020004" pitchFamily="49" charset="0"/>
-            </a:endParaRPr>
-          </a:p>
-          <a:p>
-            <a:r>
-              <a:rPr lang="en-US" sz="1200" b="0" dirty="0">
-                <a:solidFill>
-                  <a:srgbClr val="24292E"/>
-                </a:solidFill>
-                <a:effectLst/>
-                <a:highlight>
-                  <a:srgbClr val="F9F9F9"/>
-                </a:highlight>
-                <a:latin typeface="Cascadia Code" panose="020B0609020000020004" pitchFamily="49" charset="0"/>
-              </a:rPr>
-              <a:t>  </a:t>
-            </a:r>
-            <a:r>
-              <a:rPr lang="en-US" sz="1200" b="0" dirty="0">
-                <a:solidFill>
-                  <a:srgbClr val="D73A49"/>
-                </a:solidFill>
-                <a:effectLst/>
-                <a:highlight>
-                  <a:srgbClr val="F9F9F9"/>
-                </a:highlight>
-                <a:latin typeface="Cascadia Code" panose="020B0609020000020004" pitchFamily="49" charset="0"/>
-              </a:rPr>
-              <a:t>def</a:t>
-            </a:r>
-            <a:r>
-              <a:rPr lang="en-US" sz="1200" b="0" dirty="0">
-                <a:solidFill>
-                  <a:srgbClr val="24292E"/>
-                </a:solidFill>
-                <a:effectLst/>
-                <a:highlight>
-                  <a:srgbClr val="F9F9F9"/>
-                </a:highlight>
-                <a:latin typeface="Cascadia Code" panose="020B0609020000020004" pitchFamily="49" charset="0"/>
-              </a:rPr>
-              <a:t> </a:t>
-            </a:r>
-            <a:r>
-              <a:rPr lang="en-US" sz="1200" b="0" dirty="0" err="1">
-                <a:solidFill>
-                  <a:srgbClr val="6F42C1"/>
-                </a:solidFill>
-                <a:effectLst/>
-                <a:highlight>
-                  <a:srgbClr val="F9F9F9"/>
-                </a:highlight>
-                <a:latin typeface="Cascadia Code" panose="020B0609020000020004" pitchFamily="49" charset="0"/>
-              </a:rPr>
-              <a:t>init</a:t>
-            </a:r>
-            <a:r>
-              <a:rPr lang="en-US" sz="1200" b="0" dirty="0">
-                <a:solidFill>
-                  <a:srgbClr val="24292E"/>
-                </a:solidFill>
-                <a:effectLst/>
-                <a:highlight>
-                  <a:srgbClr val="F9F9F9"/>
-                </a:highlight>
-                <a:latin typeface="Cascadia Code" panose="020B0609020000020004" pitchFamily="49" charset="0"/>
-              </a:rPr>
-              <a:t>(</a:t>
-            </a:r>
-            <a:r>
-              <a:rPr lang="en-US" sz="1200" b="0" dirty="0" err="1">
-                <a:solidFill>
-                  <a:srgbClr val="24292E"/>
-                </a:solidFill>
-                <a:effectLst/>
-                <a:highlight>
-                  <a:srgbClr val="F9F9F9"/>
-                </a:highlight>
-                <a:latin typeface="Cascadia Code" panose="020B0609020000020004" pitchFamily="49" charset="0"/>
-              </a:rPr>
-              <a:t>initial_state</a:t>
-            </a:r>
-            <a:r>
-              <a:rPr lang="en-US" sz="1200" b="0" dirty="0">
-                <a:solidFill>
-                  <a:srgbClr val="24292E"/>
-                </a:solidFill>
-                <a:effectLst/>
-                <a:highlight>
-                  <a:srgbClr val="F9F9F9"/>
-                </a:highlight>
-                <a:latin typeface="Cascadia Code" panose="020B0609020000020004" pitchFamily="49" charset="0"/>
-              </a:rPr>
-              <a:t>) </a:t>
-            </a:r>
-            <a:r>
-              <a:rPr lang="en-US" sz="1200" b="0" dirty="0">
-                <a:solidFill>
-                  <a:srgbClr val="D73A49"/>
-                </a:solidFill>
-                <a:effectLst/>
-                <a:highlight>
-                  <a:srgbClr val="F9F9F9"/>
-                </a:highlight>
-                <a:latin typeface="Cascadia Code" panose="020B0609020000020004" pitchFamily="49" charset="0"/>
-              </a:rPr>
-              <a:t>do</a:t>
-            </a:r>
-            <a:r>
-              <a:rPr lang="en-US" sz="1200" b="0" dirty="0">
-                <a:solidFill>
-                  <a:srgbClr val="24292E"/>
-                </a:solidFill>
-                <a:effectLst/>
-                <a:highlight>
-                  <a:srgbClr val="F9F9F9"/>
-                </a:highlight>
-                <a:latin typeface="Cascadia Code" panose="020B0609020000020004" pitchFamily="49" charset="0"/>
-              </a:rPr>
-              <a:t> </a:t>
-            </a:r>
-            <a:r>
-              <a:rPr lang="en-US" sz="1200" b="0" dirty="0">
-                <a:solidFill>
-                  <a:srgbClr val="6A737D"/>
-                </a:solidFill>
-                <a:effectLst/>
-                <a:highlight>
-                  <a:srgbClr val="F9F9F9"/>
-                </a:highlight>
-                <a:latin typeface="Cascadia Code" panose="020B0609020000020004" pitchFamily="49" charset="0"/>
-              </a:rPr>
-              <a:t># initial state</a:t>
-            </a:r>
-            <a:endParaRPr lang="en-US" sz="1200" b="0" dirty="0">
-              <a:solidFill>
-                <a:srgbClr val="24292E"/>
-              </a:solidFill>
-              <a:effectLst/>
-              <a:highlight>
-                <a:srgbClr val="F9F9F9"/>
-              </a:highlight>
-              <a:latin typeface="Cascadia Code" panose="020B0609020000020004" pitchFamily="49" charset="0"/>
-            </a:endParaRPr>
-          </a:p>
-          <a:p>
-            <a:r>
-              <a:rPr lang="en-US" sz="1200" b="0" dirty="0">
-                <a:solidFill>
-                  <a:srgbClr val="24292E"/>
-                </a:solidFill>
-                <a:effectLst/>
-                <a:highlight>
-                  <a:srgbClr val="F9F9F9"/>
-                </a:highlight>
-                <a:latin typeface="Cascadia Code" panose="020B0609020000020004" pitchFamily="49" charset="0"/>
-              </a:rPr>
-              <a:t>  . . .</a:t>
-            </a:r>
-          </a:p>
-          <a:p>
-            <a:br>
-              <a:rPr lang="en-US" sz="1200" b="0" dirty="0">
-                <a:solidFill>
-                  <a:srgbClr val="24292E"/>
-                </a:solidFill>
-                <a:effectLst/>
-                <a:highlight>
-                  <a:srgbClr val="F9F9F9"/>
-                </a:highlight>
-                <a:latin typeface="Cascadia Code" panose="020B0609020000020004" pitchFamily="49" charset="0"/>
-              </a:rPr>
-            </a:br>
-            <a:r>
-              <a:rPr lang="en-US" sz="1200" b="0" dirty="0">
-                <a:solidFill>
-                  <a:srgbClr val="24292E"/>
-                </a:solidFill>
-                <a:effectLst/>
-                <a:highlight>
-                  <a:srgbClr val="F9F9F9"/>
-                </a:highlight>
-                <a:latin typeface="Cascadia Code" panose="020B0609020000020004" pitchFamily="49" charset="0"/>
-              </a:rPr>
-              <a:t>  </a:t>
-            </a:r>
-            <a:r>
-              <a:rPr lang="en-US" sz="1200" b="0" dirty="0">
-                <a:solidFill>
-                  <a:srgbClr val="005CC5"/>
-                </a:solidFill>
-                <a:effectLst/>
-                <a:highlight>
-                  <a:srgbClr val="F9F9F9"/>
-                </a:highlight>
-                <a:latin typeface="Cascadia Code" panose="020B0609020000020004" pitchFamily="49" charset="0"/>
-              </a:rPr>
-              <a:t>@impl</a:t>
-            </a:r>
-            <a:r>
-              <a:rPr lang="en-US" sz="1200" b="0" dirty="0">
-                <a:solidFill>
-                  <a:srgbClr val="24292E"/>
-                </a:solidFill>
-                <a:effectLst/>
-                <a:highlight>
-                  <a:srgbClr val="F9F9F9"/>
-                </a:highlight>
-                <a:latin typeface="Cascadia Code" panose="020B0609020000020004" pitchFamily="49" charset="0"/>
-              </a:rPr>
-              <a:t> </a:t>
-            </a:r>
-            <a:r>
-              <a:rPr lang="en-US" sz="1200" b="0" dirty="0">
-                <a:solidFill>
-                  <a:srgbClr val="005CC5"/>
-                </a:solidFill>
-                <a:effectLst/>
-                <a:highlight>
-                  <a:srgbClr val="F9F9F9"/>
-                </a:highlight>
-                <a:latin typeface="Cascadia Code" panose="020B0609020000020004" pitchFamily="49" charset="0"/>
-              </a:rPr>
-              <a:t>true</a:t>
-            </a:r>
-            <a:endParaRPr lang="en-US" sz="1200" b="0" dirty="0">
-              <a:solidFill>
-                <a:srgbClr val="24292E"/>
-              </a:solidFill>
-              <a:effectLst/>
-              <a:highlight>
-                <a:srgbClr val="F9F9F9"/>
-              </a:highlight>
-              <a:latin typeface="Cascadia Code" panose="020B0609020000020004" pitchFamily="49" charset="0"/>
-            </a:endParaRPr>
-          </a:p>
-          <a:p>
-            <a:r>
-              <a:rPr lang="en-US" sz="1200" b="0" dirty="0">
-                <a:solidFill>
-                  <a:srgbClr val="24292E"/>
-                </a:solidFill>
-                <a:effectLst/>
-                <a:highlight>
-                  <a:srgbClr val="F9F9F9"/>
-                </a:highlight>
-                <a:latin typeface="Cascadia Code" panose="020B0609020000020004" pitchFamily="49" charset="0"/>
-              </a:rPr>
-              <a:t>  </a:t>
-            </a:r>
-            <a:r>
-              <a:rPr lang="en-US" sz="1200" b="0" dirty="0">
-                <a:solidFill>
-                  <a:srgbClr val="D73A49"/>
-                </a:solidFill>
-                <a:effectLst/>
-                <a:highlight>
-                  <a:srgbClr val="F9F9F9"/>
-                </a:highlight>
-                <a:latin typeface="Cascadia Code" panose="020B0609020000020004" pitchFamily="49" charset="0"/>
-              </a:rPr>
-              <a:t>def</a:t>
-            </a:r>
-            <a:r>
-              <a:rPr lang="en-US" sz="1200" b="0" dirty="0">
-                <a:solidFill>
-                  <a:srgbClr val="24292E"/>
-                </a:solidFill>
-                <a:effectLst/>
-                <a:highlight>
-                  <a:srgbClr val="F9F9F9"/>
-                </a:highlight>
-                <a:latin typeface="Cascadia Code" panose="020B0609020000020004" pitchFamily="49" charset="0"/>
-              </a:rPr>
-              <a:t> </a:t>
-            </a:r>
-            <a:r>
-              <a:rPr lang="en-US" sz="1200" b="0" dirty="0" err="1">
-                <a:solidFill>
-                  <a:srgbClr val="6F42C1"/>
-                </a:solidFill>
-                <a:effectLst/>
-                <a:highlight>
-                  <a:srgbClr val="F9F9F9"/>
-                </a:highlight>
-                <a:latin typeface="Cascadia Code" panose="020B0609020000020004" pitchFamily="49" charset="0"/>
-              </a:rPr>
-              <a:t>handle_call</a:t>
-            </a:r>
-            <a:r>
-              <a:rPr lang="en-US" sz="1200" b="0" dirty="0">
-                <a:solidFill>
-                  <a:srgbClr val="24292E"/>
-                </a:solidFill>
-                <a:effectLst/>
-                <a:highlight>
-                  <a:srgbClr val="F9F9F9"/>
-                </a:highlight>
-                <a:latin typeface="Cascadia Code" panose="020B0609020000020004" pitchFamily="49" charset="0"/>
-              </a:rPr>
-              <a:t>(</a:t>
-            </a:r>
-            <a:r>
-              <a:rPr lang="en-US" sz="1200" b="0" dirty="0">
-                <a:solidFill>
-                  <a:srgbClr val="005CC5"/>
-                </a:solidFill>
-                <a:effectLst/>
-                <a:highlight>
-                  <a:srgbClr val="F9F9F9"/>
-                </a:highlight>
-                <a:latin typeface="Cascadia Code" panose="020B0609020000020004" pitchFamily="49" charset="0"/>
-              </a:rPr>
-              <a:t>:pop</a:t>
-            </a:r>
-            <a:r>
-              <a:rPr lang="en-US" sz="1200" b="0" dirty="0">
-                <a:solidFill>
-                  <a:srgbClr val="24292E"/>
-                </a:solidFill>
-                <a:effectLst/>
-                <a:highlight>
-                  <a:srgbClr val="F9F9F9"/>
-                </a:highlight>
-                <a:latin typeface="Cascadia Code" panose="020B0609020000020004" pitchFamily="49" charset="0"/>
-              </a:rPr>
-              <a:t>, </a:t>
-            </a:r>
-            <a:r>
-              <a:rPr lang="en-US" sz="1200" b="0" dirty="0">
-                <a:solidFill>
-                  <a:srgbClr val="6A737D"/>
-                </a:solidFill>
-                <a:effectLst/>
-                <a:highlight>
-                  <a:srgbClr val="F9F9F9"/>
-                </a:highlight>
-                <a:latin typeface="Cascadia Code" panose="020B0609020000020004" pitchFamily="49" charset="0"/>
-              </a:rPr>
-              <a:t>_from</a:t>
-            </a:r>
-            <a:r>
-              <a:rPr lang="en-US" sz="1200" b="0" dirty="0">
-                <a:solidFill>
-                  <a:srgbClr val="24292E"/>
-                </a:solidFill>
-                <a:effectLst/>
-                <a:highlight>
-                  <a:srgbClr val="F9F9F9"/>
-                </a:highlight>
-                <a:latin typeface="Cascadia Code" panose="020B0609020000020004" pitchFamily="49" charset="0"/>
-              </a:rPr>
-              <a:t>, state) </a:t>
-            </a:r>
-            <a:r>
-              <a:rPr lang="en-US" sz="1200" b="0" dirty="0">
-                <a:solidFill>
-                  <a:srgbClr val="D73A49"/>
-                </a:solidFill>
-                <a:effectLst/>
-                <a:highlight>
-                  <a:srgbClr val="F9F9F9"/>
-                </a:highlight>
-                <a:latin typeface="Cascadia Code" panose="020B0609020000020004" pitchFamily="49" charset="0"/>
-              </a:rPr>
-              <a:t>do</a:t>
-            </a:r>
-            <a:r>
-              <a:rPr lang="en-US" sz="1200" b="0" dirty="0">
-                <a:solidFill>
-                  <a:srgbClr val="24292E"/>
-                </a:solidFill>
-                <a:effectLst/>
-                <a:highlight>
-                  <a:srgbClr val="F9F9F9"/>
-                </a:highlight>
-                <a:latin typeface="Cascadia Code" panose="020B0609020000020004" pitchFamily="49" charset="0"/>
-              </a:rPr>
-              <a:t> </a:t>
-            </a:r>
-            <a:r>
-              <a:rPr lang="en-US" sz="1200" b="0" dirty="0">
-                <a:solidFill>
-                  <a:srgbClr val="6A737D"/>
-                </a:solidFill>
-                <a:effectLst/>
-                <a:highlight>
-                  <a:srgbClr val="F9F9F9"/>
-                </a:highlight>
-                <a:latin typeface="Cascadia Code" panose="020B0609020000020004" pitchFamily="49" charset="0"/>
-              </a:rPr>
-              <a:t># for sync calls</a:t>
-            </a:r>
-            <a:endParaRPr lang="en-US" sz="1200" b="0" dirty="0">
-              <a:solidFill>
-                <a:srgbClr val="24292E"/>
-              </a:solidFill>
-              <a:effectLst/>
-              <a:highlight>
-                <a:srgbClr val="F9F9F9"/>
-              </a:highlight>
-              <a:latin typeface="Cascadia Code" panose="020B0609020000020004" pitchFamily="49" charset="0"/>
-            </a:endParaRPr>
-          </a:p>
-          <a:p>
-            <a:r>
-              <a:rPr lang="en-US" sz="1200" b="0" dirty="0">
-                <a:solidFill>
-                  <a:srgbClr val="24292E"/>
-                </a:solidFill>
-                <a:effectLst/>
-                <a:highlight>
-                  <a:srgbClr val="F9F9F9"/>
-                </a:highlight>
-                <a:latin typeface="Cascadia Code" panose="020B0609020000020004" pitchFamily="49" charset="0"/>
-              </a:rPr>
-              <a:t>  . . .</a:t>
-            </a:r>
-          </a:p>
-          <a:p>
-            <a:br>
-              <a:rPr lang="en-US" sz="1200" b="0" dirty="0">
-                <a:solidFill>
-                  <a:srgbClr val="24292E"/>
-                </a:solidFill>
-                <a:effectLst/>
-                <a:highlight>
-                  <a:srgbClr val="F9F9F9"/>
-                </a:highlight>
-                <a:latin typeface="Cascadia Code" panose="020B0609020000020004" pitchFamily="49" charset="0"/>
-              </a:rPr>
-            </a:br>
-            <a:r>
-              <a:rPr lang="en-US" sz="1200" b="0" dirty="0">
-                <a:solidFill>
-                  <a:srgbClr val="24292E"/>
-                </a:solidFill>
-                <a:effectLst/>
-                <a:highlight>
-                  <a:srgbClr val="F9F9F9"/>
-                </a:highlight>
-                <a:latin typeface="Cascadia Code" panose="020B0609020000020004" pitchFamily="49" charset="0"/>
-              </a:rPr>
-              <a:t>  </a:t>
-            </a:r>
-            <a:r>
-              <a:rPr lang="en-US" sz="1200" b="0" dirty="0">
-                <a:solidFill>
-                  <a:srgbClr val="005CC5"/>
-                </a:solidFill>
-                <a:effectLst/>
-                <a:highlight>
-                  <a:srgbClr val="F9F9F9"/>
-                </a:highlight>
-                <a:latin typeface="Cascadia Code" panose="020B0609020000020004" pitchFamily="49" charset="0"/>
-              </a:rPr>
-              <a:t>@impl</a:t>
-            </a:r>
-            <a:r>
-              <a:rPr lang="en-US" sz="1200" b="0" dirty="0">
-                <a:solidFill>
-                  <a:srgbClr val="24292E"/>
-                </a:solidFill>
-                <a:effectLst/>
-                <a:highlight>
-                  <a:srgbClr val="F9F9F9"/>
-                </a:highlight>
-                <a:latin typeface="Cascadia Code" panose="020B0609020000020004" pitchFamily="49" charset="0"/>
-              </a:rPr>
-              <a:t> </a:t>
-            </a:r>
-            <a:r>
-              <a:rPr lang="en-US" sz="1200" b="0" dirty="0">
-                <a:solidFill>
-                  <a:srgbClr val="005CC5"/>
-                </a:solidFill>
-                <a:effectLst/>
-                <a:highlight>
-                  <a:srgbClr val="F9F9F9"/>
-                </a:highlight>
-                <a:latin typeface="Cascadia Code" panose="020B0609020000020004" pitchFamily="49" charset="0"/>
-              </a:rPr>
-              <a:t>true</a:t>
-            </a:r>
-            <a:endParaRPr lang="en-US" sz="1200" b="0" dirty="0">
-              <a:solidFill>
-                <a:srgbClr val="24292E"/>
-              </a:solidFill>
-              <a:effectLst/>
-              <a:highlight>
-                <a:srgbClr val="F9F9F9"/>
-              </a:highlight>
-              <a:latin typeface="Cascadia Code" panose="020B0609020000020004" pitchFamily="49" charset="0"/>
-            </a:endParaRPr>
-          </a:p>
-          <a:p>
-            <a:r>
-              <a:rPr lang="en-US" sz="1200" b="0" dirty="0">
-                <a:solidFill>
-                  <a:srgbClr val="24292E"/>
-                </a:solidFill>
-                <a:effectLst/>
-                <a:highlight>
-                  <a:srgbClr val="F9F9F9"/>
-                </a:highlight>
-                <a:latin typeface="Cascadia Code" panose="020B0609020000020004" pitchFamily="49" charset="0"/>
-              </a:rPr>
-              <a:t>  </a:t>
-            </a:r>
-            <a:r>
-              <a:rPr lang="en-US" sz="1200" b="0" dirty="0">
-                <a:solidFill>
-                  <a:srgbClr val="D73A49"/>
-                </a:solidFill>
-                <a:effectLst/>
-                <a:highlight>
-                  <a:srgbClr val="F9F9F9"/>
-                </a:highlight>
-                <a:latin typeface="Cascadia Code" panose="020B0609020000020004" pitchFamily="49" charset="0"/>
-              </a:rPr>
-              <a:t>def</a:t>
-            </a:r>
-            <a:r>
-              <a:rPr lang="en-US" sz="1200" b="0" dirty="0">
-                <a:solidFill>
-                  <a:srgbClr val="24292E"/>
-                </a:solidFill>
-                <a:effectLst/>
-                <a:highlight>
-                  <a:srgbClr val="F9F9F9"/>
-                </a:highlight>
-                <a:latin typeface="Cascadia Code" panose="020B0609020000020004" pitchFamily="49" charset="0"/>
-              </a:rPr>
-              <a:t> </a:t>
-            </a:r>
-            <a:r>
-              <a:rPr lang="en-US" sz="1200" b="0" dirty="0" err="1">
-                <a:solidFill>
-                  <a:srgbClr val="6F42C1"/>
-                </a:solidFill>
-                <a:effectLst/>
-                <a:highlight>
-                  <a:srgbClr val="F9F9F9"/>
-                </a:highlight>
-                <a:latin typeface="Cascadia Code" panose="020B0609020000020004" pitchFamily="49" charset="0"/>
-              </a:rPr>
-              <a:t>handle_cast</a:t>
-            </a:r>
-            <a:r>
-              <a:rPr lang="en-US" sz="1200" b="0" dirty="0">
-                <a:solidFill>
-                  <a:srgbClr val="24292E"/>
-                </a:solidFill>
-                <a:effectLst/>
-                <a:highlight>
-                  <a:srgbClr val="F9F9F9"/>
-                </a:highlight>
-                <a:latin typeface="Cascadia Code" panose="020B0609020000020004" pitchFamily="49" charset="0"/>
-              </a:rPr>
-              <a:t>({</a:t>
-            </a:r>
-            <a:r>
-              <a:rPr lang="en-US" sz="1200" b="0" dirty="0">
-                <a:solidFill>
-                  <a:srgbClr val="005CC5"/>
-                </a:solidFill>
-                <a:effectLst/>
-                <a:highlight>
-                  <a:srgbClr val="F9F9F9"/>
-                </a:highlight>
-                <a:latin typeface="Cascadia Code" panose="020B0609020000020004" pitchFamily="49" charset="0"/>
-              </a:rPr>
-              <a:t>:push</a:t>
-            </a:r>
-            <a:r>
-              <a:rPr lang="en-US" sz="1200" b="0" dirty="0">
-                <a:solidFill>
-                  <a:srgbClr val="24292E"/>
-                </a:solidFill>
-                <a:effectLst/>
-                <a:highlight>
-                  <a:srgbClr val="F9F9F9"/>
-                </a:highlight>
-                <a:latin typeface="Cascadia Code" panose="020B0609020000020004" pitchFamily="49" charset="0"/>
-              </a:rPr>
-              <a:t>, element}, state) </a:t>
-            </a:r>
-            <a:r>
-              <a:rPr lang="en-US" sz="1200" b="0" dirty="0">
-                <a:solidFill>
-                  <a:srgbClr val="D73A49"/>
-                </a:solidFill>
-                <a:effectLst/>
-                <a:highlight>
-                  <a:srgbClr val="F9F9F9"/>
-                </a:highlight>
-                <a:latin typeface="Cascadia Code" panose="020B0609020000020004" pitchFamily="49" charset="0"/>
-              </a:rPr>
-              <a:t>do</a:t>
-            </a:r>
-            <a:r>
-              <a:rPr lang="en-US" sz="1200" b="0" dirty="0">
-                <a:solidFill>
-                  <a:srgbClr val="24292E"/>
-                </a:solidFill>
-                <a:effectLst/>
-                <a:highlight>
-                  <a:srgbClr val="F9F9F9"/>
-                </a:highlight>
-                <a:latin typeface="Cascadia Code" panose="020B0609020000020004" pitchFamily="49" charset="0"/>
-              </a:rPr>
-              <a:t> </a:t>
-            </a:r>
-            <a:r>
-              <a:rPr lang="en-US" sz="1200" b="0" dirty="0">
-                <a:solidFill>
-                  <a:srgbClr val="6A737D"/>
-                </a:solidFill>
-                <a:effectLst/>
-                <a:highlight>
-                  <a:srgbClr val="F9F9F9"/>
-                </a:highlight>
-                <a:latin typeface="Cascadia Code" panose="020B0609020000020004" pitchFamily="49" charset="0"/>
-              </a:rPr>
-              <a:t># for async calls</a:t>
-            </a:r>
-            <a:endParaRPr lang="en-US" sz="1200" b="0" dirty="0">
-              <a:solidFill>
-                <a:srgbClr val="24292E"/>
-              </a:solidFill>
-              <a:effectLst/>
-              <a:highlight>
-                <a:srgbClr val="F9F9F9"/>
-              </a:highlight>
-              <a:latin typeface="Cascadia Code" panose="020B0609020000020004" pitchFamily="49" charset="0"/>
-            </a:endParaRPr>
-          </a:p>
-          <a:p>
-            <a:r>
-              <a:rPr lang="en-US" sz="1200" b="0" dirty="0">
-                <a:solidFill>
-                  <a:srgbClr val="24292E"/>
-                </a:solidFill>
-                <a:effectLst/>
-                <a:highlight>
-                  <a:srgbClr val="F9F9F9"/>
-                </a:highlight>
-                <a:latin typeface="Cascadia Code" panose="020B0609020000020004" pitchFamily="49" charset="0"/>
-              </a:rPr>
-              <a:t>  </a:t>
-            </a:r>
-            <a:r>
-              <a:rPr lang="en-US" sz="1200" b="0" dirty="0">
-                <a:solidFill>
-                  <a:srgbClr val="D73A49"/>
-                </a:solidFill>
-                <a:effectLst/>
-                <a:highlight>
-                  <a:srgbClr val="F9F9F9"/>
-                </a:highlight>
-                <a:latin typeface="Cascadia Code" panose="020B0609020000020004" pitchFamily="49" charset="0"/>
-              </a:rPr>
-              <a:t>...</a:t>
-            </a:r>
-            <a:endParaRPr lang="en-US" sz="1200" b="0" dirty="0">
-              <a:solidFill>
-                <a:srgbClr val="24292E"/>
-              </a:solidFill>
-              <a:effectLst/>
-              <a:highlight>
-                <a:srgbClr val="F9F9F9"/>
-              </a:highlight>
-              <a:latin typeface="Cascadia Code" panose="020B0609020000020004" pitchFamily="49" charset="0"/>
-            </a:endParaRPr>
-          </a:p>
-        </p:txBody>
-      </p:sp>
-    </p:spTree>
-    <p:extLst>
-      <p:ext uri="{BB962C8B-B14F-4D97-AF65-F5344CB8AC3E}">
-        <p14:creationId xmlns:p14="http://schemas.microsoft.com/office/powerpoint/2010/main" val="1353499705"/>
-      </p:ext>
-    </p:extLst>
-  </p:cSld>
-  <p:clrMapOvr>
-    <a:masterClrMapping/>
-  </p:clrMapOvr>
-  <p:transition spd="med"/>
-</p:sld>
-</file>
-
-<file path=ppt/slides/slide22.xml><?xml version="1.0" encoding="utf-8"?>
-<p:sld xmlns:a="http://schemas.openxmlformats.org/drawingml/2006/main" xmlns:r="http://schemas.openxmlformats.org/officeDocument/2006/relationships" xmlns:p="http://schemas.openxmlformats.org/presentationml/2006/main">
-  <p:cSld>
-    <p:spTree>
-      <p:nvGrpSpPr>
-        <p:cNvPr id="1" name=""/>
-        <p:cNvGrpSpPr/>
-        <p:nvPr/>
-      </p:nvGrpSpPr>
-      <p:grpSpPr>
-        <a:xfrm>
-          <a:off x="0" y="0"/>
-          <a:ext cx="0" cy="0"/>
-          <a:chOff x="0" y="0"/>
-          <a:chExt cx="0" cy="0"/>
-        </a:xfrm>
-      </p:grpSpPr>
-      <p:sp>
-        <p:nvSpPr>
-          <p:cNvPr id="2" name="Title 1">
-            <a:extLst>
-              <a:ext uri="{FF2B5EF4-FFF2-40B4-BE49-F238E27FC236}">
-                <a16:creationId xmlns:a16="http://schemas.microsoft.com/office/drawing/2014/main" id="{1BCDE905-E80D-EB5F-0754-A2EE07A9BD7F}"/>
-              </a:ext>
-            </a:extLst>
-          </p:cNvPr>
-          <p:cNvSpPr>
-            <a:spLocks noGrp="1"/>
-          </p:cNvSpPr>
-          <p:nvPr>
-            <p:ph type="title"/>
-          </p:nvPr>
-        </p:nvSpPr>
-        <p:spPr/>
-        <p:txBody>
-          <a:bodyPr/>
-          <a:lstStyle/>
-          <a:p>
-            <a:r>
-              <a:rPr lang="en-US" dirty="0" err="1"/>
-              <a:t>GenServers</a:t>
-            </a:r>
-            <a:r>
-              <a:rPr lang="en-US" dirty="0"/>
-              <a:t> (2)</a:t>
-            </a:r>
-            <a:endParaRPr lang="bg-BG" dirty="0"/>
-          </a:p>
-        </p:txBody>
-      </p:sp>
-      <p:sp>
-        <p:nvSpPr>
-          <p:cNvPr id="3" name="Text Placeholder 2">
-            <a:extLst>
-              <a:ext uri="{FF2B5EF4-FFF2-40B4-BE49-F238E27FC236}">
-                <a16:creationId xmlns:a16="http://schemas.microsoft.com/office/drawing/2014/main" id="{BBE72892-8DB0-4319-C80F-175F3073E748}"/>
-              </a:ext>
-            </a:extLst>
-          </p:cNvPr>
-          <p:cNvSpPr>
-            <a:spLocks noGrp="1"/>
-          </p:cNvSpPr>
-          <p:nvPr>
-            <p:ph type="body" idx="1"/>
-          </p:nvPr>
-        </p:nvSpPr>
-        <p:spPr/>
-        <p:txBody>
-          <a:bodyPr>
-            <a:normAutofit/>
-          </a:bodyPr>
-          <a:lstStyle/>
-          <a:p>
-            <a:r>
-              <a:rPr lang="en-US" dirty="0"/>
-              <a:t>We interact with the </a:t>
-            </a:r>
-            <a:r>
-              <a:rPr lang="en-US" dirty="0" err="1"/>
-              <a:t>GenServer</a:t>
-            </a:r>
-            <a:r>
-              <a:rPr lang="en-US" dirty="0"/>
-              <a:t> like it’s a regular process</a:t>
-            </a:r>
-          </a:p>
-        </p:txBody>
-      </p:sp>
-      <p:sp>
-        <p:nvSpPr>
-          <p:cNvPr id="4" name="Rectangle 3">
-            <a:extLst>
-              <a:ext uri="{FF2B5EF4-FFF2-40B4-BE49-F238E27FC236}">
-                <a16:creationId xmlns:a16="http://schemas.microsoft.com/office/drawing/2014/main" id="{64C1FCB1-9837-0EDD-937C-9303CA8E83E1}"/>
-              </a:ext>
-            </a:extLst>
-          </p:cNvPr>
-          <p:cNvSpPr/>
-          <p:nvPr/>
-        </p:nvSpPr>
-        <p:spPr>
-          <a:xfrm>
-            <a:off x="838200" y="2126007"/>
-            <a:ext cx="9366504" cy="1962585"/>
-          </a:xfrm>
-          <a:prstGeom prst="rect">
-            <a:avLst/>
-          </a:prstGeom>
-          <a:solidFill>
-            <a:srgbClr val="F9F9F9"/>
-          </a:solidFill>
-          <a:ln w="25400" cap="flat">
-            <a:solidFill>
-              <a:schemeClr val="accent1"/>
-            </a:solidFill>
-            <a:prstDash val="solid"/>
-            <a:round/>
-          </a:ln>
-          <a:effectLst/>
-          <a:sp3d/>
-        </p:spPr>
-        <p:style>
-          <a:lnRef idx="0">
-            <a:scrgbClr r="0" g="0" b="0"/>
-          </a:lnRef>
-          <a:fillRef idx="0">
-            <a:scrgbClr r="0" g="0" b="0"/>
-          </a:fillRef>
-          <a:effectRef idx="0">
-            <a:scrgbClr r="0" g="0" b="0"/>
-          </a:effectRef>
-          <a:fontRef idx="none"/>
-        </p:style>
-        <p:txBody>
-          <a:bodyPr rot="0" spcFirstLastPara="1" vertOverflow="overflow" horzOverflow="overflow" vert="horz" wrap="square" lIns="45718" tIns="45718" rIns="45718" bIns="45718" numCol="1" spcCol="38100" rtlCol="0" anchor="ctr">
-            <a:spAutoFit/>
-          </a:bodyPr>
-          <a:lstStyle/>
-          <a:p>
-            <a:r>
-              <a:rPr lang="en-US" sz="1400" b="0" dirty="0">
-                <a:solidFill>
-                  <a:srgbClr val="24292E"/>
-                </a:solidFill>
-                <a:effectLst/>
-                <a:highlight>
-                  <a:srgbClr val="F9F9F9"/>
-                </a:highlight>
-                <a:latin typeface="Cascadia Code" panose="020B0609020000020004" pitchFamily="49" charset="0"/>
-              </a:rPr>
-              <a:t>{</a:t>
-            </a:r>
-            <a:r>
-              <a:rPr lang="en-US" sz="1400" b="0" dirty="0">
-                <a:solidFill>
-                  <a:srgbClr val="005CC5"/>
-                </a:solidFill>
-                <a:effectLst/>
-                <a:highlight>
-                  <a:srgbClr val="F9F9F9"/>
-                </a:highlight>
-                <a:latin typeface="Cascadia Code" panose="020B0609020000020004" pitchFamily="49" charset="0"/>
-              </a:rPr>
-              <a:t>:ok</a:t>
-            </a:r>
-            <a:r>
-              <a:rPr lang="en-US" sz="1400" b="0" dirty="0">
-                <a:solidFill>
-                  <a:srgbClr val="24292E"/>
-                </a:solidFill>
-                <a:effectLst/>
-                <a:highlight>
-                  <a:srgbClr val="F9F9F9"/>
-                </a:highlight>
-                <a:latin typeface="Cascadia Code" panose="020B0609020000020004" pitchFamily="49" charset="0"/>
-              </a:rPr>
-              <a:t>, </a:t>
-            </a:r>
-            <a:r>
-              <a:rPr lang="en-US" sz="1400" b="0" dirty="0" err="1">
-                <a:solidFill>
-                  <a:srgbClr val="24292E"/>
-                </a:solidFill>
-                <a:effectLst/>
-                <a:highlight>
-                  <a:srgbClr val="F9F9F9"/>
-                </a:highlight>
-                <a:latin typeface="Cascadia Code" panose="020B0609020000020004" pitchFamily="49" charset="0"/>
-              </a:rPr>
-              <a:t>pid</a:t>
-            </a:r>
-            <a:r>
-              <a:rPr lang="en-US" sz="1400" b="0" dirty="0">
-                <a:solidFill>
-                  <a:srgbClr val="24292E"/>
-                </a:solidFill>
-                <a:effectLst/>
-                <a:highlight>
-                  <a:srgbClr val="F9F9F9"/>
-                </a:highlight>
-                <a:latin typeface="Cascadia Code" panose="020B0609020000020004" pitchFamily="49" charset="0"/>
-              </a:rPr>
-              <a:t>} </a:t>
-            </a:r>
-            <a:r>
-              <a:rPr lang="en-US" sz="1400" b="0" dirty="0">
-                <a:solidFill>
-                  <a:srgbClr val="D73A49"/>
-                </a:solidFill>
-                <a:effectLst/>
-                <a:highlight>
-                  <a:srgbClr val="F9F9F9"/>
-                </a:highlight>
-                <a:latin typeface="Cascadia Code" panose="020B0609020000020004" pitchFamily="49" charset="0"/>
-              </a:rPr>
-              <a:t>=</a:t>
-            </a:r>
-            <a:r>
-              <a:rPr lang="en-US" sz="1400" b="0" dirty="0">
-                <a:solidFill>
-                  <a:srgbClr val="24292E"/>
-                </a:solidFill>
-                <a:effectLst/>
-                <a:highlight>
-                  <a:srgbClr val="F9F9F9"/>
-                </a:highlight>
-                <a:latin typeface="Cascadia Code" panose="020B0609020000020004" pitchFamily="49" charset="0"/>
-              </a:rPr>
-              <a:t> </a:t>
-            </a:r>
-            <a:r>
-              <a:rPr lang="en-US" sz="1400" b="0" dirty="0" err="1">
-                <a:solidFill>
-                  <a:srgbClr val="6F42C1"/>
-                </a:solidFill>
-                <a:effectLst/>
-                <a:highlight>
-                  <a:srgbClr val="F9F9F9"/>
-                </a:highlight>
-                <a:latin typeface="Cascadia Code" panose="020B0609020000020004" pitchFamily="49" charset="0"/>
-              </a:rPr>
-              <a:t>GenServer</a:t>
-            </a:r>
-            <a:r>
-              <a:rPr lang="en-US" sz="1400" b="0" dirty="0" err="1">
-                <a:solidFill>
-                  <a:srgbClr val="24292E"/>
-                </a:solidFill>
-                <a:effectLst/>
-                <a:highlight>
-                  <a:srgbClr val="F9F9F9"/>
-                </a:highlight>
-                <a:latin typeface="Cascadia Code" panose="020B0609020000020004" pitchFamily="49" charset="0"/>
-              </a:rPr>
-              <a:t>.</a:t>
-            </a:r>
-            <a:r>
-              <a:rPr lang="en-US" sz="1400" b="0" dirty="0" err="1">
-                <a:solidFill>
-                  <a:srgbClr val="6F42C1"/>
-                </a:solidFill>
-                <a:effectLst/>
-                <a:highlight>
-                  <a:srgbClr val="F9F9F9"/>
-                </a:highlight>
-                <a:latin typeface="Cascadia Code" panose="020B0609020000020004" pitchFamily="49" charset="0"/>
-              </a:rPr>
-              <a:t>start_link</a:t>
-            </a:r>
-            <a:r>
-              <a:rPr lang="en-US" sz="1400" b="0" dirty="0">
-                <a:solidFill>
-                  <a:srgbClr val="24292E"/>
-                </a:solidFill>
-                <a:effectLst/>
-                <a:highlight>
-                  <a:srgbClr val="F9F9F9"/>
-                </a:highlight>
-                <a:latin typeface="Cascadia Code" panose="020B0609020000020004" pitchFamily="49" charset="0"/>
-              </a:rPr>
-              <a:t>(</a:t>
-            </a:r>
-            <a:r>
-              <a:rPr lang="en-US" sz="1400" b="0" dirty="0">
-                <a:solidFill>
-                  <a:srgbClr val="6F42C1"/>
-                </a:solidFill>
-                <a:effectLst/>
-                <a:highlight>
-                  <a:srgbClr val="F9F9F9"/>
-                </a:highlight>
-                <a:latin typeface="Cascadia Code" panose="020B0609020000020004" pitchFamily="49" charset="0"/>
-              </a:rPr>
-              <a:t>Stack</a:t>
-            </a:r>
-            <a:r>
-              <a:rPr lang="en-US" sz="1400" b="0" dirty="0">
-                <a:solidFill>
-                  <a:srgbClr val="24292E"/>
-                </a:solidFill>
-                <a:effectLst/>
-                <a:highlight>
-                  <a:srgbClr val="F9F9F9"/>
-                </a:highlight>
-                <a:latin typeface="Cascadia Code" panose="020B0609020000020004" pitchFamily="49" charset="0"/>
-              </a:rPr>
-              <a:t>, </a:t>
-            </a:r>
-            <a:r>
-              <a:rPr lang="en-US" sz="1400" b="0" dirty="0">
-                <a:solidFill>
-                  <a:srgbClr val="22863A"/>
-                </a:solidFill>
-                <a:effectLst/>
-                <a:highlight>
-                  <a:srgbClr val="F9F9F9"/>
-                </a:highlight>
-                <a:latin typeface="Cascadia Code" panose="020B0609020000020004" pitchFamily="49" charset="0"/>
-              </a:rPr>
-              <a:t>"hello world"</a:t>
-            </a:r>
-            <a:r>
-              <a:rPr lang="en-US" sz="1400" b="0" dirty="0">
-                <a:solidFill>
-                  <a:srgbClr val="24292E"/>
-                </a:solidFill>
-                <a:effectLst/>
-                <a:highlight>
-                  <a:srgbClr val="F9F9F9"/>
-                </a:highlight>
-                <a:latin typeface="Cascadia Code" panose="020B0609020000020004" pitchFamily="49" charset="0"/>
-              </a:rPr>
-              <a:t>)</a:t>
-            </a:r>
-          </a:p>
-          <a:p>
-            <a:br>
-              <a:rPr lang="en-US" sz="1400" b="0" dirty="0">
-                <a:solidFill>
-                  <a:srgbClr val="24292E"/>
-                </a:solidFill>
-                <a:effectLst/>
-                <a:highlight>
-                  <a:srgbClr val="F9F9F9"/>
-                </a:highlight>
-                <a:latin typeface="Cascadia Code" panose="020B0609020000020004" pitchFamily="49" charset="0"/>
-              </a:rPr>
-            </a:br>
-            <a:r>
-              <a:rPr lang="en-US" sz="1400" b="0" dirty="0" err="1">
-                <a:solidFill>
-                  <a:srgbClr val="6F42C1"/>
-                </a:solidFill>
-                <a:effectLst/>
-                <a:highlight>
-                  <a:srgbClr val="F9F9F9"/>
-                </a:highlight>
-                <a:latin typeface="Cascadia Code" panose="020B0609020000020004" pitchFamily="49" charset="0"/>
-              </a:rPr>
-              <a:t>GenServer</a:t>
-            </a:r>
-            <a:r>
-              <a:rPr lang="en-US" sz="1400" b="0" dirty="0" err="1">
-                <a:solidFill>
-                  <a:srgbClr val="24292E"/>
-                </a:solidFill>
-                <a:effectLst/>
-                <a:highlight>
-                  <a:srgbClr val="F9F9F9"/>
-                </a:highlight>
-                <a:latin typeface="Cascadia Code" panose="020B0609020000020004" pitchFamily="49" charset="0"/>
-              </a:rPr>
-              <a:t>.</a:t>
-            </a:r>
-            <a:r>
-              <a:rPr lang="en-US" sz="1400" b="0" dirty="0" err="1">
-                <a:solidFill>
-                  <a:srgbClr val="6F42C1"/>
-                </a:solidFill>
-                <a:effectLst/>
-                <a:highlight>
-                  <a:srgbClr val="F9F9F9"/>
-                </a:highlight>
-                <a:latin typeface="Cascadia Code" panose="020B0609020000020004" pitchFamily="49" charset="0"/>
-              </a:rPr>
-              <a:t>call</a:t>
-            </a:r>
-            <a:r>
-              <a:rPr lang="en-US" sz="1400" b="0" dirty="0">
-                <a:solidFill>
-                  <a:srgbClr val="24292E"/>
-                </a:solidFill>
-                <a:effectLst/>
-                <a:highlight>
-                  <a:srgbClr val="F9F9F9"/>
-                </a:highlight>
-                <a:latin typeface="Cascadia Code" panose="020B0609020000020004" pitchFamily="49" charset="0"/>
-              </a:rPr>
-              <a:t>(</a:t>
-            </a:r>
-            <a:r>
-              <a:rPr lang="en-US" sz="1400" b="0" dirty="0" err="1">
-                <a:solidFill>
-                  <a:srgbClr val="24292E"/>
-                </a:solidFill>
-                <a:effectLst/>
-                <a:highlight>
-                  <a:srgbClr val="F9F9F9"/>
-                </a:highlight>
-                <a:latin typeface="Cascadia Code" panose="020B0609020000020004" pitchFamily="49" charset="0"/>
-              </a:rPr>
-              <a:t>pid</a:t>
-            </a:r>
-            <a:r>
-              <a:rPr lang="en-US" sz="1400" b="0" dirty="0">
-                <a:solidFill>
-                  <a:srgbClr val="24292E"/>
-                </a:solidFill>
-                <a:effectLst/>
-                <a:highlight>
-                  <a:srgbClr val="F9F9F9"/>
-                </a:highlight>
-                <a:latin typeface="Cascadia Code" panose="020B0609020000020004" pitchFamily="49" charset="0"/>
-              </a:rPr>
-              <a:t>, </a:t>
-            </a:r>
-            <a:r>
-              <a:rPr lang="en-US" sz="1400" b="0" dirty="0">
-                <a:solidFill>
-                  <a:srgbClr val="005CC5"/>
-                </a:solidFill>
-                <a:effectLst/>
-                <a:highlight>
-                  <a:srgbClr val="F9F9F9"/>
-                </a:highlight>
-                <a:latin typeface="Cascadia Code" panose="020B0609020000020004" pitchFamily="49" charset="0"/>
-              </a:rPr>
-              <a:t>:pop</a:t>
-            </a:r>
-            <a:r>
-              <a:rPr lang="en-US" sz="1400" b="0" dirty="0">
-                <a:solidFill>
-                  <a:srgbClr val="24292E"/>
-                </a:solidFill>
-                <a:effectLst/>
-                <a:highlight>
-                  <a:srgbClr val="F9F9F9"/>
-                </a:highlight>
-                <a:latin typeface="Cascadia Code" panose="020B0609020000020004" pitchFamily="49" charset="0"/>
-              </a:rPr>
-              <a:t>) </a:t>
-            </a:r>
-            <a:r>
-              <a:rPr lang="en-US" sz="1400" b="0" dirty="0">
-                <a:solidFill>
-                  <a:srgbClr val="6A737D"/>
-                </a:solidFill>
-                <a:effectLst/>
-                <a:highlight>
-                  <a:srgbClr val="F9F9F9"/>
-                </a:highlight>
-                <a:latin typeface="Cascadia Code" panose="020B0609020000020004" pitchFamily="49" charset="0"/>
-              </a:rPr>
-              <a:t># sync</a:t>
-            </a:r>
-            <a:endParaRPr lang="en-US" sz="1400" b="0" dirty="0">
-              <a:solidFill>
-                <a:srgbClr val="24292E"/>
-              </a:solidFill>
-              <a:effectLst/>
-              <a:highlight>
-                <a:srgbClr val="F9F9F9"/>
-              </a:highlight>
-              <a:latin typeface="Cascadia Code" panose="020B0609020000020004" pitchFamily="49" charset="0"/>
-            </a:endParaRPr>
-          </a:p>
-          <a:p>
-            <a:r>
-              <a:rPr lang="en-US" sz="1400" b="0" dirty="0">
-                <a:solidFill>
-                  <a:srgbClr val="6A737D"/>
-                </a:solidFill>
-                <a:effectLst/>
-                <a:highlight>
-                  <a:srgbClr val="F9F9F9"/>
-                </a:highlight>
-                <a:latin typeface="Cascadia Code" panose="020B0609020000020004" pitchFamily="49" charset="0"/>
-              </a:rPr>
-              <a:t># "hello world"</a:t>
-            </a:r>
-            <a:endParaRPr lang="en-US" sz="1400" b="0" dirty="0">
-              <a:solidFill>
-                <a:srgbClr val="24292E"/>
-              </a:solidFill>
-              <a:effectLst/>
-              <a:highlight>
-                <a:srgbClr val="F9F9F9"/>
-              </a:highlight>
-              <a:latin typeface="Cascadia Code" panose="020B0609020000020004" pitchFamily="49" charset="0"/>
-            </a:endParaRPr>
-          </a:p>
-          <a:p>
-            <a:br>
-              <a:rPr lang="en-US" sz="1400" b="0" dirty="0">
-                <a:solidFill>
-                  <a:srgbClr val="24292E"/>
-                </a:solidFill>
-                <a:effectLst/>
-                <a:highlight>
-                  <a:srgbClr val="F9F9F9"/>
-                </a:highlight>
-                <a:latin typeface="Cascadia Code" panose="020B0609020000020004" pitchFamily="49" charset="0"/>
-              </a:rPr>
-            </a:br>
-            <a:r>
-              <a:rPr lang="en-US" sz="1400" b="0" dirty="0" err="1">
-                <a:solidFill>
-                  <a:srgbClr val="6F42C1"/>
-                </a:solidFill>
-                <a:effectLst/>
-                <a:highlight>
-                  <a:srgbClr val="F9F9F9"/>
-                </a:highlight>
-                <a:latin typeface="Cascadia Code" panose="020B0609020000020004" pitchFamily="49" charset="0"/>
-              </a:rPr>
-              <a:t>GenServer</a:t>
-            </a:r>
-            <a:r>
-              <a:rPr lang="en-US" sz="1400" b="0" dirty="0" err="1">
-                <a:solidFill>
-                  <a:srgbClr val="24292E"/>
-                </a:solidFill>
-                <a:effectLst/>
-                <a:highlight>
-                  <a:srgbClr val="F9F9F9"/>
-                </a:highlight>
-                <a:latin typeface="Cascadia Code" panose="020B0609020000020004" pitchFamily="49" charset="0"/>
-              </a:rPr>
-              <a:t>.</a:t>
-            </a:r>
-            <a:r>
-              <a:rPr lang="en-US" sz="1400" b="0" dirty="0" err="1">
-                <a:solidFill>
-                  <a:srgbClr val="6F42C1"/>
-                </a:solidFill>
-                <a:effectLst/>
-                <a:highlight>
-                  <a:srgbClr val="F9F9F9"/>
-                </a:highlight>
-                <a:latin typeface="Cascadia Code" panose="020B0609020000020004" pitchFamily="49" charset="0"/>
-              </a:rPr>
-              <a:t>cast</a:t>
-            </a:r>
-            <a:r>
-              <a:rPr lang="en-US" sz="1400" b="0" dirty="0">
-                <a:solidFill>
-                  <a:srgbClr val="24292E"/>
-                </a:solidFill>
-                <a:effectLst/>
-                <a:highlight>
-                  <a:srgbClr val="F9F9F9"/>
-                </a:highlight>
-                <a:latin typeface="Cascadia Code" panose="020B0609020000020004" pitchFamily="49" charset="0"/>
-              </a:rPr>
-              <a:t>(</a:t>
-            </a:r>
-            <a:r>
-              <a:rPr lang="en-US" sz="1400" b="0" dirty="0" err="1">
-                <a:solidFill>
-                  <a:srgbClr val="24292E"/>
-                </a:solidFill>
-                <a:effectLst/>
-                <a:highlight>
-                  <a:srgbClr val="F9F9F9"/>
-                </a:highlight>
-                <a:latin typeface="Cascadia Code" panose="020B0609020000020004" pitchFamily="49" charset="0"/>
-              </a:rPr>
-              <a:t>pid</a:t>
-            </a:r>
-            <a:r>
-              <a:rPr lang="en-US" sz="1400" b="0" dirty="0">
-                <a:solidFill>
-                  <a:srgbClr val="24292E"/>
-                </a:solidFill>
-                <a:effectLst/>
-                <a:highlight>
-                  <a:srgbClr val="F9F9F9"/>
-                </a:highlight>
-                <a:latin typeface="Cascadia Code" panose="020B0609020000020004" pitchFamily="49" charset="0"/>
-              </a:rPr>
-              <a:t>, {</a:t>
-            </a:r>
-            <a:r>
-              <a:rPr lang="en-US" sz="1400" b="0" dirty="0">
-                <a:solidFill>
-                  <a:srgbClr val="005CC5"/>
-                </a:solidFill>
-                <a:effectLst/>
-                <a:highlight>
-                  <a:srgbClr val="F9F9F9"/>
-                </a:highlight>
-                <a:latin typeface="Cascadia Code" panose="020B0609020000020004" pitchFamily="49" charset="0"/>
-              </a:rPr>
-              <a:t>:push</a:t>
-            </a:r>
-            <a:r>
-              <a:rPr lang="en-US" sz="1400" b="0" dirty="0">
-                <a:solidFill>
-                  <a:srgbClr val="24292E"/>
-                </a:solidFill>
-                <a:effectLst/>
-                <a:highlight>
-                  <a:srgbClr val="F9F9F9"/>
-                </a:highlight>
-                <a:latin typeface="Cascadia Code" panose="020B0609020000020004" pitchFamily="49" charset="0"/>
-              </a:rPr>
-              <a:t>, </a:t>
-            </a:r>
-            <a:r>
-              <a:rPr lang="en-US" sz="1400" b="0" dirty="0">
-                <a:solidFill>
-                  <a:srgbClr val="22863A"/>
-                </a:solidFill>
-                <a:effectLst/>
-                <a:highlight>
-                  <a:srgbClr val="F9F9F9"/>
-                </a:highlight>
-                <a:latin typeface="Cascadia Code" panose="020B0609020000020004" pitchFamily="49" charset="0"/>
-              </a:rPr>
-              <a:t>"test"</a:t>
-            </a:r>
-            <a:r>
-              <a:rPr lang="en-US" sz="1400" b="0" dirty="0">
-                <a:solidFill>
-                  <a:srgbClr val="24292E"/>
-                </a:solidFill>
-                <a:effectLst/>
-                <a:highlight>
-                  <a:srgbClr val="F9F9F9"/>
-                </a:highlight>
-                <a:latin typeface="Cascadia Code" panose="020B0609020000020004" pitchFamily="49" charset="0"/>
-              </a:rPr>
-              <a:t>}) </a:t>
-            </a:r>
-            <a:r>
-              <a:rPr lang="en-US" sz="1400" b="0" dirty="0">
-                <a:solidFill>
-                  <a:srgbClr val="6A737D"/>
-                </a:solidFill>
-                <a:effectLst/>
-                <a:highlight>
-                  <a:srgbClr val="F9F9F9"/>
-                </a:highlight>
-                <a:latin typeface="Cascadia Code" panose="020B0609020000020004" pitchFamily="49" charset="0"/>
-              </a:rPr>
-              <a:t># async</a:t>
-            </a:r>
-            <a:endParaRPr lang="en-US" sz="1400" b="0" dirty="0">
-              <a:solidFill>
-                <a:srgbClr val="24292E"/>
-              </a:solidFill>
-              <a:effectLst/>
-              <a:highlight>
-                <a:srgbClr val="F9F9F9"/>
-              </a:highlight>
-              <a:latin typeface="Cascadia Code" panose="020B0609020000020004" pitchFamily="49" charset="0"/>
-            </a:endParaRPr>
-          </a:p>
-          <a:p>
-            <a:r>
-              <a:rPr lang="en-US" sz="1400" b="0" dirty="0">
-                <a:solidFill>
-                  <a:srgbClr val="6A737D"/>
-                </a:solidFill>
-                <a:effectLst/>
-                <a:highlight>
-                  <a:srgbClr val="F9F9F9"/>
-                </a:highlight>
-                <a:latin typeface="Cascadia Code" panose="020B0609020000020004" pitchFamily="49" charset="0"/>
-              </a:rPr>
-              <a:t># :ok</a:t>
-            </a:r>
-            <a:endParaRPr lang="en-US" sz="1400" b="0" dirty="0">
-              <a:solidFill>
-                <a:srgbClr val="24292E"/>
-              </a:solidFill>
-              <a:effectLst/>
-              <a:highlight>
-                <a:srgbClr val="F9F9F9"/>
-              </a:highlight>
-              <a:latin typeface="Cascadia Code" panose="020B0609020000020004" pitchFamily="49" charset="0"/>
-            </a:endParaRPr>
-          </a:p>
-        </p:txBody>
-      </p:sp>
-    </p:spTree>
-    <p:extLst>
-      <p:ext uri="{BB962C8B-B14F-4D97-AF65-F5344CB8AC3E}">
-        <p14:creationId xmlns:p14="http://schemas.microsoft.com/office/powerpoint/2010/main" val="2268060813"/>
-      </p:ext>
-    </p:extLst>
-  </p:cSld>
-  <p:clrMapOvr>
-    <a:masterClrMapping/>
-  </p:clrMapOvr>
-  <p:transition spd="med"/>
-</p:sld>
-</file>
-
-<file path=ppt/slides/slide23.xml><?xml version="1.0" encoding="utf-8"?>
+<file path=ppt/slides/slide28.xml><?xml version="1.0" encoding="utf-8"?>
 <p:sld xmlns:a="http://schemas.openxmlformats.org/drawingml/2006/main" xmlns:r="http://schemas.openxmlformats.org/officeDocument/2006/relationships" xmlns:p="http://schemas.openxmlformats.org/presentationml/2006/main">
   <p:cSld>
     <p:spTree>
@@ -9614,7 +11597,7 @@
 </p:sld>
 </file>
 
-<file path=ppt/slides/slide24.xml><?xml version="1.0" encoding="utf-8"?>
+<file path=ppt/slides/slide29.xml><?xml version="1.0" encoding="utf-8"?>
 <p:sld xmlns:a="http://schemas.openxmlformats.org/drawingml/2006/main" xmlns:r="http://schemas.openxmlformats.org/officeDocument/2006/relationships" xmlns:p="http://schemas.openxmlformats.org/presentationml/2006/main">
   <p:cSld>
     <p:spTree>
@@ -9698,1577 +11681,7 @@
 </p:sld>
 </file>
 
-<file path=ppt/slides/slide25.xml><?xml version="1.0" encoding="utf-8"?>
-<p:sld xmlns:a="http://schemas.openxmlformats.org/drawingml/2006/main" xmlns:r="http://schemas.openxmlformats.org/officeDocument/2006/relationships" xmlns:p="http://schemas.openxmlformats.org/presentationml/2006/main">
-  <p:cSld>
-    <p:spTree>
-      <p:nvGrpSpPr>
-        <p:cNvPr id="1" name=""/>
-        <p:cNvGrpSpPr/>
-        <p:nvPr/>
-      </p:nvGrpSpPr>
-      <p:grpSpPr>
-        <a:xfrm>
-          <a:off x="0" y="0"/>
-          <a:ext cx="0" cy="0"/>
-          <a:chOff x="0" y="0"/>
-          <a:chExt cx="0" cy="0"/>
-        </a:xfrm>
-      </p:grpSpPr>
-      <p:sp>
-        <p:nvSpPr>
-          <p:cNvPr id="2" name="Title 1">
-            <a:extLst>
-              <a:ext uri="{FF2B5EF4-FFF2-40B4-BE49-F238E27FC236}">
-                <a16:creationId xmlns:a16="http://schemas.microsoft.com/office/drawing/2014/main" id="{79EE08F3-5D90-4DF6-96DA-31714BCF32BF}"/>
-              </a:ext>
-            </a:extLst>
-          </p:cNvPr>
-          <p:cNvSpPr>
-            <a:spLocks noGrp="1"/>
-          </p:cNvSpPr>
-          <p:nvPr>
-            <p:ph type="title"/>
-          </p:nvPr>
-        </p:nvSpPr>
-        <p:spPr/>
-        <p:txBody>
-          <a:bodyPr/>
-          <a:lstStyle/>
-          <a:p>
-            <a:r>
-              <a:rPr lang="en-US" dirty="0"/>
-              <a:t>Thank you</a:t>
-            </a:r>
-          </a:p>
-        </p:txBody>
-      </p:sp>
-      <p:sp>
-        <p:nvSpPr>
-          <p:cNvPr id="3" name="Text Placeholder 2">
-            <a:extLst>
-              <a:ext uri="{FF2B5EF4-FFF2-40B4-BE49-F238E27FC236}">
-                <a16:creationId xmlns:a16="http://schemas.microsoft.com/office/drawing/2014/main" id="{1D1EDDDB-BF45-4C61-823B-9FB45ED6F51F}"/>
-              </a:ext>
-            </a:extLst>
-          </p:cNvPr>
-          <p:cNvSpPr>
-            <a:spLocks noGrp="1"/>
-          </p:cNvSpPr>
-          <p:nvPr>
-            <p:ph type="body" sz="half" idx="1"/>
-          </p:nvPr>
-        </p:nvSpPr>
-        <p:spPr/>
-        <p:txBody>
-          <a:bodyPr/>
-          <a:lstStyle/>
-          <a:p>
-            <a:endParaRPr lang="en-US"/>
-          </a:p>
-        </p:txBody>
-      </p:sp>
-    </p:spTree>
-    <p:extLst>
-      <p:ext uri="{BB962C8B-B14F-4D97-AF65-F5344CB8AC3E}">
-        <p14:creationId xmlns:p14="http://schemas.microsoft.com/office/powerpoint/2010/main" val="2384320704"/>
-      </p:ext>
-    </p:extLst>
-  </p:cSld>
-  <p:clrMapOvr>
-    <a:masterClrMapping/>
-  </p:clrMapOvr>
-  <p:transition spd="med"/>
-</p:sld>
-</file>
-
 <file path=ppt/slides/slide3.xml><?xml version="1.0" encoding="utf-8"?>
-<p:sld xmlns:a="http://schemas.openxmlformats.org/drawingml/2006/main" xmlns:r="http://schemas.openxmlformats.org/officeDocument/2006/relationships" xmlns:p="http://schemas.openxmlformats.org/presentationml/2006/main">
-  <p:cSld>
-    <p:spTree>
-      <p:nvGrpSpPr>
-        <p:cNvPr id="1" name=""/>
-        <p:cNvGrpSpPr/>
-        <p:nvPr/>
-      </p:nvGrpSpPr>
-      <p:grpSpPr>
-        <a:xfrm>
-          <a:off x="0" y="0"/>
-          <a:ext cx="0" cy="0"/>
-          <a:chOff x="0" y="0"/>
-          <a:chExt cx="0" cy="0"/>
-        </a:xfrm>
-      </p:grpSpPr>
-      <p:sp>
-        <p:nvSpPr>
-          <p:cNvPr id="4" name="Title 3">
-            <a:extLst>
-              <a:ext uri="{FF2B5EF4-FFF2-40B4-BE49-F238E27FC236}">
-                <a16:creationId xmlns:a16="http://schemas.microsoft.com/office/drawing/2014/main" id="{0B5E89EB-6726-48BB-A178-4BC22FD7EFD1}"/>
-              </a:ext>
-            </a:extLst>
-          </p:cNvPr>
-          <p:cNvSpPr>
-            <a:spLocks noGrp="1"/>
-          </p:cNvSpPr>
-          <p:nvPr>
-            <p:ph type="title"/>
-          </p:nvPr>
-        </p:nvSpPr>
-        <p:spPr>
-          <a:xfrm>
-            <a:off x="885440" y="1597396"/>
-            <a:ext cx="4939048" cy="1076082"/>
-          </a:xfrm>
-        </p:spPr>
-        <p:txBody>
-          <a:bodyPr/>
-          <a:lstStyle/>
-          <a:p>
-            <a:r>
-              <a:rPr lang="en-US" dirty="0"/>
-              <a:t>Demo</a:t>
-            </a:r>
-          </a:p>
-        </p:txBody>
-      </p:sp>
-      <p:sp>
-        <p:nvSpPr>
-          <p:cNvPr id="5" name="Text Placeholder 4">
-            <a:extLst>
-              <a:ext uri="{FF2B5EF4-FFF2-40B4-BE49-F238E27FC236}">
-                <a16:creationId xmlns:a16="http://schemas.microsoft.com/office/drawing/2014/main" id="{D92FCB95-0201-4B34-8F73-1B60BBEDA319}"/>
-              </a:ext>
-            </a:extLst>
-          </p:cNvPr>
-          <p:cNvSpPr>
-            <a:spLocks noGrp="1"/>
-          </p:cNvSpPr>
-          <p:nvPr>
-            <p:ph type="body" sz="quarter" idx="1"/>
-          </p:nvPr>
-        </p:nvSpPr>
-        <p:spPr>
-          <a:xfrm>
-            <a:off x="885440" y="2805606"/>
-            <a:ext cx="5031977" cy="1246787"/>
-          </a:xfrm>
-        </p:spPr>
-        <p:txBody>
-          <a:bodyPr/>
-          <a:lstStyle/>
-          <a:p>
-            <a:endParaRPr lang="en-US" dirty="0"/>
-          </a:p>
-        </p:txBody>
-      </p:sp>
-      <p:pic>
-        <p:nvPicPr>
-          <p:cNvPr id="2050" name="Picture 2">
-            <a:extLst>
-              <a:ext uri="{FF2B5EF4-FFF2-40B4-BE49-F238E27FC236}">
-                <a16:creationId xmlns:a16="http://schemas.microsoft.com/office/drawing/2014/main" id="{00A4FE67-659A-44B9-A2F9-A88C6BE1E64C}"/>
-              </a:ext>
-            </a:extLst>
-          </p:cNvPr>
-          <p:cNvPicPr>
-            <a:picLocks noChangeAspect="1" noChangeArrowheads="1"/>
-          </p:cNvPicPr>
-          <p:nvPr/>
-        </p:nvPicPr>
-        <p:blipFill>
-          <a:blip r:embed="rId3">
-            <a:extLst>
-              <a:ext uri="{28A0092B-C50C-407E-A947-70E740481C1C}">
-                <a14:useLocalDpi xmlns:a14="http://schemas.microsoft.com/office/drawing/2010/main" val="0"/>
-              </a:ext>
-            </a:extLst>
-          </a:blip>
-          <a:srcRect/>
-          <a:stretch>
-            <a:fillRect/>
-          </a:stretch>
-        </p:blipFill>
-        <p:spPr bwMode="auto">
-          <a:xfrm>
-            <a:off x="5160320" y="1387603"/>
-            <a:ext cx="2571750" cy="2571750"/>
-          </a:xfrm>
-          <a:prstGeom prst="rect">
-            <a:avLst/>
-          </a:prstGeom>
-          <a:noFill/>
-          <a:extLst>
-            <a:ext uri="{909E8E84-426E-40DD-AFC4-6F175D3DCCD1}">
-              <a14:hiddenFill xmlns:a14="http://schemas.microsoft.com/office/drawing/2010/main">
-                <a:solidFill>
-                  <a:srgbClr val="FFFFFF"/>
-                </a:solidFill>
-              </a14:hiddenFill>
-            </a:ext>
-          </a:extLst>
-        </p:spPr>
-      </p:pic>
-    </p:spTree>
-    <p:extLst>
-      <p:ext uri="{BB962C8B-B14F-4D97-AF65-F5344CB8AC3E}">
-        <p14:creationId xmlns:p14="http://schemas.microsoft.com/office/powerpoint/2010/main" val="3157870146"/>
-      </p:ext>
-    </p:extLst>
-  </p:cSld>
-  <p:clrMapOvr>
-    <a:masterClrMapping/>
-  </p:clrMapOvr>
-  <p:transition spd="med"/>
-</p:sld>
-</file>
-
-<file path=ppt/slides/slide4.xml><?xml version="1.0" encoding="utf-8"?>
-<p:sld xmlns:a="http://schemas.openxmlformats.org/drawingml/2006/main" xmlns:r="http://schemas.openxmlformats.org/officeDocument/2006/relationships" xmlns:p="http://schemas.openxmlformats.org/presentationml/2006/main">
-  <p:cSld>
-    <p:spTree>
-      <p:nvGrpSpPr>
-        <p:cNvPr id="1" name=""/>
-        <p:cNvGrpSpPr/>
-        <p:nvPr/>
-      </p:nvGrpSpPr>
-      <p:grpSpPr>
-        <a:xfrm>
-          <a:off x="0" y="0"/>
-          <a:ext cx="0" cy="0"/>
-          <a:chOff x="0" y="0"/>
-          <a:chExt cx="0" cy="0"/>
-        </a:xfrm>
-      </p:grpSpPr>
-      <p:sp>
-        <p:nvSpPr>
-          <p:cNvPr id="4" name="Title 3">
-            <a:extLst>
-              <a:ext uri="{FF2B5EF4-FFF2-40B4-BE49-F238E27FC236}">
-                <a16:creationId xmlns:a16="http://schemas.microsoft.com/office/drawing/2014/main" id="{23274B24-D5AA-17A6-7BFF-56EB6618C762}"/>
-              </a:ext>
-            </a:extLst>
-          </p:cNvPr>
-          <p:cNvSpPr>
-            <a:spLocks noGrp="1"/>
-          </p:cNvSpPr>
-          <p:nvPr>
-            <p:ph type="title"/>
-          </p:nvPr>
-        </p:nvSpPr>
-        <p:spPr/>
-        <p:txBody>
-          <a:bodyPr/>
-          <a:lstStyle/>
-          <a:p>
-            <a:r>
-              <a:rPr lang="en-US" dirty="0"/>
-              <a:t>Working with Modules - alias</a:t>
-            </a:r>
-            <a:endParaRPr lang="bg-BG" dirty="0"/>
-          </a:p>
-        </p:txBody>
-      </p:sp>
-      <p:sp>
-        <p:nvSpPr>
-          <p:cNvPr id="5" name="Text Placeholder 4">
-            <a:extLst>
-              <a:ext uri="{FF2B5EF4-FFF2-40B4-BE49-F238E27FC236}">
-                <a16:creationId xmlns:a16="http://schemas.microsoft.com/office/drawing/2014/main" id="{2FB2B0E7-DB83-15DA-0CA0-CEB4F94E61D0}"/>
-              </a:ext>
-            </a:extLst>
-          </p:cNvPr>
-          <p:cNvSpPr>
-            <a:spLocks noGrp="1"/>
-          </p:cNvSpPr>
-          <p:nvPr>
-            <p:ph type="body" idx="1"/>
-          </p:nvPr>
-        </p:nvSpPr>
-        <p:spPr/>
-        <p:txBody>
-          <a:bodyPr/>
-          <a:lstStyle/>
-          <a:p>
-            <a:r>
-              <a:rPr lang="en-US" dirty="0"/>
-              <a:t>We use </a:t>
-            </a:r>
-            <a:r>
-              <a:rPr lang="en-US" i="1" dirty="0"/>
-              <a:t>alias</a:t>
-            </a:r>
-            <a:r>
-              <a:rPr lang="en-US" dirty="0"/>
-              <a:t> for setting-up module aliases</a:t>
-            </a:r>
-          </a:p>
-          <a:p>
-            <a:pPr marL="0" indent="0">
-              <a:buNone/>
-            </a:pPr>
-            <a:endParaRPr lang="bg-BG" dirty="0"/>
-          </a:p>
-        </p:txBody>
-      </p:sp>
-      <p:sp>
-        <p:nvSpPr>
-          <p:cNvPr id="2" name="Rectangle 1">
-            <a:extLst>
-              <a:ext uri="{FF2B5EF4-FFF2-40B4-BE49-F238E27FC236}">
-                <a16:creationId xmlns:a16="http://schemas.microsoft.com/office/drawing/2014/main" id="{C6CDAEDB-B25C-7BFC-4942-CDAF7F28BCE1}"/>
-              </a:ext>
-            </a:extLst>
-          </p:cNvPr>
-          <p:cNvSpPr/>
-          <p:nvPr/>
-        </p:nvSpPr>
-        <p:spPr>
-          <a:xfrm>
-            <a:off x="838200" y="1928464"/>
-            <a:ext cx="4501896" cy="3583541"/>
-          </a:xfrm>
-          <a:prstGeom prst="rect">
-            <a:avLst/>
-          </a:prstGeom>
-          <a:solidFill>
-            <a:srgbClr val="F9F9F9"/>
-          </a:solidFill>
-          <a:ln w="25400" cap="flat">
-            <a:solidFill>
-              <a:schemeClr val="accent1"/>
-            </a:solidFill>
-            <a:prstDash val="solid"/>
-            <a:round/>
-          </a:ln>
-          <a:effectLst/>
-          <a:sp3d/>
-        </p:spPr>
-        <p:style>
-          <a:lnRef idx="0">
-            <a:scrgbClr r="0" g="0" b="0"/>
-          </a:lnRef>
-          <a:fillRef idx="0">
-            <a:scrgbClr r="0" g="0" b="0"/>
-          </a:fillRef>
-          <a:effectRef idx="0">
-            <a:scrgbClr r="0" g="0" b="0"/>
-          </a:effectRef>
-          <a:fontRef idx="none"/>
-        </p:style>
-        <p:txBody>
-          <a:bodyPr rot="0" spcFirstLastPara="1" vertOverflow="overflow" horzOverflow="overflow" vert="horz" wrap="square" lIns="45718" tIns="45718" rIns="45718" bIns="45718" numCol="1" spcCol="38100" rtlCol="0" anchor="ctr">
-            <a:spAutoFit/>
-          </a:bodyPr>
-          <a:lstStyle/>
-          <a:p>
-            <a:r>
-              <a:rPr lang="en-US" sz="1600" b="0" dirty="0">
-                <a:solidFill>
-                  <a:srgbClr val="D73A49"/>
-                </a:solidFill>
-                <a:effectLst/>
-                <a:latin typeface="Cascadia Code" panose="020B0609020000020004" pitchFamily="49" charset="0"/>
-              </a:rPr>
-              <a:t>defmodule</a:t>
-            </a:r>
-            <a:r>
-              <a:rPr lang="en-US" sz="1600" b="0" dirty="0">
-                <a:solidFill>
-                  <a:srgbClr val="24292E"/>
-                </a:solidFill>
-                <a:effectLst/>
-                <a:latin typeface="Cascadia Code" panose="020B0609020000020004" pitchFamily="49" charset="0"/>
-              </a:rPr>
-              <a:t> </a:t>
-            </a:r>
-            <a:r>
-              <a:rPr lang="en-US" sz="1600" b="0" dirty="0">
-                <a:solidFill>
-                  <a:srgbClr val="6F42C1"/>
-                </a:solidFill>
-                <a:effectLst/>
-                <a:latin typeface="Cascadia Code" panose="020B0609020000020004" pitchFamily="49" charset="0"/>
-              </a:rPr>
-              <a:t>MyApp.Calculator</a:t>
-            </a:r>
-            <a:r>
-              <a:rPr lang="en-US" sz="1600" b="0" dirty="0">
-                <a:solidFill>
-                  <a:srgbClr val="24292E"/>
-                </a:solidFill>
-                <a:effectLst/>
-                <a:latin typeface="Cascadia Code" panose="020B0609020000020004" pitchFamily="49" charset="0"/>
-              </a:rPr>
-              <a:t> </a:t>
-            </a:r>
-            <a:r>
-              <a:rPr lang="en-US" sz="1600" b="0" dirty="0">
-                <a:solidFill>
-                  <a:srgbClr val="D73A49"/>
-                </a:solidFill>
-                <a:effectLst/>
-                <a:latin typeface="Cascadia Code" panose="020B0609020000020004" pitchFamily="49" charset="0"/>
-              </a:rPr>
-              <a:t>do</a:t>
-            </a:r>
-            <a:endParaRPr lang="en-US" sz="1600" b="0" dirty="0">
-              <a:solidFill>
-                <a:srgbClr val="24292E"/>
-              </a:solidFill>
-              <a:effectLst/>
-              <a:latin typeface="Cascadia Code" panose="020B0609020000020004" pitchFamily="49" charset="0"/>
-            </a:endParaRPr>
-          </a:p>
-          <a:p>
-            <a:r>
-              <a:rPr lang="en-US" sz="1600" b="0" dirty="0">
-                <a:solidFill>
-                  <a:srgbClr val="24292E"/>
-                </a:solidFill>
-                <a:effectLst/>
-                <a:latin typeface="Cascadia Code" panose="020B0609020000020004" pitchFamily="49" charset="0"/>
-              </a:rPr>
-              <a:t>  </a:t>
-            </a:r>
-            <a:r>
-              <a:rPr lang="en-US" sz="1600" b="0" dirty="0">
-                <a:solidFill>
-                  <a:srgbClr val="D73A49"/>
-                </a:solidFill>
-                <a:effectLst/>
-                <a:latin typeface="Cascadia Code" panose="020B0609020000020004" pitchFamily="49" charset="0"/>
-              </a:rPr>
-              <a:t>def</a:t>
-            </a:r>
-            <a:r>
-              <a:rPr lang="en-US" sz="1600" b="0" dirty="0">
-                <a:solidFill>
-                  <a:srgbClr val="24292E"/>
-                </a:solidFill>
-                <a:effectLst/>
-                <a:latin typeface="Cascadia Code" panose="020B0609020000020004" pitchFamily="49" charset="0"/>
-              </a:rPr>
-              <a:t> </a:t>
-            </a:r>
-            <a:r>
-              <a:rPr lang="en-US" sz="1600" b="0" dirty="0">
-                <a:solidFill>
-                  <a:srgbClr val="6F42C1"/>
-                </a:solidFill>
-                <a:effectLst/>
-                <a:latin typeface="Cascadia Code" panose="020B0609020000020004" pitchFamily="49" charset="0"/>
-              </a:rPr>
-              <a:t>add</a:t>
-            </a:r>
-            <a:r>
-              <a:rPr lang="en-US" sz="1600" b="0" dirty="0">
-                <a:solidFill>
-                  <a:srgbClr val="24292E"/>
-                </a:solidFill>
-                <a:effectLst/>
-                <a:latin typeface="Cascadia Code" panose="020B0609020000020004" pitchFamily="49" charset="0"/>
-              </a:rPr>
-              <a:t>(a, b), </a:t>
-            </a:r>
-            <a:r>
-              <a:rPr lang="en-US" sz="1600" b="0" dirty="0">
-                <a:solidFill>
-                  <a:srgbClr val="005CC5"/>
-                </a:solidFill>
-                <a:effectLst/>
-                <a:latin typeface="Cascadia Code" panose="020B0609020000020004" pitchFamily="49" charset="0"/>
-              </a:rPr>
-              <a:t>do:</a:t>
-            </a:r>
-            <a:r>
-              <a:rPr lang="en-US" sz="1600" b="0" dirty="0">
-                <a:solidFill>
-                  <a:srgbClr val="24292E"/>
-                </a:solidFill>
-                <a:effectLst/>
-                <a:latin typeface="Cascadia Code" panose="020B0609020000020004" pitchFamily="49" charset="0"/>
-              </a:rPr>
-              <a:t> a </a:t>
-            </a:r>
-            <a:r>
-              <a:rPr lang="en-US" sz="1600" b="0" dirty="0">
-                <a:solidFill>
-                  <a:srgbClr val="D73A49"/>
-                </a:solidFill>
-                <a:effectLst/>
-                <a:latin typeface="Cascadia Code" panose="020B0609020000020004" pitchFamily="49" charset="0"/>
-              </a:rPr>
-              <a:t>+</a:t>
-            </a:r>
-            <a:r>
-              <a:rPr lang="en-US" sz="1600" b="0" dirty="0">
-                <a:solidFill>
-                  <a:srgbClr val="24292E"/>
-                </a:solidFill>
-                <a:effectLst/>
-                <a:latin typeface="Cascadia Code" panose="020B0609020000020004" pitchFamily="49" charset="0"/>
-              </a:rPr>
-              <a:t> b</a:t>
-            </a:r>
-          </a:p>
-          <a:p>
-            <a:r>
-              <a:rPr lang="en-US" sz="1600" b="0" dirty="0">
-                <a:solidFill>
-                  <a:srgbClr val="6A737D"/>
-                </a:solidFill>
-                <a:effectLst/>
-                <a:latin typeface="Cascadia Code" panose="020B0609020000020004" pitchFamily="49" charset="0"/>
-              </a:rPr>
-              <a:t> ...</a:t>
-            </a:r>
-          </a:p>
-          <a:p>
-            <a:endParaRPr lang="en-US" sz="1600" b="0" dirty="0">
-              <a:solidFill>
-                <a:srgbClr val="24292E"/>
-              </a:solidFill>
-              <a:effectLst/>
-              <a:latin typeface="Cascadia Code" panose="020B0609020000020004" pitchFamily="49" charset="0"/>
-            </a:endParaRPr>
-          </a:p>
-          <a:p>
-            <a:r>
-              <a:rPr lang="en-US" sz="1600" b="0" dirty="0">
-                <a:solidFill>
-                  <a:srgbClr val="D73A49"/>
-                </a:solidFill>
-                <a:effectLst/>
-                <a:latin typeface="Cascadia Code" panose="020B0609020000020004" pitchFamily="49" charset="0"/>
-              </a:rPr>
-              <a:t>defmodule</a:t>
-            </a:r>
-            <a:r>
-              <a:rPr lang="en-US" sz="1600" b="0" dirty="0">
-                <a:solidFill>
-                  <a:srgbClr val="24292E"/>
-                </a:solidFill>
-                <a:effectLst/>
-                <a:latin typeface="Cascadia Code" panose="020B0609020000020004" pitchFamily="49" charset="0"/>
-              </a:rPr>
-              <a:t> </a:t>
-            </a:r>
-            <a:r>
-              <a:rPr lang="en-US" sz="1600" b="0" dirty="0">
-                <a:solidFill>
-                  <a:srgbClr val="6F42C1"/>
-                </a:solidFill>
-                <a:effectLst/>
-                <a:latin typeface="Cascadia Code" panose="020B0609020000020004" pitchFamily="49" charset="0"/>
-              </a:rPr>
-              <a:t>MyApp.Main</a:t>
-            </a:r>
-            <a:r>
-              <a:rPr lang="en-US" sz="1600" b="0" dirty="0">
-                <a:solidFill>
-                  <a:srgbClr val="24292E"/>
-                </a:solidFill>
-                <a:effectLst/>
-                <a:latin typeface="Cascadia Code" panose="020B0609020000020004" pitchFamily="49" charset="0"/>
-              </a:rPr>
-              <a:t> </a:t>
-            </a:r>
-            <a:r>
-              <a:rPr lang="en-US" sz="1600" b="0" dirty="0">
-                <a:solidFill>
-                  <a:srgbClr val="D73A49"/>
-                </a:solidFill>
-                <a:effectLst/>
-                <a:latin typeface="Cascadia Code" panose="020B0609020000020004" pitchFamily="49" charset="0"/>
-              </a:rPr>
-              <a:t>do</a:t>
-            </a:r>
-            <a:endParaRPr lang="en-US" sz="1600" b="0" dirty="0">
-              <a:solidFill>
-                <a:srgbClr val="24292E"/>
-              </a:solidFill>
-              <a:effectLst/>
-              <a:latin typeface="Cascadia Code" panose="020B0609020000020004" pitchFamily="49" charset="0"/>
-            </a:endParaRPr>
-          </a:p>
-          <a:p>
-            <a:r>
-              <a:rPr lang="en-US" sz="1600" b="0" dirty="0">
-                <a:solidFill>
-                  <a:srgbClr val="24292E"/>
-                </a:solidFill>
-                <a:effectLst/>
-                <a:latin typeface="Cascadia Code" panose="020B0609020000020004" pitchFamily="49" charset="0"/>
-              </a:rPr>
-              <a:t>  </a:t>
-            </a:r>
-            <a:r>
-              <a:rPr lang="en-US" sz="1600" b="0" dirty="0">
-                <a:solidFill>
-                  <a:srgbClr val="D73A49"/>
-                </a:solidFill>
-                <a:effectLst/>
-                <a:latin typeface="Cascadia Code" panose="020B0609020000020004" pitchFamily="49" charset="0"/>
-              </a:rPr>
-              <a:t>alias</a:t>
-            </a:r>
-            <a:r>
-              <a:rPr lang="en-US" sz="1600" b="0" dirty="0">
-                <a:solidFill>
-                  <a:srgbClr val="24292E"/>
-                </a:solidFill>
-                <a:effectLst/>
-                <a:latin typeface="Cascadia Code" panose="020B0609020000020004" pitchFamily="49" charset="0"/>
-              </a:rPr>
-              <a:t> </a:t>
-            </a:r>
-            <a:r>
-              <a:rPr lang="en-US" sz="1600" b="0" dirty="0">
-                <a:solidFill>
-                  <a:srgbClr val="6F42C1"/>
-                </a:solidFill>
-                <a:effectLst/>
-                <a:latin typeface="Cascadia Code" panose="020B0609020000020004" pitchFamily="49" charset="0"/>
-              </a:rPr>
-              <a:t>MyApp</a:t>
-            </a:r>
-            <a:r>
-              <a:rPr lang="en-US" sz="1600" b="0" dirty="0">
-                <a:solidFill>
-                  <a:srgbClr val="24292E"/>
-                </a:solidFill>
-                <a:effectLst/>
-                <a:latin typeface="Cascadia Code" panose="020B0609020000020004" pitchFamily="49" charset="0"/>
-              </a:rPr>
-              <a:t>.</a:t>
-            </a:r>
-            <a:r>
-              <a:rPr lang="en-US" sz="1600" b="0" dirty="0">
-                <a:solidFill>
-                  <a:srgbClr val="6F42C1"/>
-                </a:solidFill>
-                <a:effectLst/>
-                <a:latin typeface="Cascadia Code" panose="020B0609020000020004" pitchFamily="49" charset="0"/>
-              </a:rPr>
-              <a:t>Calculator</a:t>
-            </a:r>
-            <a:r>
-              <a:rPr lang="en-US" sz="1600" b="0" dirty="0">
-                <a:solidFill>
-                  <a:srgbClr val="24292E"/>
-                </a:solidFill>
-                <a:effectLst/>
-                <a:latin typeface="Cascadia Code" panose="020B0609020000020004" pitchFamily="49" charset="0"/>
-              </a:rPr>
-              <a:t>, </a:t>
-            </a:r>
-            <a:r>
-              <a:rPr lang="en-US" sz="1600" b="0" dirty="0">
-                <a:solidFill>
-                  <a:srgbClr val="005CC5"/>
-                </a:solidFill>
-                <a:effectLst/>
-                <a:latin typeface="Cascadia Code" panose="020B0609020000020004" pitchFamily="49" charset="0"/>
-              </a:rPr>
-              <a:t>as:</a:t>
-            </a:r>
-            <a:r>
-              <a:rPr lang="en-US" sz="1600" b="0" dirty="0">
-                <a:solidFill>
-                  <a:srgbClr val="24292E"/>
-                </a:solidFill>
-                <a:effectLst/>
-                <a:latin typeface="Cascadia Code" panose="020B0609020000020004" pitchFamily="49" charset="0"/>
-              </a:rPr>
-              <a:t> </a:t>
-            </a:r>
-            <a:r>
-              <a:rPr lang="en-US" sz="1600" b="0" dirty="0">
-                <a:solidFill>
-                  <a:srgbClr val="6F42C1"/>
-                </a:solidFill>
-                <a:effectLst/>
-                <a:latin typeface="Cascadia Code" panose="020B0609020000020004" pitchFamily="49" charset="0"/>
-              </a:rPr>
-              <a:t>Calc</a:t>
-            </a:r>
-            <a:endParaRPr lang="en-US" sz="1600" b="0" dirty="0">
-              <a:solidFill>
-                <a:srgbClr val="24292E"/>
-              </a:solidFill>
-              <a:effectLst/>
-              <a:latin typeface="Cascadia Code" panose="020B0609020000020004" pitchFamily="49" charset="0"/>
-            </a:endParaRPr>
-          </a:p>
-          <a:p>
-            <a:br>
-              <a:rPr lang="en-US" sz="1600" b="0" dirty="0">
-                <a:solidFill>
-                  <a:srgbClr val="24292E"/>
-                </a:solidFill>
-                <a:effectLst/>
-                <a:latin typeface="Cascadia Code" panose="020B0609020000020004" pitchFamily="49" charset="0"/>
-              </a:rPr>
-            </a:br>
-            <a:r>
-              <a:rPr lang="en-US" sz="1600" b="0" dirty="0">
-                <a:solidFill>
-                  <a:srgbClr val="24292E"/>
-                </a:solidFill>
-                <a:effectLst/>
-                <a:latin typeface="Cascadia Code" panose="020B0609020000020004" pitchFamily="49" charset="0"/>
-              </a:rPr>
-              <a:t>  </a:t>
-            </a:r>
-            <a:r>
-              <a:rPr lang="en-US" sz="1600" b="0" dirty="0">
-                <a:solidFill>
-                  <a:srgbClr val="D73A49"/>
-                </a:solidFill>
-                <a:effectLst/>
-                <a:latin typeface="Cascadia Code" panose="020B0609020000020004" pitchFamily="49" charset="0"/>
-              </a:rPr>
-              <a:t>def</a:t>
-            </a:r>
-            <a:r>
-              <a:rPr lang="en-US" sz="1600" b="0" dirty="0">
-                <a:solidFill>
-                  <a:srgbClr val="24292E"/>
-                </a:solidFill>
-                <a:effectLst/>
-                <a:latin typeface="Cascadia Code" panose="020B0609020000020004" pitchFamily="49" charset="0"/>
-              </a:rPr>
-              <a:t> </a:t>
-            </a:r>
-            <a:r>
-              <a:rPr lang="en-US" sz="1600" b="0" dirty="0">
-                <a:solidFill>
-                  <a:srgbClr val="6F42C1"/>
-                </a:solidFill>
-                <a:effectLst/>
-                <a:latin typeface="Cascadia Code" panose="020B0609020000020004" pitchFamily="49" charset="0"/>
-              </a:rPr>
-              <a:t>run</a:t>
-            </a:r>
-            <a:r>
-              <a:rPr lang="en-US" sz="1600" b="0" dirty="0">
-                <a:solidFill>
-                  <a:srgbClr val="24292E"/>
-                </a:solidFill>
-                <a:effectLst/>
-                <a:latin typeface="Cascadia Code" panose="020B0609020000020004" pitchFamily="49" charset="0"/>
-              </a:rPr>
-              <a:t>() </a:t>
-            </a:r>
-            <a:r>
-              <a:rPr lang="en-US" sz="1600" b="0" dirty="0">
-                <a:solidFill>
-                  <a:srgbClr val="D73A49"/>
-                </a:solidFill>
-                <a:effectLst/>
-                <a:latin typeface="Cascadia Code" panose="020B0609020000020004" pitchFamily="49" charset="0"/>
-              </a:rPr>
-              <a:t>do</a:t>
-            </a:r>
-            <a:endParaRPr lang="en-US" sz="1600" b="0" dirty="0">
-              <a:solidFill>
-                <a:srgbClr val="24292E"/>
-              </a:solidFill>
-              <a:effectLst/>
-              <a:latin typeface="Cascadia Code" panose="020B0609020000020004" pitchFamily="49" charset="0"/>
-            </a:endParaRPr>
-          </a:p>
-          <a:p>
-            <a:r>
-              <a:rPr lang="en-US" sz="1600" b="0" dirty="0">
-                <a:solidFill>
-                  <a:srgbClr val="24292E"/>
-                </a:solidFill>
-                <a:effectLst/>
-                <a:latin typeface="Cascadia Code" panose="020B0609020000020004" pitchFamily="49" charset="0"/>
-              </a:rPr>
-              <a:t>    </a:t>
-            </a:r>
-            <a:r>
-              <a:rPr lang="en-US" sz="1600" b="0" dirty="0">
-                <a:solidFill>
-                  <a:srgbClr val="6F42C1"/>
-                </a:solidFill>
-                <a:effectLst/>
-                <a:latin typeface="Cascadia Code" panose="020B0609020000020004" pitchFamily="49" charset="0"/>
-              </a:rPr>
-              <a:t>Calc</a:t>
-            </a:r>
-            <a:r>
-              <a:rPr lang="en-US" sz="1600" b="0" dirty="0">
-                <a:solidFill>
-                  <a:srgbClr val="24292E"/>
-                </a:solidFill>
-                <a:effectLst/>
-                <a:latin typeface="Cascadia Code" panose="020B0609020000020004" pitchFamily="49" charset="0"/>
-              </a:rPr>
-              <a:t>.</a:t>
-            </a:r>
-            <a:r>
-              <a:rPr lang="en-US" sz="1600" b="0" dirty="0">
-                <a:solidFill>
-                  <a:srgbClr val="6F42C1"/>
-                </a:solidFill>
-                <a:effectLst/>
-                <a:latin typeface="Cascadia Code" panose="020B0609020000020004" pitchFamily="49" charset="0"/>
-              </a:rPr>
-              <a:t>add</a:t>
-            </a:r>
-            <a:r>
-              <a:rPr lang="en-US" sz="1600" b="0" dirty="0">
-                <a:solidFill>
-                  <a:srgbClr val="24292E"/>
-                </a:solidFill>
-                <a:effectLst/>
-                <a:latin typeface="Cascadia Code" panose="020B0609020000020004" pitchFamily="49" charset="0"/>
-              </a:rPr>
-              <a:t>(</a:t>
-            </a:r>
-            <a:r>
-              <a:rPr lang="en-US" sz="1600" b="0" dirty="0">
-                <a:solidFill>
-                  <a:srgbClr val="005CC5"/>
-                </a:solidFill>
-                <a:effectLst/>
-                <a:latin typeface="Cascadia Code" panose="020B0609020000020004" pitchFamily="49" charset="0"/>
-              </a:rPr>
-              <a:t>1</a:t>
-            </a:r>
-            <a:r>
-              <a:rPr lang="en-US" sz="1600" b="0" dirty="0">
-                <a:solidFill>
-                  <a:srgbClr val="24292E"/>
-                </a:solidFill>
-                <a:effectLst/>
-                <a:latin typeface="Cascadia Code" panose="020B0609020000020004" pitchFamily="49" charset="0"/>
-              </a:rPr>
-              <a:t>, </a:t>
-            </a:r>
-            <a:r>
-              <a:rPr lang="en-US" sz="1600" b="0" dirty="0">
-                <a:solidFill>
-                  <a:srgbClr val="005CC5"/>
-                </a:solidFill>
-                <a:effectLst/>
-                <a:latin typeface="Cascadia Code" panose="020B0609020000020004" pitchFamily="49" charset="0"/>
-              </a:rPr>
-              <a:t>2</a:t>
-            </a:r>
-            <a:r>
-              <a:rPr lang="en-US" sz="1600" b="0" dirty="0">
-                <a:solidFill>
-                  <a:srgbClr val="24292E"/>
-                </a:solidFill>
-                <a:effectLst/>
-                <a:latin typeface="Cascadia Code" panose="020B0609020000020004" pitchFamily="49" charset="0"/>
-              </a:rPr>
-              <a:t>) </a:t>
-            </a:r>
-          </a:p>
-          <a:p>
-            <a:r>
-              <a:rPr lang="en-US" sz="1600" dirty="0">
-                <a:solidFill>
-                  <a:srgbClr val="24292E"/>
-                </a:solidFill>
-                <a:latin typeface="Cascadia Code" panose="020B0609020000020004" pitchFamily="49" charset="0"/>
-              </a:rPr>
-              <a:t>    </a:t>
-            </a:r>
-            <a:r>
-              <a:rPr lang="en-US" sz="1600" b="0" dirty="0">
-                <a:solidFill>
-                  <a:srgbClr val="D73A49"/>
-                </a:solidFill>
-                <a:effectLst/>
-                <a:latin typeface="Cascadia Code" panose="020B0609020000020004" pitchFamily="49" charset="0"/>
-              </a:rPr>
-              <a:t>|&gt;</a:t>
-            </a:r>
-            <a:r>
-              <a:rPr lang="en-US" sz="1600" b="0" dirty="0">
-                <a:solidFill>
-                  <a:srgbClr val="24292E"/>
-                </a:solidFill>
-                <a:effectLst/>
-                <a:latin typeface="Cascadia Code" panose="020B0609020000020004" pitchFamily="49" charset="0"/>
-              </a:rPr>
-              <a:t> </a:t>
-            </a:r>
-            <a:r>
-              <a:rPr lang="en-US" sz="1600" b="0" dirty="0">
-                <a:solidFill>
-                  <a:srgbClr val="6F42C1"/>
-                </a:solidFill>
-                <a:effectLst/>
-                <a:latin typeface="Cascadia Code" panose="020B0609020000020004" pitchFamily="49" charset="0"/>
-              </a:rPr>
-              <a:t>IO</a:t>
-            </a:r>
-            <a:r>
-              <a:rPr lang="en-US" sz="1600" b="0" dirty="0">
-                <a:solidFill>
-                  <a:srgbClr val="24292E"/>
-                </a:solidFill>
-                <a:effectLst/>
-                <a:latin typeface="Cascadia Code" panose="020B0609020000020004" pitchFamily="49" charset="0"/>
-              </a:rPr>
-              <a:t>.</a:t>
-            </a:r>
-            <a:r>
-              <a:rPr lang="en-US" sz="1600" b="0" dirty="0">
-                <a:solidFill>
-                  <a:srgbClr val="6F42C1"/>
-                </a:solidFill>
-                <a:effectLst/>
-                <a:latin typeface="Cascadia Code" panose="020B0609020000020004" pitchFamily="49" charset="0"/>
-              </a:rPr>
-              <a:t>inspect</a:t>
-            </a:r>
-            <a:r>
-              <a:rPr lang="en-US" sz="1600" b="0" dirty="0">
-                <a:solidFill>
-                  <a:srgbClr val="24292E"/>
-                </a:solidFill>
-                <a:effectLst/>
-                <a:latin typeface="Cascadia Code" panose="020B0609020000020004" pitchFamily="49" charset="0"/>
-              </a:rPr>
-              <a:t>()</a:t>
-            </a:r>
-          </a:p>
-          <a:p>
-            <a:endParaRPr lang="en-US" sz="1800" b="0" dirty="0">
-              <a:solidFill>
-                <a:srgbClr val="24292E"/>
-              </a:solidFill>
-              <a:effectLst/>
-              <a:highlight>
-                <a:srgbClr val="F9F9F9"/>
-              </a:highlight>
-              <a:latin typeface="Cascadia Code" panose="020B0609020000020004" pitchFamily="49" charset="0"/>
-            </a:endParaRPr>
-          </a:p>
-        </p:txBody>
-      </p:sp>
-      <p:sp>
-        <p:nvSpPr>
-          <p:cNvPr id="3" name="Rectangle 2">
-            <a:extLst>
-              <a:ext uri="{FF2B5EF4-FFF2-40B4-BE49-F238E27FC236}">
-                <a16:creationId xmlns:a16="http://schemas.microsoft.com/office/drawing/2014/main" id="{649BCBE0-66E8-593D-21A5-7C3BFA4FBFE1}"/>
-              </a:ext>
-            </a:extLst>
-          </p:cNvPr>
-          <p:cNvSpPr/>
-          <p:nvPr/>
-        </p:nvSpPr>
-        <p:spPr>
-          <a:xfrm>
-            <a:off x="6541008" y="1928464"/>
-            <a:ext cx="4501896" cy="3583541"/>
-          </a:xfrm>
-          <a:prstGeom prst="rect">
-            <a:avLst/>
-          </a:prstGeom>
-          <a:solidFill>
-            <a:srgbClr val="F9F9F9"/>
-          </a:solidFill>
-          <a:ln w="25400" cap="flat">
-            <a:solidFill>
-              <a:schemeClr val="accent1"/>
-            </a:solidFill>
-            <a:prstDash val="solid"/>
-            <a:round/>
-          </a:ln>
-          <a:effectLst/>
-          <a:sp3d/>
-        </p:spPr>
-        <p:style>
-          <a:lnRef idx="0">
-            <a:scrgbClr r="0" g="0" b="0"/>
-          </a:lnRef>
-          <a:fillRef idx="0">
-            <a:scrgbClr r="0" g="0" b="0"/>
-          </a:fillRef>
-          <a:effectRef idx="0">
-            <a:scrgbClr r="0" g="0" b="0"/>
-          </a:effectRef>
-          <a:fontRef idx="none"/>
-        </p:style>
-        <p:txBody>
-          <a:bodyPr rot="0" spcFirstLastPara="1" vertOverflow="overflow" horzOverflow="overflow" vert="horz" wrap="square" lIns="45718" tIns="45718" rIns="45718" bIns="45718" numCol="1" spcCol="38100" rtlCol="0" anchor="ctr">
-            <a:spAutoFit/>
-          </a:bodyPr>
-          <a:lstStyle/>
-          <a:p>
-            <a:r>
-              <a:rPr lang="en-US" sz="1600" b="0" dirty="0">
-                <a:solidFill>
-                  <a:srgbClr val="D73A49"/>
-                </a:solidFill>
-                <a:effectLst/>
-                <a:latin typeface="Cascadia Code" panose="020B0609020000020004" pitchFamily="49" charset="0"/>
-              </a:rPr>
-              <a:t>defmodule</a:t>
-            </a:r>
-            <a:r>
-              <a:rPr lang="en-US" sz="1600" b="0" dirty="0">
-                <a:solidFill>
-                  <a:srgbClr val="24292E"/>
-                </a:solidFill>
-                <a:effectLst/>
-                <a:latin typeface="Cascadia Code" panose="020B0609020000020004" pitchFamily="49" charset="0"/>
-              </a:rPr>
-              <a:t> </a:t>
-            </a:r>
-            <a:r>
-              <a:rPr lang="en-US" sz="1600" b="0" dirty="0">
-                <a:solidFill>
-                  <a:srgbClr val="6F42C1"/>
-                </a:solidFill>
-                <a:effectLst/>
-                <a:latin typeface="Cascadia Code" panose="020B0609020000020004" pitchFamily="49" charset="0"/>
-              </a:rPr>
-              <a:t>MyApp.Calculator</a:t>
-            </a:r>
-            <a:r>
-              <a:rPr lang="en-US" sz="1600" b="0" dirty="0">
-                <a:solidFill>
-                  <a:srgbClr val="24292E"/>
-                </a:solidFill>
-                <a:effectLst/>
-                <a:latin typeface="Cascadia Code" panose="020B0609020000020004" pitchFamily="49" charset="0"/>
-              </a:rPr>
-              <a:t> </a:t>
-            </a:r>
-            <a:r>
-              <a:rPr lang="en-US" sz="1600" b="0" dirty="0">
-                <a:solidFill>
-                  <a:srgbClr val="D73A49"/>
-                </a:solidFill>
-                <a:effectLst/>
-                <a:latin typeface="Cascadia Code" panose="020B0609020000020004" pitchFamily="49" charset="0"/>
-              </a:rPr>
-              <a:t>do</a:t>
-            </a:r>
-            <a:endParaRPr lang="en-US" sz="1600" b="0" dirty="0">
-              <a:solidFill>
-                <a:srgbClr val="24292E"/>
-              </a:solidFill>
-              <a:effectLst/>
-              <a:latin typeface="Cascadia Code" panose="020B0609020000020004" pitchFamily="49" charset="0"/>
-            </a:endParaRPr>
-          </a:p>
-          <a:p>
-            <a:r>
-              <a:rPr lang="en-US" sz="1600" b="0" dirty="0">
-                <a:solidFill>
-                  <a:srgbClr val="24292E"/>
-                </a:solidFill>
-                <a:effectLst/>
-                <a:latin typeface="Cascadia Code" panose="020B0609020000020004" pitchFamily="49" charset="0"/>
-              </a:rPr>
-              <a:t>  </a:t>
-            </a:r>
-            <a:r>
-              <a:rPr lang="en-US" sz="1600" b="0" dirty="0">
-                <a:solidFill>
-                  <a:srgbClr val="D73A49"/>
-                </a:solidFill>
-                <a:effectLst/>
-                <a:latin typeface="Cascadia Code" panose="020B0609020000020004" pitchFamily="49" charset="0"/>
-              </a:rPr>
-              <a:t>def</a:t>
-            </a:r>
-            <a:r>
-              <a:rPr lang="en-US" sz="1600" b="0" dirty="0">
-                <a:solidFill>
-                  <a:srgbClr val="24292E"/>
-                </a:solidFill>
-                <a:effectLst/>
-                <a:latin typeface="Cascadia Code" panose="020B0609020000020004" pitchFamily="49" charset="0"/>
-              </a:rPr>
-              <a:t> </a:t>
-            </a:r>
-            <a:r>
-              <a:rPr lang="en-US" sz="1600" b="0" dirty="0">
-                <a:solidFill>
-                  <a:srgbClr val="6F42C1"/>
-                </a:solidFill>
-                <a:effectLst/>
-                <a:latin typeface="Cascadia Code" panose="020B0609020000020004" pitchFamily="49" charset="0"/>
-              </a:rPr>
-              <a:t>add</a:t>
-            </a:r>
-            <a:r>
-              <a:rPr lang="en-US" sz="1600" b="0" dirty="0">
-                <a:solidFill>
-                  <a:srgbClr val="24292E"/>
-                </a:solidFill>
-                <a:effectLst/>
-                <a:latin typeface="Cascadia Code" panose="020B0609020000020004" pitchFamily="49" charset="0"/>
-              </a:rPr>
-              <a:t>(a, b), </a:t>
-            </a:r>
-            <a:r>
-              <a:rPr lang="en-US" sz="1600" b="0" dirty="0">
-                <a:solidFill>
-                  <a:srgbClr val="005CC5"/>
-                </a:solidFill>
-                <a:effectLst/>
-                <a:latin typeface="Cascadia Code" panose="020B0609020000020004" pitchFamily="49" charset="0"/>
-              </a:rPr>
-              <a:t>do:</a:t>
-            </a:r>
-            <a:r>
-              <a:rPr lang="en-US" sz="1600" b="0" dirty="0">
-                <a:solidFill>
-                  <a:srgbClr val="24292E"/>
-                </a:solidFill>
-                <a:effectLst/>
-                <a:latin typeface="Cascadia Code" panose="020B0609020000020004" pitchFamily="49" charset="0"/>
-              </a:rPr>
-              <a:t> a </a:t>
-            </a:r>
-            <a:r>
-              <a:rPr lang="en-US" sz="1600" b="0" dirty="0">
-                <a:solidFill>
-                  <a:srgbClr val="D73A49"/>
-                </a:solidFill>
-                <a:effectLst/>
-                <a:latin typeface="Cascadia Code" panose="020B0609020000020004" pitchFamily="49" charset="0"/>
-              </a:rPr>
-              <a:t>+</a:t>
-            </a:r>
-            <a:r>
-              <a:rPr lang="en-US" sz="1600" b="0" dirty="0">
-                <a:solidFill>
-                  <a:srgbClr val="24292E"/>
-                </a:solidFill>
-                <a:effectLst/>
-                <a:latin typeface="Cascadia Code" panose="020B0609020000020004" pitchFamily="49" charset="0"/>
-              </a:rPr>
-              <a:t> b</a:t>
-            </a:r>
-          </a:p>
-          <a:p>
-            <a:r>
-              <a:rPr lang="en-US" sz="1600" b="0" dirty="0">
-                <a:solidFill>
-                  <a:srgbClr val="6A737D"/>
-                </a:solidFill>
-                <a:effectLst/>
-                <a:latin typeface="Cascadia Code" panose="020B0609020000020004" pitchFamily="49" charset="0"/>
-              </a:rPr>
-              <a:t> ...</a:t>
-            </a:r>
-          </a:p>
-          <a:p>
-            <a:endParaRPr lang="en-US" sz="1600" b="0" dirty="0">
-              <a:solidFill>
-                <a:srgbClr val="24292E"/>
-              </a:solidFill>
-              <a:effectLst/>
-              <a:latin typeface="Cascadia Code" panose="020B0609020000020004" pitchFamily="49" charset="0"/>
-            </a:endParaRPr>
-          </a:p>
-          <a:p>
-            <a:r>
-              <a:rPr lang="en-US" sz="1600" b="0" dirty="0">
-                <a:solidFill>
-                  <a:srgbClr val="D73A49"/>
-                </a:solidFill>
-                <a:effectLst/>
-                <a:latin typeface="Cascadia Code" panose="020B0609020000020004" pitchFamily="49" charset="0"/>
-              </a:rPr>
-              <a:t>defmodule</a:t>
-            </a:r>
-            <a:r>
-              <a:rPr lang="en-US" sz="1600" b="0" dirty="0">
-                <a:solidFill>
-                  <a:srgbClr val="24292E"/>
-                </a:solidFill>
-                <a:effectLst/>
-                <a:latin typeface="Cascadia Code" panose="020B0609020000020004" pitchFamily="49" charset="0"/>
-              </a:rPr>
-              <a:t> </a:t>
-            </a:r>
-            <a:r>
-              <a:rPr lang="en-US" sz="1600" b="0" dirty="0">
-                <a:solidFill>
-                  <a:srgbClr val="6F42C1"/>
-                </a:solidFill>
-                <a:effectLst/>
-                <a:latin typeface="Cascadia Code" panose="020B0609020000020004" pitchFamily="49" charset="0"/>
-              </a:rPr>
-              <a:t>MyApp.Main</a:t>
-            </a:r>
-            <a:r>
-              <a:rPr lang="en-US" sz="1600" b="0" dirty="0">
-                <a:solidFill>
-                  <a:srgbClr val="24292E"/>
-                </a:solidFill>
-                <a:effectLst/>
-                <a:latin typeface="Cascadia Code" panose="020B0609020000020004" pitchFamily="49" charset="0"/>
-              </a:rPr>
-              <a:t> </a:t>
-            </a:r>
-            <a:r>
-              <a:rPr lang="en-US" sz="1600" b="0" dirty="0">
-                <a:solidFill>
-                  <a:srgbClr val="D73A49"/>
-                </a:solidFill>
-                <a:effectLst/>
-                <a:latin typeface="Cascadia Code" panose="020B0609020000020004" pitchFamily="49" charset="0"/>
-              </a:rPr>
-              <a:t>do</a:t>
-            </a:r>
-            <a:endParaRPr lang="en-US" sz="1600" b="0" dirty="0">
-              <a:solidFill>
-                <a:srgbClr val="24292E"/>
-              </a:solidFill>
-              <a:effectLst/>
-              <a:latin typeface="Cascadia Code" panose="020B0609020000020004" pitchFamily="49" charset="0"/>
-            </a:endParaRPr>
-          </a:p>
-          <a:p>
-            <a:r>
-              <a:rPr lang="en-US" sz="1600" b="0" dirty="0">
-                <a:solidFill>
-                  <a:srgbClr val="24292E"/>
-                </a:solidFill>
-                <a:effectLst/>
-                <a:latin typeface="Cascadia Code" panose="020B0609020000020004" pitchFamily="49" charset="0"/>
-              </a:rPr>
-              <a:t>  </a:t>
-            </a:r>
-            <a:r>
-              <a:rPr lang="en-US" sz="1600" b="0" dirty="0">
-                <a:solidFill>
-                  <a:srgbClr val="D73A49"/>
-                </a:solidFill>
-                <a:effectLst/>
-                <a:latin typeface="Cascadia Code" panose="020B0609020000020004" pitchFamily="49" charset="0"/>
-              </a:rPr>
-              <a:t>alias</a:t>
-            </a:r>
-            <a:r>
-              <a:rPr lang="en-US" sz="1600" b="0" dirty="0">
-                <a:solidFill>
-                  <a:srgbClr val="24292E"/>
-                </a:solidFill>
-                <a:effectLst/>
-                <a:latin typeface="Cascadia Code" panose="020B0609020000020004" pitchFamily="49" charset="0"/>
-              </a:rPr>
-              <a:t> </a:t>
-            </a:r>
-            <a:r>
-              <a:rPr lang="en-US" sz="1600" b="0" dirty="0">
-                <a:solidFill>
-                  <a:srgbClr val="6F42C1"/>
-                </a:solidFill>
-                <a:effectLst/>
-                <a:latin typeface="Cascadia Code" panose="020B0609020000020004" pitchFamily="49" charset="0"/>
-              </a:rPr>
-              <a:t>MyApp</a:t>
-            </a:r>
-            <a:r>
-              <a:rPr lang="en-US" sz="1600" b="0" dirty="0">
-                <a:solidFill>
-                  <a:srgbClr val="24292E"/>
-                </a:solidFill>
-                <a:effectLst/>
-                <a:latin typeface="Cascadia Code" panose="020B0609020000020004" pitchFamily="49" charset="0"/>
-              </a:rPr>
-              <a:t>.</a:t>
-            </a:r>
-            <a:r>
-              <a:rPr lang="en-US" sz="1600" b="0" dirty="0">
-                <a:solidFill>
-                  <a:srgbClr val="6F42C1"/>
-                </a:solidFill>
-                <a:effectLst/>
-                <a:latin typeface="Cascadia Code" panose="020B0609020000020004" pitchFamily="49" charset="0"/>
-              </a:rPr>
-              <a:t>Calculator</a:t>
-            </a:r>
-          </a:p>
-          <a:p>
-            <a:br>
-              <a:rPr lang="en-US" sz="1600" b="0" dirty="0">
-                <a:solidFill>
-                  <a:srgbClr val="24292E"/>
-                </a:solidFill>
-                <a:effectLst/>
-                <a:latin typeface="Cascadia Code" panose="020B0609020000020004" pitchFamily="49" charset="0"/>
-              </a:rPr>
-            </a:br>
-            <a:r>
-              <a:rPr lang="en-US" sz="1600" b="0" dirty="0">
-                <a:solidFill>
-                  <a:srgbClr val="24292E"/>
-                </a:solidFill>
-                <a:effectLst/>
-                <a:latin typeface="Cascadia Code" panose="020B0609020000020004" pitchFamily="49" charset="0"/>
-              </a:rPr>
-              <a:t>  </a:t>
-            </a:r>
-            <a:r>
-              <a:rPr lang="en-US" sz="1600" b="0" dirty="0">
-                <a:solidFill>
-                  <a:srgbClr val="D73A49"/>
-                </a:solidFill>
-                <a:effectLst/>
-                <a:latin typeface="Cascadia Code" panose="020B0609020000020004" pitchFamily="49" charset="0"/>
-              </a:rPr>
-              <a:t>def</a:t>
-            </a:r>
-            <a:r>
-              <a:rPr lang="en-US" sz="1600" b="0" dirty="0">
-                <a:solidFill>
-                  <a:srgbClr val="24292E"/>
-                </a:solidFill>
-                <a:effectLst/>
-                <a:latin typeface="Cascadia Code" panose="020B0609020000020004" pitchFamily="49" charset="0"/>
-              </a:rPr>
-              <a:t> </a:t>
-            </a:r>
-            <a:r>
-              <a:rPr lang="en-US" sz="1600" b="0" dirty="0">
-                <a:solidFill>
-                  <a:srgbClr val="6F42C1"/>
-                </a:solidFill>
-                <a:effectLst/>
-                <a:latin typeface="Cascadia Code" panose="020B0609020000020004" pitchFamily="49" charset="0"/>
-              </a:rPr>
-              <a:t>run</a:t>
-            </a:r>
-            <a:r>
-              <a:rPr lang="en-US" sz="1600" b="0" dirty="0">
-                <a:solidFill>
-                  <a:srgbClr val="24292E"/>
-                </a:solidFill>
-                <a:effectLst/>
-                <a:latin typeface="Cascadia Code" panose="020B0609020000020004" pitchFamily="49" charset="0"/>
-              </a:rPr>
-              <a:t>() </a:t>
-            </a:r>
-            <a:r>
-              <a:rPr lang="en-US" sz="1600" b="0" dirty="0">
-                <a:solidFill>
-                  <a:srgbClr val="D73A49"/>
-                </a:solidFill>
-                <a:effectLst/>
-                <a:latin typeface="Cascadia Code" panose="020B0609020000020004" pitchFamily="49" charset="0"/>
-              </a:rPr>
-              <a:t>do</a:t>
-            </a:r>
-            <a:endParaRPr lang="en-US" sz="1600" b="0" dirty="0">
-              <a:solidFill>
-                <a:srgbClr val="24292E"/>
-              </a:solidFill>
-              <a:effectLst/>
-              <a:latin typeface="Cascadia Code" panose="020B0609020000020004" pitchFamily="49" charset="0"/>
-            </a:endParaRPr>
-          </a:p>
-          <a:p>
-            <a:r>
-              <a:rPr lang="en-US" sz="1600" b="0" dirty="0">
-                <a:solidFill>
-                  <a:srgbClr val="24292E"/>
-                </a:solidFill>
-                <a:effectLst/>
-                <a:latin typeface="Cascadia Code" panose="020B0609020000020004" pitchFamily="49" charset="0"/>
-              </a:rPr>
-              <a:t>    </a:t>
-            </a:r>
-            <a:r>
-              <a:rPr lang="en-US" sz="1600" b="0" dirty="0">
-                <a:solidFill>
-                  <a:srgbClr val="6F42C1"/>
-                </a:solidFill>
-                <a:effectLst/>
-                <a:latin typeface="Cascadia Code" panose="020B0609020000020004" pitchFamily="49" charset="0"/>
-              </a:rPr>
-              <a:t>Calculator</a:t>
-            </a:r>
-            <a:r>
-              <a:rPr lang="en-US" sz="1600" b="0" dirty="0">
-                <a:solidFill>
-                  <a:srgbClr val="24292E"/>
-                </a:solidFill>
-                <a:effectLst/>
-                <a:latin typeface="Cascadia Code" panose="020B0609020000020004" pitchFamily="49" charset="0"/>
-              </a:rPr>
-              <a:t>.</a:t>
-            </a:r>
-            <a:r>
-              <a:rPr lang="en-US" sz="1600" b="0" dirty="0">
-                <a:solidFill>
-                  <a:srgbClr val="6F42C1"/>
-                </a:solidFill>
-                <a:effectLst/>
-                <a:latin typeface="Cascadia Code" panose="020B0609020000020004" pitchFamily="49" charset="0"/>
-              </a:rPr>
-              <a:t>add</a:t>
-            </a:r>
-            <a:r>
-              <a:rPr lang="en-US" sz="1600" b="0" dirty="0">
-                <a:solidFill>
-                  <a:srgbClr val="24292E"/>
-                </a:solidFill>
-                <a:effectLst/>
-                <a:latin typeface="Cascadia Code" panose="020B0609020000020004" pitchFamily="49" charset="0"/>
-              </a:rPr>
-              <a:t>(</a:t>
-            </a:r>
-            <a:r>
-              <a:rPr lang="en-US" sz="1600" b="0" dirty="0">
-                <a:solidFill>
-                  <a:srgbClr val="005CC5"/>
-                </a:solidFill>
-                <a:effectLst/>
-                <a:latin typeface="Cascadia Code" panose="020B0609020000020004" pitchFamily="49" charset="0"/>
-              </a:rPr>
-              <a:t>1</a:t>
-            </a:r>
-            <a:r>
-              <a:rPr lang="en-US" sz="1600" b="0" dirty="0">
-                <a:solidFill>
-                  <a:srgbClr val="24292E"/>
-                </a:solidFill>
-                <a:effectLst/>
-                <a:latin typeface="Cascadia Code" panose="020B0609020000020004" pitchFamily="49" charset="0"/>
-              </a:rPr>
-              <a:t>, </a:t>
-            </a:r>
-            <a:r>
-              <a:rPr lang="en-US" sz="1600" b="0" dirty="0">
-                <a:solidFill>
-                  <a:srgbClr val="005CC5"/>
-                </a:solidFill>
-                <a:effectLst/>
-                <a:latin typeface="Cascadia Code" panose="020B0609020000020004" pitchFamily="49" charset="0"/>
-              </a:rPr>
-              <a:t>2</a:t>
-            </a:r>
-            <a:r>
-              <a:rPr lang="en-US" sz="1600" b="0" dirty="0">
-                <a:solidFill>
-                  <a:srgbClr val="24292E"/>
-                </a:solidFill>
-                <a:effectLst/>
-                <a:latin typeface="Cascadia Code" panose="020B0609020000020004" pitchFamily="49" charset="0"/>
-              </a:rPr>
-              <a:t>) </a:t>
-            </a:r>
-          </a:p>
-          <a:p>
-            <a:r>
-              <a:rPr lang="en-US" sz="1600" dirty="0">
-                <a:solidFill>
-                  <a:srgbClr val="24292E"/>
-                </a:solidFill>
-                <a:latin typeface="Cascadia Code" panose="020B0609020000020004" pitchFamily="49" charset="0"/>
-              </a:rPr>
-              <a:t>    </a:t>
-            </a:r>
-            <a:r>
-              <a:rPr lang="en-US" sz="1600" b="0" dirty="0">
-                <a:solidFill>
-                  <a:srgbClr val="D73A49"/>
-                </a:solidFill>
-                <a:effectLst/>
-                <a:latin typeface="Cascadia Code" panose="020B0609020000020004" pitchFamily="49" charset="0"/>
-              </a:rPr>
-              <a:t>|&gt;</a:t>
-            </a:r>
-            <a:r>
-              <a:rPr lang="en-US" sz="1600" b="0" dirty="0">
-                <a:solidFill>
-                  <a:srgbClr val="24292E"/>
-                </a:solidFill>
-                <a:effectLst/>
-                <a:latin typeface="Cascadia Code" panose="020B0609020000020004" pitchFamily="49" charset="0"/>
-              </a:rPr>
-              <a:t> </a:t>
-            </a:r>
-            <a:r>
-              <a:rPr lang="en-US" sz="1600" b="0" dirty="0">
-                <a:solidFill>
-                  <a:srgbClr val="6F42C1"/>
-                </a:solidFill>
-                <a:effectLst/>
-                <a:latin typeface="Cascadia Code" panose="020B0609020000020004" pitchFamily="49" charset="0"/>
-              </a:rPr>
-              <a:t>IO</a:t>
-            </a:r>
-            <a:r>
-              <a:rPr lang="en-US" sz="1600" b="0" dirty="0">
-                <a:solidFill>
-                  <a:srgbClr val="24292E"/>
-                </a:solidFill>
-                <a:effectLst/>
-                <a:latin typeface="Cascadia Code" panose="020B0609020000020004" pitchFamily="49" charset="0"/>
-              </a:rPr>
-              <a:t>.</a:t>
-            </a:r>
-            <a:r>
-              <a:rPr lang="en-US" sz="1600" b="0" dirty="0">
-                <a:solidFill>
-                  <a:srgbClr val="6F42C1"/>
-                </a:solidFill>
-                <a:effectLst/>
-                <a:latin typeface="Cascadia Code" panose="020B0609020000020004" pitchFamily="49" charset="0"/>
-              </a:rPr>
-              <a:t>inspect</a:t>
-            </a:r>
-            <a:r>
-              <a:rPr lang="en-US" sz="1600" b="0" dirty="0">
-                <a:solidFill>
-                  <a:srgbClr val="24292E"/>
-                </a:solidFill>
-                <a:effectLst/>
-                <a:latin typeface="Cascadia Code" panose="020B0609020000020004" pitchFamily="49" charset="0"/>
-              </a:rPr>
-              <a:t>()</a:t>
-            </a:r>
-          </a:p>
-          <a:p>
-            <a:endParaRPr lang="en-US" sz="1800" b="0" dirty="0">
-              <a:solidFill>
-                <a:srgbClr val="24292E"/>
-              </a:solidFill>
-              <a:effectLst/>
-              <a:highlight>
-                <a:srgbClr val="F9F9F9"/>
-              </a:highlight>
-              <a:latin typeface="Cascadia Code" panose="020B0609020000020004" pitchFamily="49" charset="0"/>
-            </a:endParaRPr>
-          </a:p>
-        </p:txBody>
-      </p:sp>
-    </p:spTree>
-    <p:extLst>
-      <p:ext uri="{BB962C8B-B14F-4D97-AF65-F5344CB8AC3E}">
-        <p14:creationId xmlns:p14="http://schemas.microsoft.com/office/powerpoint/2010/main" val="518380121"/>
-      </p:ext>
-    </p:extLst>
-  </p:cSld>
-  <p:clrMapOvr>
-    <a:masterClrMapping/>
-  </p:clrMapOvr>
-  <p:transition spd="med"/>
-</p:sld>
-</file>
-
-<file path=ppt/slides/slide5.xml><?xml version="1.0" encoding="utf-8"?>
 <p:sld xmlns:a="http://schemas.openxmlformats.org/drawingml/2006/main" xmlns:r="http://schemas.openxmlformats.org/officeDocument/2006/relationships" xmlns:p="http://schemas.openxmlformats.org/presentationml/2006/main">
   <p:cSld>
     <p:spTree>
@@ -11956,7 +12369,91 @@
 </p:sld>
 </file>
 
-<file path=ppt/slides/slide6.xml><?xml version="1.0" encoding="utf-8"?>
+<file path=ppt/slides/slide30.xml><?xml version="1.0" encoding="utf-8"?>
+<p:sld xmlns:a="http://schemas.openxmlformats.org/drawingml/2006/main" xmlns:r="http://schemas.openxmlformats.org/officeDocument/2006/relationships" xmlns:p="http://schemas.openxmlformats.org/presentationml/2006/main">
+  <p:cSld>
+    <p:spTree>
+      <p:nvGrpSpPr>
+        <p:cNvPr id="1" name=""/>
+        <p:cNvGrpSpPr/>
+        <p:nvPr/>
+      </p:nvGrpSpPr>
+      <p:grpSpPr>
+        <a:xfrm>
+          <a:off x="0" y="0"/>
+          <a:ext cx="0" cy="0"/>
+          <a:chOff x="0" y="0"/>
+          <a:chExt cx="0" cy="0"/>
+        </a:xfrm>
+      </p:grpSpPr>
+      <p:sp>
+        <p:nvSpPr>
+          <p:cNvPr id="2" name="Title 1">
+            <a:extLst>
+              <a:ext uri="{FF2B5EF4-FFF2-40B4-BE49-F238E27FC236}">
+                <a16:creationId xmlns:a16="http://schemas.microsoft.com/office/drawing/2014/main" id="{79EE08F3-5D90-4DF6-96DA-31714BCF32BF}"/>
+              </a:ext>
+            </a:extLst>
+          </p:cNvPr>
+          <p:cNvSpPr>
+            <a:spLocks noGrp="1"/>
+          </p:cNvSpPr>
+          <p:nvPr>
+            <p:ph type="title"/>
+          </p:nvPr>
+        </p:nvSpPr>
+        <p:spPr/>
+        <p:txBody>
+          <a:bodyPr/>
+          <a:lstStyle/>
+          <a:p>
+            <a:r>
+              <a:rPr lang="en-US" dirty="0"/>
+              <a:t>Thank you</a:t>
+            </a:r>
+          </a:p>
+        </p:txBody>
+      </p:sp>
+      <p:sp>
+        <p:nvSpPr>
+          <p:cNvPr id="3" name="Text Placeholder 2">
+            <a:extLst>
+              <a:ext uri="{FF2B5EF4-FFF2-40B4-BE49-F238E27FC236}">
+                <a16:creationId xmlns:a16="http://schemas.microsoft.com/office/drawing/2014/main" id="{1D1EDDDB-BF45-4C61-823B-9FB45ED6F51F}"/>
+              </a:ext>
+            </a:extLst>
+          </p:cNvPr>
+          <p:cNvSpPr>
+            <a:spLocks noGrp="1"/>
+          </p:cNvSpPr>
+          <p:nvPr>
+            <p:ph type="body" sz="half" idx="1"/>
+          </p:nvPr>
+        </p:nvSpPr>
+        <p:spPr/>
+        <p:txBody>
+          <a:bodyPr/>
+          <a:lstStyle/>
+          <a:p>
+            <a:endParaRPr lang="en-US"/>
+          </a:p>
+        </p:txBody>
+      </p:sp>
+    </p:spTree>
+    <p:extLst>
+      <p:ext uri="{BB962C8B-B14F-4D97-AF65-F5344CB8AC3E}">
+        <p14:creationId xmlns:p14="http://schemas.microsoft.com/office/powerpoint/2010/main" val="2384320704"/>
+      </p:ext>
+    </p:extLst>
+  </p:cSld>
+  <p:clrMapOvr>
+    <a:masterClrMapping/>
+  </p:clrMapOvr>
+  <p:transition spd="med"/>
+</p:sld>
+</file>
+
+<file path=ppt/slides/slide4.xml><?xml version="1.0" encoding="utf-8"?>
 <p:sld xmlns:a="http://schemas.openxmlformats.org/drawingml/2006/main" xmlns:r="http://schemas.openxmlformats.org/officeDocument/2006/relationships" xmlns:p="http://schemas.openxmlformats.org/presentationml/2006/main">
   <p:cSld>
     <p:spTree>
@@ -12034,6 +12531,15 @@
           <a:p>
             <a:r>
               <a:rPr lang="en-US" dirty="0"/>
+              <a:t>Used for metaprogramming/DSL</a:t>
+            </a:r>
+          </a:p>
+          <a:p>
+            <a:endParaRPr lang="en-US" dirty="0"/>
+          </a:p>
+          <a:p>
+            <a:r>
+              <a:rPr lang="en-US" dirty="0"/>
               <a:t>The keyword </a:t>
             </a:r>
             <a:r>
@@ -12084,7 +12590,7 @@
 </p:sld>
 </file>
 
-<file path=ppt/slides/slide7.xml><?xml version="1.0" encoding="utf-8"?>
+<file path=ppt/slides/slide5.xml><?xml version="1.0" encoding="utf-8"?>
 <p:sld xmlns:a="http://schemas.openxmlformats.org/drawingml/2006/main" xmlns:r="http://schemas.openxmlformats.org/officeDocument/2006/relationships" xmlns:p="http://schemas.openxmlformats.org/presentationml/2006/main">
   <p:cSld>
     <p:spTree>
@@ -13333,7 +13839,7 @@
 </p:sld>
 </file>
 
-<file path=ppt/slides/slide8.xml><?xml version="1.0" encoding="utf-8"?>
+<file path=ppt/slides/slide6.xml><?xml version="1.0" encoding="utf-8"?>
 <p:sld xmlns:a="http://schemas.openxmlformats.org/drawingml/2006/main" xmlns:r="http://schemas.openxmlformats.org/officeDocument/2006/relationships" xmlns:p="http://schemas.openxmlformats.org/presentationml/2006/main">
   <p:cSld>
     <p:spTree>
@@ -13445,7 +13951,7 @@
 </p:sld>
 </file>
 
-<file path=ppt/slides/slide9.xml><?xml version="1.0" encoding="utf-8"?>
+<file path=ppt/slides/slide7.xml><?xml version="1.0" encoding="utf-8"?>
 <p:sld xmlns:a="http://schemas.openxmlformats.org/drawingml/2006/main" xmlns:r="http://schemas.openxmlformats.org/officeDocument/2006/relationships" xmlns:p="http://schemas.openxmlformats.org/presentationml/2006/main">
   <p:cSld>
     <p:spTree>
@@ -14208,6 +14714,319 @@
     <p:extLst>
       <p:ext uri="{BB962C8B-B14F-4D97-AF65-F5344CB8AC3E}">
         <p14:creationId xmlns:p14="http://schemas.microsoft.com/office/powerpoint/2010/main" val="3377960118"/>
+      </p:ext>
+    </p:extLst>
+  </p:cSld>
+  <p:clrMapOvr>
+    <a:masterClrMapping/>
+  </p:clrMapOvr>
+  <p:transition spd="med"/>
+</p:sld>
+</file>
+
+<file path=ppt/slides/slide8.xml><?xml version="1.0" encoding="utf-8"?>
+<p:sld xmlns:a="http://schemas.openxmlformats.org/drawingml/2006/main" xmlns:r="http://schemas.openxmlformats.org/officeDocument/2006/relationships" xmlns:p="http://schemas.openxmlformats.org/presentationml/2006/main">
+  <p:cSld>
+    <p:spTree>
+      <p:nvGrpSpPr>
+        <p:cNvPr id="1" name=""/>
+        <p:cNvGrpSpPr/>
+        <p:nvPr/>
+      </p:nvGrpSpPr>
+      <p:grpSpPr>
+        <a:xfrm>
+          <a:off x="0" y="0"/>
+          <a:ext cx="0" cy="0"/>
+          <a:chOff x="0" y="0"/>
+          <a:chExt cx="0" cy="0"/>
+        </a:xfrm>
+      </p:grpSpPr>
+      <p:sp>
+        <p:nvSpPr>
+          <p:cNvPr id="4" name="Title 3">
+            <a:extLst>
+              <a:ext uri="{FF2B5EF4-FFF2-40B4-BE49-F238E27FC236}">
+                <a16:creationId xmlns:a16="http://schemas.microsoft.com/office/drawing/2014/main" id="{0B5E89EB-6726-48BB-A178-4BC22FD7EFD1}"/>
+              </a:ext>
+            </a:extLst>
+          </p:cNvPr>
+          <p:cNvSpPr>
+            <a:spLocks noGrp="1"/>
+          </p:cNvSpPr>
+          <p:nvPr>
+            <p:ph type="title"/>
+          </p:nvPr>
+        </p:nvSpPr>
+        <p:spPr>
+          <a:xfrm>
+            <a:off x="885440" y="1597396"/>
+            <a:ext cx="4939048" cy="1076082"/>
+          </a:xfrm>
+        </p:spPr>
+        <p:txBody>
+          <a:bodyPr/>
+          <a:lstStyle/>
+          <a:p>
+            <a:r>
+              <a:rPr lang="en-US" dirty="0"/>
+              <a:t>Demo</a:t>
+            </a:r>
+          </a:p>
+        </p:txBody>
+      </p:sp>
+      <p:sp>
+        <p:nvSpPr>
+          <p:cNvPr id="5" name="Text Placeholder 4">
+            <a:extLst>
+              <a:ext uri="{FF2B5EF4-FFF2-40B4-BE49-F238E27FC236}">
+                <a16:creationId xmlns:a16="http://schemas.microsoft.com/office/drawing/2014/main" id="{D92FCB95-0201-4B34-8F73-1B60BBEDA319}"/>
+              </a:ext>
+            </a:extLst>
+          </p:cNvPr>
+          <p:cNvSpPr>
+            <a:spLocks noGrp="1"/>
+          </p:cNvSpPr>
+          <p:nvPr>
+            <p:ph type="body" sz="quarter" idx="1"/>
+          </p:nvPr>
+        </p:nvSpPr>
+        <p:spPr>
+          <a:xfrm>
+            <a:off x="885440" y="2805606"/>
+            <a:ext cx="5031977" cy="1246787"/>
+          </a:xfrm>
+        </p:spPr>
+        <p:txBody>
+          <a:bodyPr/>
+          <a:lstStyle/>
+          <a:p>
+            <a:endParaRPr lang="en-US" dirty="0"/>
+          </a:p>
+        </p:txBody>
+      </p:sp>
+      <p:pic>
+        <p:nvPicPr>
+          <p:cNvPr id="2050" name="Picture 2">
+            <a:extLst>
+              <a:ext uri="{FF2B5EF4-FFF2-40B4-BE49-F238E27FC236}">
+                <a16:creationId xmlns:a16="http://schemas.microsoft.com/office/drawing/2014/main" id="{00A4FE67-659A-44B9-A2F9-A88C6BE1E64C}"/>
+              </a:ext>
+            </a:extLst>
+          </p:cNvPr>
+          <p:cNvPicPr>
+            <a:picLocks noChangeAspect="1" noChangeArrowheads="1"/>
+          </p:cNvPicPr>
+          <p:nvPr/>
+        </p:nvPicPr>
+        <p:blipFill>
+          <a:blip r:embed="rId3">
+            <a:extLst>
+              <a:ext uri="{28A0092B-C50C-407E-A947-70E740481C1C}">
+                <a14:useLocalDpi xmlns:a14="http://schemas.microsoft.com/office/drawing/2010/main" val="0"/>
+              </a:ext>
+            </a:extLst>
+          </a:blip>
+          <a:srcRect/>
+          <a:stretch>
+            <a:fillRect/>
+          </a:stretch>
+        </p:blipFill>
+        <p:spPr bwMode="auto">
+          <a:xfrm>
+            <a:off x="5160320" y="1387603"/>
+            <a:ext cx="2571750" cy="2571750"/>
+          </a:xfrm>
+          <a:prstGeom prst="rect">
+            <a:avLst/>
+          </a:prstGeom>
+          <a:noFill/>
+          <a:extLst>
+            <a:ext uri="{909E8E84-426E-40DD-AFC4-6F175D3DCCD1}">
+              <a14:hiddenFill xmlns:a14="http://schemas.microsoft.com/office/drawing/2010/main">
+                <a:solidFill>
+                  <a:srgbClr val="FFFFFF"/>
+                </a:solidFill>
+              </a14:hiddenFill>
+            </a:ext>
+          </a:extLst>
+        </p:spPr>
+      </p:pic>
+    </p:spTree>
+    <p:extLst>
+      <p:ext uri="{BB962C8B-B14F-4D97-AF65-F5344CB8AC3E}">
+        <p14:creationId xmlns:p14="http://schemas.microsoft.com/office/powerpoint/2010/main" val="2205140548"/>
+      </p:ext>
+    </p:extLst>
+  </p:cSld>
+  <p:clrMapOvr>
+    <a:masterClrMapping/>
+  </p:clrMapOvr>
+  <p:transition spd="med"/>
+</p:sld>
+</file>
+
+<file path=ppt/slides/slide9.xml><?xml version="1.0" encoding="utf-8"?>
+<p:sld xmlns:a="http://schemas.openxmlformats.org/drawingml/2006/main" xmlns:r="http://schemas.openxmlformats.org/officeDocument/2006/relationships" xmlns:p="http://schemas.openxmlformats.org/presentationml/2006/main">
+  <p:cSld>
+    <p:spTree>
+      <p:nvGrpSpPr>
+        <p:cNvPr id="1" name=""/>
+        <p:cNvGrpSpPr/>
+        <p:nvPr/>
+      </p:nvGrpSpPr>
+      <p:grpSpPr>
+        <a:xfrm>
+          <a:off x="0" y="0"/>
+          <a:ext cx="0" cy="0"/>
+          <a:chOff x="0" y="0"/>
+          <a:chExt cx="0" cy="0"/>
+        </a:xfrm>
+      </p:grpSpPr>
+      <p:sp>
+        <p:nvSpPr>
+          <p:cNvPr id="2" name="Title 1">
+            <a:extLst>
+              <a:ext uri="{FF2B5EF4-FFF2-40B4-BE49-F238E27FC236}">
+                <a16:creationId xmlns:a16="http://schemas.microsoft.com/office/drawing/2014/main" id="{FAB65D91-39C6-04BE-94A4-B99CE06A3994}"/>
+              </a:ext>
+            </a:extLst>
+          </p:cNvPr>
+          <p:cNvSpPr>
+            <a:spLocks noGrp="1"/>
+          </p:cNvSpPr>
+          <p:nvPr>
+            <p:ph type="title"/>
+          </p:nvPr>
+        </p:nvSpPr>
+        <p:spPr/>
+        <p:txBody>
+          <a:bodyPr/>
+          <a:lstStyle/>
+          <a:p>
+            <a:r>
+              <a:rPr lang="en-US" dirty="0"/>
+              <a:t>A brief history of multitasking</a:t>
+            </a:r>
+            <a:endParaRPr lang="bg-BG" dirty="0"/>
+          </a:p>
+        </p:txBody>
+      </p:sp>
+      <p:sp>
+        <p:nvSpPr>
+          <p:cNvPr id="3" name="Text Placeholder 2">
+            <a:extLst>
+              <a:ext uri="{FF2B5EF4-FFF2-40B4-BE49-F238E27FC236}">
+                <a16:creationId xmlns:a16="http://schemas.microsoft.com/office/drawing/2014/main" id="{AB7CA19C-E23A-3BE4-5DE3-F7A93260B7C2}"/>
+              </a:ext>
+            </a:extLst>
+          </p:cNvPr>
+          <p:cNvSpPr>
+            <a:spLocks noGrp="1"/>
+          </p:cNvSpPr>
+          <p:nvPr>
+            <p:ph type="body" idx="1"/>
+          </p:nvPr>
+        </p:nvSpPr>
+        <p:spPr>
+          <a:xfrm>
+            <a:off x="646176" y="1181894"/>
+            <a:ext cx="6083808" cy="4351339"/>
+          </a:xfrm>
+        </p:spPr>
+        <p:txBody>
+          <a:bodyPr/>
+          <a:lstStyle/>
+          <a:p>
+            <a:r>
+              <a:rPr lang="en-US" dirty="0"/>
+              <a:t>The first operating systems were single-tasked</a:t>
+            </a:r>
+          </a:p>
+          <a:p>
+            <a:pPr lvl="1"/>
+            <a:r>
+              <a:rPr lang="en-US" dirty="0"/>
+              <a:t>You can execute one operation at a time</a:t>
+            </a:r>
+          </a:p>
+          <a:p>
+            <a:pPr lvl="1"/>
+            <a:r>
+              <a:rPr lang="en-US" dirty="0"/>
+              <a:t>The user experience was bad</a:t>
+            </a:r>
+          </a:p>
+          <a:p>
+            <a:pPr lvl="1"/>
+            <a:r>
+              <a:rPr lang="en-US" dirty="0"/>
+              <a:t>The resources were not utilized properly</a:t>
+            </a:r>
+          </a:p>
+          <a:p>
+            <a:pPr lvl="1"/>
+            <a:endParaRPr lang="en-US" dirty="0"/>
+          </a:p>
+          <a:p>
+            <a:r>
+              <a:rPr lang="en-US" dirty="0"/>
+              <a:t>To solve this, multi-tasking OS were created</a:t>
+            </a:r>
+            <a:endParaRPr lang="bg-BG" dirty="0"/>
+          </a:p>
+        </p:txBody>
+      </p:sp>
+      <p:pic>
+        <p:nvPicPr>
+          <p:cNvPr id="1026" name="Picture 2" descr="Lightbox">
+            <a:extLst>
+              <a:ext uri="{FF2B5EF4-FFF2-40B4-BE49-F238E27FC236}">
+                <a16:creationId xmlns:a16="http://schemas.microsoft.com/office/drawing/2014/main" id="{99347A07-10F4-92A3-CA18-309D836EBC74}"/>
+              </a:ext>
+            </a:extLst>
+          </p:cNvPr>
+          <p:cNvPicPr>
+            <a:picLocks noChangeAspect="1" noChangeArrowheads="1"/>
+          </p:cNvPicPr>
+          <p:nvPr/>
+        </p:nvPicPr>
+        <p:blipFill>
+          <a:blip r:embed="rId2">
+            <a:extLst>
+              <a:ext uri="{28A0092B-C50C-407E-A947-70E740481C1C}">
+                <a14:useLocalDpi xmlns:a14="http://schemas.microsoft.com/office/drawing/2010/main" val="0"/>
+              </a:ext>
+            </a:extLst>
+          </a:blip>
+          <a:srcRect/>
+          <a:stretch>
+            <a:fillRect/>
+          </a:stretch>
+        </p:blipFill>
+        <p:spPr bwMode="auto">
+          <a:xfrm>
+            <a:off x="7882890" y="1181894"/>
+            <a:ext cx="3470910" cy="3470910"/>
+          </a:xfrm>
+          <a:prstGeom prst="rect">
+            <a:avLst/>
+          </a:prstGeom>
+          <a:noFill/>
+          <a:extLst>
+            <a:ext uri="{909E8E84-426E-40DD-AFC4-6F175D3DCCD1}">
+              <a14:hiddenFill xmlns:a14="http://schemas.microsoft.com/office/drawing/2010/main">
+                <a:solidFill>
+                  <a:srgbClr val="FFFFFF"/>
+                </a:solidFill>
+              </a14:hiddenFill>
+            </a:ext>
+          </a:extLst>
+        </p:spPr>
+      </p:pic>
+    </p:spTree>
+    <p:extLst>
+      <p:ext uri="{BB962C8B-B14F-4D97-AF65-F5344CB8AC3E}">
+        <p14:creationId xmlns:p14="http://schemas.microsoft.com/office/powerpoint/2010/main" val="2977898019"/>
       </p:ext>
     </p:extLst>
   </p:cSld>

--- a/day2/Elixir - Day 2.pptx
+++ b/day2/Elixir - Day 2.pptx
@@ -1045,7 +1045,7 @@
           </a:ln>
           <a:extLst>
             <a:ext uri="{C572A759-6A51-4108-AA02-DFA0A04FC94B}">
-              <ma14:wrappingTextBoxFlag xmlns="" xmlns:ma14="http://schemas.microsoft.com/office/mac/drawingml/2011/main" xmlns:a14="http://schemas.microsoft.com/office/drawing/2010/main" xmlns:m="http://schemas.openxmlformats.org/officeDocument/2006/math" val="1"/>
+              <ma14:wrappingTextBoxFlag xmlns:m="http://schemas.openxmlformats.org/officeDocument/2006/math" xmlns:a14="http://schemas.microsoft.com/office/drawing/2010/main" xmlns:ma14="http://schemas.microsoft.com/office/mac/drawingml/2011/main" xmlns="" val="1"/>
             </a:ext>
           </a:extLst>
         </p:spPr>
@@ -1320,7 +1320,7 @@
           </a:ln>
           <a:extLst>
             <a:ext uri="{C572A759-6A51-4108-AA02-DFA0A04FC94B}">
-              <ma14:wrappingTextBoxFlag xmlns="" xmlns:ma14="http://schemas.microsoft.com/office/mac/drawingml/2011/main" xmlns:a14="http://schemas.microsoft.com/office/drawing/2010/main" xmlns:m="http://schemas.openxmlformats.org/officeDocument/2006/math" val="1"/>
+              <ma14:wrappingTextBoxFlag xmlns:m="http://schemas.openxmlformats.org/officeDocument/2006/math" xmlns:a14="http://schemas.microsoft.com/office/drawing/2010/main" xmlns:ma14="http://schemas.microsoft.com/office/mac/drawingml/2011/main" xmlns="" val="1"/>
             </a:ext>
           </a:extLst>
         </p:spPr>
@@ -1759,7 +1759,7 @@
           </a:ln>
           <a:extLst>
             <a:ext uri="{C572A759-6A51-4108-AA02-DFA0A04FC94B}">
-              <ma14:wrappingTextBoxFlag xmlns="" xmlns:ma14="http://schemas.microsoft.com/office/mac/drawingml/2011/main" xmlns:a14="http://schemas.microsoft.com/office/drawing/2010/main" xmlns:m="http://schemas.openxmlformats.org/officeDocument/2006/math" val="1"/>
+              <ma14:wrappingTextBoxFlag xmlns:m="http://schemas.openxmlformats.org/officeDocument/2006/math" xmlns:a14="http://schemas.microsoft.com/office/drawing/2010/main" xmlns:ma14="http://schemas.microsoft.com/office/mac/drawingml/2011/main" xmlns="" val="1"/>
             </a:ext>
           </a:extLst>
         </p:spPr>
@@ -1979,7 +1979,7 @@
           </a:ln>
           <a:extLst>
             <a:ext uri="{C572A759-6A51-4108-AA02-DFA0A04FC94B}">
-              <ma14:wrappingTextBoxFlag xmlns="" xmlns:ma14="http://schemas.microsoft.com/office/mac/drawingml/2011/main" xmlns:a14="http://schemas.microsoft.com/office/drawing/2010/main" xmlns:m="http://schemas.openxmlformats.org/officeDocument/2006/math" val="1"/>
+              <ma14:wrappingTextBoxFlag xmlns:m="http://schemas.openxmlformats.org/officeDocument/2006/math" xmlns:a14="http://schemas.microsoft.com/office/drawing/2010/main" xmlns:ma14="http://schemas.microsoft.com/office/mac/drawingml/2011/main" xmlns="" val="1"/>
             </a:ext>
           </a:extLst>
         </p:spPr>
@@ -2180,7 +2180,7 @@
           </a:ln>
           <a:extLst>
             <a:ext uri="{C572A759-6A51-4108-AA02-DFA0A04FC94B}">
-              <ma14:wrappingTextBoxFlag xmlns="" xmlns:ma14="http://schemas.microsoft.com/office/mac/drawingml/2011/main" xmlns:a14="http://schemas.microsoft.com/office/drawing/2010/main" xmlns:m="http://schemas.openxmlformats.org/officeDocument/2006/math" val="1"/>
+              <ma14:wrappingTextBoxFlag xmlns:m="http://schemas.openxmlformats.org/officeDocument/2006/math" xmlns:a14="http://schemas.microsoft.com/office/drawing/2010/main" xmlns:ma14="http://schemas.microsoft.com/office/mac/drawingml/2011/main" xmlns="" val="1"/>
             </a:ext>
           </a:extLst>
         </p:spPr>
@@ -2279,7 +2279,7 @@
           </a:ln>
           <a:extLst>
             <a:ext uri="{C572A759-6A51-4108-AA02-DFA0A04FC94B}">
-              <ma14:wrappingTextBoxFlag xmlns="" xmlns:ma14="http://schemas.microsoft.com/office/mac/drawingml/2011/main" xmlns:a14="http://schemas.microsoft.com/office/drawing/2010/main" xmlns:m="http://schemas.openxmlformats.org/officeDocument/2006/math" val="1"/>
+              <ma14:wrappingTextBoxFlag xmlns:m="http://schemas.openxmlformats.org/officeDocument/2006/math" xmlns:a14="http://schemas.microsoft.com/office/drawing/2010/main" xmlns:ma14="http://schemas.microsoft.com/office/mac/drawingml/2011/main" xmlns="" val="1"/>
             </a:ext>
           </a:extLst>
         </p:spPr>
@@ -2318,7 +2318,7 @@
           </a:ln>
           <a:extLst>
             <a:ext uri="{C572A759-6A51-4108-AA02-DFA0A04FC94B}">
-              <ma14:wrappingTextBoxFlag xmlns="" xmlns:ma14="http://schemas.microsoft.com/office/mac/drawingml/2011/main" xmlns:a14="http://schemas.microsoft.com/office/drawing/2010/main" xmlns:m="http://schemas.openxmlformats.org/officeDocument/2006/math" val="1"/>
+              <ma14:wrappingTextBoxFlag xmlns:m="http://schemas.openxmlformats.org/officeDocument/2006/math" xmlns:a14="http://schemas.microsoft.com/office/drawing/2010/main" xmlns:ma14="http://schemas.microsoft.com/office/mac/drawingml/2011/main" xmlns="" val="1"/>
             </a:ext>
           </a:extLst>
         </p:spPr>
@@ -2478,7 +2478,7 @@
           </a:ln>
           <a:extLst>
             <a:ext uri="{C572A759-6A51-4108-AA02-DFA0A04FC94B}">
-              <ma14:wrappingTextBoxFlag xmlns="" xmlns:ma14="http://schemas.microsoft.com/office/mac/drawingml/2011/main" xmlns:a14="http://schemas.microsoft.com/office/drawing/2010/main" xmlns:m="http://schemas.openxmlformats.org/officeDocument/2006/math" val="1"/>
+              <ma14:wrappingTextBoxFlag xmlns:m="http://schemas.openxmlformats.org/officeDocument/2006/math" xmlns:a14="http://schemas.microsoft.com/office/drawing/2010/main" xmlns:ma14="http://schemas.microsoft.com/office/mac/drawingml/2011/main" xmlns="" val="1"/>
             </a:ext>
           </a:extLst>
         </p:spPr>
@@ -17184,6 +17184,22 @@
 </file>
 
 <file path=customXml/item1.xml><?xml version="1.0" encoding="utf-8"?>
+<p:properties xmlns:p="http://schemas.microsoft.com/office/2006/metadata/properties" xmlns:xsi="http://www.w3.org/2001/XMLSchema-instance" xmlns:pc="http://schemas.microsoft.com/office/infopath/2007/PartnerControls">
+  <documentManagement>
+    <_dlc_DocId xmlns="ee5a019c-1afb-4a7f-aa3c-a300d54b8a94">4ZA6FPYH4N22-134279970-49061</_dlc_DocId>
+    <_dlc_DocIdUrl xmlns="ee5a019c-1afb-4a7f-aa3c-a300d54b8a94">
+      <Url>https://accedia.sharepoint.com/sites/fileshare/bizdev/_layouts/15/DocIdRedir.aspx?ID=4ZA6FPYH4N22-134279970-49061</Url>
+      <Description>4ZA6FPYH4N22-134279970-49061</Description>
+    </_dlc_DocIdUrl>
+    <TaxCatchAll xmlns="ee5a019c-1afb-4a7f-aa3c-a300d54b8a94" xsi:nil="true"/>
+    <lcf76f155ced4ddcb4097134ff3c332f xmlns="3d51c85a-c808-4fa3-a7c4-399d30d41b71">
+      <Terms xmlns="http://schemas.microsoft.com/office/infopath/2007/PartnerControls"/>
+    </lcf76f155ced4ddcb4097134ff3c332f>
+  </documentManagement>
+</p:properties>
+</file>
+
+<file path=customXml/item2.xml><?xml version="1.0" encoding="utf-8"?>
 <?mso-contentType ?>
 <spe:Receivers xmlns:spe="http://schemas.microsoft.com/sharepoint/events">
   <Receiver>
@@ -17233,32 +17249,7 @@
 </spe:Receivers>
 </file>
 
-<file path=customXml/item2.xml><?xml version="1.0" encoding="utf-8"?>
-<p:properties xmlns:p="http://schemas.microsoft.com/office/2006/metadata/properties" xmlns:xsi="http://www.w3.org/2001/XMLSchema-instance" xmlns:pc="http://schemas.microsoft.com/office/infopath/2007/PartnerControls">
-  <documentManagement>
-    <_dlc_DocId xmlns="ee5a019c-1afb-4a7f-aa3c-a300d54b8a94">4ZA6FPYH4N22-134279970-49061</_dlc_DocId>
-    <_dlc_DocIdUrl xmlns="ee5a019c-1afb-4a7f-aa3c-a300d54b8a94">
-      <Url>https://accedia.sharepoint.com/sites/fileshare/bizdev/_layouts/15/DocIdRedir.aspx?ID=4ZA6FPYH4N22-134279970-49061</Url>
-      <Description>4ZA6FPYH4N22-134279970-49061</Description>
-    </_dlc_DocIdUrl>
-    <TaxCatchAll xmlns="ee5a019c-1afb-4a7f-aa3c-a300d54b8a94" xsi:nil="true"/>
-    <lcf76f155ced4ddcb4097134ff3c332f xmlns="3d51c85a-c808-4fa3-a7c4-399d30d41b71">
-      <Terms xmlns="http://schemas.microsoft.com/office/infopath/2007/PartnerControls"/>
-    </lcf76f155ced4ddcb4097134ff3c332f>
-  </documentManagement>
-</p:properties>
-</file>
-
 <file path=customXml/item3.xml><?xml version="1.0" encoding="utf-8"?>
-<?mso-contentType ?>
-<FormTemplates xmlns="http://schemas.microsoft.com/sharepoint/v3/contenttype/forms">
-  <Display>DocumentLibraryForm</Display>
-  <Edit>DocumentLibraryForm</Edit>
-  <New>DocumentLibraryForm</New>
-</FormTemplates>
-</file>
-
-<file path=customXml/item4.xml><?xml version="1.0" encoding="utf-8"?>
 <ct:contentTypeSchema xmlns:ct="http://schemas.microsoft.com/office/2006/metadata/contentType" xmlns:ma="http://schemas.microsoft.com/office/2006/metadata/properties/metaAttributes" ct:_="" ma:_="" ma:contentTypeName="Document" ma:contentTypeID="0x0101003F118A156F01C84E8E5E451D60C9243C" ma:contentTypeVersion="18" ma:contentTypeDescription="Create a new document." ma:contentTypeScope="" ma:versionID="81bba4710e6ed34fea4bd7f33693d27f">
   <xsd:schema xmlns:xsd="http://www.w3.org/2001/XMLSchema" xmlns:xs="http://www.w3.org/2001/XMLSchema" xmlns:p="http://schemas.microsoft.com/office/2006/metadata/properties" xmlns:ns2="ee5a019c-1afb-4a7f-aa3c-a300d54b8a94" xmlns:ns3="3d51c85a-c808-4fa3-a7c4-399d30d41b71" xmlns:ns4="cabbaafa-9d61-4c96-bf36-3d40c487f168" targetNamespace="http://schemas.microsoft.com/office/2006/metadata/properties" ma:root="true" ma:fieldsID="ea50bd8bc227bb2cc5fe2d0a23ee5167" ns2:_="" ns3:_="" ns4:_="">
     <xsd:import namespace="ee5a019c-1afb-4a7f-aa3c-a300d54b8a94"/>
@@ -17531,15 +17522,16 @@
 </ct:contentTypeSchema>
 </file>
 
-<file path=customXml/itemProps1.xml><?xml version="1.0" encoding="utf-8"?>
-<ds:datastoreItem xmlns:ds="http://schemas.openxmlformats.org/officeDocument/2006/customXml" ds:itemID="{23731FFE-AA89-41C8-A8D1-96335015AC7D}">
-  <ds:schemaRefs>
-    <ds:schemaRef ds:uri="http://schemas.microsoft.com/sharepoint/events"/>
-  </ds:schemaRefs>
-</ds:datastoreItem>
+<file path=customXml/item4.xml><?xml version="1.0" encoding="utf-8"?>
+<?mso-contentType ?>
+<FormTemplates xmlns="http://schemas.microsoft.com/sharepoint/v3/contenttype/forms">
+  <Display>DocumentLibraryForm</Display>
+  <Edit>DocumentLibraryForm</Edit>
+  <New>DocumentLibraryForm</New>
+</FormTemplates>
 </file>
 
-<file path=customXml/itemProps2.xml><?xml version="1.0" encoding="utf-8"?>
+<file path=customXml/itemProps1.xml><?xml version="1.0" encoding="utf-8"?>
 <ds:datastoreItem xmlns:ds="http://schemas.openxmlformats.org/officeDocument/2006/customXml" ds:itemID="{28013F97-F744-428B-8504-911AB7D87FBC}">
   <ds:schemaRefs>
     <ds:schemaRef ds:uri="ee5a019c-1afb-4a7f-aa3c-a300d54b8a94"/>
@@ -17550,15 +17542,15 @@
 </ds:datastoreItem>
 </file>
 
-<file path=customXml/itemProps3.xml><?xml version="1.0" encoding="utf-8"?>
-<ds:datastoreItem xmlns:ds="http://schemas.openxmlformats.org/officeDocument/2006/customXml" ds:itemID="{450D9D61-AB1C-42DB-97B3-F16948BBEDA5}">
+<file path=customXml/itemProps2.xml><?xml version="1.0" encoding="utf-8"?>
+<ds:datastoreItem xmlns:ds="http://schemas.openxmlformats.org/officeDocument/2006/customXml" ds:itemID="{23731FFE-AA89-41C8-A8D1-96335015AC7D}">
   <ds:schemaRefs>
-    <ds:schemaRef ds:uri="http://schemas.microsoft.com/sharepoint/v3/contenttype/forms"/>
+    <ds:schemaRef ds:uri="http://schemas.microsoft.com/sharepoint/events"/>
   </ds:schemaRefs>
 </ds:datastoreItem>
 </file>
 
-<file path=customXml/itemProps4.xml><?xml version="1.0" encoding="utf-8"?>
+<file path=customXml/itemProps3.xml><?xml version="1.0" encoding="utf-8"?>
 <ds:datastoreItem xmlns:ds="http://schemas.openxmlformats.org/officeDocument/2006/customXml" ds:itemID="{D75CE82B-2AB8-470D-8DBA-A4AFD7F9BDEE}">
   <ds:schemaRefs>
     <ds:schemaRef ds:uri="http://schemas.microsoft.com/office/2006/metadata/contentType"/>
@@ -17576,4 +17568,12 @@
     <ds:schemaRef ds:uri="http://schemas.microsoft.com/internal/obd"/>
   </ds:schemaRefs>
 </ds:datastoreItem>
+</file>
+
+<file path=customXml/itemProps4.xml><?xml version="1.0" encoding="utf-8"?>
+<ds:datastoreItem xmlns:ds="http://schemas.openxmlformats.org/officeDocument/2006/customXml" ds:itemID="{450D9D61-AB1C-42DB-97B3-F16948BBEDA5}">
+  <ds:schemaRefs>
+    <ds:schemaRef ds:uri="http://schemas.microsoft.com/sharepoint/v3/contenttype/forms"/>
+  </ds:schemaRefs>
+</ds:datastoreItem>
 </file>
--- a/day2/Elixir - Day 2.pptx
+++ b/day2/Elixir - Day 2.pptx
@@ -5,7 +5,7 @@
     <p:sldMasterId id="2147483648" r:id="rId5"/>
   </p:sldMasterIdLst>
   <p:notesMasterIdLst>
-    <p:notesMasterId r:id="rId36"/>
+    <p:notesMasterId r:id="rId34"/>
   </p:notesMasterIdLst>
   <p:sldIdLst>
     <p:sldId id="276" r:id="rId6"/>
@@ -33,11 +33,9 @@
     <p:sldId id="333" r:id="rId28"/>
     <p:sldId id="334" r:id="rId29"/>
     <p:sldId id="345" r:id="rId30"/>
-    <p:sldId id="323" r:id="rId31"/>
-    <p:sldId id="330" r:id="rId32"/>
-    <p:sldId id="328" r:id="rId33"/>
-    <p:sldId id="287" r:id="rId34"/>
-    <p:sldId id="299" r:id="rId35"/>
+    <p:sldId id="332" r:id="rId31"/>
+    <p:sldId id="287" r:id="rId32"/>
+    <p:sldId id="299" r:id="rId33"/>
   </p:sldIdLst>
   <p:sldSz cx="12192000" cy="6858000"/>
   <p:notesSz cx="6858000" cy="9144000"/>
@@ -738,72 +736,6 @@
 </p:notes>
 </file>
 
-<file path=ppt/notesSlides/notesSlide4.xml><?xml version="1.0" encoding="utf-8"?>
-<p:notes xmlns:a="http://schemas.openxmlformats.org/drawingml/2006/main" xmlns:r="http://schemas.openxmlformats.org/officeDocument/2006/relationships" xmlns:p="http://schemas.openxmlformats.org/presentationml/2006/main">
-  <p:cSld>
-    <p:spTree>
-      <p:nvGrpSpPr>
-        <p:cNvPr id="1" name=""/>
-        <p:cNvGrpSpPr/>
-        <p:nvPr/>
-      </p:nvGrpSpPr>
-      <p:grpSpPr>
-        <a:xfrm>
-          <a:off x="0" y="0"/>
-          <a:ext cx="0" cy="0"/>
-          <a:chOff x="0" y="0"/>
-          <a:chExt cx="0" cy="0"/>
-        </a:xfrm>
-      </p:grpSpPr>
-      <p:sp>
-        <p:nvSpPr>
-          <p:cNvPr id="2" name="Slide Image Placeholder 1"/>
-          <p:cNvSpPr>
-            <a:spLocks noGrp="1" noRot="1" noChangeAspect="1"/>
-          </p:cNvSpPr>
-          <p:nvPr>
-            <p:ph type="sldImg"/>
-          </p:nvPr>
-        </p:nvSpPr>
-        <p:spPr>
-          <a:xfrm>
-            <a:off x="381000" y="685800"/>
-            <a:ext cx="6096000" cy="3429000"/>
-          </a:xfrm>
-        </p:spPr>
-      </p:sp>
-      <p:sp>
-        <p:nvSpPr>
-          <p:cNvPr id="3" name="Notes Placeholder 2"/>
-          <p:cNvSpPr>
-            <a:spLocks noGrp="1"/>
-          </p:cNvSpPr>
-          <p:nvPr>
-            <p:ph type="body" idx="1"/>
-          </p:nvPr>
-        </p:nvSpPr>
-        <p:spPr/>
-        <p:txBody>
-          <a:bodyPr/>
-          <a:lstStyle/>
-          <a:p>
-            <a:endParaRPr lang="en-US" dirty="0"/>
-          </a:p>
-        </p:txBody>
-      </p:sp>
-    </p:spTree>
-    <p:extLst>
-      <p:ext uri="{BB962C8B-B14F-4D97-AF65-F5344CB8AC3E}">
-        <p14:creationId xmlns:p14="http://schemas.microsoft.com/office/powerpoint/2010/main" val="472130145"/>
-      </p:ext>
-    </p:extLst>
-  </p:cSld>
-  <p:clrMapOvr>
-    <a:masterClrMapping/>
-  </p:clrMapOvr>
-</p:notes>
-</file>
-
 <file path=ppt/slideLayouts/slideLayout1.xml><?xml version="1.0" encoding="utf-8"?>
 <p:sldLayout xmlns:a="http://schemas.openxmlformats.org/drawingml/2006/main" xmlns:r="http://schemas.openxmlformats.org/officeDocument/2006/relationships" xmlns:p="http://schemas.openxmlformats.org/presentationml/2006/main" showMasterSp="0" type="title">
   <p:cSld name="Title Slide">
@@ -1045,7 +977,7 @@
           </a:ln>
           <a:extLst>
             <a:ext uri="{C572A759-6A51-4108-AA02-DFA0A04FC94B}">
-              <ma14:wrappingTextBoxFlag xmlns:m="http://schemas.openxmlformats.org/officeDocument/2006/math" xmlns:a14="http://schemas.microsoft.com/office/drawing/2010/main" xmlns:ma14="http://schemas.microsoft.com/office/mac/drawingml/2011/main" xmlns="" val="1"/>
+              <ma14:wrappingTextBoxFlag xmlns="" xmlns:ma14="http://schemas.microsoft.com/office/mac/drawingml/2011/main" xmlns:a14="http://schemas.microsoft.com/office/drawing/2010/main" xmlns:m="http://schemas.openxmlformats.org/officeDocument/2006/math" val="1"/>
             </a:ext>
           </a:extLst>
         </p:spPr>
@@ -1320,7 +1252,7 @@
           </a:ln>
           <a:extLst>
             <a:ext uri="{C572A759-6A51-4108-AA02-DFA0A04FC94B}">
-              <ma14:wrappingTextBoxFlag xmlns:m="http://schemas.openxmlformats.org/officeDocument/2006/math" xmlns:a14="http://schemas.microsoft.com/office/drawing/2010/main" xmlns:ma14="http://schemas.microsoft.com/office/mac/drawingml/2011/main" xmlns="" val="1"/>
+              <ma14:wrappingTextBoxFlag xmlns="" xmlns:ma14="http://schemas.microsoft.com/office/mac/drawingml/2011/main" xmlns:a14="http://schemas.microsoft.com/office/drawing/2010/main" xmlns:m="http://schemas.openxmlformats.org/officeDocument/2006/math" val="1"/>
             </a:ext>
           </a:extLst>
         </p:spPr>
@@ -1759,7 +1691,7 @@
           </a:ln>
           <a:extLst>
             <a:ext uri="{C572A759-6A51-4108-AA02-DFA0A04FC94B}">
-              <ma14:wrappingTextBoxFlag xmlns:m="http://schemas.openxmlformats.org/officeDocument/2006/math" xmlns:a14="http://schemas.microsoft.com/office/drawing/2010/main" xmlns:ma14="http://schemas.microsoft.com/office/mac/drawingml/2011/main" xmlns="" val="1"/>
+              <ma14:wrappingTextBoxFlag xmlns="" xmlns:ma14="http://schemas.microsoft.com/office/mac/drawingml/2011/main" xmlns:a14="http://schemas.microsoft.com/office/drawing/2010/main" xmlns:m="http://schemas.openxmlformats.org/officeDocument/2006/math" val="1"/>
             </a:ext>
           </a:extLst>
         </p:spPr>
@@ -1979,7 +1911,7 @@
           </a:ln>
           <a:extLst>
             <a:ext uri="{C572A759-6A51-4108-AA02-DFA0A04FC94B}">
-              <ma14:wrappingTextBoxFlag xmlns:m="http://schemas.openxmlformats.org/officeDocument/2006/math" xmlns:a14="http://schemas.microsoft.com/office/drawing/2010/main" xmlns:ma14="http://schemas.microsoft.com/office/mac/drawingml/2011/main" xmlns="" val="1"/>
+              <ma14:wrappingTextBoxFlag xmlns="" xmlns:ma14="http://schemas.microsoft.com/office/mac/drawingml/2011/main" xmlns:a14="http://schemas.microsoft.com/office/drawing/2010/main" xmlns:m="http://schemas.openxmlformats.org/officeDocument/2006/math" val="1"/>
             </a:ext>
           </a:extLst>
         </p:spPr>
@@ -2180,7 +2112,7 @@
           </a:ln>
           <a:extLst>
             <a:ext uri="{C572A759-6A51-4108-AA02-DFA0A04FC94B}">
-              <ma14:wrappingTextBoxFlag xmlns:m="http://schemas.openxmlformats.org/officeDocument/2006/math" xmlns:a14="http://schemas.microsoft.com/office/drawing/2010/main" xmlns:ma14="http://schemas.microsoft.com/office/mac/drawingml/2011/main" xmlns="" val="1"/>
+              <ma14:wrappingTextBoxFlag xmlns="" xmlns:ma14="http://schemas.microsoft.com/office/mac/drawingml/2011/main" xmlns:a14="http://schemas.microsoft.com/office/drawing/2010/main" xmlns:m="http://schemas.openxmlformats.org/officeDocument/2006/math" val="1"/>
             </a:ext>
           </a:extLst>
         </p:spPr>
@@ -2279,7 +2211,7 @@
           </a:ln>
           <a:extLst>
             <a:ext uri="{C572A759-6A51-4108-AA02-DFA0A04FC94B}">
-              <ma14:wrappingTextBoxFlag xmlns:m="http://schemas.openxmlformats.org/officeDocument/2006/math" xmlns:a14="http://schemas.microsoft.com/office/drawing/2010/main" xmlns:ma14="http://schemas.microsoft.com/office/mac/drawingml/2011/main" xmlns="" val="1"/>
+              <ma14:wrappingTextBoxFlag xmlns="" xmlns:ma14="http://schemas.microsoft.com/office/mac/drawingml/2011/main" xmlns:a14="http://schemas.microsoft.com/office/drawing/2010/main" xmlns:m="http://schemas.openxmlformats.org/officeDocument/2006/math" val="1"/>
             </a:ext>
           </a:extLst>
         </p:spPr>
@@ -2318,7 +2250,7 @@
           </a:ln>
           <a:extLst>
             <a:ext uri="{C572A759-6A51-4108-AA02-DFA0A04FC94B}">
-              <ma14:wrappingTextBoxFlag xmlns:m="http://schemas.openxmlformats.org/officeDocument/2006/math" xmlns:a14="http://schemas.microsoft.com/office/drawing/2010/main" xmlns:ma14="http://schemas.microsoft.com/office/mac/drawingml/2011/main" xmlns="" val="1"/>
+              <ma14:wrappingTextBoxFlag xmlns="" xmlns:ma14="http://schemas.microsoft.com/office/mac/drawingml/2011/main" xmlns:a14="http://schemas.microsoft.com/office/drawing/2010/main" xmlns:m="http://schemas.openxmlformats.org/officeDocument/2006/math" val="1"/>
             </a:ext>
           </a:extLst>
         </p:spPr>
@@ -2478,7 +2410,7 @@
           </a:ln>
           <a:extLst>
             <a:ext uri="{C572A759-6A51-4108-AA02-DFA0A04FC94B}">
-              <ma14:wrappingTextBoxFlag xmlns:m="http://schemas.openxmlformats.org/officeDocument/2006/math" xmlns:a14="http://schemas.microsoft.com/office/drawing/2010/main" xmlns:ma14="http://schemas.microsoft.com/office/mac/drawingml/2011/main" xmlns="" val="1"/>
+              <ma14:wrappingTextBoxFlag xmlns="" xmlns:ma14="http://schemas.microsoft.com/office/mac/drawingml/2011/main" xmlns:a14="http://schemas.microsoft.com/office/drawing/2010/main" xmlns:m="http://schemas.openxmlformats.org/officeDocument/2006/math" val="1"/>
             </a:ext>
           </a:extLst>
         </p:spPr>
@@ -10232,7 +10164,7 @@
           <p:cNvPr id="4" name="Title 3">
             <a:extLst>
               <a:ext uri="{FF2B5EF4-FFF2-40B4-BE49-F238E27FC236}">
-                <a16:creationId xmlns:a16="http://schemas.microsoft.com/office/drawing/2014/main" id="{23274B24-D5AA-17A6-7BFF-56EB6618C762}"/>
+                <a16:creationId xmlns:a16="http://schemas.microsoft.com/office/drawing/2014/main" id="{14CB4D1E-4C6A-1383-A14F-192220A1AF62}"/>
               </a:ext>
             </a:extLst>
           </p:cNvPr>
@@ -10250,7 +10182,7 @@
           <a:p>
             <a:r>
               <a:rPr lang="en-US" dirty="0"/>
-              <a:t>Introduction to Mix</a:t>
+              <a:t>Homework</a:t>
             </a:r>
             <a:endParaRPr lang="bg-BG" dirty="0"/>
           </a:p>
@@ -10261,7 +10193,7 @@
           <p:cNvPr id="5" name="Text Placeholder 4">
             <a:extLst>
               <a:ext uri="{FF2B5EF4-FFF2-40B4-BE49-F238E27FC236}">
-                <a16:creationId xmlns:a16="http://schemas.microsoft.com/office/drawing/2014/main" id="{2FB2B0E7-DB83-15DA-0CA0-CEB4F94E61D0}"/>
+                <a16:creationId xmlns:a16="http://schemas.microsoft.com/office/drawing/2014/main" id="{0B865E72-557E-33D1-C34E-79235E331D6E}"/>
               </a:ext>
             </a:extLst>
           </p:cNvPr>
@@ -10278,95 +10210,38 @@
           <a:lstStyle/>
           <a:p>
             <a:r>
+              <a:rPr lang="en-US" dirty="0">
+                <a:hlinkClick r:id="rId2"/>
+              </a:rPr>
+              <a:t>https://github.com/georgiyolovski/elixir-workshop/tree/main/day2/homework</a:t>
+            </a:r>
+            <a:endParaRPr lang="en-US" dirty="0"/>
+          </a:p>
+          <a:p>
+            <a:endParaRPr lang="en-US" dirty="0"/>
+          </a:p>
+          <a:p>
+            <a:r>
               <a:rPr lang="en-US" dirty="0"/>
-              <a:t>Mix is the default build tool for Elixir applications</a:t>
-            </a:r>
-          </a:p>
-          <a:p>
-            <a:r>
-              <a:rPr lang="en-US" dirty="0"/>
-              <a:t>Used for creating projects, compiling, managing dependencies, testing etc.</a:t>
+              <a:t>The following module references might be helpful:</a:t>
             </a:r>
           </a:p>
           <a:p>
             <a:pPr lvl="1"/>
             <a:r>
-              <a:rPr lang="en-US" dirty="0"/>
-              <a:t>Similar to Gradle/Vite/dotnet CLI</a:t>
-            </a:r>
-          </a:p>
-          <a:p>
-            <a:r>
-              <a:rPr lang="en-US" dirty="0"/>
-              <a:t>Basic commands:</a:t>
-            </a:r>
-          </a:p>
-          <a:p>
-            <a:pPr lvl="1"/>
-            <a:r>
-              <a:rPr lang="en-US" dirty="0"/>
-              <a:t>Creating a project: </a:t>
-            </a:r>
-            <a:r>
-              <a:rPr lang="en-US" b="1" dirty="0"/>
-              <a:t>mix new</a:t>
-            </a:r>
-          </a:p>
-          <a:p>
-            <a:pPr lvl="1"/>
-            <a:r>
-              <a:rPr lang="en-US" dirty="0"/>
-              <a:t>Compiling: </a:t>
-            </a:r>
-            <a:r>
-              <a:rPr lang="en-US" b="1" dirty="0"/>
-              <a:t>mix compile</a:t>
-            </a:r>
-          </a:p>
-          <a:p>
-            <a:pPr lvl="1"/>
-            <a:r>
-              <a:rPr lang="en-US" dirty="0"/>
-              <a:t>Testing: </a:t>
-            </a:r>
-            <a:r>
-              <a:rPr lang="en-US" b="1" dirty="0"/>
-              <a:t>mix test</a:t>
-            </a:r>
-          </a:p>
-          <a:p>
-            <a:pPr lvl="1"/>
-            <a:r>
-              <a:rPr lang="en-US" dirty="0"/>
-              <a:t>Running</a:t>
-            </a:r>
-            <a:r>
-              <a:rPr lang="en-US" b="1" dirty="0"/>
-              <a:t>: mix run</a:t>
-            </a:r>
-          </a:p>
-          <a:p>
-            <a:pPr lvl="1"/>
-            <a:r>
-              <a:rPr lang="en-US" dirty="0"/>
-              <a:t>Running in interactive mode: </a:t>
-            </a:r>
-            <a:r>
-              <a:rPr lang="en-US" b="1" dirty="0" err="1"/>
-              <a:t>iex</a:t>
-            </a:r>
-            <a:r>
-              <a:rPr lang="en-US" b="1" dirty="0"/>
-              <a:t> –S mix …</a:t>
-            </a:r>
-            <a:endParaRPr lang="bg-BG" b="1" dirty="0"/>
+              <a:rPr lang="en-US" dirty="0">
+                <a:hlinkClick r:id="rId3"/>
+              </a:rPr>
+              <a:t>https://hexdocs.pm/elixir/GenServer.html</a:t>
+            </a:r>
+            <a:endParaRPr lang="bg-BG" dirty="0"/>
           </a:p>
         </p:txBody>
       </p:sp>
     </p:spTree>
     <p:extLst>
       <p:ext uri="{BB962C8B-B14F-4D97-AF65-F5344CB8AC3E}">
-        <p14:creationId xmlns:p14="http://schemas.microsoft.com/office/powerpoint/2010/main" val="2902832821"/>
+        <p14:creationId xmlns:p14="http://schemas.microsoft.com/office/powerpoint/2010/main" val="1742023883"/>
       </p:ext>
     </p:extLst>
   </p:cSld>
@@ -10378,1226 +10253,6 @@
 </file>
 
 <file path=ppt/slides/slide27.xml><?xml version="1.0" encoding="utf-8"?>
-<p:sld xmlns:a="http://schemas.openxmlformats.org/drawingml/2006/main" xmlns:r="http://schemas.openxmlformats.org/officeDocument/2006/relationships" xmlns:p="http://schemas.openxmlformats.org/presentationml/2006/main">
-  <p:cSld>
-    <p:spTree>
-      <p:nvGrpSpPr>
-        <p:cNvPr id="1" name=""/>
-        <p:cNvGrpSpPr/>
-        <p:nvPr/>
-      </p:nvGrpSpPr>
-      <p:grpSpPr>
-        <a:xfrm>
-          <a:off x="0" y="0"/>
-          <a:ext cx="0" cy="0"/>
-          <a:chOff x="0" y="0"/>
-          <a:chExt cx="0" cy="0"/>
-        </a:xfrm>
-      </p:grpSpPr>
-      <p:sp>
-        <p:nvSpPr>
-          <p:cNvPr id="2" name="Title 1">
-            <a:extLst>
-              <a:ext uri="{FF2B5EF4-FFF2-40B4-BE49-F238E27FC236}">
-                <a16:creationId xmlns:a16="http://schemas.microsoft.com/office/drawing/2014/main" id="{1BCDE905-E80D-EB5F-0754-A2EE07A9BD7F}"/>
-              </a:ext>
-            </a:extLst>
-          </p:cNvPr>
-          <p:cNvSpPr>
-            <a:spLocks noGrp="1"/>
-          </p:cNvSpPr>
-          <p:nvPr>
-            <p:ph type="title"/>
-          </p:nvPr>
-        </p:nvSpPr>
-        <p:spPr/>
-        <p:txBody>
-          <a:bodyPr/>
-          <a:lstStyle/>
-          <a:p>
-            <a:r>
-              <a:rPr lang="en-US" dirty="0"/>
-              <a:t>Applications</a:t>
-            </a:r>
-            <a:endParaRPr lang="bg-BG" dirty="0"/>
-          </a:p>
-        </p:txBody>
-      </p:sp>
-      <p:sp>
-        <p:nvSpPr>
-          <p:cNvPr id="3" name="Text Placeholder 2">
-            <a:extLst>
-              <a:ext uri="{FF2B5EF4-FFF2-40B4-BE49-F238E27FC236}">
-                <a16:creationId xmlns:a16="http://schemas.microsoft.com/office/drawing/2014/main" id="{BBE72892-8DB0-4319-C80F-175F3073E748}"/>
-              </a:ext>
-            </a:extLst>
-          </p:cNvPr>
-          <p:cNvSpPr>
-            <a:spLocks noGrp="1"/>
-          </p:cNvSpPr>
-          <p:nvPr>
-            <p:ph type="body" idx="1"/>
-          </p:nvPr>
-        </p:nvSpPr>
-        <p:spPr/>
-        <p:txBody>
-          <a:bodyPr>
-            <a:normAutofit/>
-          </a:bodyPr>
-          <a:lstStyle/>
-          <a:p>
-            <a:r>
-              <a:rPr lang="en-US" dirty="0"/>
-              <a:t>The standard way to package Elixir projects</a:t>
-            </a:r>
-          </a:p>
-          <a:p>
-            <a:r>
-              <a:rPr lang="en-US" dirty="0"/>
-              <a:t>Each application has a main module</a:t>
-            </a:r>
-          </a:p>
-          <a:p>
-            <a:pPr lvl="1"/>
-            <a:r>
-              <a:rPr lang="en-US" dirty="0"/>
-              <a:t>It should implement the Application behavior</a:t>
-            </a:r>
-          </a:p>
-        </p:txBody>
-      </p:sp>
-      <p:sp>
-        <p:nvSpPr>
-          <p:cNvPr id="5" name="Rectangle 4">
-            <a:extLst>
-              <a:ext uri="{FF2B5EF4-FFF2-40B4-BE49-F238E27FC236}">
-                <a16:creationId xmlns:a16="http://schemas.microsoft.com/office/drawing/2014/main" id="{531C3087-A01D-4B06-5721-9D524F123659}"/>
-              </a:ext>
-            </a:extLst>
-          </p:cNvPr>
-          <p:cNvSpPr/>
-          <p:nvPr/>
-        </p:nvSpPr>
-        <p:spPr>
-          <a:xfrm>
-            <a:off x="7013448" y="2940612"/>
-            <a:ext cx="4069080" cy="2555567"/>
-          </a:xfrm>
-          <a:prstGeom prst="rect">
-            <a:avLst/>
-          </a:prstGeom>
-          <a:solidFill>
-            <a:srgbClr val="F9F9F9"/>
-          </a:solidFill>
-          <a:ln w="25400" cap="flat">
-            <a:solidFill>
-              <a:schemeClr val="accent1"/>
-            </a:solidFill>
-            <a:prstDash val="solid"/>
-            <a:round/>
-          </a:ln>
-          <a:effectLst/>
-          <a:sp3d/>
-        </p:spPr>
-        <p:style>
-          <a:lnRef idx="0">
-            <a:scrgbClr r="0" g="0" b="0"/>
-          </a:lnRef>
-          <a:fillRef idx="0">
-            <a:scrgbClr r="0" g="0" b="0"/>
-          </a:fillRef>
-          <a:effectRef idx="0">
-            <a:scrgbClr r="0" g="0" b="0"/>
-          </a:effectRef>
-          <a:fontRef idx="none"/>
-        </p:style>
-        <p:txBody>
-          <a:bodyPr rot="0" spcFirstLastPara="1" vertOverflow="overflow" horzOverflow="overflow" vert="horz" wrap="square" lIns="45718" tIns="45718" rIns="45718" bIns="45718" numCol="1" spcCol="38100" rtlCol="0" anchor="ctr">
-            <a:spAutoFit/>
-          </a:bodyPr>
-          <a:lstStyle/>
-          <a:p>
-            <a:r>
-              <a:rPr lang="en-US" sz="1400" b="0" dirty="0">
-                <a:solidFill>
-                  <a:srgbClr val="D73A49"/>
-                </a:solidFill>
-                <a:effectLst/>
-                <a:highlight>
-                  <a:srgbClr val="F9F9F9"/>
-                </a:highlight>
-                <a:latin typeface="Cascadia Code" panose="020B0609020000020004" pitchFamily="49" charset="0"/>
-              </a:rPr>
-              <a:t>defmodule</a:t>
-            </a:r>
-            <a:r>
-              <a:rPr lang="en-US" sz="1400" b="0" dirty="0">
-                <a:solidFill>
-                  <a:srgbClr val="24292E"/>
-                </a:solidFill>
-                <a:effectLst/>
-                <a:highlight>
-                  <a:srgbClr val="F9F9F9"/>
-                </a:highlight>
-                <a:latin typeface="Cascadia Code" panose="020B0609020000020004" pitchFamily="49" charset="0"/>
-              </a:rPr>
-              <a:t> </a:t>
-            </a:r>
-            <a:r>
-              <a:rPr lang="en-US" sz="1400" b="0" dirty="0">
-                <a:solidFill>
-                  <a:srgbClr val="6F42C1"/>
-                </a:solidFill>
-                <a:effectLst/>
-                <a:highlight>
-                  <a:srgbClr val="F9F9F9"/>
-                </a:highlight>
-                <a:latin typeface="Cascadia Code" panose="020B0609020000020004" pitchFamily="49" charset="0"/>
-              </a:rPr>
-              <a:t>MyApp</a:t>
-            </a:r>
-            <a:r>
-              <a:rPr lang="en-US" sz="1400" b="0" dirty="0">
-                <a:solidFill>
-                  <a:srgbClr val="24292E"/>
-                </a:solidFill>
-                <a:effectLst/>
-                <a:highlight>
-                  <a:srgbClr val="F9F9F9"/>
-                </a:highlight>
-                <a:latin typeface="Cascadia Code" panose="020B0609020000020004" pitchFamily="49" charset="0"/>
-              </a:rPr>
-              <a:t> </a:t>
-            </a:r>
-            <a:r>
-              <a:rPr lang="en-US" sz="1400" b="0" dirty="0">
-                <a:solidFill>
-                  <a:srgbClr val="D73A49"/>
-                </a:solidFill>
-                <a:effectLst/>
-                <a:highlight>
-                  <a:srgbClr val="F9F9F9"/>
-                </a:highlight>
-                <a:latin typeface="Cascadia Code" panose="020B0609020000020004" pitchFamily="49" charset="0"/>
-              </a:rPr>
-              <a:t>do</a:t>
-            </a:r>
-            <a:endParaRPr lang="en-US" sz="1400" b="0" dirty="0">
-              <a:solidFill>
-                <a:srgbClr val="24292E"/>
-              </a:solidFill>
-              <a:effectLst/>
-              <a:highlight>
-                <a:srgbClr val="F9F9F9"/>
-              </a:highlight>
-              <a:latin typeface="Cascadia Code" panose="020B0609020000020004" pitchFamily="49" charset="0"/>
-            </a:endParaRPr>
-          </a:p>
-          <a:p>
-            <a:r>
-              <a:rPr lang="en-US" sz="1400" b="0" dirty="0">
-                <a:solidFill>
-                  <a:srgbClr val="24292E"/>
-                </a:solidFill>
-                <a:effectLst/>
-                <a:highlight>
-                  <a:srgbClr val="F9F9F9"/>
-                </a:highlight>
-                <a:latin typeface="Cascadia Code" panose="020B0609020000020004" pitchFamily="49" charset="0"/>
-              </a:rPr>
-              <a:t>  </a:t>
-            </a:r>
-            <a:r>
-              <a:rPr lang="en-US" sz="1400" b="0" dirty="0">
-                <a:solidFill>
-                  <a:srgbClr val="D73A49"/>
-                </a:solidFill>
-                <a:effectLst/>
-                <a:highlight>
-                  <a:srgbClr val="F9F9F9"/>
-                </a:highlight>
-                <a:latin typeface="Cascadia Code" panose="020B0609020000020004" pitchFamily="49" charset="0"/>
-              </a:rPr>
-              <a:t>use</a:t>
-            </a:r>
-            <a:r>
-              <a:rPr lang="en-US" sz="1400" b="0" dirty="0">
-                <a:solidFill>
-                  <a:srgbClr val="24292E"/>
-                </a:solidFill>
-                <a:effectLst/>
-                <a:highlight>
-                  <a:srgbClr val="F9F9F9"/>
-                </a:highlight>
-                <a:latin typeface="Cascadia Code" panose="020B0609020000020004" pitchFamily="49" charset="0"/>
-              </a:rPr>
-              <a:t> </a:t>
-            </a:r>
-            <a:r>
-              <a:rPr lang="en-US" sz="1400" b="0" dirty="0">
-                <a:solidFill>
-                  <a:srgbClr val="6F42C1"/>
-                </a:solidFill>
-                <a:effectLst/>
-                <a:highlight>
-                  <a:srgbClr val="F9F9F9"/>
-                </a:highlight>
-                <a:latin typeface="Cascadia Code" panose="020B0609020000020004" pitchFamily="49" charset="0"/>
-              </a:rPr>
-              <a:t>Application</a:t>
-            </a:r>
-            <a:endParaRPr lang="en-US" sz="1400" b="0" dirty="0">
-              <a:solidFill>
-                <a:srgbClr val="24292E"/>
-              </a:solidFill>
-              <a:effectLst/>
-              <a:highlight>
-                <a:srgbClr val="F9F9F9"/>
-              </a:highlight>
-              <a:latin typeface="Cascadia Code" panose="020B0609020000020004" pitchFamily="49" charset="0"/>
-            </a:endParaRPr>
-          </a:p>
-          <a:p>
-            <a:br>
-              <a:rPr lang="en-US" sz="1400" b="0" dirty="0">
-                <a:solidFill>
-                  <a:srgbClr val="24292E"/>
-                </a:solidFill>
-                <a:effectLst/>
-                <a:highlight>
-                  <a:srgbClr val="F9F9F9"/>
-                </a:highlight>
-                <a:latin typeface="Cascadia Code" panose="020B0609020000020004" pitchFamily="49" charset="0"/>
-              </a:rPr>
-            </a:br>
-            <a:r>
-              <a:rPr lang="en-US" sz="1400" b="0" dirty="0">
-                <a:solidFill>
-                  <a:srgbClr val="24292E"/>
-                </a:solidFill>
-                <a:effectLst/>
-                <a:highlight>
-                  <a:srgbClr val="F9F9F9"/>
-                </a:highlight>
-                <a:latin typeface="Cascadia Code" panose="020B0609020000020004" pitchFamily="49" charset="0"/>
-              </a:rPr>
-              <a:t>  </a:t>
-            </a:r>
-            <a:r>
-              <a:rPr lang="en-US" sz="1400" b="0" dirty="0">
-                <a:solidFill>
-                  <a:srgbClr val="D73A49"/>
-                </a:solidFill>
-                <a:effectLst/>
-                <a:highlight>
-                  <a:srgbClr val="F9F9F9"/>
-                </a:highlight>
-                <a:latin typeface="Cascadia Code" panose="020B0609020000020004" pitchFamily="49" charset="0"/>
-              </a:rPr>
-              <a:t>def</a:t>
-            </a:r>
-            <a:r>
-              <a:rPr lang="en-US" sz="1400" b="0" dirty="0">
-                <a:solidFill>
-                  <a:srgbClr val="24292E"/>
-                </a:solidFill>
-                <a:effectLst/>
-                <a:highlight>
-                  <a:srgbClr val="F9F9F9"/>
-                </a:highlight>
-                <a:latin typeface="Cascadia Code" panose="020B0609020000020004" pitchFamily="49" charset="0"/>
-              </a:rPr>
-              <a:t> </a:t>
-            </a:r>
-            <a:r>
-              <a:rPr lang="en-US" sz="1400" b="0" dirty="0">
-                <a:solidFill>
-                  <a:srgbClr val="6F42C1"/>
-                </a:solidFill>
-                <a:effectLst/>
-                <a:highlight>
-                  <a:srgbClr val="F9F9F9"/>
-                </a:highlight>
-                <a:latin typeface="Cascadia Code" panose="020B0609020000020004" pitchFamily="49" charset="0"/>
-              </a:rPr>
-              <a:t>start</a:t>
-            </a:r>
-            <a:r>
-              <a:rPr lang="en-US" sz="1400" b="0" dirty="0">
-                <a:solidFill>
-                  <a:srgbClr val="24292E"/>
-                </a:solidFill>
-                <a:effectLst/>
-                <a:highlight>
-                  <a:srgbClr val="F9F9F9"/>
-                </a:highlight>
-                <a:latin typeface="Cascadia Code" panose="020B0609020000020004" pitchFamily="49" charset="0"/>
-              </a:rPr>
-              <a:t>(</a:t>
-            </a:r>
-            <a:r>
-              <a:rPr lang="en-US" sz="1400" b="0" dirty="0">
-                <a:solidFill>
-                  <a:srgbClr val="6A737D"/>
-                </a:solidFill>
-                <a:effectLst/>
-                <a:highlight>
-                  <a:srgbClr val="F9F9F9"/>
-                </a:highlight>
-                <a:latin typeface="Cascadia Code" panose="020B0609020000020004" pitchFamily="49" charset="0"/>
-              </a:rPr>
-              <a:t>_type</a:t>
-            </a:r>
-            <a:r>
-              <a:rPr lang="en-US" sz="1400" b="0" dirty="0">
-                <a:solidFill>
-                  <a:srgbClr val="24292E"/>
-                </a:solidFill>
-                <a:effectLst/>
-                <a:highlight>
-                  <a:srgbClr val="F9F9F9"/>
-                </a:highlight>
-                <a:latin typeface="Cascadia Code" panose="020B0609020000020004" pitchFamily="49" charset="0"/>
-              </a:rPr>
-              <a:t>, </a:t>
-            </a:r>
-            <a:r>
-              <a:rPr lang="en-US" sz="1400" b="0" dirty="0">
-                <a:solidFill>
-                  <a:srgbClr val="6A737D"/>
-                </a:solidFill>
-                <a:effectLst/>
-                <a:highlight>
-                  <a:srgbClr val="F9F9F9"/>
-                </a:highlight>
-                <a:latin typeface="Cascadia Code" panose="020B0609020000020004" pitchFamily="49" charset="0"/>
-              </a:rPr>
-              <a:t>_args</a:t>
-            </a:r>
-            <a:r>
-              <a:rPr lang="en-US" sz="1400" b="0" dirty="0">
-                <a:solidFill>
-                  <a:srgbClr val="24292E"/>
-                </a:solidFill>
-                <a:effectLst/>
-                <a:highlight>
-                  <a:srgbClr val="F9F9F9"/>
-                </a:highlight>
-                <a:latin typeface="Cascadia Code" panose="020B0609020000020004" pitchFamily="49" charset="0"/>
-              </a:rPr>
-              <a:t>) </a:t>
-            </a:r>
-            <a:r>
-              <a:rPr lang="en-US" sz="1400" b="0" dirty="0">
-                <a:solidFill>
-                  <a:srgbClr val="D73A49"/>
-                </a:solidFill>
-                <a:effectLst/>
-                <a:highlight>
-                  <a:srgbClr val="F9F9F9"/>
-                </a:highlight>
-                <a:latin typeface="Cascadia Code" panose="020B0609020000020004" pitchFamily="49" charset="0"/>
-              </a:rPr>
-              <a:t>do</a:t>
-            </a:r>
-            <a:endParaRPr lang="en-US" sz="1400" b="0" dirty="0">
-              <a:solidFill>
-                <a:srgbClr val="24292E"/>
-              </a:solidFill>
-              <a:effectLst/>
-              <a:highlight>
-                <a:srgbClr val="F9F9F9"/>
-              </a:highlight>
-              <a:latin typeface="Cascadia Code" panose="020B0609020000020004" pitchFamily="49" charset="0"/>
-            </a:endParaRPr>
-          </a:p>
-          <a:p>
-            <a:r>
-              <a:rPr lang="en-US" sz="1400" b="0" dirty="0">
-                <a:solidFill>
-                  <a:srgbClr val="24292E"/>
-                </a:solidFill>
-                <a:effectLst/>
-                <a:highlight>
-                  <a:srgbClr val="F9F9F9"/>
-                </a:highlight>
-                <a:latin typeface="Cascadia Code" panose="020B0609020000020004" pitchFamily="49" charset="0"/>
-              </a:rPr>
-              <a:t>    </a:t>
-            </a:r>
-            <a:r>
-              <a:rPr lang="en-US" sz="1400" b="0" dirty="0">
-                <a:solidFill>
-                  <a:srgbClr val="6F42C1"/>
-                </a:solidFill>
-                <a:effectLst/>
-                <a:highlight>
-                  <a:srgbClr val="F9F9F9"/>
-                </a:highlight>
-                <a:latin typeface="Cascadia Code" panose="020B0609020000020004" pitchFamily="49" charset="0"/>
-              </a:rPr>
-              <a:t>IO</a:t>
-            </a:r>
-            <a:r>
-              <a:rPr lang="en-US" sz="1400" b="0" dirty="0">
-                <a:solidFill>
-                  <a:srgbClr val="24292E"/>
-                </a:solidFill>
-                <a:effectLst/>
-                <a:highlight>
-                  <a:srgbClr val="F9F9F9"/>
-                </a:highlight>
-                <a:latin typeface="Cascadia Code" panose="020B0609020000020004" pitchFamily="49" charset="0"/>
-              </a:rPr>
-              <a:t>.</a:t>
-            </a:r>
-            <a:r>
-              <a:rPr lang="en-US" sz="1400" b="0" dirty="0">
-                <a:solidFill>
-                  <a:srgbClr val="6F42C1"/>
-                </a:solidFill>
-                <a:effectLst/>
-                <a:highlight>
-                  <a:srgbClr val="F9F9F9"/>
-                </a:highlight>
-                <a:latin typeface="Cascadia Code" panose="020B0609020000020004" pitchFamily="49" charset="0"/>
-              </a:rPr>
-              <a:t>puts</a:t>
-            </a:r>
-            <a:r>
-              <a:rPr lang="en-US" sz="1400" b="0" dirty="0">
-                <a:solidFill>
-                  <a:srgbClr val="24292E"/>
-                </a:solidFill>
-                <a:effectLst/>
-                <a:highlight>
-                  <a:srgbClr val="F9F9F9"/>
-                </a:highlight>
-                <a:latin typeface="Cascadia Code" panose="020B0609020000020004" pitchFamily="49" charset="0"/>
-              </a:rPr>
-              <a:t>(</a:t>
-            </a:r>
-            <a:r>
-              <a:rPr lang="en-US" sz="1400" b="0" dirty="0">
-                <a:solidFill>
-                  <a:srgbClr val="22863A"/>
-                </a:solidFill>
-                <a:effectLst/>
-                <a:highlight>
-                  <a:srgbClr val="F9F9F9"/>
-                </a:highlight>
-                <a:latin typeface="Cascadia Code" panose="020B0609020000020004" pitchFamily="49" charset="0"/>
-              </a:rPr>
-              <a:t>"Hello world"</a:t>
-            </a:r>
-            <a:r>
-              <a:rPr lang="en-US" sz="1400" b="0" dirty="0">
-                <a:solidFill>
-                  <a:srgbClr val="24292E"/>
-                </a:solidFill>
-                <a:effectLst/>
-                <a:highlight>
-                  <a:srgbClr val="F9F9F9"/>
-                </a:highlight>
-                <a:latin typeface="Cascadia Code" panose="020B0609020000020004" pitchFamily="49" charset="0"/>
-              </a:rPr>
-              <a:t>)</a:t>
-            </a:r>
-          </a:p>
-          <a:p>
-            <a:br>
-              <a:rPr lang="en-US" sz="1400" b="0" dirty="0">
-                <a:solidFill>
-                  <a:srgbClr val="24292E"/>
-                </a:solidFill>
-                <a:effectLst/>
-                <a:highlight>
-                  <a:srgbClr val="F9F9F9"/>
-                </a:highlight>
-                <a:latin typeface="Cascadia Code" panose="020B0609020000020004" pitchFamily="49" charset="0"/>
-              </a:rPr>
-            </a:br>
-            <a:r>
-              <a:rPr lang="en-US" sz="1400" b="0" dirty="0">
-                <a:solidFill>
-                  <a:srgbClr val="24292E"/>
-                </a:solidFill>
-                <a:effectLst/>
-                <a:highlight>
-                  <a:srgbClr val="F9F9F9"/>
-                </a:highlight>
-                <a:latin typeface="Cascadia Code" panose="020B0609020000020004" pitchFamily="49" charset="0"/>
-              </a:rPr>
-              <a:t>    {</a:t>
-            </a:r>
-            <a:r>
-              <a:rPr lang="en-US" sz="1400" b="0" dirty="0">
-                <a:solidFill>
-                  <a:srgbClr val="005CC5"/>
-                </a:solidFill>
-                <a:effectLst/>
-                <a:highlight>
-                  <a:srgbClr val="F9F9F9"/>
-                </a:highlight>
-                <a:latin typeface="Cascadia Code" panose="020B0609020000020004" pitchFamily="49" charset="0"/>
-              </a:rPr>
-              <a:t>:ok</a:t>
-            </a:r>
-            <a:r>
-              <a:rPr lang="en-US" sz="1400" b="0" dirty="0">
-                <a:solidFill>
-                  <a:srgbClr val="24292E"/>
-                </a:solidFill>
-                <a:effectLst/>
-                <a:highlight>
-                  <a:srgbClr val="F9F9F9"/>
-                </a:highlight>
-                <a:latin typeface="Cascadia Code" panose="020B0609020000020004" pitchFamily="49" charset="0"/>
-              </a:rPr>
-              <a:t>, </a:t>
-            </a:r>
-            <a:r>
-              <a:rPr lang="en-US" sz="1400" b="0" dirty="0">
-                <a:solidFill>
-                  <a:srgbClr val="6F42C1"/>
-                </a:solidFill>
-                <a:effectLst/>
-                <a:highlight>
-                  <a:srgbClr val="F9F9F9"/>
-                </a:highlight>
-                <a:latin typeface="Cascadia Code" panose="020B0609020000020004" pitchFamily="49" charset="0"/>
-              </a:rPr>
-              <a:t>self</a:t>
-            </a:r>
-            <a:r>
-              <a:rPr lang="en-US" sz="1400" b="0" dirty="0">
-                <a:solidFill>
-                  <a:srgbClr val="24292E"/>
-                </a:solidFill>
-                <a:effectLst/>
-                <a:highlight>
-                  <a:srgbClr val="F9F9F9"/>
-                </a:highlight>
-                <a:latin typeface="Cascadia Code" panose="020B0609020000020004" pitchFamily="49" charset="0"/>
-              </a:rPr>
-              <a:t>()}</a:t>
-            </a:r>
-          </a:p>
-          <a:p>
-            <a:r>
-              <a:rPr lang="en-US" sz="1400" b="0" dirty="0">
-                <a:solidFill>
-                  <a:srgbClr val="24292E"/>
-                </a:solidFill>
-                <a:effectLst/>
-                <a:highlight>
-                  <a:srgbClr val="F9F9F9"/>
-                </a:highlight>
-                <a:latin typeface="Cascadia Code" panose="020B0609020000020004" pitchFamily="49" charset="0"/>
-              </a:rPr>
-              <a:t>  </a:t>
-            </a:r>
-            <a:r>
-              <a:rPr lang="en-US" sz="1400" b="0" dirty="0">
-                <a:solidFill>
-                  <a:srgbClr val="D73A49"/>
-                </a:solidFill>
-                <a:effectLst/>
-                <a:highlight>
-                  <a:srgbClr val="F9F9F9"/>
-                </a:highlight>
-                <a:latin typeface="Cascadia Code" panose="020B0609020000020004" pitchFamily="49" charset="0"/>
-              </a:rPr>
-              <a:t>end</a:t>
-            </a:r>
-            <a:endParaRPr lang="en-US" sz="1400" b="0" dirty="0">
-              <a:solidFill>
-                <a:srgbClr val="24292E"/>
-              </a:solidFill>
-              <a:effectLst/>
-              <a:highlight>
-                <a:srgbClr val="F9F9F9"/>
-              </a:highlight>
-              <a:latin typeface="Cascadia Code" panose="020B0609020000020004" pitchFamily="49" charset="0"/>
-            </a:endParaRPr>
-          </a:p>
-          <a:p>
-            <a:r>
-              <a:rPr lang="en-US" sz="1400" b="0" dirty="0">
-                <a:solidFill>
-                  <a:srgbClr val="D73A49"/>
-                </a:solidFill>
-                <a:effectLst/>
-                <a:highlight>
-                  <a:srgbClr val="F9F9F9"/>
-                </a:highlight>
-                <a:latin typeface="Cascadia Code" panose="020B0609020000020004" pitchFamily="49" charset="0"/>
-              </a:rPr>
-              <a:t>end</a:t>
-            </a:r>
-            <a:endParaRPr lang="en-US" sz="1400" b="0" dirty="0">
-              <a:solidFill>
-                <a:srgbClr val="24292E"/>
-              </a:solidFill>
-              <a:effectLst/>
-              <a:highlight>
-                <a:srgbClr val="F9F9F9"/>
-              </a:highlight>
-              <a:latin typeface="Cascadia Code" panose="020B0609020000020004" pitchFamily="49" charset="0"/>
-            </a:endParaRPr>
-          </a:p>
-        </p:txBody>
-      </p:sp>
-      <p:sp>
-        <p:nvSpPr>
-          <p:cNvPr id="6" name="Rectangle 5">
-            <a:extLst>
-              <a:ext uri="{FF2B5EF4-FFF2-40B4-BE49-F238E27FC236}">
-                <a16:creationId xmlns:a16="http://schemas.microsoft.com/office/drawing/2014/main" id="{5CFF666D-82A4-06AF-44B2-6D03062BAFDC}"/>
-              </a:ext>
-            </a:extLst>
-          </p:cNvPr>
-          <p:cNvSpPr/>
-          <p:nvPr/>
-        </p:nvSpPr>
-        <p:spPr>
-          <a:xfrm>
-            <a:off x="838200" y="2986265"/>
-            <a:ext cx="4069080" cy="2464260"/>
-          </a:xfrm>
-          <a:prstGeom prst="rect">
-            <a:avLst/>
-          </a:prstGeom>
-          <a:solidFill>
-            <a:srgbClr val="F9F9F9"/>
-          </a:solidFill>
-          <a:ln w="25400" cap="flat">
-            <a:solidFill>
-              <a:schemeClr val="accent1"/>
-            </a:solidFill>
-            <a:prstDash val="solid"/>
-            <a:round/>
-          </a:ln>
-          <a:effectLst/>
-          <a:sp3d/>
-        </p:spPr>
-        <p:style>
-          <a:lnRef idx="0">
-            <a:scrgbClr r="0" g="0" b="0"/>
-          </a:lnRef>
-          <a:fillRef idx="0">
-            <a:scrgbClr r="0" g="0" b="0"/>
-          </a:fillRef>
-          <a:effectRef idx="0">
-            <a:scrgbClr r="0" g="0" b="0"/>
-          </a:effectRef>
-          <a:fontRef idx="none"/>
-        </p:style>
-        <p:txBody>
-          <a:bodyPr rot="0" spcFirstLastPara="1" vertOverflow="overflow" horzOverflow="overflow" vert="horz" wrap="square" lIns="45718" tIns="45718" rIns="45718" bIns="45718" numCol="1" spcCol="38100" rtlCol="0" anchor="ctr">
-            <a:spAutoFit/>
-          </a:bodyPr>
-          <a:lstStyle/>
-          <a:p>
-            <a:r>
-              <a:rPr lang="en-US" sz="1400" b="0" dirty="0">
-                <a:solidFill>
-                  <a:srgbClr val="D73A49"/>
-                </a:solidFill>
-                <a:effectLst/>
-                <a:highlight>
-                  <a:srgbClr val="F9F9F9"/>
-                </a:highlight>
-                <a:latin typeface="Cascadia Code" panose="020B0609020000020004" pitchFamily="49" charset="0"/>
-              </a:rPr>
-              <a:t>defmodule</a:t>
-            </a:r>
-            <a:r>
-              <a:rPr lang="en-US" sz="1400" b="0" dirty="0">
-                <a:solidFill>
-                  <a:srgbClr val="24292E"/>
-                </a:solidFill>
-                <a:effectLst/>
-                <a:highlight>
-                  <a:srgbClr val="F9F9F9"/>
-                </a:highlight>
-                <a:latin typeface="Cascadia Code" panose="020B0609020000020004" pitchFamily="49" charset="0"/>
-              </a:rPr>
-              <a:t> </a:t>
-            </a:r>
-            <a:r>
-              <a:rPr lang="en-US" sz="1400" b="0" dirty="0" err="1">
-                <a:solidFill>
-                  <a:srgbClr val="6F42C1"/>
-                </a:solidFill>
-                <a:effectLst/>
-                <a:highlight>
-                  <a:srgbClr val="F9F9F9"/>
-                </a:highlight>
-                <a:latin typeface="Cascadia Code" panose="020B0609020000020004" pitchFamily="49" charset="0"/>
-              </a:rPr>
-              <a:t>MyApp.MixProject</a:t>
-            </a:r>
-            <a:r>
-              <a:rPr lang="en-US" sz="1400" b="0" dirty="0">
-                <a:solidFill>
-                  <a:srgbClr val="24292E"/>
-                </a:solidFill>
-                <a:effectLst/>
-                <a:highlight>
-                  <a:srgbClr val="F9F9F9"/>
-                </a:highlight>
-                <a:latin typeface="Cascadia Code" panose="020B0609020000020004" pitchFamily="49" charset="0"/>
-              </a:rPr>
-              <a:t> </a:t>
-            </a:r>
-            <a:r>
-              <a:rPr lang="en-US" sz="1400" b="0" dirty="0">
-                <a:solidFill>
-                  <a:srgbClr val="D73A49"/>
-                </a:solidFill>
-                <a:effectLst/>
-                <a:highlight>
-                  <a:srgbClr val="F9F9F9"/>
-                </a:highlight>
-                <a:latin typeface="Cascadia Code" panose="020B0609020000020004" pitchFamily="49" charset="0"/>
-              </a:rPr>
-              <a:t>do</a:t>
-            </a:r>
-            <a:endParaRPr lang="en-US" sz="1400" b="0" dirty="0">
-              <a:solidFill>
-                <a:srgbClr val="24292E"/>
-              </a:solidFill>
-              <a:effectLst/>
-              <a:highlight>
-                <a:srgbClr val="F9F9F9"/>
-              </a:highlight>
-              <a:latin typeface="Cascadia Code" panose="020B0609020000020004" pitchFamily="49" charset="0"/>
-            </a:endParaRPr>
-          </a:p>
-          <a:p>
-            <a:r>
-              <a:rPr lang="en-US" sz="1400" b="0" dirty="0">
-                <a:solidFill>
-                  <a:srgbClr val="24292E"/>
-                </a:solidFill>
-                <a:effectLst/>
-                <a:highlight>
-                  <a:srgbClr val="F9F9F9"/>
-                </a:highlight>
-                <a:latin typeface="Cascadia Code" panose="020B0609020000020004" pitchFamily="49" charset="0"/>
-              </a:rPr>
-              <a:t>  </a:t>
-            </a:r>
-            <a:r>
-              <a:rPr lang="en-US" sz="1400" b="0" dirty="0">
-                <a:solidFill>
-                  <a:srgbClr val="D73A49"/>
-                </a:solidFill>
-                <a:effectLst/>
-                <a:highlight>
-                  <a:srgbClr val="F9F9F9"/>
-                </a:highlight>
-                <a:latin typeface="Cascadia Code" panose="020B0609020000020004" pitchFamily="49" charset="0"/>
-              </a:rPr>
-              <a:t>def</a:t>
-            </a:r>
-            <a:r>
-              <a:rPr lang="en-US" sz="1400" b="0" dirty="0">
-                <a:solidFill>
-                  <a:srgbClr val="24292E"/>
-                </a:solidFill>
-                <a:effectLst/>
-                <a:highlight>
-                  <a:srgbClr val="F9F9F9"/>
-                </a:highlight>
-                <a:latin typeface="Cascadia Code" panose="020B0609020000020004" pitchFamily="49" charset="0"/>
-              </a:rPr>
-              <a:t> </a:t>
-            </a:r>
-            <a:r>
-              <a:rPr lang="en-US" sz="1400" b="0" dirty="0">
-                <a:solidFill>
-                  <a:srgbClr val="6F42C1"/>
-                </a:solidFill>
-                <a:effectLst/>
-                <a:highlight>
-                  <a:srgbClr val="F9F9F9"/>
-                </a:highlight>
-                <a:latin typeface="Cascadia Code" panose="020B0609020000020004" pitchFamily="49" charset="0"/>
-              </a:rPr>
-              <a:t>application</a:t>
-            </a:r>
-            <a:r>
-              <a:rPr lang="en-US" sz="1400" b="0" dirty="0">
-                <a:solidFill>
-                  <a:srgbClr val="24292E"/>
-                </a:solidFill>
-                <a:effectLst/>
-                <a:highlight>
-                  <a:srgbClr val="F9F9F9"/>
-                </a:highlight>
-                <a:latin typeface="Cascadia Code" panose="020B0609020000020004" pitchFamily="49" charset="0"/>
-              </a:rPr>
-              <a:t> </a:t>
-            </a:r>
-            <a:r>
-              <a:rPr lang="en-US" sz="1400" b="0" dirty="0">
-                <a:solidFill>
-                  <a:srgbClr val="D73A49"/>
-                </a:solidFill>
-                <a:effectLst/>
-                <a:highlight>
-                  <a:srgbClr val="F9F9F9"/>
-                </a:highlight>
-                <a:latin typeface="Cascadia Code" panose="020B0609020000020004" pitchFamily="49" charset="0"/>
-              </a:rPr>
-              <a:t>do</a:t>
-            </a:r>
-            <a:endParaRPr lang="en-US" sz="1400" b="0" dirty="0">
-              <a:solidFill>
-                <a:srgbClr val="24292E"/>
-              </a:solidFill>
-              <a:effectLst/>
-              <a:highlight>
-                <a:srgbClr val="F9F9F9"/>
-              </a:highlight>
-              <a:latin typeface="Cascadia Code" panose="020B0609020000020004" pitchFamily="49" charset="0"/>
-            </a:endParaRPr>
-          </a:p>
-          <a:p>
-            <a:r>
-              <a:rPr lang="en-US" sz="1400" b="0" dirty="0">
-                <a:solidFill>
-                  <a:srgbClr val="24292E"/>
-                </a:solidFill>
-                <a:effectLst/>
-                <a:highlight>
-                  <a:srgbClr val="F9F9F9"/>
-                </a:highlight>
-                <a:latin typeface="Cascadia Code" panose="020B0609020000020004" pitchFamily="49" charset="0"/>
-              </a:rPr>
-              <a:t>    [</a:t>
-            </a:r>
-          </a:p>
-          <a:p>
-            <a:r>
-              <a:rPr lang="en-US" sz="1400" b="0" dirty="0">
-                <a:solidFill>
-                  <a:srgbClr val="24292E"/>
-                </a:solidFill>
-                <a:effectLst/>
-                <a:highlight>
-                  <a:srgbClr val="F9F9F9"/>
-                </a:highlight>
-                <a:latin typeface="Cascadia Code" panose="020B0609020000020004" pitchFamily="49" charset="0"/>
-              </a:rPr>
-              <a:t>        </a:t>
-            </a:r>
-            <a:r>
-              <a:rPr lang="en-US" sz="1400" b="0" dirty="0">
-                <a:solidFill>
-                  <a:srgbClr val="005CC5"/>
-                </a:solidFill>
-                <a:effectLst/>
-                <a:highlight>
-                  <a:srgbClr val="F9F9F9"/>
-                </a:highlight>
-                <a:latin typeface="Cascadia Code" panose="020B0609020000020004" pitchFamily="49" charset="0"/>
-              </a:rPr>
-              <a:t>mod:</a:t>
-            </a:r>
-            <a:r>
-              <a:rPr lang="en-US" sz="1400" b="0" dirty="0">
-                <a:solidFill>
-                  <a:srgbClr val="24292E"/>
-                </a:solidFill>
-                <a:effectLst/>
-                <a:highlight>
-                  <a:srgbClr val="F9F9F9"/>
-                </a:highlight>
-                <a:latin typeface="Cascadia Code" panose="020B0609020000020004" pitchFamily="49" charset="0"/>
-              </a:rPr>
-              <a:t> {</a:t>
-            </a:r>
-            <a:r>
-              <a:rPr lang="en-US" sz="1400" b="0" dirty="0">
-                <a:solidFill>
-                  <a:srgbClr val="6F42C1"/>
-                </a:solidFill>
-                <a:effectLst/>
-                <a:highlight>
-                  <a:srgbClr val="F9F9F9"/>
-                </a:highlight>
-                <a:latin typeface="Cascadia Code" panose="020B0609020000020004" pitchFamily="49" charset="0"/>
-              </a:rPr>
-              <a:t>MyApp</a:t>
-            </a:r>
-            <a:r>
-              <a:rPr lang="en-US" sz="1400" b="0" dirty="0">
-                <a:solidFill>
-                  <a:srgbClr val="24292E"/>
-                </a:solidFill>
-                <a:effectLst/>
-                <a:highlight>
-                  <a:srgbClr val="F9F9F9"/>
-                </a:highlight>
-                <a:latin typeface="Cascadia Code" panose="020B0609020000020004" pitchFamily="49" charset="0"/>
-              </a:rPr>
-              <a:t>, []},</a:t>
-            </a:r>
-          </a:p>
-          <a:p>
-            <a:r>
-              <a:rPr lang="en-US" sz="1400" b="0" dirty="0">
-                <a:solidFill>
-                  <a:srgbClr val="24292E"/>
-                </a:solidFill>
-                <a:effectLst/>
-                <a:highlight>
-                  <a:srgbClr val="F9F9F9"/>
-                </a:highlight>
-                <a:latin typeface="Cascadia Code" panose="020B0609020000020004" pitchFamily="49" charset="0"/>
-              </a:rPr>
-              <a:t>    ]</a:t>
-            </a:r>
-          </a:p>
-          <a:p>
-            <a:r>
-              <a:rPr lang="en-US" sz="1400" b="0" dirty="0">
-                <a:solidFill>
-                  <a:srgbClr val="24292E"/>
-                </a:solidFill>
-                <a:effectLst/>
-                <a:highlight>
-                  <a:srgbClr val="F9F9F9"/>
-                </a:highlight>
-                <a:latin typeface="Cascadia Code" panose="020B0609020000020004" pitchFamily="49" charset="0"/>
-              </a:rPr>
-              <a:t>  </a:t>
-            </a:r>
-            <a:r>
-              <a:rPr lang="en-US" sz="1400" b="0" dirty="0">
-                <a:solidFill>
-                  <a:srgbClr val="D73A49"/>
-                </a:solidFill>
-                <a:effectLst/>
-                <a:highlight>
-                  <a:srgbClr val="F9F9F9"/>
-                </a:highlight>
-                <a:latin typeface="Cascadia Code" panose="020B0609020000020004" pitchFamily="49" charset="0"/>
-              </a:rPr>
-              <a:t>end</a:t>
-            </a:r>
-          </a:p>
-          <a:p>
-            <a:r>
-              <a:rPr lang="en-US" sz="1400" b="0" dirty="0">
-                <a:solidFill>
-                  <a:srgbClr val="D73A49"/>
-                </a:solidFill>
-                <a:effectLst/>
-                <a:highlight>
-                  <a:srgbClr val="F9F9F9"/>
-                </a:highlight>
-                <a:latin typeface="Cascadia Code" panose="020B0609020000020004" pitchFamily="49" charset="0"/>
-              </a:rPr>
-              <a:t>  . . .</a:t>
-            </a:r>
-            <a:endParaRPr lang="en-US" sz="1400" b="0" dirty="0">
-              <a:solidFill>
-                <a:srgbClr val="24292E"/>
-              </a:solidFill>
-              <a:effectLst/>
-              <a:highlight>
-                <a:srgbClr val="F9F9F9"/>
-              </a:highlight>
-              <a:latin typeface="Cascadia Code" panose="020B0609020000020004" pitchFamily="49" charset="0"/>
-            </a:endParaRPr>
-          </a:p>
-          <a:p>
-            <a:r>
-              <a:rPr lang="en-US" sz="1400" b="0" dirty="0">
-                <a:solidFill>
-                  <a:srgbClr val="D73A49"/>
-                </a:solidFill>
-                <a:effectLst/>
-                <a:highlight>
-                  <a:srgbClr val="F9F9F9"/>
-                </a:highlight>
-                <a:latin typeface="Cascadia Code" panose="020B0609020000020004" pitchFamily="49" charset="0"/>
-              </a:rPr>
-              <a:t>end</a:t>
-            </a:r>
-            <a:endParaRPr lang="en-US" sz="1400" b="0" dirty="0">
-              <a:solidFill>
-                <a:srgbClr val="24292E"/>
-              </a:solidFill>
-              <a:effectLst/>
-              <a:highlight>
-                <a:srgbClr val="F9F9F9"/>
-              </a:highlight>
-              <a:latin typeface="Cascadia Code" panose="020B0609020000020004" pitchFamily="49" charset="0"/>
-            </a:endParaRPr>
-          </a:p>
-        </p:txBody>
-      </p:sp>
-    </p:spTree>
-    <p:extLst>
-      <p:ext uri="{BB962C8B-B14F-4D97-AF65-F5344CB8AC3E}">
-        <p14:creationId xmlns:p14="http://schemas.microsoft.com/office/powerpoint/2010/main" val="808881922"/>
-      </p:ext>
-    </p:extLst>
-  </p:cSld>
-  <p:clrMapOvr>
-    <a:masterClrMapping/>
-  </p:clrMapOvr>
-  <p:transition spd="med"/>
-</p:sld>
-</file>
-
-<file path=ppt/slides/slide28.xml><?xml version="1.0" encoding="utf-8"?>
-<p:sld xmlns:a="http://schemas.openxmlformats.org/drawingml/2006/main" xmlns:r="http://schemas.openxmlformats.org/officeDocument/2006/relationships" xmlns:p="http://schemas.openxmlformats.org/presentationml/2006/main">
-  <p:cSld>
-    <p:spTree>
-      <p:nvGrpSpPr>
-        <p:cNvPr id="1" name=""/>
-        <p:cNvGrpSpPr/>
-        <p:nvPr/>
-      </p:nvGrpSpPr>
-      <p:grpSpPr>
-        <a:xfrm>
-          <a:off x="0" y="0"/>
-          <a:ext cx="0" cy="0"/>
-          <a:chOff x="0" y="0"/>
-          <a:chExt cx="0" cy="0"/>
-        </a:xfrm>
-      </p:grpSpPr>
-      <p:sp>
-        <p:nvSpPr>
-          <p:cNvPr id="4" name="Title 3">
-            <a:extLst>
-              <a:ext uri="{FF2B5EF4-FFF2-40B4-BE49-F238E27FC236}">
-                <a16:creationId xmlns:a16="http://schemas.microsoft.com/office/drawing/2014/main" id="{0B5E89EB-6726-48BB-A178-4BC22FD7EFD1}"/>
-              </a:ext>
-            </a:extLst>
-          </p:cNvPr>
-          <p:cNvSpPr>
-            <a:spLocks noGrp="1"/>
-          </p:cNvSpPr>
-          <p:nvPr>
-            <p:ph type="title"/>
-          </p:nvPr>
-        </p:nvSpPr>
-        <p:spPr>
-          <a:xfrm>
-            <a:off x="885440" y="1597396"/>
-            <a:ext cx="4939048" cy="1076082"/>
-          </a:xfrm>
-        </p:spPr>
-        <p:txBody>
-          <a:bodyPr/>
-          <a:lstStyle/>
-          <a:p>
-            <a:r>
-              <a:rPr lang="en-US" dirty="0"/>
-              <a:t>Demo</a:t>
-            </a:r>
-          </a:p>
-        </p:txBody>
-      </p:sp>
-      <p:sp>
-        <p:nvSpPr>
-          <p:cNvPr id="5" name="Text Placeholder 4">
-            <a:extLst>
-              <a:ext uri="{FF2B5EF4-FFF2-40B4-BE49-F238E27FC236}">
-                <a16:creationId xmlns:a16="http://schemas.microsoft.com/office/drawing/2014/main" id="{D92FCB95-0201-4B34-8F73-1B60BBEDA319}"/>
-              </a:ext>
-            </a:extLst>
-          </p:cNvPr>
-          <p:cNvSpPr>
-            <a:spLocks noGrp="1"/>
-          </p:cNvSpPr>
-          <p:nvPr>
-            <p:ph type="body" sz="quarter" idx="1"/>
-          </p:nvPr>
-        </p:nvSpPr>
-        <p:spPr>
-          <a:xfrm>
-            <a:off x="885440" y="2805606"/>
-            <a:ext cx="5031977" cy="1246787"/>
-          </a:xfrm>
-        </p:spPr>
-        <p:txBody>
-          <a:bodyPr/>
-          <a:lstStyle/>
-          <a:p>
-            <a:endParaRPr lang="en-US" dirty="0"/>
-          </a:p>
-        </p:txBody>
-      </p:sp>
-      <p:pic>
-        <p:nvPicPr>
-          <p:cNvPr id="2050" name="Picture 2">
-            <a:extLst>
-              <a:ext uri="{FF2B5EF4-FFF2-40B4-BE49-F238E27FC236}">
-                <a16:creationId xmlns:a16="http://schemas.microsoft.com/office/drawing/2014/main" id="{00A4FE67-659A-44B9-A2F9-A88C6BE1E64C}"/>
-              </a:ext>
-            </a:extLst>
-          </p:cNvPr>
-          <p:cNvPicPr>
-            <a:picLocks noChangeAspect="1" noChangeArrowheads="1"/>
-          </p:cNvPicPr>
-          <p:nvPr/>
-        </p:nvPicPr>
-        <p:blipFill>
-          <a:blip r:embed="rId3">
-            <a:extLst>
-              <a:ext uri="{28A0092B-C50C-407E-A947-70E740481C1C}">
-                <a14:useLocalDpi xmlns:a14="http://schemas.microsoft.com/office/drawing/2010/main" val="0"/>
-              </a:ext>
-            </a:extLst>
-          </a:blip>
-          <a:srcRect/>
-          <a:stretch>
-            <a:fillRect/>
-          </a:stretch>
-        </p:blipFill>
-        <p:spPr bwMode="auto">
-          <a:xfrm>
-            <a:off x="5160320" y="1387603"/>
-            <a:ext cx="2571750" cy="2571750"/>
-          </a:xfrm>
-          <a:prstGeom prst="rect">
-            <a:avLst/>
-          </a:prstGeom>
-          <a:noFill/>
-          <a:extLst>
-            <a:ext uri="{909E8E84-426E-40DD-AFC4-6F175D3DCCD1}">
-              <a14:hiddenFill xmlns:a14="http://schemas.microsoft.com/office/drawing/2010/main">
-                <a:solidFill>
-                  <a:srgbClr val="FFFFFF"/>
-                </a:solidFill>
-              </a14:hiddenFill>
-            </a:ext>
-          </a:extLst>
-        </p:spPr>
-      </p:pic>
-    </p:spTree>
-    <p:extLst>
-      <p:ext uri="{BB962C8B-B14F-4D97-AF65-F5344CB8AC3E}">
-        <p14:creationId xmlns:p14="http://schemas.microsoft.com/office/powerpoint/2010/main" val="2251825092"/>
-      </p:ext>
-    </p:extLst>
-  </p:cSld>
-  <p:clrMapOvr>
-    <a:masterClrMapping/>
-  </p:clrMapOvr>
-  <p:transition spd="med"/>
-</p:sld>
-</file>
-
-<file path=ppt/slides/slide29.xml><?xml version="1.0" encoding="utf-8"?>
 <p:sld xmlns:a="http://schemas.openxmlformats.org/drawingml/2006/main" xmlns:r="http://schemas.openxmlformats.org/officeDocument/2006/relationships" xmlns:p="http://schemas.openxmlformats.org/presentationml/2006/main">
   <p:cSld>
     <p:spTree>
@@ -11671,6 +10326,90 @@
     <p:extLst>
       <p:ext uri="{BB962C8B-B14F-4D97-AF65-F5344CB8AC3E}">
         <p14:creationId xmlns:p14="http://schemas.microsoft.com/office/powerpoint/2010/main" val="2873828072"/>
+      </p:ext>
+    </p:extLst>
+  </p:cSld>
+  <p:clrMapOvr>
+    <a:masterClrMapping/>
+  </p:clrMapOvr>
+  <p:transition spd="med"/>
+</p:sld>
+</file>
+
+<file path=ppt/slides/slide28.xml><?xml version="1.0" encoding="utf-8"?>
+<p:sld xmlns:a="http://schemas.openxmlformats.org/drawingml/2006/main" xmlns:r="http://schemas.openxmlformats.org/officeDocument/2006/relationships" xmlns:p="http://schemas.openxmlformats.org/presentationml/2006/main">
+  <p:cSld>
+    <p:spTree>
+      <p:nvGrpSpPr>
+        <p:cNvPr id="1" name=""/>
+        <p:cNvGrpSpPr/>
+        <p:nvPr/>
+      </p:nvGrpSpPr>
+      <p:grpSpPr>
+        <a:xfrm>
+          <a:off x="0" y="0"/>
+          <a:ext cx="0" cy="0"/>
+          <a:chOff x="0" y="0"/>
+          <a:chExt cx="0" cy="0"/>
+        </a:xfrm>
+      </p:grpSpPr>
+      <p:sp>
+        <p:nvSpPr>
+          <p:cNvPr id="2" name="Title 1">
+            <a:extLst>
+              <a:ext uri="{FF2B5EF4-FFF2-40B4-BE49-F238E27FC236}">
+                <a16:creationId xmlns:a16="http://schemas.microsoft.com/office/drawing/2014/main" id="{79EE08F3-5D90-4DF6-96DA-31714BCF32BF}"/>
+              </a:ext>
+            </a:extLst>
+          </p:cNvPr>
+          <p:cNvSpPr>
+            <a:spLocks noGrp="1"/>
+          </p:cNvSpPr>
+          <p:nvPr>
+            <p:ph type="title"/>
+          </p:nvPr>
+        </p:nvSpPr>
+        <p:spPr/>
+        <p:txBody>
+          <a:bodyPr/>
+          <a:lstStyle/>
+          <a:p>
+            <a:r>
+              <a:rPr lang="en-US" dirty="0"/>
+              <a:t>Thank you</a:t>
+            </a:r>
+          </a:p>
+        </p:txBody>
+      </p:sp>
+      <p:sp>
+        <p:nvSpPr>
+          <p:cNvPr id="3" name="Text Placeholder 2">
+            <a:extLst>
+              <a:ext uri="{FF2B5EF4-FFF2-40B4-BE49-F238E27FC236}">
+                <a16:creationId xmlns:a16="http://schemas.microsoft.com/office/drawing/2014/main" id="{1D1EDDDB-BF45-4C61-823B-9FB45ED6F51F}"/>
+              </a:ext>
+            </a:extLst>
+          </p:cNvPr>
+          <p:cNvSpPr>
+            <a:spLocks noGrp="1"/>
+          </p:cNvSpPr>
+          <p:nvPr>
+            <p:ph type="body" sz="half" idx="1"/>
+          </p:nvPr>
+        </p:nvSpPr>
+        <p:spPr/>
+        <p:txBody>
+          <a:bodyPr/>
+          <a:lstStyle/>
+          <a:p>
+            <a:endParaRPr lang="en-US"/>
+          </a:p>
+        </p:txBody>
+      </p:sp>
+    </p:spTree>
+    <p:extLst>
+      <p:ext uri="{BB962C8B-B14F-4D97-AF65-F5344CB8AC3E}">
+        <p14:creationId xmlns:p14="http://schemas.microsoft.com/office/powerpoint/2010/main" val="2384320704"/>
       </p:ext>
     </p:extLst>
   </p:cSld>
@@ -12359,90 +11098,6 @@
     <p:extLst>
       <p:ext uri="{BB962C8B-B14F-4D97-AF65-F5344CB8AC3E}">
         <p14:creationId xmlns:p14="http://schemas.microsoft.com/office/powerpoint/2010/main" val="1438642577"/>
-      </p:ext>
-    </p:extLst>
-  </p:cSld>
-  <p:clrMapOvr>
-    <a:masterClrMapping/>
-  </p:clrMapOvr>
-  <p:transition spd="med"/>
-</p:sld>
-</file>
-
-<file path=ppt/slides/slide30.xml><?xml version="1.0" encoding="utf-8"?>
-<p:sld xmlns:a="http://schemas.openxmlformats.org/drawingml/2006/main" xmlns:r="http://schemas.openxmlformats.org/officeDocument/2006/relationships" xmlns:p="http://schemas.openxmlformats.org/presentationml/2006/main">
-  <p:cSld>
-    <p:spTree>
-      <p:nvGrpSpPr>
-        <p:cNvPr id="1" name=""/>
-        <p:cNvGrpSpPr/>
-        <p:nvPr/>
-      </p:nvGrpSpPr>
-      <p:grpSpPr>
-        <a:xfrm>
-          <a:off x="0" y="0"/>
-          <a:ext cx="0" cy="0"/>
-          <a:chOff x="0" y="0"/>
-          <a:chExt cx="0" cy="0"/>
-        </a:xfrm>
-      </p:grpSpPr>
-      <p:sp>
-        <p:nvSpPr>
-          <p:cNvPr id="2" name="Title 1">
-            <a:extLst>
-              <a:ext uri="{FF2B5EF4-FFF2-40B4-BE49-F238E27FC236}">
-                <a16:creationId xmlns:a16="http://schemas.microsoft.com/office/drawing/2014/main" id="{79EE08F3-5D90-4DF6-96DA-31714BCF32BF}"/>
-              </a:ext>
-            </a:extLst>
-          </p:cNvPr>
-          <p:cNvSpPr>
-            <a:spLocks noGrp="1"/>
-          </p:cNvSpPr>
-          <p:nvPr>
-            <p:ph type="title"/>
-          </p:nvPr>
-        </p:nvSpPr>
-        <p:spPr/>
-        <p:txBody>
-          <a:bodyPr/>
-          <a:lstStyle/>
-          <a:p>
-            <a:r>
-              <a:rPr lang="en-US" dirty="0"/>
-              <a:t>Thank you</a:t>
-            </a:r>
-          </a:p>
-        </p:txBody>
-      </p:sp>
-      <p:sp>
-        <p:nvSpPr>
-          <p:cNvPr id="3" name="Text Placeholder 2">
-            <a:extLst>
-              <a:ext uri="{FF2B5EF4-FFF2-40B4-BE49-F238E27FC236}">
-                <a16:creationId xmlns:a16="http://schemas.microsoft.com/office/drawing/2014/main" id="{1D1EDDDB-BF45-4C61-823B-9FB45ED6F51F}"/>
-              </a:ext>
-            </a:extLst>
-          </p:cNvPr>
-          <p:cNvSpPr>
-            <a:spLocks noGrp="1"/>
-          </p:cNvSpPr>
-          <p:nvPr>
-            <p:ph type="body" sz="half" idx="1"/>
-          </p:nvPr>
-        </p:nvSpPr>
-        <p:spPr/>
-        <p:txBody>
-          <a:bodyPr/>
-          <a:lstStyle/>
-          <a:p>
-            <a:endParaRPr lang="en-US"/>
-          </a:p>
-        </p:txBody>
-      </p:sp>
-    </p:spTree>
-    <p:extLst>
-      <p:ext uri="{BB962C8B-B14F-4D97-AF65-F5344CB8AC3E}">
-        <p14:creationId xmlns:p14="http://schemas.microsoft.com/office/powerpoint/2010/main" val="2384320704"/>
       </p:ext>
     </p:extLst>
   </p:cSld>
@@ -17184,22 +15839,6 @@
 </file>
 
 <file path=customXml/item1.xml><?xml version="1.0" encoding="utf-8"?>
-<p:properties xmlns:p="http://schemas.microsoft.com/office/2006/metadata/properties" xmlns:xsi="http://www.w3.org/2001/XMLSchema-instance" xmlns:pc="http://schemas.microsoft.com/office/infopath/2007/PartnerControls">
-  <documentManagement>
-    <_dlc_DocId xmlns="ee5a019c-1afb-4a7f-aa3c-a300d54b8a94">4ZA6FPYH4N22-134279970-49061</_dlc_DocId>
-    <_dlc_DocIdUrl xmlns="ee5a019c-1afb-4a7f-aa3c-a300d54b8a94">
-      <Url>https://accedia.sharepoint.com/sites/fileshare/bizdev/_layouts/15/DocIdRedir.aspx?ID=4ZA6FPYH4N22-134279970-49061</Url>
-      <Description>4ZA6FPYH4N22-134279970-49061</Description>
-    </_dlc_DocIdUrl>
-    <TaxCatchAll xmlns="ee5a019c-1afb-4a7f-aa3c-a300d54b8a94" xsi:nil="true"/>
-    <lcf76f155ced4ddcb4097134ff3c332f xmlns="3d51c85a-c808-4fa3-a7c4-399d30d41b71">
-      <Terms xmlns="http://schemas.microsoft.com/office/infopath/2007/PartnerControls"/>
-    </lcf76f155ced4ddcb4097134ff3c332f>
-  </documentManagement>
-</p:properties>
-</file>
-
-<file path=customXml/item2.xml><?xml version="1.0" encoding="utf-8"?>
 <?mso-contentType ?>
 <spe:Receivers xmlns:spe="http://schemas.microsoft.com/sharepoint/events">
   <Receiver>
@@ -17249,7 +15888,32 @@
 </spe:Receivers>
 </file>
 
+<file path=customXml/item2.xml><?xml version="1.0" encoding="utf-8"?>
+<p:properties xmlns:p="http://schemas.microsoft.com/office/2006/metadata/properties" xmlns:xsi="http://www.w3.org/2001/XMLSchema-instance" xmlns:pc="http://schemas.microsoft.com/office/infopath/2007/PartnerControls">
+  <documentManagement>
+    <_dlc_DocId xmlns="ee5a019c-1afb-4a7f-aa3c-a300d54b8a94">4ZA6FPYH4N22-134279970-49061</_dlc_DocId>
+    <_dlc_DocIdUrl xmlns="ee5a019c-1afb-4a7f-aa3c-a300d54b8a94">
+      <Url>https://accedia.sharepoint.com/sites/fileshare/bizdev/_layouts/15/DocIdRedir.aspx?ID=4ZA6FPYH4N22-134279970-49061</Url>
+      <Description>4ZA6FPYH4N22-134279970-49061</Description>
+    </_dlc_DocIdUrl>
+    <TaxCatchAll xmlns="ee5a019c-1afb-4a7f-aa3c-a300d54b8a94" xsi:nil="true"/>
+    <lcf76f155ced4ddcb4097134ff3c332f xmlns="3d51c85a-c808-4fa3-a7c4-399d30d41b71">
+      <Terms xmlns="http://schemas.microsoft.com/office/infopath/2007/PartnerControls"/>
+    </lcf76f155ced4ddcb4097134ff3c332f>
+  </documentManagement>
+</p:properties>
+</file>
+
 <file path=customXml/item3.xml><?xml version="1.0" encoding="utf-8"?>
+<?mso-contentType ?>
+<FormTemplates xmlns="http://schemas.microsoft.com/sharepoint/v3/contenttype/forms">
+  <Display>DocumentLibraryForm</Display>
+  <Edit>DocumentLibraryForm</Edit>
+  <New>DocumentLibraryForm</New>
+</FormTemplates>
+</file>
+
+<file path=customXml/item4.xml><?xml version="1.0" encoding="utf-8"?>
 <ct:contentTypeSchema xmlns:ct="http://schemas.microsoft.com/office/2006/metadata/contentType" xmlns:ma="http://schemas.microsoft.com/office/2006/metadata/properties/metaAttributes" ct:_="" ma:_="" ma:contentTypeName="Document" ma:contentTypeID="0x0101003F118A156F01C84E8E5E451D60C9243C" ma:contentTypeVersion="18" ma:contentTypeDescription="Create a new document." ma:contentTypeScope="" ma:versionID="81bba4710e6ed34fea4bd7f33693d27f">
   <xsd:schema xmlns:xsd="http://www.w3.org/2001/XMLSchema" xmlns:xs="http://www.w3.org/2001/XMLSchema" xmlns:p="http://schemas.microsoft.com/office/2006/metadata/properties" xmlns:ns2="ee5a019c-1afb-4a7f-aa3c-a300d54b8a94" xmlns:ns3="3d51c85a-c808-4fa3-a7c4-399d30d41b71" xmlns:ns4="cabbaafa-9d61-4c96-bf36-3d40c487f168" targetNamespace="http://schemas.microsoft.com/office/2006/metadata/properties" ma:root="true" ma:fieldsID="ea50bd8bc227bb2cc5fe2d0a23ee5167" ns2:_="" ns3:_="" ns4:_="">
     <xsd:import namespace="ee5a019c-1afb-4a7f-aa3c-a300d54b8a94"/>
@@ -17522,16 +16186,15 @@
 </ct:contentTypeSchema>
 </file>
 
-<file path=customXml/item4.xml><?xml version="1.0" encoding="utf-8"?>
-<?mso-contentType ?>
-<FormTemplates xmlns="http://schemas.microsoft.com/sharepoint/v3/contenttype/forms">
-  <Display>DocumentLibraryForm</Display>
-  <Edit>DocumentLibraryForm</Edit>
-  <New>DocumentLibraryForm</New>
-</FormTemplates>
+<file path=customXml/itemProps1.xml><?xml version="1.0" encoding="utf-8"?>
+<ds:datastoreItem xmlns:ds="http://schemas.openxmlformats.org/officeDocument/2006/customXml" ds:itemID="{23731FFE-AA89-41C8-A8D1-96335015AC7D}">
+  <ds:schemaRefs>
+    <ds:schemaRef ds:uri="http://schemas.microsoft.com/sharepoint/events"/>
+  </ds:schemaRefs>
+</ds:datastoreItem>
 </file>
 
-<file path=customXml/itemProps1.xml><?xml version="1.0" encoding="utf-8"?>
+<file path=customXml/itemProps2.xml><?xml version="1.0" encoding="utf-8"?>
 <ds:datastoreItem xmlns:ds="http://schemas.openxmlformats.org/officeDocument/2006/customXml" ds:itemID="{28013F97-F744-428B-8504-911AB7D87FBC}">
   <ds:schemaRefs>
     <ds:schemaRef ds:uri="ee5a019c-1afb-4a7f-aa3c-a300d54b8a94"/>
@@ -17542,15 +16205,15 @@
 </ds:datastoreItem>
 </file>
 
-<file path=customXml/itemProps2.xml><?xml version="1.0" encoding="utf-8"?>
-<ds:datastoreItem xmlns:ds="http://schemas.openxmlformats.org/officeDocument/2006/customXml" ds:itemID="{23731FFE-AA89-41C8-A8D1-96335015AC7D}">
+<file path=customXml/itemProps3.xml><?xml version="1.0" encoding="utf-8"?>
+<ds:datastoreItem xmlns:ds="http://schemas.openxmlformats.org/officeDocument/2006/customXml" ds:itemID="{450D9D61-AB1C-42DB-97B3-F16948BBEDA5}">
   <ds:schemaRefs>
-    <ds:schemaRef ds:uri="http://schemas.microsoft.com/sharepoint/events"/>
+    <ds:schemaRef ds:uri="http://schemas.microsoft.com/sharepoint/v3/contenttype/forms"/>
   </ds:schemaRefs>
 </ds:datastoreItem>
 </file>
 
-<file path=customXml/itemProps3.xml><?xml version="1.0" encoding="utf-8"?>
+<file path=customXml/itemProps4.xml><?xml version="1.0" encoding="utf-8"?>
 <ds:datastoreItem xmlns:ds="http://schemas.openxmlformats.org/officeDocument/2006/customXml" ds:itemID="{D75CE82B-2AB8-470D-8DBA-A4AFD7F9BDEE}">
   <ds:schemaRefs>
     <ds:schemaRef ds:uri="http://schemas.microsoft.com/office/2006/metadata/contentType"/>
@@ -17568,12 +16231,4 @@
     <ds:schemaRef ds:uri="http://schemas.microsoft.com/internal/obd"/>
   </ds:schemaRefs>
 </ds:datastoreItem>
-</file>
-
-<file path=customXml/itemProps4.xml><?xml version="1.0" encoding="utf-8"?>
-<ds:datastoreItem xmlns:ds="http://schemas.openxmlformats.org/officeDocument/2006/customXml" ds:itemID="{450D9D61-AB1C-42DB-97B3-F16948BBEDA5}">
-  <ds:schemaRefs>
-    <ds:schemaRef ds:uri="http://schemas.microsoft.com/sharepoint/v3/contenttype/forms"/>
-  </ds:schemaRefs>
-</ds:datastoreItem>
 </file>